--- a/Presentations/SAIKS Assignment final.pptx
+++ b/Presentations/SAIKS Assignment final.pptx
@@ -253,7 +253,7 @@
           </a:bodyPr>
           <a:p>
             <a:pPr algn="r"/>
-            <a:fld id="{A7C06E1B-E5EA-4F9E-BB7A-D0244E52906B}" type="slidenum">
+            <a:fld id="{6BF9417A-BDF4-4256-A3F4-D5D1003CF2A6}" type="slidenum">
               <a:rPr b="0" lang="en-GB" sz="1400" spc="-1" strike="noStrike">
                 <a:latin typeface="Times New Roman"/>
               </a:rPr>
@@ -301,7 +301,7 @@
         <p:spPr>
           <a:xfrm>
             <a:off x="380880" y="685800"/>
-            <a:ext cx="6095160" cy="3428280"/>
+            <a:ext cx="6094800" cy="3427920"/>
           </a:xfrm>
           <a:prstGeom prst="rect">
             <a:avLst/>
@@ -321,7 +321,7 @@
         <p:spPr>
           <a:xfrm>
             <a:off x="685800" y="4343400"/>
-            <a:ext cx="5485680" cy="4114080"/>
+            <a:ext cx="5485320" cy="4113720"/>
           </a:xfrm>
           <a:prstGeom prst="rect">
             <a:avLst/>
@@ -347,7 +347,7 @@
         <p:spPr>
           <a:xfrm>
             <a:off x="3884760" y="8685360"/>
-            <a:ext cx="2971080" cy="456480"/>
+            <a:ext cx="2970720" cy="456120"/>
           </a:xfrm>
           <a:prstGeom prst="rect">
             <a:avLst/>
@@ -376,7 +376,7 @@
                 <a:tab algn="l" pos="0"/>
               </a:tabLst>
             </a:pPr>
-            <a:fld id="{85973195-6651-40BE-98E6-294BC955B4DF}" type="slidenum">
+            <a:fld id="{ECBC18F5-1423-4384-AB41-E95266593707}" type="slidenum">
               <a:rPr b="0" lang="de-DE" sz="1200" spc="-1" strike="noStrike">
                 <a:solidFill>
                   <a:srgbClr val="000000"/>
@@ -427,7 +427,7 @@
         <p:spPr>
           <a:xfrm>
             <a:off x="380880" y="685800"/>
-            <a:ext cx="6095160" cy="3428280"/>
+            <a:ext cx="6094800" cy="3427920"/>
           </a:xfrm>
           <a:prstGeom prst="rect">
             <a:avLst/>
@@ -447,7 +447,7 @@
         <p:spPr>
           <a:xfrm>
             <a:off x="685800" y="4343400"/>
-            <a:ext cx="5485680" cy="4114080"/>
+            <a:ext cx="5485320" cy="4113720"/>
           </a:xfrm>
           <a:prstGeom prst="rect">
             <a:avLst/>
@@ -473,7 +473,7 @@
         <p:spPr>
           <a:xfrm>
             <a:off x="3884760" y="8685360"/>
-            <a:ext cx="2971080" cy="456480"/>
+            <a:ext cx="2970720" cy="456120"/>
           </a:xfrm>
           <a:prstGeom prst="rect">
             <a:avLst/>
@@ -502,7 +502,7 @@
                 <a:tab algn="l" pos="0"/>
               </a:tabLst>
             </a:pPr>
-            <a:fld id="{9587BAAC-3E5C-4710-BB1D-18C233DA6CBE}" type="slidenum">
+            <a:fld id="{687FA019-BE41-4A85-9912-08EB20AF1432}" type="slidenum">
               <a:rPr b="0" lang="de-DE" sz="1200" spc="-1" strike="noStrike">
                 <a:solidFill>
                   <a:srgbClr val="000000"/>
@@ -553,7 +553,7 @@
         <p:spPr>
           <a:xfrm>
             <a:off x="380880" y="685800"/>
-            <a:ext cx="6095160" cy="3428280"/>
+            <a:ext cx="6094800" cy="3427920"/>
           </a:xfrm>
           <a:prstGeom prst="rect">
             <a:avLst/>
@@ -573,7 +573,7 @@
         <p:spPr>
           <a:xfrm>
             <a:off x="685800" y="4343400"/>
-            <a:ext cx="5485680" cy="4114080"/>
+            <a:ext cx="5485320" cy="4113720"/>
           </a:xfrm>
           <a:prstGeom prst="rect">
             <a:avLst/>
@@ -599,7 +599,7 @@
         <p:spPr>
           <a:xfrm>
             <a:off x="3884760" y="8685360"/>
-            <a:ext cx="2971080" cy="456480"/>
+            <a:ext cx="2970720" cy="456120"/>
           </a:xfrm>
           <a:prstGeom prst="rect">
             <a:avLst/>
@@ -628,11 +628,14 @@
                 <a:tab algn="l" pos="0"/>
               </a:tabLst>
             </a:pPr>
-            <a:fld id="{D1419E6C-1047-43AB-9E63-ADBBF54D0E1F}" type="slidenum">
+            <a:fld id="{5F480269-565A-42EE-BB4E-12AF0B9E4503}" type="slidenum">
               <a:rPr b="0" lang="de-DE" sz="1400" spc="-1" strike="noStrike">
+                <a:solidFill>
+                  <a:srgbClr val="000000"/>
+                </a:solidFill>
                 <a:latin typeface="Times New Roman"/>
               </a:rPr>
-              <a:t>1</a:t>
+              <a:t>&lt;number&gt;</a:t>
             </a:fld>
             <a:endParaRPr b="0" lang="en-GB" sz="1400" spc="-1" strike="noStrike">
               <a:latin typeface="Arial"/>
@@ -645,7 +648,7 @@
 </p:notes>
 </file>
 
-<file path=ppt/notesSlides/notesSlide4.xml><?xml version="1.0" encoding="utf-8"?>
+<file path=ppt/notesSlides/notesSlide5.xml><?xml version="1.0" encoding="utf-8"?>
 <p:notes xmlns:a="http://schemas.openxmlformats.org/drawingml/2006/main" xmlns:p="http://schemas.openxmlformats.org/presentationml/2006/main" xmlns:r="http://schemas.openxmlformats.org/officeDocument/2006/relationships" xmlns:p14="http://schemas.microsoft.com/office/powerpoint/2010/main" xmlns:p15="http://schemas.microsoft.com/office/powerpoint/2012/main" xmlns:mc="http://schemas.openxmlformats.org/markup-compatibility/2006">
   <p:cSld>
     <p:spTree>
@@ -675,7 +678,7 @@
         <p:spPr>
           <a:xfrm>
             <a:off x="380880" y="685800"/>
-            <a:ext cx="6095160" cy="3428280"/>
+            <a:ext cx="6094800" cy="3427920"/>
           </a:xfrm>
           <a:prstGeom prst="rect">
             <a:avLst/>
@@ -695,7 +698,7 @@
         <p:spPr>
           <a:xfrm>
             <a:off x="685800" y="4343400"/>
-            <a:ext cx="5485680" cy="4114080"/>
+            <a:ext cx="5485320" cy="4113720"/>
           </a:xfrm>
           <a:prstGeom prst="rect">
             <a:avLst/>
@@ -721,7 +724,7 @@
         <p:spPr>
           <a:xfrm>
             <a:off x="3884760" y="8685360"/>
-            <a:ext cx="2971080" cy="456480"/>
+            <a:ext cx="2970720" cy="456120"/>
           </a:xfrm>
           <a:prstGeom prst="rect">
             <a:avLst/>
@@ -750,11 +753,14 @@
                 <a:tab algn="l" pos="0"/>
               </a:tabLst>
             </a:pPr>
-            <a:fld id="{1CCBE9FB-0552-41C3-AF65-8EA3E6F8AB42}" type="slidenum">
+            <a:fld id="{BC039EE5-55AB-4B17-9AD6-C750F1B0E9C7}" type="slidenum">
               <a:rPr b="0" lang="de-DE" sz="1400" spc="-1" strike="noStrike">
+                <a:solidFill>
+                  <a:srgbClr val="000000"/>
+                </a:solidFill>
                 <a:latin typeface="Times New Roman"/>
               </a:rPr>
-              <a:t>1</a:t>
+              <a:t>&lt;number&gt;</a:t>
             </a:fld>
             <a:endParaRPr b="0" lang="en-GB" sz="1400" spc="-1" strike="noStrike">
               <a:latin typeface="Arial"/>
@@ -2789,7 +2795,7 @@
       </p:grpSpPr>
       <p:sp>
         <p:nvSpPr>
-          <p:cNvPr id="95" name="PlaceHolder 1"/>
+          <p:cNvPr id="96" name="PlaceHolder 1"/>
           <p:cNvSpPr>
             <a:spLocks noGrp="1"/>
           </p:cNvSpPr>
@@ -2820,7 +2826,7 @@
       </p:sp>
       <p:sp>
         <p:nvSpPr>
-          <p:cNvPr id="96" name="PlaceHolder 2"/>
+          <p:cNvPr id="97" name="PlaceHolder 2"/>
           <p:cNvSpPr>
             <a:spLocks noGrp="1"/>
           </p:cNvSpPr>
@@ -2873,7 +2879,7 @@
       </p:grpSpPr>
       <p:sp>
         <p:nvSpPr>
-          <p:cNvPr id="97" name="PlaceHolder 1"/>
+          <p:cNvPr id="98" name="PlaceHolder 1"/>
           <p:cNvSpPr>
             <a:spLocks noGrp="1"/>
           </p:cNvSpPr>
@@ -2904,7 +2910,7 @@
       </p:sp>
       <p:sp>
         <p:nvSpPr>
-          <p:cNvPr id="98" name="PlaceHolder 2"/>
+          <p:cNvPr id="99" name="PlaceHolder 2"/>
           <p:cNvSpPr>
             <a:spLocks noGrp="1"/>
           </p:cNvSpPr>
@@ -2956,7 +2962,7 @@
       </p:grpSpPr>
       <p:sp>
         <p:nvSpPr>
-          <p:cNvPr id="99" name="PlaceHolder 1"/>
+          <p:cNvPr id="100" name="PlaceHolder 1"/>
           <p:cNvSpPr>
             <a:spLocks noGrp="1"/>
           </p:cNvSpPr>
@@ -2987,7 +2993,7 @@
       </p:sp>
       <p:sp>
         <p:nvSpPr>
-          <p:cNvPr id="100" name="PlaceHolder 2"/>
+          <p:cNvPr id="101" name="PlaceHolder 2"/>
           <p:cNvSpPr>
             <a:spLocks noGrp="1"/>
           </p:cNvSpPr>
@@ -3017,7 +3023,7 @@
       </p:sp>
       <p:sp>
         <p:nvSpPr>
-          <p:cNvPr id="101" name="PlaceHolder 3"/>
+          <p:cNvPr id="102" name="PlaceHolder 3"/>
           <p:cNvSpPr>
             <a:spLocks noGrp="1"/>
           </p:cNvSpPr>
@@ -3069,7 +3075,7 @@
       </p:grpSpPr>
       <p:sp>
         <p:nvSpPr>
-          <p:cNvPr id="102" name="PlaceHolder 1"/>
+          <p:cNvPr id="103" name="PlaceHolder 1"/>
           <p:cNvSpPr>
             <a:spLocks noGrp="1"/>
           </p:cNvSpPr>
@@ -3205,7 +3211,7 @@
       </p:grpSpPr>
       <p:sp>
         <p:nvSpPr>
-          <p:cNvPr id="103" name="PlaceHolder 1"/>
+          <p:cNvPr id="104" name="PlaceHolder 1"/>
           <p:cNvSpPr>
             <a:spLocks noGrp="1"/>
           </p:cNvSpPr>
@@ -3258,7 +3264,7 @@
       </p:grpSpPr>
       <p:sp>
         <p:nvSpPr>
-          <p:cNvPr id="104" name="PlaceHolder 1"/>
+          <p:cNvPr id="105" name="PlaceHolder 1"/>
           <p:cNvSpPr>
             <a:spLocks noGrp="1"/>
           </p:cNvSpPr>
@@ -3289,7 +3295,7 @@
       </p:sp>
       <p:sp>
         <p:nvSpPr>
-          <p:cNvPr id="105" name="PlaceHolder 2"/>
+          <p:cNvPr id="106" name="PlaceHolder 2"/>
           <p:cNvSpPr>
             <a:spLocks noGrp="1"/>
           </p:cNvSpPr>
@@ -3319,7 +3325,7 @@
       </p:sp>
       <p:sp>
         <p:nvSpPr>
-          <p:cNvPr id="106" name="PlaceHolder 3"/>
+          <p:cNvPr id="107" name="PlaceHolder 3"/>
           <p:cNvSpPr>
             <a:spLocks noGrp="1"/>
           </p:cNvSpPr>
@@ -3349,7 +3355,7 @@
       </p:sp>
       <p:sp>
         <p:nvSpPr>
-          <p:cNvPr id="107" name="PlaceHolder 4"/>
+          <p:cNvPr id="108" name="PlaceHolder 4"/>
           <p:cNvSpPr>
             <a:spLocks noGrp="1"/>
           </p:cNvSpPr>
@@ -3401,7 +3407,7 @@
       </p:grpSpPr>
       <p:sp>
         <p:nvSpPr>
-          <p:cNvPr id="108" name="PlaceHolder 1"/>
+          <p:cNvPr id="109" name="PlaceHolder 1"/>
           <p:cNvSpPr>
             <a:spLocks noGrp="1"/>
           </p:cNvSpPr>
@@ -3432,7 +3438,7 @@
       </p:sp>
       <p:sp>
         <p:nvSpPr>
-          <p:cNvPr id="109" name="PlaceHolder 2"/>
+          <p:cNvPr id="110" name="PlaceHolder 2"/>
           <p:cNvSpPr>
             <a:spLocks noGrp="1"/>
           </p:cNvSpPr>
@@ -3462,7 +3468,7 @@
       </p:sp>
       <p:sp>
         <p:nvSpPr>
-          <p:cNvPr id="110" name="PlaceHolder 3"/>
+          <p:cNvPr id="111" name="PlaceHolder 3"/>
           <p:cNvSpPr>
             <a:spLocks noGrp="1"/>
           </p:cNvSpPr>
@@ -3492,7 +3498,7 @@
       </p:sp>
       <p:sp>
         <p:nvSpPr>
-          <p:cNvPr id="111" name="PlaceHolder 4"/>
+          <p:cNvPr id="112" name="PlaceHolder 4"/>
           <p:cNvSpPr>
             <a:spLocks noGrp="1"/>
           </p:cNvSpPr>
@@ -3544,7 +3550,7 @@
       </p:grpSpPr>
       <p:sp>
         <p:nvSpPr>
-          <p:cNvPr id="112" name="PlaceHolder 1"/>
+          <p:cNvPr id="113" name="PlaceHolder 1"/>
           <p:cNvSpPr>
             <a:spLocks noGrp="1"/>
           </p:cNvSpPr>
@@ -3575,7 +3581,7 @@
       </p:sp>
       <p:sp>
         <p:nvSpPr>
-          <p:cNvPr id="113" name="PlaceHolder 2"/>
+          <p:cNvPr id="114" name="PlaceHolder 2"/>
           <p:cNvSpPr>
             <a:spLocks noGrp="1"/>
           </p:cNvSpPr>
@@ -3605,7 +3611,7 @@
       </p:sp>
       <p:sp>
         <p:nvSpPr>
-          <p:cNvPr id="114" name="PlaceHolder 3"/>
+          <p:cNvPr id="115" name="PlaceHolder 3"/>
           <p:cNvSpPr>
             <a:spLocks noGrp="1"/>
           </p:cNvSpPr>
@@ -3635,7 +3641,7 @@
       </p:sp>
       <p:sp>
         <p:nvSpPr>
-          <p:cNvPr id="115" name="PlaceHolder 4"/>
+          <p:cNvPr id="116" name="PlaceHolder 4"/>
           <p:cNvSpPr>
             <a:spLocks noGrp="1"/>
           </p:cNvSpPr>
@@ -3687,7 +3693,7 @@
       </p:grpSpPr>
       <p:sp>
         <p:nvSpPr>
-          <p:cNvPr id="116" name="PlaceHolder 1"/>
+          <p:cNvPr id="117" name="PlaceHolder 1"/>
           <p:cNvSpPr>
             <a:spLocks noGrp="1"/>
           </p:cNvSpPr>
@@ -3718,7 +3724,7 @@
       </p:sp>
       <p:sp>
         <p:nvSpPr>
-          <p:cNvPr id="117" name="PlaceHolder 2"/>
+          <p:cNvPr id="118" name="PlaceHolder 2"/>
           <p:cNvSpPr>
             <a:spLocks noGrp="1"/>
           </p:cNvSpPr>
@@ -3748,7 +3754,7 @@
       </p:sp>
       <p:sp>
         <p:nvSpPr>
-          <p:cNvPr id="118" name="PlaceHolder 3"/>
+          <p:cNvPr id="119" name="PlaceHolder 3"/>
           <p:cNvSpPr>
             <a:spLocks noGrp="1"/>
           </p:cNvSpPr>
@@ -3800,7 +3806,7 @@
       </p:grpSpPr>
       <p:sp>
         <p:nvSpPr>
-          <p:cNvPr id="119" name="PlaceHolder 1"/>
+          <p:cNvPr id="120" name="PlaceHolder 1"/>
           <p:cNvSpPr>
             <a:spLocks noGrp="1"/>
           </p:cNvSpPr>
@@ -3831,7 +3837,7 @@
       </p:sp>
       <p:sp>
         <p:nvSpPr>
-          <p:cNvPr id="120" name="PlaceHolder 2"/>
+          <p:cNvPr id="121" name="PlaceHolder 2"/>
           <p:cNvSpPr>
             <a:spLocks noGrp="1"/>
           </p:cNvSpPr>
@@ -3861,7 +3867,7 @@
       </p:sp>
       <p:sp>
         <p:nvSpPr>
-          <p:cNvPr id="121" name="PlaceHolder 3"/>
+          <p:cNvPr id="122" name="PlaceHolder 3"/>
           <p:cNvSpPr>
             <a:spLocks noGrp="1"/>
           </p:cNvSpPr>
@@ -3891,7 +3897,7 @@
       </p:sp>
       <p:sp>
         <p:nvSpPr>
-          <p:cNvPr id="122" name="PlaceHolder 4"/>
+          <p:cNvPr id="123" name="PlaceHolder 4"/>
           <p:cNvSpPr>
             <a:spLocks noGrp="1"/>
           </p:cNvSpPr>
@@ -3921,7 +3927,7 @@
       </p:sp>
       <p:sp>
         <p:nvSpPr>
-          <p:cNvPr id="123" name="PlaceHolder 5"/>
+          <p:cNvPr id="124" name="PlaceHolder 5"/>
           <p:cNvSpPr>
             <a:spLocks noGrp="1"/>
           </p:cNvSpPr>
@@ -3973,7 +3979,7 @@
       </p:grpSpPr>
       <p:sp>
         <p:nvSpPr>
-          <p:cNvPr id="124" name="PlaceHolder 1"/>
+          <p:cNvPr id="125" name="PlaceHolder 1"/>
           <p:cNvSpPr>
             <a:spLocks noGrp="1"/>
           </p:cNvSpPr>
@@ -4004,7 +4010,7 @@
       </p:sp>
       <p:sp>
         <p:nvSpPr>
-          <p:cNvPr id="125" name="PlaceHolder 2"/>
+          <p:cNvPr id="126" name="PlaceHolder 2"/>
           <p:cNvSpPr>
             <a:spLocks noGrp="1"/>
           </p:cNvSpPr>
@@ -4034,7 +4040,7 @@
       </p:sp>
       <p:sp>
         <p:nvSpPr>
-          <p:cNvPr id="126" name="PlaceHolder 3"/>
+          <p:cNvPr id="127" name="PlaceHolder 3"/>
           <p:cNvSpPr>
             <a:spLocks noGrp="1"/>
           </p:cNvSpPr>
@@ -4064,7 +4070,7 @@
       </p:sp>
       <p:sp>
         <p:nvSpPr>
-          <p:cNvPr id="127" name="PlaceHolder 4"/>
+          <p:cNvPr id="128" name="PlaceHolder 4"/>
           <p:cNvSpPr>
             <a:spLocks noGrp="1"/>
           </p:cNvSpPr>
@@ -4094,7 +4100,7 @@
       </p:sp>
       <p:sp>
         <p:nvSpPr>
-          <p:cNvPr id="128" name="PlaceHolder 5"/>
+          <p:cNvPr id="129" name="PlaceHolder 5"/>
           <p:cNvSpPr>
             <a:spLocks noGrp="1"/>
           </p:cNvSpPr>
@@ -4124,7 +4130,7 @@
       </p:sp>
       <p:sp>
         <p:nvSpPr>
-          <p:cNvPr id="129" name="PlaceHolder 6"/>
+          <p:cNvPr id="130" name="PlaceHolder 6"/>
           <p:cNvSpPr>
             <a:spLocks noGrp="1"/>
           </p:cNvSpPr>
@@ -4154,7 +4160,7 @@
       </p:sp>
       <p:sp>
         <p:nvSpPr>
-          <p:cNvPr id="130" name="PlaceHolder 7"/>
+          <p:cNvPr id="131" name="PlaceHolder 7"/>
           <p:cNvSpPr>
             <a:spLocks noGrp="1"/>
           </p:cNvSpPr>
@@ -4228,7 +4234,7 @@
       </p:grpSpPr>
       <p:sp>
         <p:nvSpPr>
-          <p:cNvPr id="138" name="PlaceHolder 1"/>
+          <p:cNvPr id="139" name="PlaceHolder 1"/>
           <p:cNvSpPr>
             <a:spLocks noGrp="1"/>
           </p:cNvSpPr>
@@ -4259,7 +4265,7 @@
       </p:sp>
       <p:sp>
         <p:nvSpPr>
-          <p:cNvPr id="139" name="PlaceHolder 2"/>
+          <p:cNvPr id="140" name="PlaceHolder 2"/>
           <p:cNvSpPr>
             <a:spLocks noGrp="1"/>
           </p:cNvSpPr>
@@ -4312,7 +4318,7 @@
       </p:grpSpPr>
       <p:sp>
         <p:nvSpPr>
-          <p:cNvPr id="140" name="PlaceHolder 1"/>
+          <p:cNvPr id="141" name="PlaceHolder 1"/>
           <p:cNvSpPr>
             <a:spLocks noGrp="1"/>
           </p:cNvSpPr>
@@ -4343,7 +4349,7 @@
       </p:sp>
       <p:sp>
         <p:nvSpPr>
-          <p:cNvPr id="141" name="PlaceHolder 2"/>
+          <p:cNvPr id="142" name="PlaceHolder 2"/>
           <p:cNvSpPr>
             <a:spLocks noGrp="1"/>
           </p:cNvSpPr>
@@ -4508,7 +4514,7 @@
       </p:grpSpPr>
       <p:sp>
         <p:nvSpPr>
-          <p:cNvPr id="142" name="PlaceHolder 1"/>
+          <p:cNvPr id="143" name="PlaceHolder 1"/>
           <p:cNvSpPr>
             <a:spLocks noGrp="1"/>
           </p:cNvSpPr>
@@ -4539,7 +4545,7 @@
       </p:sp>
       <p:sp>
         <p:nvSpPr>
-          <p:cNvPr id="143" name="PlaceHolder 2"/>
+          <p:cNvPr id="144" name="PlaceHolder 2"/>
           <p:cNvSpPr>
             <a:spLocks noGrp="1"/>
           </p:cNvSpPr>
@@ -4569,7 +4575,7 @@
       </p:sp>
       <p:sp>
         <p:nvSpPr>
-          <p:cNvPr id="144" name="PlaceHolder 3"/>
+          <p:cNvPr id="145" name="PlaceHolder 3"/>
           <p:cNvSpPr>
             <a:spLocks noGrp="1"/>
           </p:cNvSpPr>
@@ -4621,7 +4627,7 @@
       </p:grpSpPr>
       <p:sp>
         <p:nvSpPr>
-          <p:cNvPr id="145" name="PlaceHolder 1"/>
+          <p:cNvPr id="146" name="PlaceHolder 1"/>
           <p:cNvSpPr>
             <a:spLocks noGrp="1"/>
           </p:cNvSpPr>
@@ -4674,7 +4680,7 @@
       </p:grpSpPr>
       <p:sp>
         <p:nvSpPr>
-          <p:cNvPr id="146" name="PlaceHolder 1"/>
+          <p:cNvPr id="147" name="PlaceHolder 1"/>
           <p:cNvSpPr>
             <a:spLocks noGrp="1"/>
           </p:cNvSpPr>
@@ -4727,7 +4733,7 @@
       </p:grpSpPr>
       <p:sp>
         <p:nvSpPr>
-          <p:cNvPr id="147" name="PlaceHolder 1"/>
+          <p:cNvPr id="148" name="PlaceHolder 1"/>
           <p:cNvSpPr>
             <a:spLocks noGrp="1"/>
           </p:cNvSpPr>
@@ -4758,7 +4764,7 @@
       </p:sp>
       <p:sp>
         <p:nvSpPr>
-          <p:cNvPr id="148" name="PlaceHolder 2"/>
+          <p:cNvPr id="149" name="PlaceHolder 2"/>
           <p:cNvSpPr>
             <a:spLocks noGrp="1"/>
           </p:cNvSpPr>
@@ -4788,7 +4794,7 @@
       </p:sp>
       <p:sp>
         <p:nvSpPr>
-          <p:cNvPr id="149" name="PlaceHolder 3"/>
+          <p:cNvPr id="150" name="PlaceHolder 3"/>
           <p:cNvSpPr>
             <a:spLocks noGrp="1"/>
           </p:cNvSpPr>
@@ -4818,7 +4824,7 @@
       </p:sp>
       <p:sp>
         <p:nvSpPr>
-          <p:cNvPr id="150" name="PlaceHolder 4"/>
+          <p:cNvPr id="151" name="PlaceHolder 4"/>
           <p:cNvSpPr>
             <a:spLocks noGrp="1"/>
           </p:cNvSpPr>
@@ -4870,7 +4876,7 @@
       </p:grpSpPr>
       <p:sp>
         <p:nvSpPr>
-          <p:cNvPr id="151" name="PlaceHolder 1"/>
+          <p:cNvPr id="152" name="PlaceHolder 1"/>
           <p:cNvSpPr>
             <a:spLocks noGrp="1"/>
           </p:cNvSpPr>
@@ -4901,7 +4907,7 @@
       </p:sp>
       <p:sp>
         <p:nvSpPr>
-          <p:cNvPr id="152" name="PlaceHolder 2"/>
+          <p:cNvPr id="153" name="PlaceHolder 2"/>
           <p:cNvSpPr>
             <a:spLocks noGrp="1"/>
           </p:cNvSpPr>
@@ -4931,7 +4937,7 @@
       </p:sp>
       <p:sp>
         <p:nvSpPr>
-          <p:cNvPr id="153" name="PlaceHolder 3"/>
+          <p:cNvPr id="154" name="PlaceHolder 3"/>
           <p:cNvSpPr>
             <a:spLocks noGrp="1"/>
           </p:cNvSpPr>
@@ -4961,7 +4967,7 @@
       </p:sp>
       <p:sp>
         <p:nvSpPr>
-          <p:cNvPr id="154" name="PlaceHolder 4"/>
+          <p:cNvPr id="155" name="PlaceHolder 4"/>
           <p:cNvSpPr>
             <a:spLocks noGrp="1"/>
           </p:cNvSpPr>
@@ -5013,7 +5019,7 @@
       </p:grpSpPr>
       <p:sp>
         <p:nvSpPr>
-          <p:cNvPr id="155" name="PlaceHolder 1"/>
+          <p:cNvPr id="156" name="PlaceHolder 1"/>
           <p:cNvSpPr>
             <a:spLocks noGrp="1"/>
           </p:cNvSpPr>
@@ -5044,7 +5050,7 @@
       </p:sp>
       <p:sp>
         <p:nvSpPr>
-          <p:cNvPr id="156" name="PlaceHolder 2"/>
+          <p:cNvPr id="157" name="PlaceHolder 2"/>
           <p:cNvSpPr>
             <a:spLocks noGrp="1"/>
           </p:cNvSpPr>
@@ -5074,7 +5080,7 @@
       </p:sp>
       <p:sp>
         <p:nvSpPr>
-          <p:cNvPr id="157" name="PlaceHolder 3"/>
+          <p:cNvPr id="158" name="PlaceHolder 3"/>
           <p:cNvSpPr>
             <a:spLocks noGrp="1"/>
           </p:cNvSpPr>
@@ -5104,7 +5110,7 @@
       </p:sp>
       <p:sp>
         <p:nvSpPr>
-          <p:cNvPr id="158" name="PlaceHolder 4"/>
+          <p:cNvPr id="159" name="PlaceHolder 4"/>
           <p:cNvSpPr>
             <a:spLocks noGrp="1"/>
           </p:cNvSpPr>
@@ -5156,7 +5162,7 @@
       </p:grpSpPr>
       <p:sp>
         <p:nvSpPr>
-          <p:cNvPr id="159" name="PlaceHolder 1"/>
+          <p:cNvPr id="160" name="PlaceHolder 1"/>
           <p:cNvSpPr>
             <a:spLocks noGrp="1"/>
           </p:cNvSpPr>
@@ -5187,7 +5193,7 @@
       </p:sp>
       <p:sp>
         <p:nvSpPr>
-          <p:cNvPr id="160" name="PlaceHolder 2"/>
+          <p:cNvPr id="161" name="PlaceHolder 2"/>
           <p:cNvSpPr>
             <a:spLocks noGrp="1"/>
           </p:cNvSpPr>
@@ -5217,7 +5223,7 @@
       </p:sp>
       <p:sp>
         <p:nvSpPr>
-          <p:cNvPr id="161" name="PlaceHolder 3"/>
+          <p:cNvPr id="162" name="PlaceHolder 3"/>
           <p:cNvSpPr>
             <a:spLocks noGrp="1"/>
           </p:cNvSpPr>
@@ -5269,7 +5275,7 @@
       </p:grpSpPr>
       <p:sp>
         <p:nvSpPr>
-          <p:cNvPr id="162" name="PlaceHolder 1"/>
+          <p:cNvPr id="163" name="PlaceHolder 1"/>
           <p:cNvSpPr>
             <a:spLocks noGrp="1"/>
           </p:cNvSpPr>
@@ -5300,7 +5306,7 @@
       </p:sp>
       <p:sp>
         <p:nvSpPr>
-          <p:cNvPr id="163" name="PlaceHolder 2"/>
+          <p:cNvPr id="164" name="PlaceHolder 2"/>
           <p:cNvSpPr>
             <a:spLocks noGrp="1"/>
           </p:cNvSpPr>
@@ -5330,7 +5336,7 @@
       </p:sp>
       <p:sp>
         <p:nvSpPr>
-          <p:cNvPr id="164" name="PlaceHolder 3"/>
+          <p:cNvPr id="165" name="PlaceHolder 3"/>
           <p:cNvSpPr>
             <a:spLocks noGrp="1"/>
           </p:cNvSpPr>
@@ -5360,7 +5366,7 @@
       </p:sp>
       <p:sp>
         <p:nvSpPr>
-          <p:cNvPr id="165" name="PlaceHolder 4"/>
+          <p:cNvPr id="166" name="PlaceHolder 4"/>
           <p:cNvSpPr>
             <a:spLocks noGrp="1"/>
           </p:cNvSpPr>
@@ -5390,7 +5396,7 @@
       </p:sp>
       <p:sp>
         <p:nvSpPr>
-          <p:cNvPr id="166" name="PlaceHolder 5"/>
+          <p:cNvPr id="167" name="PlaceHolder 5"/>
           <p:cNvSpPr>
             <a:spLocks noGrp="1"/>
           </p:cNvSpPr>
@@ -5442,7 +5448,7 @@
       </p:grpSpPr>
       <p:sp>
         <p:nvSpPr>
-          <p:cNvPr id="167" name="PlaceHolder 1"/>
+          <p:cNvPr id="168" name="PlaceHolder 1"/>
           <p:cNvSpPr>
             <a:spLocks noGrp="1"/>
           </p:cNvSpPr>
@@ -5473,7 +5479,7 @@
       </p:sp>
       <p:sp>
         <p:nvSpPr>
-          <p:cNvPr id="168" name="PlaceHolder 2"/>
+          <p:cNvPr id="169" name="PlaceHolder 2"/>
           <p:cNvSpPr>
             <a:spLocks noGrp="1"/>
           </p:cNvSpPr>
@@ -5503,7 +5509,7 @@
       </p:sp>
       <p:sp>
         <p:nvSpPr>
-          <p:cNvPr id="169" name="PlaceHolder 3"/>
+          <p:cNvPr id="170" name="PlaceHolder 3"/>
           <p:cNvSpPr>
             <a:spLocks noGrp="1"/>
           </p:cNvSpPr>
@@ -5533,7 +5539,7 @@
       </p:sp>
       <p:sp>
         <p:nvSpPr>
-          <p:cNvPr id="170" name="PlaceHolder 4"/>
+          <p:cNvPr id="171" name="PlaceHolder 4"/>
           <p:cNvSpPr>
             <a:spLocks noGrp="1"/>
           </p:cNvSpPr>
@@ -5563,7 +5569,7 @@
       </p:sp>
       <p:sp>
         <p:nvSpPr>
-          <p:cNvPr id="171" name="PlaceHolder 5"/>
+          <p:cNvPr id="172" name="PlaceHolder 5"/>
           <p:cNvSpPr>
             <a:spLocks noGrp="1"/>
           </p:cNvSpPr>
@@ -5593,7 +5599,7 @@
       </p:sp>
       <p:sp>
         <p:nvSpPr>
-          <p:cNvPr id="172" name="PlaceHolder 6"/>
+          <p:cNvPr id="173" name="PlaceHolder 6"/>
           <p:cNvSpPr>
             <a:spLocks noGrp="1"/>
           </p:cNvSpPr>
@@ -5623,7 +5629,7 @@
       </p:sp>
       <p:sp>
         <p:nvSpPr>
-          <p:cNvPr id="173" name="PlaceHolder 7"/>
+          <p:cNvPr id="174" name="PlaceHolder 7"/>
           <p:cNvSpPr>
             <a:spLocks noGrp="1"/>
           </p:cNvSpPr>
@@ -7579,13 +7585,13 @@
         </p:nvPicPr>
         <p:blipFill>
           <a:blip r:embed="rId2"/>
-          <a:srcRect l="0" t="0" r="0" b="24696"/>
+          <a:srcRect l="0" t="0" r="0" b="24694"/>
           <a:stretch/>
         </p:blipFill>
         <p:spPr>
           <a:xfrm>
             <a:off x="0" y="0"/>
-            <a:ext cx="12191400" cy="6857280"/>
+            <a:ext cx="12191040" cy="6856920"/>
           </a:xfrm>
           <a:prstGeom prst="rect">
             <a:avLst/>
@@ -7604,9 +7610,9 @@
         <p:grpSpPr>
           <a:xfrm>
             <a:off x="0" y="2076480"/>
-            <a:ext cx="11522520" cy="4780800"/>
+            <a:ext cx="11522160" cy="4780440"/>
             <a:chOff x="0" y="2076480"/>
-            <a:chExt cx="11522520" cy="4780800"/>
+            <a:chExt cx="11522160" cy="4780440"/>
           </a:xfrm>
         </p:grpSpPr>
         <p:sp>
@@ -7618,7 +7624,7 @@
           <p:spPr>
             <a:xfrm>
               <a:off x="0" y="2076480"/>
-              <a:ext cx="10857600" cy="4780800"/>
+              <a:ext cx="10857240" cy="4780440"/>
             </a:xfrm>
             <a:prstGeom prst="rect">
               <a:avLst/>
@@ -7646,7 +7652,7 @@
           <p:spPr>
             <a:xfrm>
               <a:off x="10170720" y="2076480"/>
-              <a:ext cx="1349640" cy="1011960"/>
+              <a:ext cx="1349280" cy="1011600"/>
             </a:xfrm>
             <a:prstGeom prst="ellipse">
               <a:avLst/>
@@ -7674,7 +7680,7 @@
           <p:spPr>
             <a:xfrm>
               <a:off x="6527880" y="2571840"/>
-              <a:ext cx="4994640" cy="4285440"/>
+              <a:ext cx="4994280" cy="4285080"/>
             </a:xfrm>
             <a:prstGeom prst="rect">
               <a:avLst/>
@@ -7707,7 +7713,7 @@
         <p:spPr>
           <a:xfrm>
             <a:off x="191520" y="188640"/>
-            <a:ext cx="3707640" cy="1404360"/>
+            <a:ext cx="3707280" cy="1404000"/>
           </a:xfrm>
           <a:prstGeom prst="rect">
             <a:avLst/>
@@ -7746,7 +7752,49 @@
               <a:rPr b="0" lang="en-GB" sz="4400" spc="-1" strike="noStrike">
                 <a:latin typeface="Arial"/>
               </a:rPr>
-              <a:t>Click to edit the title text format</a:t>
+              <a:t>Clic</a:t>
+            </a:r>
+            <a:r>
+              <a:rPr b="0" lang="en-GB" sz="4400" spc="-1" strike="noStrike">
+                <a:latin typeface="Arial"/>
+              </a:rPr>
+              <a:t>k to </a:t>
+            </a:r>
+            <a:r>
+              <a:rPr b="0" lang="en-GB" sz="4400" spc="-1" strike="noStrike">
+                <a:latin typeface="Arial"/>
+              </a:rPr>
+              <a:t>edit </a:t>
+            </a:r>
+            <a:r>
+              <a:rPr b="0" lang="en-GB" sz="4400" spc="-1" strike="noStrike">
+                <a:latin typeface="Arial"/>
+              </a:rPr>
+              <a:t>the </a:t>
+            </a:r>
+            <a:r>
+              <a:rPr b="0" lang="en-GB" sz="4400" spc="-1" strike="noStrike">
+                <a:latin typeface="Arial"/>
+              </a:rPr>
+              <a:t>title </a:t>
+            </a:r>
+            <a:r>
+              <a:rPr b="0" lang="en-GB" sz="4400" spc="-1" strike="noStrike">
+                <a:latin typeface="Arial"/>
+              </a:rPr>
+              <a:t>text </a:t>
+            </a:r>
+            <a:r>
+              <a:rPr b="0" lang="en-GB" sz="4400" spc="-1" strike="noStrike">
+                <a:latin typeface="Arial"/>
+              </a:rPr>
+              <a:t>form</a:t>
+            </a:r>
+            <a:r>
+              <a:rPr b="0" lang="en-GB" sz="4400" spc="-1" strike="noStrike">
+                <a:latin typeface="Arial"/>
+              </a:rPr>
+              <a:t>at</a:t>
             </a:r>
             <a:endParaRPr b="0" lang="en-GB" sz="4400" spc="-1" strike="noStrike">
               <a:latin typeface="Arial"/>
@@ -7793,19 +7841,7 @@
               <a:rPr b="0" lang="en-GB" sz="3200" spc="-1" strike="noStrike">
                 <a:latin typeface="Arial"/>
               </a:rPr>
-              <a:t>Click to edit </a:t>
-            </a:r>
-            <a:r>
-              <a:rPr b="0" lang="en-GB" sz="3200" spc="-1" strike="noStrike">
-                <a:latin typeface="Arial"/>
-              </a:rPr>
-              <a:t>the outline </a:t>
-            </a:r>
-            <a:r>
-              <a:rPr b="0" lang="en-GB" sz="3200" spc="-1" strike="noStrike">
-                <a:latin typeface="Arial"/>
-              </a:rPr>
-              <a:t>text format</a:t>
+              <a:t>Click to edit the outline text format</a:t>
             </a:r>
             <a:endParaRPr b="0" lang="en-GB" sz="3200" spc="-1" strike="noStrike">
               <a:latin typeface="Arial"/>
@@ -7827,19 +7863,7 @@
               <a:rPr b="0" lang="en-GB" sz="2800" spc="-1" strike="noStrike">
                 <a:latin typeface="Arial"/>
               </a:rPr>
-              <a:t>Second </a:t>
-            </a:r>
-            <a:r>
-              <a:rPr b="0" lang="en-GB" sz="2800" spc="-1" strike="noStrike">
-                <a:latin typeface="Arial"/>
-              </a:rPr>
-              <a:t>Outline </a:t>
-            </a:r>
-            <a:r>
-              <a:rPr b="0" lang="en-GB" sz="2800" spc="-1" strike="noStrike">
-                <a:latin typeface="Arial"/>
-              </a:rPr>
-              <a:t>Level</a:t>
+              <a:t>Second Outline Level</a:t>
             </a:r>
             <a:endParaRPr b="0" lang="en-GB" sz="2800" spc="-1" strike="noStrike">
               <a:latin typeface="Arial"/>
@@ -7861,19 +7885,7 @@
               <a:rPr b="0" lang="en-GB" sz="2400" spc="-1" strike="noStrike">
                 <a:latin typeface="Arial"/>
               </a:rPr>
-              <a:t>Third </a:t>
-            </a:r>
-            <a:r>
-              <a:rPr b="0" lang="en-GB" sz="2400" spc="-1" strike="noStrike">
-                <a:latin typeface="Arial"/>
-              </a:rPr>
-              <a:t>Outline </a:t>
-            </a:r>
-            <a:r>
-              <a:rPr b="0" lang="en-GB" sz="2400" spc="-1" strike="noStrike">
-                <a:latin typeface="Arial"/>
-              </a:rPr>
-              <a:t>Level</a:t>
+              <a:t>Third Outline Level</a:t>
             </a:r>
             <a:endParaRPr b="0" lang="en-GB" sz="2400" spc="-1" strike="noStrike">
               <a:latin typeface="Arial"/>
@@ -7895,19 +7907,7 @@
               <a:rPr b="0" lang="en-GB" sz="2000" spc="-1" strike="noStrike">
                 <a:latin typeface="Arial"/>
               </a:rPr>
-              <a:t>Fourth </a:t>
-            </a:r>
-            <a:r>
-              <a:rPr b="0" lang="en-GB" sz="2000" spc="-1" strike="noStrike">
-                <a:latin typeface="Arial"/>
-              </a:rPr>
-              <a:t>Outline </a:t>
-            </a:r>
-            <a:r>
-              <a:rPr b="0" lang="en-GB" sz="2000" spc="-1" strike="noStrike">
-                <a:latin typeface="Arial"/>
-              </a:rPr>
-              <a:t>Level</a:t>
+              <a:t>Fourth Outline Level</a:t>
             </a:r>
             <a:endParaRPr b="0" lang="en-GB" sz="2000" spc="-1" strike="noStrike">
               <a:latin typeface="Arial"/>
@@ -7929,37 +7929,7 @@
               <a:rPr b="0" lang="en-GB" sz="2000" spc="-1" strike="noStrike">
                 <a:latin typeface="Arial"/>
               </a:rPr>
-              <a:t>Fift</a:t>
-            </a:r>
-            <a:r>
-              <a:rPr b="0" lang="en-GB" sz="2000" spc="-1" strike="noStrike">
-                <a:latin typeface="Arial"/>
-              </a:rPr>
-              <a:t>h </a:t>
-            </a:r>
-            <a:r>
-              <a:rPr b="0" lang="en-GB" sz="2000" spc="-1" strike="noStrike">
-                <a:latin typeface="Arial"/>
-              </a:rPr>
-              <a:t>Out</a:t>
-            </a:r>
-            <a:r>
-              <a:rPr b="0" lang="en-GB" sz="2000" spc="-1" strike="noStrike">
-                <a:latin typeface="Arial"/>
-              </a:rPr>
-              <a:t>line </a:t>
-            </a:r>
-            <a:r>
-              <a:rPr b="0" lang="en-GB" sz="2000" spc="-1" strike="noStrike">
-                <a:latin typeface="Arial"/>
-              </a:rPr>
-              <a:t>Lev</a:t>
-            </a:r>
-            <a:r>
-              <a:rPr b="0" lang="en-GB" sz="2000" spc="-1" strike="noStrike">
-                <a:latin typeface="Arial"/>
-              </a:rPr>
-              <a:t>el</a:t>
+              <a:t>Fifth Outline Level</a:t>
             </a:r>
             <a:endParaRPr b="0" lang="en-GB" sz="2000" spc="-1" strike="noStrike">
               <a:latin typeface="Arial"/>
@@ -7981,115 +7951,7 @@
               <a:rPr b="0" lang="en-GB" sz="2000" spc="-1" strike="noStrike">
                 <a:latin typeface="Arial"/>
               </a:rPr>
-              <a:t>S</a:t>
-            </a:r>
-            <a:r>
-              <a:rPr b="0" lang="en-GB" sz="2000" spc="-1" strike="noStrike">
-                <a:latin typeface="Arial"/>
-              </a:rPr>
-              <a:t>i</a:t>
-            </a:r>
-            <a:r>
-              <a:rPr b="0" lang="en-GB" sz="2000" spc="-1" strike="noStrike">
-                <a:latin typeface="Arial"/>
-              </a:rPr>
-              <a:t>x</a:t>
-            </a:r>
-            <a:r>
-              <a:rPr b="0" lang="en-GB" sz="2000" spc="-1" strike="noStrike">
-                <a:latin typeface="Arial"/>
-              </a:rPr>
-              <a:t>t</a:t>
-            </a:r>
-            <a:r>
-              <a:rPr b="0" lang="en-GB" sz="2000" spc="-1" strike="noStrike">
-                <a:latin typeface="Arial"/>
-              </a:rPr>
-              <a:t>h</a:t>
-            </a:r>
-            <a:r>
-              <a:rPr b="0" lang="en-GB" sz="2000" spc="-1" strike="noStrike">
-                <a:latin typeface="Arial"/>
-              </a:rPr>
-              <a:t> </a:t>
-            </a:r>
-            <a:r>
-              <a:rPr b="0" lang="en-GB" sz="2000" spc="-1" strike="noStrike">
-                <a:latin typeface="Arial"/>
-              </a:rPr>
-              <a:t>O</a:t>
-            </a:r>
-            <a:r>
-              <a:rPr b="0" lang="en-GB" sz="2000" spc="-1" strike="noStrike">
-                <a:latin typeface="Arial"/>
-              </a:rPr>
-              <a:t>u</a:t>
-            </a:r>
-            <a:r>
-              <a:rPr b="0" lang="en-GB" sz="2000" spc="-1" strike="noStrike">
-                <a:latin typeface="Arial"/>
-              </a:rPr>
-              <a:t>t</a:t>
-            </a:r>
-            <a:r>
-              <a:rPr b="0" lang="en-GB" sz="2000" spc="-1" strike="noStrike">
-                <a:latin typeface="Arial"/>
-              </a:rPr>
-              <a:t>l</a:t>
-            </a:r>
-            <a:r>
-              <a:rPr b="0" lang="en-GB" sz="2000" spc="-1" strike="noStrike">
-                <a:latin typeface="Arial"/>
-              </a:rPr>
-              <a:t>i</a:t>
-            </a:r>
-            <a:r>
-              <a:rPr b="0" lang="en-GB" sz="2000" spc="-1" strike="noStrike">
-                <a:latin typeface="Arial"/>
-              </a:rPr>
-              <a:t>n</a:t>
-            </a:r>
-            <a:r>
-              <a:rPr b="0" lang="en-GB" sz="2000" spc="-1" strike="noStrike">
-                <a:latin typeface="Arial"/>
-              </a:rPr>
-              <a:t>e</a:t>
-            </a:r>
-            <a:r>
-              <a:rPr b="0" lang="en-GB" sz="2000" spc="-1" strike="noStrike">
-                <a:latin typeface="Arial"/>
-              </a:rPr>
-              <a:t> </a:t>
-            </a:r>
-            <a:r>
-              <a:rPr b="0" lang="en-GB" sz="2000" spc="-1" strike="noStrike">
-                <a:latin typeface="Arial"/>
-              </a:rPr>
-              <a:t>L</a:t>
-            </a:r>
-            <a:r>
-              <a:rPr b="0" lang="en-GB" sz="2000" spc="-1" strike="noStrike">
-                <a:latin typeface="Arial"/>
-              </a:rPr>
-              <a:t>e</a:t>
-            </a:r>
-            <a:r>
-              <a:rPr b="0" lang="en-GB" sz="2000" spc="-1" strike="noStrike">
-                <a:latin typeface="Arial"/>
-              </a:rPr>
-              <a:t>v</a:t>
-            </a:r>
-            <a:r>
-              <a:rPr b="0" lang="en-GB" sz="2000" spc="-1" strike="noStrike">
-                <a:latin typeface="Arial"/>
-              </a:rPr>
-              <a:t>e</a:t>
-            </a:r>
-            <a:r>
-              <a:rPr b="0" lang="en-GB" sz="2000" spc="-1" strike="noStrike">
-                <a:latin typeface="Arial"/>
-              </a:rPr>
-              <a:t>l</a:t>
+              <a:t>Sixth Outline Level</a:t>
             </a:r>
             <a:endParaRPr b="0" lang="en-GB" sz="2000" spc="-1" strike="noStrike">
               <a:latin typeface="Arial"/>
@@ -8111,127 +7973,7 @@
               <a:rPr b="0" lang="en-GB" sz="2000" spc="-1" strike="noStrike">
                 <a:latin typeface="Arial"/>
               </a:rPr>
-              <a:t>S</a:t>
-            </a:r>
-            <a:r>
-              <a:rPr b="0" lang="en-GB" sz="2000" spc="-1" strike="noStrike">
-                <a:latin typeface="Arial"/>
-              </a:rPr>
-              <a:t>e</a:t>
-            </a:r>
-            <a:r>
-              <a:rPr b="0" lang="en-GB" sz="2000" spc="-1" strike="noStrike">
-                <a:latin typeface="Arial"/>
-              </a:rPr>
-              <a:t>v</a:t>
-            </a:r>
-            <a:r>
-              <a:rPr b="0" lang="en-GB" sz="2000" spc="-1" strike="noStrike">
-                <a:latin typeface="Arial"/>
-              </a:rPr>
-              <a:t>e</a:t>
-            </a:r>
-            <a:r>
-              <a:rPr b="0" lang="en-GB" sz="2000" spc="-1" strike="noStrike">
-                <a:latin typeface="Arial"/>
-              </a:rPr>
-              <a:t>n</a:t>
-            </a:r>
-            <a:r>
-              <a:rPr b="0" lang="en-GB" sz="2000" spc="-1" strike="noStrike">
-                <a:latin typeface="Arial"/>
-              </a:rPr>
-              <a:t>t</a:t>
-            </a:r>
-            <a:r>
-              <a:rPr b="0" lang="en-GB" sz="2000" spc="-1" strike="noStrike">
-                <a:latin typeface="Arial"/>
-              </a:rPr>
-              <a:t>h</a:t>
-            </a:r>
-            <a:r>
-              <a:rPr b="0" lang="en-GB" sz="2000" spc="-1" strike="noStrike">
-                <a:latin typeface="Arial"/>
-              </a:rPr>
-              <a:t> </a:t>
-            </a:r>
-            <a:r>
-              <a:rPr b="0" lang="en-GB" sz="2000" spc="-1" strike="noStrike">
-                <a:latin typeface="Arial"/>
-              </a:rPr>
-              <a:t>O</a:t>
-            </a:r>
-            <a:r>
-              <a:rPr b="0" lang="en-GB" sz="2000" spc="-1" strike="noStrike">
-                <a:latin typeface="Arial"/>
-              </a:rPr>
-              <a:t>u</a:t>
-            </a:r>
-            <a:r>
-              <a:rPr b="0" lang="en-GB" sz="2000" spc="-1" strike="noStrike">
-                <a:latin typeface="Arial"/>
-              </a:rPr>
-              <a:t>t</a:t>
-            </a:r>
-            <a:r>
-              <a:rPr b="0" lang="en-GB" sz="2000" spc="-1" strike="noStrike">
-                <a:latin typeface="Arial"/>
-              </a:rPr>
-              <a:t>l</a:t>
-            </a:r>
-            <a:r>
-              <a:rPr b="0" lang="en-GB" sz="2000" spc="-1" strike="noStrike">
-                <a:latin typeface="Arial"/>
-              </a:rPr>
-              <a:t>i</a:t>
-            </a:r>
-            <a:r>
-              <a:rPr b="0" lang="en-GB" sz="2000" spc="-1" strike="noStrike">
-                <a:latin typeface="Arial"/>
-              </a:rPr>
-              <a:t>n</a:t>
-            </a:r>
-            <a:r>
-              <a:rPr b="0" lang="en-GB" sz="2000" spc="-1" strike="noStrike">
-                <a:latin typeface="Arial"/>
-              </a:rPr>
-              <a:t>e</a:t>
-            </a:r>
-            <a:r>
-              <a:rPr b="0" lang="en-GB" sz="2000" spc="-1" strike="noStrike">
-                <a:latin typeface="Arial"/>
-              </a:rPr>
-              <a:t> </a:t>
-            </a:r>
-            <a:r>
-              <a:rPr b="0" lang="en-GB" sz="2000" spc="-1" strike="noStrike">
-                <a:latin typeface="Arial"/>
-              </a:rPr>
-              <a:t>L</a:t>
-            </a:r>
-            <a:r>
-              <a:rPr b="0" lang="en-GB" sz="2000" spc="-1" strike="noStrike">
-                <a:latin typeface="Arial"/>
-              </a:rPr>
-              <a:t>e</a:t>
-            </a:r>
-            <a:r>
-              <a:rPr b="0" lang="en-GB" sz="2000" spc="-1" strike="noStrike">
-                <a:latin typeface="Arial"/>
-              </a:rPr>
-              <a:t>v</a:t>
-            </a:r>
-            <a:r>
-              <a:rPr b="0" lang="en-GB" sz="2000" spc="-1" strike="noStrike">
-                <a:latin typeface="Arial"/>
-              </a:rPr>
-              <a:t>e</a:t>
-            </a:r>
-            <a:r>
-              <a:rPr b="0" lang="en-GB" sz="2000" spc="-1" strike="noStrike">
-                <a:latin typeface="Arial"/>
-              </a:rPr>
-              <a:t>l</a:t>
+              <a:t>Seventh Outline Level</a:t>
             </a:r>
             <a:endParaRPr b="0" lang="en-GB" sz="2000" spc="-1" strike="noStrike">
               <a:latin typeface="Arial"/>
@@ -8292,9 +8034,9 @@
         <p:grpSpPr>
           <a:xfrm>
             <a:off x="0" y="857160"/>
-            <a:ext cx="11522520" cy="6000120"/>
+            <a:ext cx="11522160" cy="5999760"/>
             <a:chOff x="0" y="857160"/>
-            <a:chExt cx="11522520" cy="6000120"/>
+            <a:chExt cx="11522160" cy="5999760"/>
           </a:xfrm>
         </p:grpSpPr>
         <p:sp>
@@ -8306,7 +8048,7 @@
           <p:spPr>
             <a:xfrm>
               <a:off x="0" y="857160"/>
-              <a:ext cx="10857960" cy="6000120"/>
+              <a:ext cx="10857600" cy="5999760"/>
             </a:xfrm>
             <a:prstGeom prst="rect">
               <a:avLst/>
@@ -8334,7 +8076,7 @@
           <p:spPr>
             <a:xfrm>
               <a:off x="10171080" y="858240"/>
-              <a:ext cx="1348560" cy="1269000"/>
+              <a:ext cx="1348200" cy="1268640"/>
             </a:xfrm>
             <a:prstGeom prst="ellipse">
               <a:avLst/>
@@ -8362,7 +8104,7 @@
           <p:spPr>
             <a:xfrm>
               <a:off x="6527520" y="1478880"/>
-              <a:ext cx="4995000" cy="5378400"/>
+              <a:ext cx="4994640" cy="5378040"/>
             </a:xfrm>
             <a:prstGeom prst="rect">
               <a:avLst/>
@@ -8395,7 +8137,7 @@
         <p:spPr>
           <a:xfrm>
             <a:off x="119160" y="116640"/>
-            <a:ext cx="394560" cy="396000"/>
+            <a:ext cx="394200" cy="395640"/>
           </a:xfrm>
           <a:prstGeom prst="rect">
             <a:avLst/>
@@ -8417,8 +8159,8 @@
         </p:nvSpPr>
         <p:spPr>
           <a:xfrm>
-            <a:off x="2190600" y="2928960"/>
-            <a:ext cx="8190720" cy="1254960"/>
+            <a:off x="609480" y="273600"/>
+            <a:ext cx="10972080" cy="1144440"/>
           </a:xfrm>
           <a:prstGeom prst="rect">
             <a:avLst/>
@@ -8852,9 +8594,9 @@
         <p:grpSpPr>
           <a:xfrm>
             <a:off x="0" y="857160"/>
-            <a:ext cx="11522520" cy="6000120"/>
+            <a:ext cx="11522160" cy="5999760"/>
             <a:chOff x="0" y="857160"/>
-            <a:chExt cx="11522520" cy="6000120"/>
+            <a:chExt cx="11522160" cy="5999760"/>
           </a:xfrm>
         </p:grpSpPr>
         <p:sp>
@@ -8866,7 +8608,7 @@
           <p:spPr>
             <a:xfrm>
               <a:off x="0" y="857160"/>
-              <a:ext cx="10857960" cy="6000120"/>
+              <a:ext cx="10857600" cy="5999760"/>
             </a:xfrm>
             <a:prstGeom prst="rect">
               <a:avLst/>
@@ -8894,7 +8636,7 @@
           <p:spPr>
             <a:xfrm>
               <a:off x="10171080" y="858240"/>
-              <a:ext cx="1348560" cy="1269000"/>
+              <a:ext cx="1348200" cy="1268640"/>
             </a:xfrm>
             <a:prstGeom prst="ellipse">
               <a:avLst/>
@@ -8922,7 +8664,7 @@
           <p:spPr>
             <a:xfrm>
               <a:off x="6527520" y="1478880"/>
-              <a:ext cx="4995000" cy="5378400"/>
+              <a:ext cx="4994640" cy="5378040"/>
             </a:xfrm>
             <a:prstGeom prst="rect">
               <a:avLst/>
@@ -8955,7 +8697,7 @@
         <p:spPr>
           <a:xfrm>
             <a:off x="119160" y="116640"/>
-            <a:ext cx="394560" cy="396000"/>
+            <a:ext cx="394200" cy="395640"/>
           </a:xfrm>
           <a:prstGeom prst="rect">
             <a:avLst/>
@@ -8978,7 +8720,7 @@
         <p:spPr>
           <a:xfrm>
             <a:off x="609480" y="273600"/>
-            <a:ext cx="10972440" cy="1144800"/>
+            <a:ext cx="10972080" cy="1144440"/>
           </a:xfrm>
           <a:prstGeom prst="rect">
             <a:avLst/>
@@ -8989,14 +8731,13 @@
             <a:noAutofit/>
           </a:bodyPr>
           <a:p>
-            <a:pPr algn="ctr"/>
             <a:r>
-              <a:rPr b="0" lang="en-GB" sz="4400" spc="-1" strike="noStrike">
+              <a:rPr b="0" lang="en-GB" sz="1800" spc="-1" strike="noStrike">
                 <a:latin typeface="Arial"/>
               </a:rPr>
               <a:t>Click to edit the title text format</a:t>
             </a:r>
-            <a:endParaRPr b="0" lang="en-GB" sz="4400" spc="-1" strike="noStrike">
+            <a:endParaRPr b="0" lang="en-GB" sz="1800" spc="-1" strike="noStrike">
               <a:latin typeface="Arial"/>
             </a:endParaRPr>
           </a:p>
@@ -9015,7 +8756,7 @@
         <p:spPr>
           <a:xfrm>
             <a:off x="609480" y="1604520"/>
-            <a:ext cx="10972440" cy="3977280"/>
+            <a:ext cx="5353920" cy="3976920"/>
           </a:xfrm>
           <a:prstGeom prst="rect">
             <a:avLst/>
@@ -9038,12 +8779,12 @@
               <a:buChar char=""/>
             </a:pPr>
             <a:r>
-              <a:rPr b="0" lang="en-GB" sz="3200" spc="-1" strike="noStrike">
+              <a:rPr b="0" lang="en-GB" sz="1800" spc="-1" strike="noStrike">
                 <a:latin typeface="Arial"/>
               </a:rPr>
               <a:t>Click to edit the outline text format</a:t>
             </a:r>
-            <a:endParaRPr b="0" lang="en-GB" sz="3200" spc="-1" strike="noStrike">
+            <a:endParaRPr b="0" lang="en-GB" sz="1800" spc="-1" strike="noStrike">
               <a:latin typeface="Arial"/>
             </a:endParaRPr>
           </a:p>
@@ -9060,12 +8801,12 @@
               <a:buChar char=""/>
             </a:pPr>
             <a:r>
-              <a:rPr b="0" lang="en-GB" sz="2800" spc="-1" strike="noStrike">
+              <a:rPr b="0" lang="en-GB" sz="1800" spc="-1" strike="noStrike">
                 <a:latin typeface="Arial"/>
               </a:rPr>
               <a:t>Second Outline Level</a:t>
             </a:r>
-            <a:endParaRPr b="0" lang="en-GB" sz="2800" spc="-1" strike="noStrike">
+            <a:endParaRPr b="0" lang="en-GB" sz="1800" spc="-1" strike="noStrike">
               <a:latin typeface="Arial"/>
             </a:endParaRPr>
           </a:p>
@@ -9082,12 +8823,12 @@
               <a:buChar char=""/>
             </a:pPr>
             <a:r>
-              <a:rPr b="0" lang="en-GB" sz="2400" spc="-1" strike="noStrike">
+              <a:rPr b="0" lang="en-GB" sz="1800" spc="-1" strike="noStrike">
                 <a:latin typeface="Arial"/>
               </a:rPr>
               <a:t>Third Outline Level</a:t>
             </a:r>
-            <a:endParaRPr b="0" lang="en-GB" sz="2400" spc="-1" strike="noStrike">
+            <a:endParaRPr b="0" lang="en-GB" sz="1800" spc="-1" strike="noStrike">
               <a:latin typeface="Arial"/>
             </a:endParaRPr>
           </a:p>
@@ -9104,12 +8845,12 @@
               <a:buChar char=""/>
             </a:pPr>
             <a:r>
-              <a:rPr b="0" lang="en-GB" sz="2000" spc="-1" strike="noStrike">
+              <a:rPr b="0" lang="en-GB" sz="1800" spc="-1" strike="noStrike">
                 <a:latin typeface="Arial"/>
               </a:rPr>
               <a:t>Fourth Outline Level</a:t>
             </a:r>
-            <a:endParaRPr b="0" lang="en-GB" sz="2000" spc="-1" strike="noStrike">
+            <a:endParaRPr b="0" lang="en-GB" sz="1800" spc="-1" strike="noStrike">
               <a:latin typeface="Arial"/>
             </a:endParaRPr>
           </a:p>
@@ -9126,12 +8867,12 @@
               <a:buChar char=""/>
             </a:pPr>
             <a:r>
-              <a:rPr b="0" lang="en-GB" sz="2000" spc="-1" strike="noStrike">
+              <a:rPr b="0" lang="en-GB" sz="1800" spc="-1" strike="noStrike">
                 <a:latin typeface="Arial"/>
               </a:rPr>
               <a:t>Fifth Outline Level</a:t>
             </a:r>
-            <a:endParaRPr b="0" lang="en-GB" sz="2000" spc="-1" strike="noStrike">
+            <a:endParaRPr b="0" lang="en-GB" sz="1800" spc="-1" strike="noStrike">
               <a:latin typeface="Arial"/>
             </a:endParaRPr>
           </a:p>
@@ -9148,12 +8889,12 @@
               <a:buChar char=""/>
             </a:pPr>
             <a:r>
-              <a:rPr b="0" lang="en-GB" sz="2000" spc="-1" strike="noStrike">
+              <a:rPr b="0" lang="en-GB" sz="1800" spc="-1" strike="noStrike">
                 <a:latin typeface="Arial"/>
               </a:rPr>
               <a:t>Sixth Outline Level</a:t>
             </a:r>
-            <a:endParaRPr b="0" lang="en-GB" sz="2000" spc="-1" strike="noStrike">
+            <a:endParaRPr b="0" lang="en-GB" sz="1800" spc="-1" strike="noStrike">
               <a:latin typeface="Arial"/>
             </a:endParaRPr>
           </a:p>
@@ -9170,12 +8911,191 @@
               <a:buChar char=""/>
             </a:pPr>
             <a:r>
-              <a:rPr b="0" lang="en-GB" sz="2000" spc="-1" strike="noStrike">
+              <a:rPr b="0" lang="en-GB" sz="1800" spc="-1" strike="noStrike">
                 <a:latin typeface="Arial"/>
               </a:rPr>
               <a:t>Seventh Outline Level</a:t>
             </a:r>
-            <a:endParaRPr b="0" lang="en-GB" sz="2000" spc="-1" strike="noStrike">
+            <a:endParaRPr b="0" lang="en-GB" sz="1800" spc="-1" strike="noStrike">
+              <a:latin typeface="Arial"/>
+            </a:endParaRPr>
+          </a:p>
+        </p:txBody>
+      </p:sp>
+      <p:sp>
+        <p:nvSpPr>
+          <p:cNvPr id="95" name="PlaceHolder 7"/>
+          <p:cNvSpPr>
+            <a:spLocks noGrp="1"/>
+          </p:cNvSpPr>
+          <p:nvPr>
+            <p:ph type="body"/>
+          </p:nvPr>
+        </p:nvSpPr>
+        <p:spPr>
+          <a:xfrm>
+            <a:off x="6231960" y="1604520"/>
+            <a:ext cx="5353920" cy="3976920"/>
+          </a:xfrm>
+          <a:prstGeom prst="rect">
+            <a:avLst/>
+          </a:prstGeom>
+        </p:spPr>
+        <p:txBody>
+          <a:bodyPr lIns="0" rIns="0" tIns="0" bIns="0">
+            <a:normAutofit/>
+          </a:bodyPr>
+          <a:p>
+            <a:pPr marL="432000" indent="-324000">
+              <a:spcBef>
+                <a:spcPts val="1417"/>
+              </a:spcBef>
+              <a:buClr>
+                <a:srgbClr val="000000"/>
+              </a:buClr>
+              <a:buSzPct val="45000"/>
+              <a:buFont typeface="Wingdings" charset="2"/>
+              <a:buChar char=""/>
+            </a:pPr>
+            <a:r>
+              <a:rPr b="0" lang="en-GB" sz="1800" spc="-1" strike="noStrike">
+                <a:latin typeface="Arial"/>
+              </a:rPr>
+              <a:t>Click to edit the outline text format</a:t>
+            </a:r>
+            <a:endParaRPr b="0" lang="en-GB" sz="1800" spc="-1" strike="noStrike">
+              <a:latin typeface="Arial"/>
+            </a:endParaRPr>
+          </a:p>
+          <a:p>
+            <a:pPr lvl="1" marL="864000" indent="-324000">
+              <a:spcBef>
+                <a:spcPts val="1134"/>
+              </a:spcBef>
+              <a:buClr>
+                <a:srgbClr val="000000"/>
+              </a:buClr>
+              <a:buSzPct val="75000"/>
+              <a:buFont typeface="Symbol" charset="2"/>
+              <a:buChar char=""/>
+            </a:pPr>
+            <a:r>
+              <a:rPr b="0" lang="en-GB" sz="1800" spc="-1" strike="noStrike">
+                <a:latin typeface="Arial"/>
+              </a:rPr>
+              <a:t>Second Outline Level</a:t>
+            </a:r>
+            <a:endParaRPr b="0" lang="en-GB" sz="1800" spc="-1" strike="noStrike">
+              <a:latin typeface="Arial"/>
+            </a:endParaRPr>
+          </a:p>
+          <a:p>
+            <a:pPr lvl="2" marL="1296000" indent="-288000">
+              <a:spcBef>
+                <a:spcPts val="850"/>
+              </a:spcBef>
+              <a:buClr>
+                <a:srgbClr val="000000"/>
+              </a:buClr>
+              <a:buSzPct val="45000"/>
+              <a:buFont typeface="Wingdings" charset="2"/>
+              <a:buChar char=""/>
+            </a:pPr>
+            <a:r>
+              <a:rPr b="0" lang="en-GB" sz="1800" spc="-1" strike="noStrike">
+                <a:latin typeface="Arial"/>
+              </a:rPr>
+              <a:t>Third Outline Level</a:t>
+            </a:r>
+            <a:endParaRPr b="0" lang="en-GB" sz="1800" spc="-1" strike="noStrike">
+              <a:latin typeface="Arial"/>
+            </a:endParaRPr>
+          </a:p>
+          <a:p>
+            <a:pPr lvl="3" marL="1728000" indent="-216000">
+              <a:spcBef>
+                <a:spcPts val="567"/>
+              </a:spcBef>
+              <a:buClr>
+                <a:srgbClr val="000000"/>
+              </a:buClr>
+              <a:buSzPct val="75000"/>
+              <a:buFont typeface="Symbol" charset="2"/>
+              <a:buChar char=""/>
+            </a:pPr>
+            <a:r>
+              <a:rPr b="0" lang="en-GB" sz="1800" spc="-1" strike="noStrike">
+                <a:latin typeface="Arial"/>
+              </a:rPr>
+              <a:t>Fourth Outline Level</a:t>
+            </a:r>
+            <a:endParaRPr b="0" lang="en-GB" sz="1800" spc="-1" strike="noStrike">
+              <a:latin typeface="Arial"/>
+            </a:endParaRPr>
+          </a:p>
+          <a:p>
+            <a:pPr lvl="4" marL="2160000" indent="-216000">
+              <a:spcBef>
+                <a:spcPts val="283"/>
+              </a:spcBef>
+              <a:buClr>
+                <a:srgbClr val="000000"/>
+              </a:buClr>
+              <a:buSzPct val="45000"/>
+              <a:buFont typeface="Wingdings" charset="2"/>
+              <a:buChar char=""/>
+            </a:pPr>
+            <a:r>
+              <a:rPr b="0" lang="en-GB" sz="1800" spc="-1" strike="noStrike">
+                <a:latin typeface="Arial"/>
+              </a:rPr>
+              <a:t>Fifth Outline Level</a:t>
+            </a:r>
+            <a:endParaRPr b="0" lang="en-GB" sz="1800" spc="-1" strike="noStrike">
+              <a:latin typeface="Arial"/>
+            </a:endParaRPr>
+          </a:p>
+          <a:p>
+            <a:pPr lvl="5" marL="2592000" indent="-216000">
+              <a:spcBef>
+                <a:spcPts val="283"/>
+              </a:spcBef>
+              <a:buClr>
+                <a:srgbClr val="000000"/>
+              </a:buClr>
+              <a:buSzPct val="45000"/>
+              <a:buFont typeface="Wingdings" charset="2"/>
+              <a:buChar char=""/>
+            </a:pPr>
+            <a:r>
+              <a:rPr b="0" lang="en-GB" sz="1800" spc="-1" strike="noStrike">
+                <a:latin typeface="Arial"/>
+              </a:rPr>
+              <a:t>Sixth Outline Level</a:t>
+            </a:r>
+            <a:endParaRPr b="0" lang="en-GB" sz="1800" spc="-1" strike="noStrike">
+              <a:latin typeface="Arial"/>
+            </a:endParaRPr>
+          </a:p>
+          <a:p>
+            <a:pPr lvl="6" marL="3024000" indent="-216000">
+              <a:spcBef>
+                <a:spcPts val="283"/>
+              </a:spcBef>
+              <a:buClr>
+                <a:srgbClr val="000000"/>
+              </a:buClr>
+              <a:buSzPct val="45000"/>
+              <a:buFont typeface="Wingdings" charset="2"/>
+              <a:buChar char=""/>
+            </a:pPr>
+            <a:r>
+              <a:rPr b="0" lang="en-GB" sz="1800" spc="-1" strike="noStrike">
+                <a:latin typeface="Arial"/>
+              </a:rPr>
+              <a:t>Seventh Outline Level</a:t>
+            </a:r>
+            <a:endParaRPr b="0" lang="en-GB" sz="1800" spc="-1" strike="noStrike">
               <a:latin typeface="Arial"/>
             </a:endParaRPr>
           </a:p>
@@ -9227,28 +9147,28 @@
       </p:grpSpPr>
       <p:grpSp>
         <p:nvGrpSpPr>
-          <p:cNvPr id="131" name="Group 1"/>
+          <p:cNvPr id="132" name="Group 1"/>
           <p:cNvGrpSpPr/>
           <p:nvPr/>
         </p:nvGrpSpPr>
         <p:grpSpPr>
           <a:xfrm>
             <a:off x="0" y="857160"/>
-            <a:ext cx="11522520" cy="6000120"/>
+            <a:ext cx="11522160" cy="5999760"/>
             <a:chOff x="0" y="857160"/>
-            <a:chExt cx="11522520" cy="6000120"/>
+            <a:chExt cx="11522160" cy="5999760"/>
           </a:xfrm>
         </p:grpSpPr>
         <p:sp>
           <p:nvSpPr>
-            <p:cNvPr id="132" name="CustomShape 2"/>
+            <p:cNvPr id="133" name="CustomShape 2"/>
             <p:cNvSpPr/>
             <p:nvPr/>
           </p:nvSpPr>
           <p:spPr>
             <a:xfrm>
               <a:off x="0" y="857160"/>
-              <a:ext cx="10857960" cy="6000120"/>
+              <a:ext cx="10857600" cy="5999760"/>
             </a:xfrm>
             <a:prstGeom prst="rect">
               <a:avLst/>
@@ -9269,14 +9189,14 @@
         </p:sp>
         <p:sp>
           <p:nvSpPr>
-            <p:cNvPr id="133" name="CustomShape 3"/>
+            <p:cNvPr id="134" name="CustomShape 3"/>
             <p:cNvSpPr/>
             <p:nvPr/>
           </p:nvSpPr>
           <p:spPr>
             <a:xfrm>
               <a:off x="10171080" y="858240"/>
-              <a:ext cx="1348560" cy="1269000"/>
+              <a:ext cx="1348200" cy="1268640"/>
             </a:xfrm>
             <a:prstGeom prst="ellipse">
               <a:avLst/>
@@ -9297,14 +9217,14 @@
         </p:sp>
         <p:sp>
           <p:nvSpPr>
-            <p:cNvPr id="134" name="CustomShape 4"/>
+            <p:cNvPr id="135" name="CustomShape 4"/>
             <p:cNvSpPr/>
             <p:nvPr/>
           </p:nvSpPr>
           <p:spPr>
             <a:xfrm>
               <a:off x="6527520" y="1478880"/>
-              <a:ext cx="4995000" cy="5378400"/>
+              <a:ext cx="4994640" cy="5378040"/>
             </a:xfrm>
             <a:prstGeom prst="rect">
               <a:avLst/>
@@ -9326,7 +9246,7 @@
       </p:grpSp>
       <p:pic>
         <p:nvPicPr>
-          <p:cNvPr id="135" name="Google Shape;36;p8" descr="TU_Logo.gif"/>
+          <p:cNvPr id="136" name="Google Shape;36;p8" descr="TU_Logo.gif"/>
           <p:cNvPicPr/>
           <p:nvPr/>
         </p:nvPicPr>
@@ -9337,7 +9257,7 @@
         <p:spPr>
           <a:xfrm>
             <a:off x="119160" y="116640"/>
-            <a:ext cx="394560" cy="396000"/>
+            <a:ext cx="394200" cy="395640"/>
           </a:xfrm>
           <a:prstGeom prst="rect">
             <a:avLst/>
@@ -9349,7 +9269,7 @@
       </p:pic>
       <p:sp>
         <p:nvSpPr>
-          <p:cNvPr id="136" name="PlaceHolder 5"/>
+          <p:cNvPr id="137" name="PlaceHolder 5"/>
           <p:cNvSpPr>
             <a:spLocks noGrp="1"/>
           </p:cNvSpPr>
@@ -9386,7 +9306,7 @@
       </p:sp>
       <p:sp>
         <p:nvSpPr>
-          <p:cNvPr id="137" name="PlaceHolder 6"/>
+          <p:cNvPr id="138" name="PlaceHolder 6"/>
           <p:cNvSpPr>
             <a:spLocks noGrp="1"/>
           </p:cNvSpPr>
@@ -9609,28 +9529,28 @@
       </p:grpSpPr>
       <p:grpSp>
         <p:nvGrpSpPr>
-          <p:cNvPr id="174" name="Group 1"/>
+          <p:cNvPr id="175" name="Group 1"/>
           <p:cNvGrpSpPr/>
           <p:nvPr/>
         </p:nvGrpSpPr>
         <p:grpSpPr>
           <a:xfrm>
             <a:off x="0" y="857160"/>
-            <a:ext cx="11522520" cy="6000120"/>
+            <a:ext cx="11522160" cy="5999760"/>
             <a:chOff x="0" y="857160"/>
-            <a:chExt cx="11522520" cy="6000120"/>
+            <a:chExt cx="11522160" cy="5999760"/>
           </a:xfrm>
         </p:grpSpPr>
         <p:sp>
           <p:nvSpPr>
-            <p:cNvPr id="175" name="CustomShape 2"/>
+            <p:cNvPr id="176" name="CustomShape 2"/>
             <p:cNvSpPr/>
             <p:nvPr/>
           </p:nvSpPr>
           <p:spPr>
             <a:xfrm>
               <a:off x="0" y="857160"/>
-              <a:ext cx="10857960" cy="6000120"/>
+              <a:ext cx="10857600" cy="5999760"/>
             </a:xfrm>
             <a:prstGeom prst="rect">
               <a:avLst/>
@@ -9651,14 +9571,14 @@
         </p:sp>
         <p:sp>
           <p:nvSpPr>
-            <p:cNvPr id="176" name="CustomShape 3"/>
+            <p:cNvPr id="177" name="CustomShape 3"/>
             <p:cNvSpPr/>
             <p:nvPr/>
           </p:nvSpPr>
           <p:spPr>
             <a:xfrm>
               <a:off x="10171080" y="858240"/>
-              <a:ext cx="1348560" cy="1269000"/>
+              <a:ext cx="1348200" cy="1268640"/>
             </a:xfrm>
             <a:prstGeom prst="ellipse">
               <a:avLst/>
@@ -9679,14 +9599,14 @@
         </p:sp>
         <p:sp>
           <p:nvSpPr>
-            <p:cNvPr id="177" name="CustomShape 4"/>
+            <p:cNvPr id="178" name="CustomShape 4"/>
             <p:cNvSpPr/>
             <p:nvPr/>
           </p:nvSpPr>
           <p:spPr>
             <a:xfrm>
               <a:off x="6527520" y="1478880"/>
-              <a:ext cx="4995000" cy="5378400"/>
+              <a:ext cx="4994640" cy="5378040"/>
             </a:xfrm>
             <a:prstGeom prst="rect">
               <a:avLst/>
@@ -9708,7 +9628,7 @@
       </p:grpSp>
       <p:pic>
         <p:nvPicPr>
-          <p:cNvPr id="178" name="Google Shape;36;p8" descr="TU_Logo.gif"/>
+          <p:cNvPr id="179" name="Google Shape;36;p8" descr="TU_Logo.gif"/>
           <p:cNvPicPr/>
           <p:nvPr/>
         </p:nvPicPr>
@@ -9719,7 +9639,7 @@
         <p:spPr>
           <a:xfrm>
             <a:off x="119160" y="116640"/>
-            <a:ext cx="394560" cy="396000"/>
+            <a:ext cx="394200" cy="395640"/>
           </a:xfrm>
           <a:prstGeom prst="rect">
             <a:avLst/>
@@ -9731,7 +9651,7 @@
       </p:pic>
       <p:sp>
         <p:nvSpPr>
-          <p:cNvPr id="179" name="PlaceHolder 5"/>
+          <p:cNvPr id="180" name="PlaceHolder 5"/>
           <p:cNvSpPr>
             <a:spLocks noGrp="1"/>
           </p:cNvSpPr>
@@ -9741,8 +9661,8 @@
         </p:nvSpPr>
         <p:spPr>
           <a:xfrm>
-            <a:off x="2190600" y="2928960"/>
-            <a:ext cx="8190720" cy="1254960"/>
+            <a:off x="609480" y="273600"/>
+            <a:ext cx="10972440" cy="1144800"/>
           </a:xfrm>
           <a:prstGeom prst="rect">
             <a:avLst/>
@@ -9753,21 +9673,22 @@
             <a:noAutofit/>
           </a:bodyPr>
           <a:p>
+            <a:pPr algn="ctr"/>
             <a:r>
-              <a:rPr b="0" lang="en-GB" sz="1800" spc="-1" strike="noStrike">
+              <a:rPr b="0" lang="en-GB" sz="4400" spc="-1" strike="noStrike">
                 <a:latin typeface="Arial"/>
               </a:rPr>
               <a:t>Click to edit the title text format</a:t>
             </a:r>
-            <a:endParaRPr b="0" lang="en-GB" sz="1800" spc="-1" strike="noStrike">
-              <a:latin typeface="Arial"/>
-            </a:endParaRPr>
-          </a:p>
-        </p:txBody>
-      </p:sp>
-      <p:sp>
-        <p:nvSpPr>
-          <p:cNvPr id="180" name="PlaceHolder 6"/>
+            <a:endParaRPr b="0" lang="en-GB" sz="4400" spc="-1" strike="noStrike">
+              <a:latin typeface="Arial"/>
+            </a:endParaRPr>
+          </a:p>
+        </p:txBody>
+      </p:sp>
+      <p:sp>
+        <p:nvSpPr>
+          <p:cNvPr id="181" name="PlaceHolder 6"/>
           <p:cNvSpPr>
             <a:spLocks noGrp="1"/>
           </p:cNvSpPr>
@@ -9778,7 +9699,7 @@
         <p:spPr>
           <a:xfrm>
             <a:off x="609480" y="1604520"/>
-            <a:ext cx="5353920" cy="3976920"/>
+            <a:ext cx="10972440" cy="3977280"/>
           </a:xfrm>
           <a:prstGeom prst="rect">
             <a:avLst/>
@@ -9801,18 +9722,12 @@
               <a:buChar char=""/>
             </a:pPr>
             <a:r>
-              <a:rPr b="0" lang="en-GB" sz="1800" spc="-1" strike="noStrike">
+              <a:rPr b="0" lang="en-GB" sz="3200" spc="-1" strike="noStrike">
                 <a:latin typeface="Arial"/>
               </a:rPr>
-              <a:t>Click to edit the </a:t>
+              <a:t>Click to edit the outline text format</a:t>
             </a:r>
-            <a:r>
-              <a:rPr b="0" lang="en-GB" sz="1800" spc="-1" strike="noStrike">
-                <a:latin typeface="Arial"/>
-              </a:rPr>
-              <a:t>outline text format</a:t>
-            </a:r>
-            <a:endParaRPr b="0" lang="en-GB" sz="1800" spc="-1" strike="noStrike">
+            <a:endParaRPr b="0" lang="en-GB" sz="3200" spc="-1" strike="noStrike">
               <a:latin typeface="Arial"/>
             </a:endParaRPr>
           </a:p>
@@ -9829,18 +9744,12 @@
               <a:buChar char=""/>
             </a:pPr>
             <a:r>
-              <a:rPr b="0" lang="en-GB" sz="1800" spc="-1" strike="noStrike">
+              <a:rPr b="0" lang="en-GB" sz="2800" spc="-1" strike="noStrike">
                 <a:latin typeface="Arial"/>
               </a:rPr>
-              <a:t>Second Outline </a:t>
+              <a:t>Second Outline Level</a:t>
             </a:r>
-            <a:r>
-              <a:rPr b="0" lang="en-GB" sz="1800" spc="-1" strike="noStrike">
-                <a:latin typeface="Arial"/>
-              </a:rPr>
-              <a:t>Level</a:t>
-            </a:r>
-            <a:endParaRPr b="0" lang="en-GB" sz="1800" spc="-1" strike="noStrike">
+            <a:endParaRPr b="0" lang="en-GB" sz="2800" spc="-1" strike="noStrike">
               <a:latin typeface="Arial"/>
             </a:endParaRPr>
           </a:p>
@@ -9857,18 +9766,12 @@
               <a:buChar char=""/>
             </a:pPr>
             <a:r>
-              <a:rPr b="0" lang="en-GB" sz="1800" spc="-1" strike="noStrike">
+              <a:rPr b="0" lang="en-GB" sz="2400" spc="-1" strike="noStrike">
                 <a:latin typeface="Arial"/>
               </a:rPr>
-              <a:t>Third Outline </a:t>
+              <a:t>Third Outline Level</a:t>
             </a:r>
-            <a:r>
-              <a:rPr b="0" lang="en-GB" sz="1800" spc="-1" strike="noStrike">
-                <a:latin typeface="Arial"/>
-              </a:rPr>
-              <a:t>Level</a:t>
-            </a:r>
-            <a:endParaRPr b="0" lang="en-GB" sz="1800" spc="-1" strike="noStrike">
+            <a:endParaRPr b="0" lang="en-GB" sz="2400" spc="-1" strike="noStrike">
               <a:latin typeface="Arial"/>
             </a:endParaRPr>
           </a:p>
@@ -9885,24 +9788,12 @@
               <a:buChar char=""/>
             </a:pPr>
             <a:r>
-              <a:rPr b="0" lang="en-GB" sz="1800" spc="-1" strike="noStrike">
+              <a:rPr b="0" lang="en-GB" sz="2000" spc="-1" strike="noStrike">
                 <a:latin typeface="Arial"/>
               </a:rPr>
-              <a:t>Fourth </a:t>
+              <a:t>Fourth Outline Level</a:t>
             </a:r>
-            <a:r>
-              <a:rPr b="0" lang="en-GB" sz="1800" spc="-1" strike="noStrike">
-                <a:latin typeface="Arial"/>
-              </a:rPr>
-              <a:t>Outline </a:t>
-            </a:r>
-            <a:r>
-              <a:rPr b="0" lang="en-GB" sz="1800" spc="-1" strike="noStrike">
-                <a:latin typeface="Arial"/>
-              </a:rPr>
-              <a:t>Level</a:t>
-            </a:r>
-            <a:endParaRPr b="0" lang="en-GB" sz="1800" spc="-1" strike="noStrike">
+            <a:endParaRPr b="0" lang="en-GB" sz="2000" spc="-1" strike="noStrike">
               <a:latin typeface="Arial"/>
             </a:endParaRPr>
           </a:p>
@@ -9919,36 +9810,12 @@
               <a:buChar char=""/>
             </a:pPr>
             <a:r>
-              <a:rPr b="0" lang="en-GB" sz="1800" spc="-1" strike="noStrike">
+              <a:rPr b="0" lang="en-GB" sz="2000" spc="-1" strike="noStrike">
                 <a:latin typeface="Arial"/>
               </a:rPr>
-              <a:t>Fifth </a:t>
+              <a:t>Fifth Outline Level</a:t>
             </a:r>
-            <a:r>
-              <a:rPr b="0" lang="en-GB" sz="1800" spc="-1" strike="noStrike">
-                <a:latin typeface="Arial"/>
-              </a:rPr>
-              <a:t>Outl</a:t>
-            </a:r>
-            <a:r>
-              <a:rPr b="0" lang="en-GB" sz="1800" spc="-1" strike="noStrike">
-                <a:latin typeface="Arial"/>
-              </a:rPr>
-              <a:t>ine </a:t>
-            </a:r>
-            <a:r>
-              <a:rPr b="0" lang="en-GB" sz="1800" spc="-1" strike="noStrike">
-                <a:latin typeface="Arial"/>
-              </a:rPr>
-              <a:t>Lev</a:t>
-            </a:r>
-            <a:r>
-              <a:rPr b="0" lang="en-GB" sz="1800" spc="-1" strike="noStrike">
-                <a:latin typeface="Arial"/>
-              </a:rPr>
-              <a:t>el</a:t>
-            </a:r>
-            <a:endParaRPr b="0" lang="en-GB" sz="1800" spc="-1" strike="noStrike">
+            <a:endParaRPr b="0" lang="en-GB" sz="2000" spc="-1" strike="noStrike">
               <a:latin typeface="Arial"/>
             </a:endParaRPr>
           </a:p>
@@ -9965,120 +9832,12 @@
               <a:buChar char=""/>
             </a:pPr>
             <a:r>
-              <a:rPr b="0" lang="en-GB" sz="1800" spc="-1" strike="noStrike">
+              <a:rPr b="0" lang="en-GB" sz="2000" spc="-1" strike="noStrike">
                 <a:latin typeface="Arial"/>
               </a:rPr>
-              <a:t>S</a:t>
+              <a:t>Sixth Outline Level</a:t>
             </a:r>
-            <a:r>
-              <a:rPr b="0" lang="en-GB" sz="1800" spc="-1" strike="noStrike">
-                <a:latin typeface="Arial"/>
-              </a:rPr>
-              <a:t>i</a:t>
-            </a:r>
-            <a:r>
-              <a:rPr b="0" lang="en-GB" sz="1800" spc="-1" strike="noStrike">
-                <a:latin typeface="Arial"/>
-              </a:rPr>
-              <a:t>x</a:t>
-            </a:r>
-            <a:r>
-              <a:rPr b="0" lang="en-GB" sz="1800" spc="-1" strike="noStrike">
-                <a:latin typeface="Arial"/>
-              </a:rPr>
-              <a:t>t</a:t>
-            </a:r>
-            <a:r>
-              <a:rPr b="0" lang="en-GB" sz="1800" spc="-1" strike="noStrike">
-                <a:latin typeface="Arial"/>
-              </a:rPr>
-              <a:t>h</a:t>
-            </a:r>
-            <a:r>
-              <a:rPr b="0" lang="en-GB" sz="1800" spc="-1" strike="noStrike">
-                <a:latin typeface="Arial"/>
-              </a:rPr>
-              <a:t> </a:t>
-            </a:r>
-            <a:r>
-              <a:rPr b="0" lang="en-GB" sz="1800" spc="-1" strike="noStrike">
-                <a:latin typeface="Arial"/>
-              </a:rPr>
-              <a:t>O</a:t>
-            </a:r>
-            <a:r>
-              <a:rPr b="0" lang="en-GB" sz="1800" spc="-1" strike="noStrike">
-                <a:latin typeface="Arial"/>
-              </a:rPr>
-              <a:t>u</a:t>
-            </a:r>
-            <a:r>
-              <a:rPr b="0" lang="en-GB" sz="1800" spc="-1" strike="noStrike">
-                <a:latin typeface="Arial"/>
-              </a:rPr>
-              <a:t>t</a:t>
-            </a:r>
-            <a:r>
-              <a:rPr b="0" lang="en-GB" sz="1800" spc="-1" strike="noStrike">
-                <a:latin typeface="Arial"/>
-              </a:rPr>
-              <a:t>l</a:t>
-            </a:r>
-            <a:r>
-              <a:rPr b="0" lang="en-GB" sz="1800" spc="-1" strike="noStrike">
-                <a:latin typeface="Arial"/>
-              </a:rPr>
-              <a:t>i</a:t>
-            </a:r>
-            <a:r>
-              <a:rPr b="0" lang="en-GB" sz="1800" spc="-1" strike="noStrike">
-                <a:latin typeface="Arial"/>
-              </a:rPr>
-              <a:t>n</a:t>
-            </a:r>
-            <a:r>
-              <a:rPr b="0" lang="en-GB" sz="1800" spc="-1" strike="noStrike">
-                <a:latin typeface="Arial"/>
-              </a:rPr>
-              <a:t>e</a:t>
-            </a:r>
-            <a:r>
-              <a:rPr b="0" lang="en-GB" sz="1800" spc="-1" strike="noStrike">
-                <a:latin typeface="Arial"/>
-              </a:rPr>
-              <a:t> </a:t>
-            </a:r>
-            <a:r>
-              <a:rPr b="0" lang="en-GB" sz="1800" spc="-1" strike="noStrike">
-                <a:latin typeface="Arial"/>
-              </a:rPr>
-              <a:t>L</a:t>
-            </a:r>
-            <a:r>
-              <a:rPr b="0" lang="en-GB" sz="1800" spc="-1" strike="noStrike">
-                <a:latin typeface="Arial"/>
-              </a:rPr>
-              <a:t>e</a:t>
-            </a:r>
-            <a:r>
-              <a:rPr b="0" lang="en-GB" sz="1800" spc="-1" strike="noStrike">
-                <a:latin typeface="Arial"/>
-              </a:rPr>
-              <a:t>v</a:t>
-            </a:r>
-            <a:r>
-              <a:rPr b="0" lang="en-GB" sz="1800" spc="-1" strike="noStrike">
-                <a:latin typeface="Arial"/>
-              </a:rPr>
-              <a:t>e</a:t>
-            </a:r>
-            <a:r>
-              <a:rPr b="0" lang="en-GB" sz="1800" spc="-1" strike="noStrike">
-                <a:latin typeface="Arial"/>
-              </a:rPr>
-              <a:t>l</a:t>
-            </a:r>
-            <a:endParaRPr b="0" lang="en-GB" sz="1800" spc="-1" strike="noStrike">
+            <a:endParaRPr b="0" lang="en-GB" sz="2000" spc="-1" strike="noStrike">
               <a:latin typeface="Arial"/>
             </a:endParaRPr>
           </a:p>
@@ -10095,311 +9854,12 @@
               <a:buChar char=""/>
             </a:pPr>
             <a:r>
-              <a:rPr b="0" lang="en-GB" sz="1800" spc="-1" strike="noStrike">
-                <a:latin typeface="Arial"/>
-              </a:rPr>
-              <a:t>S</a:t>
-            </a:r>
-            <a:r>
-              <a:rPr b="0" lang="en-GB" sz="1800" spc="-1" strike="noStrike">
-                <a:latin typeface="Arial"/>
-              </a:rPr>
-              <a:t>e</a:t>
-            </a:r>
-            <a:r>
-              <a:rPr b="0" lang="en-GB" sz="1800" spc="-1" strike="noStrike">
-                <a:latin typeface="Arial"/>
-              </a:rPr>
-              <a:t>v</a:t>
-            </a:r>
-            <a:r>
-              <a:rPr b="0" lang="en-GB" sz="1800" spc="-1" strike="noStrike">
-                <a:latin typeface="Arial"/>
-              </a:rPr>
-              <a:t>e</a:t>
-            </a:r>
-            <a:r>
-              <a:rPr b="0" lang="en-GB" sz="1800" spc="-1" strike="noStrike">
-                <a:latin typeface="Arial"/>
-              </a:rPr>
-              <a:t>n</a:t>
-            </a:r>
-            <a:r>
-              <a:rPr b="0" lang="en-GB" sz="1800" spc="-1" strike="noStrike">
-                <a:latin typeface="Arial"/>
-              </a:rPr>
-              <a:t>t</a:t>
-            </a:r>
-            <a:r>
-              <a:rPr b="0" lang="en-GB" sz="1800" spc="-1" strike="noStrike">
-                <a:latin typeface="Arial"/>
-              </a:rPr>
-              <a:t>h</a:t>
-            </a:r>
-            <a:r>
-              <a:rPr b="0" lang="en-GB" sz="1800" spc="-1" strike="noStrike">
-                <a:latin typeface="Arial"/>
-              </a:rPr>
-              <a:t> </a:t>
-            </a:r>
-            <a:r>
-              <a:rPr b="0" lang="en-GB" sz="1800" spc="-1" strike="noStrike">
-                <a:latin typeface="Arial"/>
-              </a:rPr>
-              <a:t>O</a:t>
-            </a:r>
-            <a:r>
-              <a:rPr b="0" lang="en-GB" sz="1800" spc="-1" strike="noStrike">
-                <a:latin typeface="Arial"/>
-              </a:rPr>
-              <a:t>u</a:t>
-            </a:r>
-            <a:r>
-              <a:rPr b="0" lang="en-GB" sz="1800" spc="-1" strike="noStrike">
-                <a:latin typeface="Arial"/>
-              </a:rPr>
-              <a:t>t</a:t>
-            </a:r>
-            <a:r>
-              <a:rPr b="0" lang="en-GB" sz="1800" spc="-1" strike="noStrike">
-                <a:latin typeface="Arial"/>
-              </a:rPr>
-              <a:t>l</a:t>
-            </a:r>
-            <a:r>
-              <a:rPr b="0" lang="en-GB" sz="1800" spc="-1" strike="noStrike">
-                <a:latin typeface="Arial"/>
-              </a:rPr>
-              <a:t>i</a:t>
-            </a:r>
-            <a:r>
-              <a:rPr b="0" lang="en-GB" sz="1800" spc="-1" strike="noStrike">
-                <a:latin typeface="Arial"/>
-              </a:rPr>
-              <a:t>n</a:t>
-            </a:r>
-            <a:r>
-              <a:rPr b="0" lang="en-GB" sz="1800" spc="-1" strike="noStrike">
-                <a:latin typeface="Arial"/>
-              </a:rPr>
-              <a:t>e</a:t>
-            </a:r>
-            <a:r>
-              <a:rPr b="0" lang="en-GB" sz="1800" spc="-1" strike="noStrike">
-                <a:latin typeface="Arial"/>
-              </a:rPr>
-              <a:t> </a:t>
-            </a:r>
-            <a:r>
-              <a:rPr b="0" lang="en-GB" sz="1800" spc="-1" strike="noStrike">
-                <a:latin typeface="Arial"/>
-              </a:rPr>
-              <a:t>L</a:t>
-            </a:r>
-            <a:r>
-              <a:rPr b="0" lang="en-GB" sz="1800" spc="-1" strike="noStrike">
-                <a:latin typeface="Arial"/>
-              </a:rPr>
-              <a:t>e</a:t>
-            </a:r>
-            <a:r>
-              <a:rPr b="0" lang="en-GB" sz="1800" spc="-1" strike="noStrike">
-                <a:latin typeface="Arial"/>
-              </a:rPr>
-              <a:t>v</a:t>
-            </a:r>
-            <a:r>
-              <a:rPr b="0" lang="en-GB" sz="1800" spc="-1" strike="noStrike">
-                <a:latin typeface="Arial"/>
-              </a:rPr>
-              <a:t>e</a:t>
-            </a:r>
-            <a:r>
-              <a:rPr b="0" lang="en-GB" sz="1800" spc="-1" strike="noStrike">
-                <a:latin typeface="Arial"/>
-              </a:rPr>
-              <a:t>l</a:t>
-            </a:r>
-            <a:endParaRPr b="0" lang="en-GB" sz="1800" spc="-1" strike="noStrike">
-              <a:latin typeface="Arial"/>
-            </a:endParaRPr>
-          </a:p>
-        </p:txBody>
-      </p:sp>
-      <p:sp>
-        <p:nvSpPr>
-          <p:cNvPr id="181" name="PlaceHolder 7"/>
-          <p:cNvSpPr>
-            <a:spLocks noGrp="1"/>
-          </p:cNvSpPr>
-          <p:nvPr>
-            <p:ph type="body"/>
-          </p:nvPr>
-        </p:nvSpPr>
-        <p:spPr>
-          <a:xfrm>
-            <a:off x="6231960" y="1604520"/>
-            <a:ext cx="5353920" cy="3976920"/>
-          </a:xfrm>
-          <a:prstGeom prst="rect">
-            <a:avLst/>
-          </a:prstGeom>
-        </p:spPr>
-        <p:txBody>
-          <a:bodyPr lIns="0" rIns="0" tIns="0" bIns="0">
-            <a:normAutofit/>
-          </a:bodyPr>
-          <a:p>
-            <a:pPr marL="432000" indent="-324000">
-              <a:spcBef>
-                <a:spcPts val="1417"/>
-              </a:spcBef>
-              <a:buClr>
-                <a:srgbClr val="000000"/>
-              </a:buClr>
-              <a:buSzPct val="45000"/>
-              <a:buFont typeface="Wingdings" charset="2"/>
-              <a:buChar char=""/>
-            </a:pPr>
-            <a:r>
-              <a:rPr b="0" lang="en-GB" sz="1800" spc="-1" strike="noStrike">
-                <a:latin typeface="Arial"/>
-              </a:rPr>
-              <a:t>Click to edit the outline text format</a:t>
-            </a:r>
-            <a:endParaRPr b="0" lang="en-GB" sz="1800" spc="-1" strike="noStrike">
-              <a:latin typeface="Arial"/>
-            </a:endParaRPr>
-          </a:p>
-          <a:p>
-            <a:pPr lvl="1" marL="864000" indent="-324000">
-              <a:spcBef>
-                <a:spcPts val="1134"/>
-              </a:spcBef>
-              <a:buClr>
-                <a:srgbClr val="000000"/>
-              </a:buClr>
-              <a:buSzPct val="75000"/>
-              <a:buFont typeface="Symbol" charset="2"/>
-              <a:buChar char=""/>
-            </a:pPr>
-            <a:r>
-              <a:rPr b="0" lang="en-GB" sz="1800" spc="-1" strike="noStrike">
-                <a:latin typeface="Arial"/>
-              </a:rPr>
-              <a:t>Second Outline Level</a:t>
-            </a:r>
-            <a:endParaRPr b="0" lang="en-GB" sz="1800" spc="-1" strike="noStrike">
-              <a:latin typeface="Arial"/>
-            </a:endParaRPr>
-          </a:p>
-          <a:p>
-            <a:pPr lvl="2" marL="1296000" indent="-288000">
-              <a:spcBef>
-                <a:spcPts val="850"/>
-              </a:spcBef>
-              <a:buClr>
-                <a:srgbClr val="000000"/>
-              </a:buClr>
-              <a:buSzPct val="45000"/>
-              <a:buFont typeface="Wingdings" charset="2"/>
-              <a:buChar char=""/>
-            </a:pPr>
-            <a:r>
-              <a:rPr b="0" lang="en-GB" sz="1800" spc="-1" strike="noStrike">
-                <a:latin typeface="Arial"/>
-              </a:rPr>
-              <a:t>Third Outline Level</a:t>
-            </a:r>
-            <a:endParaRPr b="0" lang="en-GB" sz="1800" spc="-1" strike="noStrike">
-              <a:latin typeface="Arial"/>
-            </a:endParaRPr>
-          </a:p>
-          <a:p>
-            <a:pPr lvl="3" marL="1728000" indent="-216000">
-              <a:spcBef>
-                <a:spcPts val="567"/>
-              </a:spcBef>
-              <a:buClr>
-                <a:srgbClr val="000000"/>
-              </a:buClr>
-              <a:buSzPct val="75000"/>
-              <a:buFont typeface="Symbol" charset="2"/>
-              <a:buChar char=""/>
-            </a:pPr>
-            <a:r>
-              <a:rPr b="0" lang="en-GB" sz="1800" spc="-1" strike="noStrike">
-                <a:latin typeface="Arial"/>
-              </a:rPr>
-              <a:t>Fourth Outline Level</a:t>
-            </a:r>
-            <a:endParaRPr b="0" lang="en-GB" sz="1800" spc="-1" strike="noStrike">
-              <a:latin typeface="Arial"/>
-            </a:endParaRPr>
-          </a:p>
-          <a:p>
-            <a:pPr lvl="4" marL="2160000" indent="-216000">
-              <a:spcBef>
-                <a:spcPts val="283"/>
-              </a:spcBef>
-              <a:buClr>
-                <a:srgbClr val="000000"/>
-              </a:buClr>
-              <a:buSzPct val="45000"/>
-              <a:buFont typeface="Wingdings" charset="2"/>
-              <a:buChar char=""/>
-            </a:pPr>
-            <a:r>
-              <a:rPr b="0" lang="en-GB" sz="1800" spc="-1" strike="noStrike">
-                <a:latin typeface="Arial"/>
-              </a:rPr>
-              <a:t>Fifth Outline Level</a:t>
-            </a:r>
-            <a:endParaRPr b="0" lang="en-GB" sz="1800" spc="-1" strike="noStrike">
-              <a:latin typeface="Arial"/>
-            </a:endParaRPr>
-          </a:p>
-          <a:p>
-            <a:pPr lvl="5" marL="2592000" indent="-216000">
-              <a:spcBef>
-                <a:spcPts val="283"/>
-              </a:spcBef>
-              <a:buClr>
-                <a:srgbClr val="000000"/>
-              </a:buClr>
-              <a:buSzPct val="45000"/>
-              <a:buFont typeface="Wingdings" charset="2"/>
-              <a:buChar char=""/>
-            </a:pPr>
-            <a:r>
-              <a:rPr b="0" lang="en-GB" sz="1800" spc="-1" strike="noStrike">
-                <a:latin typeface="Arial"/>
-              </a:rPr>
-              <a:t>Sixth Outline Level</a:t>
-            </a:r>
-            <a:endParaRPr b="0" lang="en-GB" sz="1800" spc="-1" strike="noStrike">
-              <a:latin typeface="Arial"/>
-            </a:endParaRPr>
-          </a:p>
-          <a:p>
-            <a:pPr lvl="6" marL="3024000" indent="-216000">
-              <a:spcBef>
-                <a:spcPts val="283"/>
-              </a:spcBef>
-              <a:buClr>
-                <a:srgbClr val="000000"/>
-              </a:buClr>
-              <a:buSzPct val="45000"/>
-              <a:buFont typeface="Wingdings" charset="2"/>
-              <a:buChar char=""/>
-            </a:pPr>
-            <a:r>
-              <a:rPr b="0" lang="en-GB" sz="1800" spc="-1" strike="noStrike">
+              <a:rPr b="0" lang="en-GB" sz="2000" spc="-1" strike="noStrike">
                 <a:latin typeface="Arial"/>
               </a:rPr>
               <a:t>Seventh Outline Level</a:t>
             </a:r>
-            <a:endParaRPr b="0" lang="en-GB" sz="1800" spc="-1" strike="noStrike">
+            <a:endParaRPr b="0" lang="en-GB" sz="2000" spc="-1" strike="noStrike">
               <a:latin typeface="Arial"/>
             </a:endParaRPr>
           </a:p>
@@ -10451,7 +9911,7 @@
         <p:spPr>
           <a:xfrm>
             <a:off x="981360" y="3867840"/>
-            <a:ext cx="9520560" cy="928080"/>
+            <a:ext cx="9520200" cy="927720"/>
           </a:xfrm>
           <a:prstGeom prst="rect">
             <a:avLst/>
@@ -10506,7 +9966,7 @@
         <p:spPr>
           <a:xfrm>
             <a:off x="981360" y="4895640"/>
-            <a:ext cx="6210360" cy="396000"/>
+            <a:ext cx="6210000" cy="395640"/>
           </a:xfrm>
           <a:prstGeom prst="rect">
             <a:avLst/>
@@ -10590,7 +10050,7 @@
         <p:spPr>
           <a:xfrm>
             <a:off x="1143000" y="1285920"/>
-            <a:ext cx="9905400" cy="1142280"/>
+            <a:ext cx="9905040" cy="1141920"/>
           </a:xfrm>
           <a:prstGeom prst="rect">
             <a:avLst/>
@@ -10641,7 +10101,7 @@
         <p:spPr>
           <a:xfrm>
             <a:off x="1143000" y="2571840"/>
-            <a:ext cx="9905400" cy="3553560"/>
+            <a:ext cx="9905040" cy="3553200"/>
           </a:xfrm>
           <a:prstGeom prst="rect">
             <a:avLst/>
@@ -10671,7 +10131,7 @@
         <p:spPr>
           <a:xfrm>
             <a:off x="360" y="2364120"/>
-            <a:ext cx="12191400" cy="3971520"/>
+            <a:ext cx="12191040" cy="3971160"/>
           </a:xfrm>
           <a:prstGeom prst="rect">
             <a:avLst/>
@@ -10720,7 +10180,7 @@
         <p:spPr>
           <a:xfrm>
             <a:off x="981360" y="3867840"/>
-            <a:ext cx="9520560" cy="928080"/>
+            <a:ext cx="9520200" cy="927720"/>
           </a:xfrm>
           <a:prstGeom prst="rect">
             <a:avLst/>
@@ -10805,7 +10265,7 @@
         <p:spPr>
           <a:xfrm>
             <a:off x="989280" y="1052640"/>
-            <a:ext cx="9905400" cy="1142280"/>
+            <a:ext cx="9905040" cy="1141920"/>
           </a:xfrm>
           <a:prstGeom prst="rect">
             <a:avLst/>
@@ -10861,7 +10321,7 @@
         <p:spPr>
           <a:xfrm>
             <a:off x="989280" y="2195640"/>
-            <a:ext cx="9905400" cy="4122360"/>
+            <a:ext cx="9905040" cy="4122000"/>
           </a:xfrm>
           <a:prstGeom prst="rect">
             <a:avLst/>
@@ -10882,7 +10342,7 @@
             <a:noAutofit/>
           </a:bodyPr>
           <a:p>
-            <a:pPr marL="457200" indent="-367560">
+            <a:pPr marL="457200" indent="-367200">
               <a:lnSpc>
                 <a:spcPct val="100000"/>
               </a:lnSpc>
@@ -10988,7 +10448,7 @@
         <p:spPr>
           <a:xfrm>
             <a:off x="7090920" y="4620600"/>
-            <a:ext cx="1951920" cy="1951920"/>
+            <a:ext cx="1951560" cy="1951560"/>
           </a:xfrm>
           <a:prstGeom prst="rect">
             <a:avLst/>
@@ -11011,7 +10471,7 @@
         <p:spPr>
           <a:xfrm>
             <a:off x="4713840" y="4778640"/>
-            <a:ext cx="1635840" cy="1635840"/>
+            <a:ext cx="1635480" cy="1635480"/>
           </a:xfrm>
           <a:prstGeom prst="rect">
             <a:avLst/>
@@ -11034,7 +10494,7 @@
         <p:spPr>
           <a:xfrm>
             <a:off x="2584080" y="4896720"/>
-            <a:ext cx="1148400" cy="1399680"/>
+            <a:ext cx="1148040" cy="1399320"/>
           </a:xfrm>
           <a:prstGeom prst="rect">
             <a:avLst/>
@@ -11083,7 +10543,7 @@
         <p:spPr>
           <a:xfrm>
             <a:off x="1143000" y="1285920"/>
-            <a:ext cx="9905400" cy="1142280"/>
+            <a:ext cx="9905040" cy="1141920"/>
           </a:xfrm>
           <a:prstGeom prst="rect">
             <a:avLst/>
@@ -11142,7 +10602,7 @@
         <p:spPr>
           <a:xfrm>
             <a:off x="1584000" y="2127960"/>
-            <a:ext cx="2663280" cy="4495680"/>
+            <a:ext cx="2662920" cy="4495320"/>
           </a:xfrm>
           <a:prstGeom prst="rect">
             <a:avLst/>
@@ -11165,7 +10625,7 @@
         <p:spPr>
           <a:xfrm>
             <a:off x="5616000" y="2116800"/>
-            <a:ext cx="3240000" cy="4513680"/>
+            <a:ext cx="3239640" cy="4513320"/>
           </a:xfrm>
           <a:prstGeom prst="rect">
             <a:avLst/>
@@ -11184,7 +10644,7 @@
         <p:spPr>
           <a:xfrm>
             <a:off x="6192000" y="5328000"/>
-            <a:ext cx="1080000" cy="144000"/>
+            <a:ext cx="1079640" cy="143640"/>
           </a:xfrm>
           <a:prstGeom prst="rect">
             <a:avLst/>
@@ -11192,9 +10652,7 @@
           <a:noFill/>
           <a:ln>
             <a:solidFill>
-              <a:srgbClr val="ff0000">
-                <a:alpha val="90000"/>
-              </a:srgbClr>
+              <a:srgbClr val="ff0000"/>
             </a:solidFill>
           </a:ln>
         </p:spPr>
@@ -11214,7 +10672,7 @@
         <p:spPr>
           <a:xfrm>
             <a:off x="5904000" y="4320000"/>
-            <a:ext cx="1224000" cy="288000"/>
+            <a:ext cx="1223640" cy="287640"/>
           </a:xfrm>
           <a:prstGeom prst="rect">
             <a:avLst/>
@@ -11222,9 +10680,7 @@
           <a:noFill/>
           <a:ln>
             <a:solidFill>
-              <a:srgbClr val="ff0000">
-                <a:alpha val="90000"/>
-              </a:srgbClr>
+              <a:srgbClr val="ff0000"/>
             </a:solidFill>
           </a:ln>
         </p:spPr>
@@ -11244,7 +10700,7 @@
         <p:spPr>
           <a:xfrm>
             <a:off x="6120000" y="4824000"/>
-            <a:ext cx="1152000" cy="144000"/>
+            <a:ext cx="1151640" cy="143640"/>
           </a:xfrm>
           <a:prstGeom prst="rect">
             <a:avLst/>
@@ -11252,9 +10708,7 @@
           <a:noFill/>
           <a:ln>
             <a:solidFill>
-              <a:srgbClr val="ff0000">
-                <a:alpha val="90000"/>
-              </a:srgbClr>
+              <a:srgbClr val="ff0000"/>
             </a:solidFill>
           </a:ln>
         </p:spPr>
@@ -11295,23 +10749,48 @@
           <a:chExt cx="0" cy="0"/>
         </a:xfrm>
       </p:grpSpPr>
-      <p:sp>
-        <p:nvSpPr>
-          <p:cNvPr id="237" name="CustomShape 1"/>
+      <p:pic>
+        <p:nvPicPr>
+          <p:cNvPr id="237" name="" descr=""/>
+          <p:cNvPicPr/>
+          <p:nvPr/>
+        </p:nvPicPr>
+        <p:blipFill>
+          <a:blip r:embed="rId1"/>
+          <a:stretch/>
+        </p:blipFill>
+        <p:spPr>
+          <a:xfrm>
+            <a:off x="8208000" y="1678320"/>
+            <a:ext cx="3239640" cy="4513320"/>
+          </a:xfrm>
+          <a:prstGeom prst="rect">
+            <a:avLst/>
+          </a:prstGeom>
+          <a:ln>
+            <a:noFill/>
+          </a:ln>
+        </p:spPr>
+      </p:pic>
+      <p:sp>
+        <p:nvSpPr>
+          <p:cNvPr id="238" name="CustomShape 1"/>
           <p:cNvSpPr/>
           <p:nvPr/>
         </p:nvSpPr>
         <p:spPr>
           <a:xfrm>
-            <a:off x="1143000" y="1285920"/>
-            <a:ext cx="9905400" cy="1142280"/>
+            <a:off x="8748000" y="3982320"/>
+            <a:ext cx="1151640" cy="143640"/>
           </a:xfrm>
           <a:prstGeom prst="rect">
             <a:avLst/>
           </a:prstGeom>
           <a:noFill/>
           <a:ln>
-            <a:noFill/>
+            <a:solidFill>
+              <a:srgbClr val="ff0000"/>
+            </a:solidFill>
           </a:ln>
         </p:spPr>
         <p:style>
@@ -11320,6 +10799,228 @@
           <a:effectRef idx="0"/>
           <a:fontRef idx="minor"/>
         </p:style>
+      </p:sp>
+      <p:sp>
+        <p:nvSpPr>
+          <p:cNvPr id="239" name="CustomShape 2"/>
+          <p:cNvSpPr/>
+          <p:nvPr/>
+        </p:nvSpPr>
+        <p:spPr>
+          <a:xfrm>
+            <a:off x="9036000" y="4630320"/>
+            <a:ext cx="1151640" cy="143640"/>
+          </a:xfrm>
+          <a:prstGeom prst="rect">
+            <a:avLst/>
+          </a:prstGeom>
+          <a:noFill/>
+          <a:ln>
+            <a:solidFill>
+              <a:srgbClr val="ff0000"/>
+            </a:solidFill>
+          </a:ln>
+        </p:spPr>
+        <p:style>
+          <a:lnRef idx="0"/>
+          <a:fillRef idx="0"/>
+          <a:effectRef idx="0"/>
+          <a:fontRef idx="minor"/>
+        </p:style>
+      </p:sp>
+      <p:sp>
+        <p:nvSpPr>
+          <p:cNvPr id="240" name="CustomShape 3"/>
+          <p:cNvSpPr/>
+          <p:nvPr/>
+        </p:nvSpPr>
+        <p:spPr>
+          <a:xfrm>
+            <a:off x="8892000" y="5413320"/>
+            <a:ext cx="1151640" cy="143640"/>
+          </a:xfrm>
+          <a:prstGeom prst="rect">
+            <a:avLst/>
+          </a:prstGeom>
+          <a:noFill/>
+          <a:ln>
+            <a:solidFill>
+              <a:srgbClr val="ff0000"/>
+            </a:solidFill>
+          </a:ln>
+        </p:spPr>
+        <p:style>
+          <a:lnRef idx="0"/>
+          <a:fillRef idx="0"/>
+          <a:effectRef idx="0"/>
+          <a:fontRef idx="minor"/>
+        </p:style>
+      </p:sp>
+      <p:sp>
+        <p:nvSpPr>
+          <p:cNvPr id="241" name="CustomShape 4"/>
+          <p:cNvSpPr/>
+          <p:nvPr/>
+        </p:nvSpPr>
+        <p:spPr>
+          <a:xfrm>
+            <a:off x="8505000" y="5557320"/>
+            <a:ext cx="1151640" cy="368640"/>
+          </a:xfrm>
+          <a:prstGeom prst="rect">
+            <a:avLst/>
+          </a:prstGeom>
+          <a:noFill/>
+          <a:ln>
+            <a:solidFill>
+              <a:srgbClr val="ff0000"/>
+            </a:solidFill>
+          </a:ln>
+        </p:spPr>
+        <p:style>
+          <a:lnRef idx="0"/>
+          <a:fillRef idx="0"/>
+          <a:effectRef idx="0"/>
+          <a:fontRef idx="minor"/>
+        </p:style>
+      </p:sp>
+      <p:sp>
+        <p:nvSpPr>
+          <p:cNvPr id="242" name="CustomShape 5"/>
+          <p:cNvSpPr/>
+          <p:nvPr/>
+        </p:nvSpPr>
+        <p:spPr>
+          <a:xfrm>
+            <a:off x="8748000" y="2686320"/>
+            <a:ext cx="1151640" cy="143640"/>
+          </a:xfrm>
+          <a:prstGeom prst="rect">
+            <a:avLst/>
+          </a:prstGeom>
+          <a:noFill/>
+          <a:ln>
+            <a:solidFill>
+              <a:srgbClr val="ff0000"/>
+            </a:solidFill>
+          </a:ln>
+        </p:spPr>
+        <p:style>
+          <a:lnRef idx="0"/>
+          <a:fillRef idx="0"/>
+          <a:effectRef idx="0"/>
+          <a:fontRef idx="minor"/>
+        </p:style>
+      </p:sp>
+      <p:sp>
+        <p:nvSpPr>
+          <p:cNvPr id="243" name="CustomShape 6"/>
+          <p:cNvSpPr/>
+          <p:nvPr/>
+        </p:nvSpPr>
+        <p:spPr>
+          <a:xfrm>
+            <a:off x="8532000" y="3118320"/>
+            <a:ext cx="1151640" cy="143640"/>
+          </a:xfrm>
+          <a:prstGeom prst="rect">
+            <a:avLst/>
+          </a:prstGeom>
+          <a:noFill/>
+          <a:ln>
+            <a:solidFill>
+              <a:srgbClr val="ff0000"/>
+            </a:solidFill>
+          </a:ln>
+        </p:spPr>
+        <p:style>
+          <a:lnRef idx="0"/>
+          <a:fillRef idx="0"/>
+          <a:effectRef idx="0"/>
+          <a:fontRef idx="minor"/>
+        </p:style>
+      </p:sp>
+      <p:sp>
+        <p:nvSpPr>
+          <p:cNvPr id="244" name="CustomShape 7"/>
+          <p:cNvSpPr/>
+          <p:nvPr/>
+        </p:nvSpPr>
+        <p:spPr>
+          <a:xfrm>
+            <a:off x="8892000" y="5278320"/>
+            <a:ext cx="1151640" cy="143640"/>
+          </a:xfrm>
+          <a:prstGeom prst="rect">
+            <a:avLst/>
+          </a:prstGeom>
+          <a:noFill/>
+          <a:ln>
+            <a:solidFill>
+              <a:srgbClr val="ff0000"/>
+            </a:solidFill>
+          </a:ln>
+        </p:spPr>
+        <p:style>
+          <a:lnRef idx="0"/>
+          <a:fillRef idx="0"/>
+          <a:effectRef idx="0"/>
+          <a:fontRef idx="minor"/>
+        </p:style>
+      </p:sp>
+      <p:sp>
+        <p:nvSpPr>
+          <p:cNvPr id="245" name="CustomShape 8"/>
+          <p:cNvSpPr/>
+          <p:nvPr/>
+        </p:nvSpPr>
+        <p:spPr>
+          <a:xfrm>
+            <a:off x="8532000" y="1822320"/>
+            <a:ext cx="1151640" cy="143640"/>
+          </a:xfrm>
+          <a:prstGeom prst="rect">
+            <a:avLst/>
+          </a:prstGeom>
+          <a:noFill/>
+          <a:ln>
+            <a:solidFill>
+              <a:srgbClr val="ff0000"/>
+            </a:solidFill>
+          </a:ln>
+        </p:spPr>
+        <p:style>
+          <a:lnRef idx="0"/>
+          <a:fillRef idx="0"/>
+          <a:effectRef idx="0"/>
+          <a:fontRef idx="minor"/>
+        </p:style>
+      </p:sp>
+      <p:sp>
+        <p:nvSpPr>
+          <p:cNvPr id="246" name="CustomShape 9"/>
+          <p:cNvSpPr/>
+          <p:nvPr/>
+        </p:nvSpPr>
+        <p:spPr>
+          <a:xfrm>
+            <a:off x="3519360" y="936000"/>
+            <a:ext cx="3536280" cy="602280"/>
+          </a:xfrm>
+          <a:prstGeom prst="rect">
+            <a:avLst/>
+          </a:prstGeom>
+          <a:noFill/>
+          <a:ln>
+            <a:noFill/>
+          </a:ln>
+        </p:spPr>
+        <p:style>
+          <a:lnRef idx="0"/>
+          <a:fillRef idx="0"/>
+          <a:effectRef idx="0"/>
+          <a:fontRef idx="minor"/>
+        </p:style>
         <p:txBody>
           <a:bodyPr lIns="90000" rIns="90000" tIns="45000" bIns="45000">
             <a:noAutofit/>
@@ -11329,9 +11030,6 @@
               <a:lnSpc>
                 <a:spcPct val="100000"/>
               </a:lnSpc>
-              <a:tabLst>
-                <a:tab algn="l" pos="0"/>
-              </a:tabLst>
             </a:pPr>
             <a:r>
               <a:rPr b="0" lang="de-DE" sz="3600" spc="-1" strike="noStrike">
@@ -11341,9 +11039,8 @@
                 <a:latin typeface="Arial"/>
                 <a:ea typeface="Arial"/>
               </a:rPr>
-              <a:t>Football ontology in GraphDB</a:t>
+              <a:t>Ontop Mappings</a:t>
             </a:r>
-            <a:br/>
             <a:endParaRPr b="0" lang="en-GB" sz="3600" spc="-1" strike="noStrike">
               <a:latin typeface="Arial"/>
             </a:endParaRPr>
@@ -11352,18 +11049,18 @@
       </p:sp>
       <p:pic>
         <p:nvPicPr>
-          <p:cNvPr id="238" name="" descr=""/>
+          <p:cNvPr id="247" name="" descr=""/>
           <p:cNvPicPr/>
           <p:nvPr/>
         </p:nvPicPr>
         <p:blipFill>
-          <a:blip r:embed="rId1"/>
+          <a:blip r:embed="rId2"/>
           <a:stretch/>
         </p:blipFill>
         <p:spPr>
           <a:xfrm>
-            <a:off x="1440000" y="1863360"/>
-            <a:ext cx="7438320" cy="4994640"/>
+            <a:off x="1848240" y="1717920"/>
+            <a:ext cx="743400" cy="743400"/>
           </a:xfrm>
           <a:prstGeom prst="rect">
             <a:avLst/>
@@ -11373,6 +11070,637 @@
           </a:ln>
         </p:spPr>
       </p:pic>
+      <p:pic>
+        <p:nvPicPr>
+          <p:cNvPr id="248" name="" descr=""/>
+          <p:cNvPicPr/>
+          <p:nvPr/>
+        </p:nvPicPr>
+        <p:blipFill>
+          <a:blip r:embed="rId3"/>
+          <a:stretch/>
+        </p:blipFill>
+        <p:spPr>
+          <a:xfrm>
+            <a:off x="1848240" y="5520240"/>
+            <a:ext cx="743400" cy="743400"/>
+          </a:xfrm>
+          <a:prstGeom prst="rect">
+            <a:avLst/>
+          </a:prstGeom>
+          <a:ln>
+            <a:noFill/>
+          </a:ln>
+        </p:spPr>
+      </p:pic>
+      <p:pic>
+        <p:nvPicPr>
+          <p:cNvPr id="249" name="" descr=""/>
+          <p:cNvPicPr/>
+          <p:nvPr/>
+        </p:nvPicPr>
+        <p:blipFill>
+          <a:blip r:embed="rId4"/>
+          <a:stretch/>
+        </p:blipFill>
+        <p:spPr>
+          <a:xfrm>
+            <a:off x="1728000" y="1717920"/>
+            <a:ext cx="743400" cy="743400"/>
+          </a:xfrm>
+          <a:prstGeom prst="rect">
+            <a:avLst/>
+          </a:prstGeom>
+          <a:ln>
+            <a:noFill/>
+          </a:ln>
+        </p:spPr>
+      </p:pic>
+      <p:pic>
+        <p:nvPicPr>
+          <p:cNvPr id="250" name="" descr=""/>
+          <p:cNvPicPr/>
+          <p:nvPr/>
+        </p:nvPicPr>
+        <p:blipFill>
+          <a:blip r:embed="rId5"/>
+          <a:stretch/>
+        </p:blipFill>
+        <p:spPr>
+          <a:xfrm>
+            <a:off x="1776240" y="4152240"/>
+            <a:ext cx="743400" cy="743400"/>
+          </a:xfrm>
+          <a:prstGeom prst="rect">
+            <a:avLst/>
+          </a:prstGeom>
+          <a:ln>
+            <a:noFill/>
+          </a:ln>
+        </p:spPr>
+      </p:pic>
+      <p:sp>
+        <p:nvSpPr>
+          <p:cNvPr id="251" name="CustomShape 10"/>
+          <p:cNvSpPr/>
+          <p:nvPr/>
+        </p:nvSpPr>
+        <p:spPr>
+          <a:xfrm>
+            <a:off x="1728000" y="2533680"/>
+            <a:ext cx="637560" cy="345960"/>
+          </a:xfrm>
+          <a:prstGeom prst="rect">
+            <a:avLst/>
+          </a:prstGeom>
+          <a:noFill/>
+          <a:ln>
+            <a:noFill/>
+          </a:ln>
+        </p:spPr>
+        <p:style>
+          <a:lnRef idx="0"/>
+          <a:fillRef idx="0"/>
+          <a:effectRef idx="0"/>
+          <a:fontRef idx="minor"/>
+        </p:style>
+        <p:txBody>
+          <a:bodyPr lIns="90000" rIns="90000" tIns="45000" bIns="45000">
+            <a:noAutofit/>
+          </a:bodyPr>
+          <a:p>
+            <a:pPr>
+              <a:lnSpc>
+                <a:spcPct val="100000"/>
+              </a:lnSpc>
+            </a:pPr>
+            <a:r>
+              <a:rPr b="0" lang="en-GB" sz="1800" spc="-1" strike="noStrike">
+                <a:latin typeface="Arial"/>
+              </a:rPr>
+              <a:t>Bets</a:t>
+            </a:r>
+            <a:endParaRPr b="0" lang="en-GB" sz="1800" spc="-1" strike="noStrike">
+              <a:latin typeface="Arial"/>
+            </a:endParaRPr>
+          </a:p>
+        </p:txBody>
+      </p:sp>
+      <p:sp>
+        <p:nvSpPr>
+          <p:cNvPr id="252" name="CustomShape 11"/>
+          <p:cNvSpPr/>
+          <p:nvPr/>
+        </p:nvSpPr>
+        <p:spPr>
+          <a:xfrm>
+            <a:off x="1872000" y="4909680"/>
+            <a:ext cx="1358280" cy="345960"/>
+          </a:xfrm>
+          <a:prstGeom prst="rect">
+            <a:avLst/>
+          </a:prstGeom>
+          <a:noFill/>
+          <a:ln>
+            <a:noFill/>
+          </a:ln>
+        </p:spPr>
+        <p:style>
+          <a:lnRef idx="0"/>
+          <a:fillRef idx="0"/>
+          <a:effectRef idx="0"/>
+          <a:fontRef idx="minor"/>
+        </p:style>
+        <p:txBody>
+          <a:bodyPr lIns="90000" rIns="90000" tIns="45000" bIns="45000">
+            <a:noAutofit/>
+          </a:bodyPr>
+          <a:p>
+            <a:pPr>
+              <a:lnSpc>
+                <a:spcPct val="100000"/>
+              </a:lnSpc>
+            </a:pPr>
+            <a:r>
+              <a:rPr b="0" lang="en-GB" sz="1800" spc="-1" strike="noStrike">
+                <a:latin typeface="Arial"/>
+              </a:rPr>
+              <a:t>betting_ods</a:t>
+            </a:r>
+            <a:endParaRPr b="0" lang="en-GB" sz="1800" spc="-1" strike="noStrike">
+              <a:latin typeface="Arial"/>
+            </a:endParaRPr>
+          </a:p>
+        </p:txBody>
+      </p:sp>
+      <p:sp>
+        <p:nvSpPr>
+          <p:cNvPr id="253" name="CustomShape 12"/>
+          <p:cNvSpPr/>
+          <p:nvPr/>
+        </p:nvSpPr>
+        <p:spPr>
+          <a:xfrm>
+            <a:off x="1906200" y="6349680"/>
+            <a:ext cx="2370240" cy="345960"/>
+          </a:xfrm>
+          <a:prstGeom prst="rect">
+            <a:avLst/>
+          </a:prstGeom>
+          <a:noFill/>
+          <a:ln>
+            <a:noFill/>
+          </a:ln>
+        </p:spPr>
+        <p:style>
+          <a:lnRef idx="0"/>
+          <a:fillRef idx="0"/>
+          <a:effectRef idx="0"/>
+          <a:fontRef idx="minor"/>
+        </p:style>
+        <p:txBody>
+          <a:bodyPr lIns="90000" rIns="90000" tIns="45000" bIns="45000">
+            <a:noAutofit/>
+          </a:bodyPr>
+          <a:p>
+            <a:pPr>
+              <a:lnSpc>
+                <a:spcPct val="100000"/>
+              </a:lnSpc>
+            </a:pPr>
+            <a:r>
+              <a:rPr b="0" lang="en-GB" sz="1800" spc="-1" strike="noStrike">
+                <a:latin typeface="Arial"/>
+              </a:rPr>
+              <a:t>df_full_premierleague</a:t>
+            </a:r>
+            <a:endParaRPr b="0" lang="en-GB" sz="1800" spc="-1" strike="noStrike">
+              <a:latin typeface="Arial"/>
+            </a:endParaRPr>
+          </a:p>
+        </p:txBody>
+      </p:sp>
+      <p:pic>
+        <p:nvPicPr>
+          <p:cNvPr id="254" name="" descr=""/>
+          <p:cNvPicPr/>
+          <p:nvPr/>
+        </p:nvPicPr>
+        <p:blipFill>
+          <a:blip r:embed="rId6"/>
+          <a:stretch/>
+        </p:blipFill>
+        <p:spPr>
+          <a:xfrm>
+            <a:off x="1776240" y="3024000"/>
+            <a:ext cx="743400" cy="743400"/>
+          </a:xfrm>
+          <a:prstGeom prst="rect">
+            <a:avLst/>
+          </a:prstGeom>
+          <a:ln>
+            <a:noFill/>
+          </a:ln>
+        </p:spPr>
+      </p:pic>
+      <p:sp>
+        <p:nvSpPr>
+          <p:cNvPr id="255" name="CustomShape 13"/>
+          <p:cNvSpPr/>
+          <p:nvPr/>
+        </p:nvSpPr>
+        <p:spPr>
+          <a:xfrm>
+            <a:off x="1881360" y="3805920"/>
+            <a:ext cx="1068840" cy="345960"/>
+          </a:xfrm>
+          <a:prstGeom prst="rect">
+            <a:avLst/>
+          </a:prstGeom>
+          <a:noFill/>
+          <a:ln>
+            <a:noFill/>
+          </a:ln>
+        </p:spPr>
+        <p:style>
+          <a:lnRef idx="0"/>
+          <a:fillRef idx="0"/>
+          <a:effectRef idx="0"/>
+          <a:fontRef idx="minor"/>
+        </p:style>
+        <p:txBody>
+          <a:bodyPr lIns="90000" rIns="90000" tIns="45000" bIns="45000">
+            <a:noAutofit/>
+          </a:bodyPr>
+          <a:p>
+            <a:pPr>
+              <a:lnSpc>
+                <a:spcPct val="100000"/>
+              </a:lnSpc>
+            </a:pPr>
+            <a:r>
+              <a:rPr b="0" lang="en-GB" sz="1800" spc="-1" strike="noStrike">
+                <a:latin typeface="Arial"/>
+              </a:rPr>
+              <a:t>transfers</a:t>
+            </a:r>
+            <a:endParaRPr b="0" lang="en-GB" sz="1800" spc="-1" strike="noStrike">
+              <a:latin typeface="Arial"/>
+            </a:endParaRPr>
+          </a:p>
+        </p:txBody>
+      </p:sp>
+      <p:pic>
+        <p:nvPicPr>
+          <p:cNvPr id="256" name="" descr=""/>
+          <p:cNvPicPr/>
+          <p:nvPr/>
+        </p:nvPicPr>
+        <p:blipFill>
+          <a:blip r:embed="rId7"/>
+          <a:stretch/>
+        </p:blipFill>
+        <p:spPr>
+          <a:xfrm>
+            <a:off x="3942720" y="3744000"/>
+            <a:ext cx="448920" cy="448920"/>
+          </a:xfrm>
+          <a:prstGeom prst="rect">
+            <a:avLst/>
+          </a:prstGeom>
+          <a:ln>
+            <a:noFill/>
+          </a:ln>
+        </p:spPr>
+      </p:pic>
+      <p:sp>
+        <p:nvSpPr>
+          <p:cNvPr id="257" name="CustomShape 14"/>
+          <p:cNvSpPr/>
+          <p:nvPr/>
+        </p:nvSpPr>
+        <p:spPr>
+          <a:xfrm>
+            <a:off x="3456000" y="4320000"/>
+            <a:ext cx="1938960" cy="489600"/>
+          </a:xfrm>
+          <a:prstGeom prst="rect">
+            <a:avLst/>
+          </a:prstGeom>
+          <a:noFill/>
+          <a:ln>
+            <a:noFill/>
+          </a:ln>
+        </p:spPr>
+        <p:style>
+          <a:lnRef idx="0"/>
+          <a:fillRef idx="0"/>
+          <a:effectRef idx="0"/>
+          <a:fontRef idx="minor"/>
+        </p:style>
+        <p:txBody>
+          <a:bodyPr lIns="90000" rIns="90000" tIns="45000" bIns="45000">
+            <a:noAutofit/>
+          </a:bodyPr>
+          <a:p>
+            <a:pPr>
+              <a:lnSpc>
+                <a:spcPct val="100000"/>
+              </a:lnSpc>
+            </a:pPr>
+            <a:r>
+              <a:rPr b="0" lang="en-GB" sz="1400" spc="-1" strike="noStrike">
+                <a:latin typeface="Arial"/>
+              </a:rPr>
+              <a:t>Insert into normalized </a:t>
+            </a:r>
+            <a:br/>
+            <a:r>
+              <a:rPr b="0" lang="en-GB" sz="1400" spc="-1" strike="noStrike">
+                <a:latin typeface="Arial"/>
+              </a:rPr>
+              <a:t>postgres schema</a:t>
+            </a:r>
+            <a:endParaRPr b="0" lang="en-GB" sz="1400" spc="-1" strike="noStrike">
+              <a:latin typeface="Arial"/>
+            </a:endParaRPr>
+          </a:p>
+        </p:txBody>
+      </p:sp>
+      <p:sp>
+        <p:nvSpPr>
+          <p:cNvPr id="258" name="CustomShape 15"/>
+          <p:cNvSpPr/>
+          <p:nvPr/>
+        </p:nvSpPr>
+        <p:spPr>
+          <a:xfrm>
+            <a:off x="5688000" y="3888000"/>
+            <a:ext cx="1799640" cy="431640"/>
+          </a:xfrm>
+          <a:prstGeom prst="rect">
+            <a:avLst/>
+          </a:prstGeom>
+          <a:solidFill>
+            <a:srgbClr val="729fcf"/>
+          </a:solidFill>
+          <a:ln>
+            <a:solidFill>
+              <a:srgbClr val="3465a4"/>
+            </a:solidFill>
+          </a:ln>
+        </p:spPr>
+        <p:style>
+          <a:lnRef idx="0"/>
+          <a:fillRef idx="0"/>
+          <a:effectRef idx="0"/>
+          <a:fontRef idx="minor"/>
+        </p:style>
+        <p:txBody>
+          <a:bodyPr wrap="none" lIns="90000" rIns="90000" tIns="45000" bIns="45000" anchor="ctr">
+            <a:noAutofit/>
+          </a:bodyPr>
+          <a:p>
+            <a:pPr algn="ctr">
+              <a:lnSpc>
+                <a:spcPct val="100000"/>
+              </a:lnSpc>
+            </a:pPr>
+            <a:r>
+              <a:rPr b="0" lang="en-GB" sz="1800" spc="-1" strike="noStrike">
+                <a:solidFill>
+                  <a:srgbClr val="000000"/>
+                </a:solidFill>
+                <a:latin typeface="Arial"/>
+                <a:ea typeface="DejaVu Sans"/>
+              </a:rPr>
+              <a:t>Ontop mappings</a:t>
+            </a:r>
+            <a:endParaRPr b="0" lang="en-GB" sz="1800" spc="-1" strike="noStrike">
+              <a:latin typeface="Arial"/>
+            </a:endParaRPr>
+          </a:p>
+        </p:txBody>
+      </p:sp>
+      <p:sp>
+        <p:nvSpPr>
+          <p:cNvPr id="259" name="Line 16"/>
+          <p:cNvSpPr/>
+          <p:nvPr/>
+        </p:nvSpPr>
+        <p:spPr>
+          <a:xfrm>
+            <a:off x="2664000" y="2232000"/>
+            <a:ext cx="1278720" cy="1800000"/>
+          </a:xfrm>
+          <a:prstGeom prst="line">
+            <a:avLst/>
+          </a:prstGeom>
+          <a:ln>
+            <a:solidFill>
+              <a:srgbClr val="3465a4"/>
+            </a:solidFill>
+            <a:tailEnd len="med" type="triangle" w="med"/>
+          </a:ln>
+        </p:spPr>
+        <p:style>
+          <a:lnRef idx="0"/>
+          <a:fillRef idx="0"/>
+          <a:effectRef idx="0"/>
+          <a:fontRef idx="minor"/>
+        </p:style>
+      </p:sp>
+      <p:sp>
+        <p:nvSpPr>
+          <p:cNvPr id="260" name="Line 17"/>
+          <p:cNvSpPr/>
+          <p:nvPr/>
+        </p:nvSpPr>
+        <p:spPr>
+          <a:xfrm>
+            <a:off x="2736000" y="3384000"/>
+            <a:ext cx="1206720" cy="648000"/>
+          </a:xfrm>
+          <a:prstGeom prst="line">
+            <a:avLst/>
+          </a:prstGeom>
+          <a:ln>
+            <a:solidFill>
+              <a:srgbClr val="3465a4"/>
+            </a:solidFill>
+            <a:tailEnd len="med" type="triangle" w="med"/>
+          </a:ln>
+        </p:spPr>
+        <p:style>
+          <a:lnRef idx="0"/>
+          <a:fillRef idx="0"/>
+          <a:effectRef idx="0"/>
+          <a:fontRef idx="minor"/>
+        </p:style>
+      </p:sp>
+      <p:sp>
+        <p:nvSpPr>
+          <p:cNvPr id="261" name="Line 18"/>
+          <p:cNvSpPr/>
+          <p:nvPr/>
+        </p:nvSpPr>
+        <p:spPr>
+          <a:xfrm flipV="1">
+            <a:off x="2520000" y="4032000"/>
+            <a:ext cx="1422720" cy="792000"/>
+          </a:xfrm>
+          <a:prstGeom prst="line">
+            <a:avLst/>
+          </a:prstGeom>
+          <a:ln>
+            <a:solidFill>
+              <a:srgbClr val="3465a4"/>
+            </a:solidFill>
+            <a:tailEnd len="med" type="triangle" w="med"/>
+          </a:ln>
+        </p:spPr>
+        <p:style>
+          <a:lnRef idx="0"/>
+          <a:fillRef idx="0"/>
+          <a:effectRef idx="0"/>
+          <a:fontRef idx="minor"/>
+        </p:style>
+      </p:sp>
+      <p:sp>
+        <p:nvSpPr>
+          <p:cNvPr id="262" name="Line 19"/>
+          <p:cNvSpPr/>
+          <p:nvPr/>
+        </p:nvSpPr>
+        <p:spPr>
+          <a:xfrm flipV="1">
+            <a:off x="2736000" y="4104000"/>
+            <a:ext cx="1080000" cy="1800000"/>
+          </a:xfrm>
+          <a:prstGeom prst="line">
+            <a:avLst/>
+          </a:prstGeom>
+          <a:ln>
+            <a:solidFill>
+              <a:srgbClr val="3465a4"/>
+            </a:solidFill>
+            <a:tailEnd len="med" type="triangle" w="med"/>
+          </a:ln>
+        </p:spPr>
+        <p:style>
+          <a:lnRef idx="0"/>
+          <a:fillRef idx="0"/>
+          <a:effectRef idx="0"/>
+          <a:fontRef idx="minor"/>
+        </p:style>
+      </p:sp>
+      <p:sp>
+        <p:nvSpPr>
+          <p:cNvPr id="263" name="Line 20"/>
+          <p:cNvSpPr/>
+          <p:nvPr/>
+        </p:nvSpPr>
+        <p:spPr>
+          <a:xfrm>
+            <a:off x="4464000" y="4104000"/>
+            <a:ext cx="1296000" cy="0"/>
+          </a:xfrm>
+          <a:prstGeom prst="line">
+            <a:avLst/>
+          </a:prstGeom>
+          <a:ln>
+            <a:solidFill>
+              <a:srgbClr val="3465a4"/>
+            </a:solidFill>
+            <a:tailEnd len="med" type="triangle" w="med"/>
+          </a:ln>
+        </p:spPr>
+        <p:style>
+          <a:lnRef idx="0"/>
+          <a:fillRef idx="0"/>
+          <a:effectRef idx="0"/>
+          <a:fontRef idx="minor"/>
+        </p:style>
+      </p:sp>
+      <p:sp>
+        <p:nvSpPr>
+          <p:cNvPr id="264" name="Line 21"/>
+          <p:cNvSpPr/>
+          <p:nvPr/>
+        </p:nvSpPr>
+        <p:spPr>
+          <a:xfrm>
+            <a:off x="7488000" y="4104000"/>
+            <a:ext cx="720000" cy="0"/>
+          </a:xfrm>
+          <a:prstGeom prst="line">
+            <a:avLst/>
+          </a:prstGeom>
+          <a:ln>
+            <a:solidFill>
+              <a:srgbClr val="3465a4"/>
+            </a:solidFill>
+            <a:tailEnd len="med" type="triangle" w="med"/>
+          </a:ln>
+        </p:spPr>
+        <p:style>
+          <a:lnRef idx="0"/>
+          <a:fillRef idx="0"/>
+          <a:effectRef idx="0"/>
+          <a:fontRef idx="minor"/>
+        </p:style>
+      </p:sp>
+      <p:pic>
+        <p:nvPicPr>
+          <p:cNvPr id="265" name="" descr=""/>
+          <p:cNvPicPr/>
+          <p:nvPr/>
+        </p:nvPicPr>
+        <p:blipFill>
+          <a:blip r:embed="rId8"/>
+          <a:stretch/>
+        </p:blipFill>
+        <p:spPr>
+          <a:xfrm>
+            <a:off x="4878720" y="6048000"/>
+            <a:ext cx="736920" cy="736920"/>
+          </a:xfrm>
+          <a:prstGeom prst="rect">
+            <a:avLst/>
+          </a:prstGeom>
+          <a:ln>
+            <a:noFill/>
+          </a:ln>
+        </p:spPr>
+      </p:pic>
+      <p:sp>
+        <p:nvSpPr>
+          <p:cNvPr id="266" name="CustomShape 22"/>
+          <p:cNvSpPr/>
+          <p:nvPr/>
+        </p:nvSpPr>
+        <p:spPr>
+          <a:xfrm>
+            <a:off x="1152000" y="1584000"/>
+            <a:ext cx="4103640" cy="5183640"/>
+          </a:xfrm>
+          <a:prstGeom prst="rect">
+            <a:avLst/>
+          </a:prstGeom>
+          <a:noFill/>
+          <a:ln>
+            <a:solidFill>
+              <a:srgbClr val="3465a4"/>
+            </a:solidFill>
+          </a:ln>
+        </p:spPr>
+        <p:style>
+          <a:lnRef idx="0"/>
+          <a:fillRef idx="0"/>
+          <a:effectRef idx="0"/>
+          <a:fontRef idx="minor"/>
+        </p:style>
+      </p:sp>
     </p:spTree>
   </p:cSld>
   <mc:AlternateContent>
@@ -11405,7 +11733,7 @@
       </p:grpSpPr>
       <p:pic>
         <p:nvPicPr>
-          <p:cNvPr id="239" name="" descr=""/>
+          <p:cNvPr id="267" name="" descr=""/>
           <p:cNvPicPr/>
           <p:nvPr/>
         </p:nvPicPr>
@@ -11415,8 +11743,8 @@
         </p:blipFill>
         <p:spPr>
           <a:xfrm>
-            <a:off x="8208000" y="1678320"/>
-            <a:ext cx="3240000" cy="4513680"/>
+            <a:off x="2088000" y="959400"/>
+            <a:ext cx="8784000" cy="5898600"/>
           </a:xfrm>
           <a:prstGeom prst="rect">
             <a:avLst/>
@@ -11428,25 +11756,21 @@
       </p:pic>
       <p:sp>
         <p:nvSpPr>
-          <p:cNvPr id="240" name="CustomShape 1"/>
+          <p:cNvPr id="268" name="CustomShape 1"/>
           <p:cNvSpPr/>
           <p:nvPr/>
         </p:nvSpPr>
         <p:spPr>
           <a:xfrm>
-            <a:off x="8748000" y="3982320"/>
-            <a:ext cx="1152000" cy="144000"/>
+            <a:off x="1143000" y="1285920"/>
+            <a:ext cx="9905040" cy="1141920"/>
           </a:xfrm>
           <a:prstGeom prst="rect">
             <a:avLst/>
           </a:prstGeom>
           <a:noFill/>
           <a:ln>
-            <a:solidFill>
-              <a:srgbClr val="ff0000">
-                <a:alpha val="90000"/>
-              </a:srgbClr>
-            </a:solidFill>
+            <a:noFill/>
           </a:ln>
         </p:spPr>
         <p:style>
@@ -11455,241 +11779,19 @@
           <a:effectRef idx="0"/>
           <a:fontRef idx="minor"/>
         </p:style>
-      </p:sp>
-      <p:sp>
-        <p:nvSpPr>
-          <p:cNvPr id="241" name="CustomShape 2"/>
-          <p:cNvSpPr/>
-          <p:nvPr/>
-        </p:nvSpPr>
-        <p:spPr>
-          <a:xfrm>
-            <a:off x="9036000" y="4630320"/>
-            <a:ext cx="1152000" cy="144000"/>
-          </a:xfrm>
-          <a:prstGeom prst="rect">
-            <a:avLst/>
-          </a:prstGeom>
-          <a:noFill/>
-          <a:ln>
-            <a:solidFill>
-              <a:srgbClr val="ff0000">
-                <a:alpha val="90000"/>
-              </a:srgbClr>
-            </a:solidFill>
-          </a:ln>
-        </p:spPr>
-        <p:style>
-          <a:lnRef idx="0"/>
-          <a:fillRef idx="0"/>
-          <a:effectRef idx="0"/>
-          <a:fontRef idx="minor"/>
-        </p:style>
-      </p:sp>
-      <p:sp>
-        <p:nvSpPr>
-          <p:cNvPr id="242" name="CustomShape 3"/>
-          <p:cNvSpPr/>
-          <p:nvPr/>
-        </p:nvSpPr>
-        <p:spPr>
-          <a:xfrm>
-            <a:off x="8892000" y="5413320"/>
-            <a:ext cx="1152000" cy="144000"/>
-          </a:xfrm>
-          <a:prstGeom prst="rect">
-            <a:avLst/>
-          </a:prstGeom>
-          <a:noFill/>
-          <a:ln>
-            <a:solidFill>
-              <a:srgbClr val="ff0000">
-                <a:alpha val="90000"/>
-              </a:srgbClr>
-            </a:solidFill>
-          </a:ln>
-        </p:spPr>
-        <p:style>
-          <a:lnRef idx="0"/>
-          <a:fillRef idx="0"/>
-          <a:effectRef idx="0"/>
-          <a:fontRef idx="minor"/>
-        </p:style>
-      </p:sp>
-      <p:sp>
-        <p:nvSpPr>
-          <p:cNvPr id="243" name="CustomShape 4"/>
-          <p:cNvSpPr/>
-          <p:nvPr/>
-        </p:nvSpPr>
-        <p:spPr>
-          <a:xfrm>
-            <a:off x="8505000" y="5557320"/>
-            <a:ext cx="1152000" cy="369000"/>
-          </a:xfrm>
-          <a:prstGeom prst="rect">
-            <a:avLst/>
-          </a:prstGeom>
-          <a:noFill/>
-          <a:ln>
-            <a:solidFill>
-              <a:srgbClr val="ff0000">
-                <a:alpha val="90000"/>
-              </a:srgbClr>
-            </a:solidFill>
-          </a:ln>
-        </p:spPr>
-        <p:style>
-          <a:lnRef idx="0"/>
-          <a:fillRef idx="0"/>
-          <a:effectRef idx="0"/>
-          <a:fontRef idx="minor"/>
-        </p:style>
-      </p:sp>
-      <p:sp>
-        <p:nvSpPr>
-          <p:cNvPr id="244" name="CustomShape 5"/>
-          <p:cNvSpPr/>
-          <p:nvPr/>
-        </p:nvSpPr>
-        <p:spPr>
-          <a:xfrm>
-            <a:off x="8748000" y="2686320"/>
-            <a:ext cx="1152000" cy="144000"/>
-          </a:xfrm>
-          <a:prstGeom prst="rect">
-            <a:avLst/>
-          </a:prstGeom>
-          <a:noFill/>
-          <a:ln>
-            <a:solidFill>
-              <a:srgbClr val="ff0000">
-                <a:alpha val="90000"/>
-              </a:srgbClr>
-            </a:solidFill>
-          </a:ln>
-        </p:spPr>
-        <p:style>
-          <a:lnRef idx="0"/>
-          <a:fillRef idx="0"/>
-          <a:effectRef idx="0"/>
-          <a:fontRef idx="minor"/>
-        </p:style>
-      </p:sp>
-      <p:sp>
-        <p:nvSpPr>
-          <p:cNvPr id="245" name="CustomShape 6"/>
-          <p:cNvSpPr/>
-          <p:nvPr/>
-        </p:nvSpPr>
-        <p:spPr>
-          <a:xfrm>
-            <a:off x="8532000" y="3118320"/>
-            <a:ext cx="1152000" cy="144000"/>
-          </a:xfrm>
-          <a:prstGeom prst="rect">
-            <a:avLst/>
-          </a:prstGeom>
-          <a:noFill/>
-          <a:ln>
-            <a:solidFill>
-              <a:srgbClr val="ff0000">
-                <a:alpha val="90000"/>
-              </a:srgbClr>
-            </a:solidFill>
-          </a:ln>
-        </p:spPr>
-        <p:style>
-          <a:lnRef idx="0"/>
-          <a:fillRef idx="0"/>
-          <a:effectRef idx="0"/>
-          <a:fontRef idx="minor"/>
-        </p:style>
-      </p:sp>
-      <p:sp>
-        <p:nvSpPr>
-          <p:cNvPr id="246" name="CustomShape 7"/>
-          <p:cNvSpPr/>
-          <p:nvPr/>
-        </p:nvSpPr>
-        <p:spPr>
-          <a:xfrm>
-            <a:off x="8892000" y="5278320"/>
-            <a:ext cx="1152000" cy="144000"/>
-          </a:xfrm>
-          <a:prstGeom prst="rect">
-            <a:avLst/>
-          </a:prstGeom>
-          <a:noFill/>
-          <a:ln>
-            <a:solidFill>
-              <a:srgbClr val="ff0000">
-                <a:alpha val="90000"/>
-              </a:srgbClr>
-            </a:solidFill>
-          </a:ln>
-        </p:spPr>
-        <p:style>
-          <a:lnRef idx="0"/>
-          <a:fillRef idx="0"/>
-          <a:effectRef idx="0"/>
-          <a:fontRef idx="minor"/>
-        </p:style>
-      </p:sp>
-      <p:sp>
-        <p:nvSpPr>
-          <p:cNvPr id="247" name="CustomShape 8"/>
-          <p:cNvSpPr/>
-          <p:nvPr/>
-        </p:nvSpPr>
-        <p:spPr>
-          <a:xfrm>
-            <a:off x="8532000" y="1822320"/>
-            <a:ext cx="1152000" cy="144000"/>
-          </a:xfrm>
-          <a:prstGeom prst="rect">
-            <a:avLst/>
-          </a:prstGeom>
-          <a:noFill/>
-          <a:ln>
-            <a:solidFill>
-              <a:srgbClr val="ff0000">
-                <a:alpha val="90000"/>
-              </a:srgbClr>
-            </a:solidFill>
-          </a:ln>
-        </p:spPr>
-        <p:style>
-          <a:lnRef idx="0"/>
-          <a:fillRef idx="0"/>
-          <a:effectRef idx="0"/>
-          <a:fontRef idx="minor"/>
-        </p:style>
-      </p:sp>
-      <p:sp>
-        <p:nvSpPr>
-          <p:cNvPr id="248" name="TextShape 9"/>
-          <p:cNvSpPr txBox="1"/>
-          <p:nvPr/>
-        </p:nvSpPr>
-        <p:spPr>
-          <a:xfrm>
-            <a:off x="3519360" y="936000"/>
-            <a:ext cx="3536640" cy="602640"/>
-          </a:xfrm>
-          <a:prstGeom prst="rect">
-            <a:avLst/>
-          </a:prstGeom>
-          <a:noFill/>
-          <a:ln>
-            <a:noFill/>
-          </a:ln>
-        </p:spPr>
         <p:txBody>
           <a:bodyPr lIns="90000" rIns="90000" tIns="45000" bIns="45000">
             <a:noAutofit/>
           </a:bodyPr>
           <a:p>
+            <a:pPr>
+              <a:lnSpc>
+                <a:spcPct val="100000"/>
+              </a:lnSpc>
+              <a:tabLst>
+                <a:tab algn="l" pos="0"/>
+              </a:tabLst>
+            </a:pPr>
             <a:r>
               <a:rPr b="0" lang="de-DE" sz="3600" spc="-1" strike="noStrike">
                 <a:solidFill>
@@ -11698,666 +11800,14 @@
                 <a:latin typeface="Arial"/>
                 <a:ea typeface="Arial"/>
               </a:rPr>
-              <a:t>Ontop </a:t>
-            </a:r>
-            <a:r>
-              <a:rPr b="0" lang="de-DE" sz="3600" spc="-1" strike="noStrike">
-                <a:solidFill>
-                  <a:srgbClr val="000000"/>
-                </a:solidFill>
-                <a:latin typeface="Arial"/>
-                <a:ea typeface="Arial"/>
-              </a:rPr>
-              <a:t>Mappin</a:t>
-            </a:r>
-            <a:r>
-              <a:rPr b="0" lang="de-DE" sz="3600" spc="-1" strike="noStrike">
-                <a:solidFill>
-                  <a:srgbClr val="000000"/>
-                </a:solidFill>
-                <a:latin typeface="Arial"/>
-                <a:ea typeface="Arial"/>
-              </a:rPr>
-              <a:t>gs</a:t>
-            </a:r>
-            <a:endParaRPr b="0" lang="en-GB" sz="3600" spc="-1" strike="noStrike">
-              <a:latin typeface="Arial"/>
-            </a:endParaRPr>
-          </a:p>
-        </p:txBody>
-      </p:sp>
-      <p:pic>
-        <p:nvPicPr>
-          <p:cNvPr id="249" name="" descr=""/>
-          <p:cNvPicPr/>
-          <p:nvPr/>
-        </p:nvPicPr>
-        <p:blipFill>
-          <a:blip r:embed="rId2"/>
-          <a:stretch/>
-        </p:blipFill>
-        <p:spPr>
-          <a:xfrm>
-            <a:off x="1848240" y="1717920"/>
-            <a:ext cx="743760" cy="743760"/>
-          </a:xfrm>
-          <a:prstGeom prst="rect">
-            <a:avLst/>
-          </a:prstGeom>
-          <a:ln>
-            <a:noFill/>
-          </a:ln>
-        </p:spPr>
-      </p:pic>
-      <p:pic>
-        <p:nvPicPr>
-          <p:cNvPr id="250" name="" descr=""/>
-          <p:cNvPicPr/>
-          <p:nvPr/>
-        </p:nvPicPr>
-        <p:blipFill>
-          <a:blip r:embed="rId3"/>
-          <a:stretch/>
-        </p:blipFill>
-        <p:spPr>
-          <a:xfrm>
-            <a:off x="1848240" y="5520240"/>
-            <a:ext cx="743760" cy="743760"/>
-          </a:xfrm>
-          <a:prstGeom prst="rect">
-            <a:avLst/>
-          </a:prstGeom>
-          <a:ln>
-            <a:noFill/>
-          </a:ln>
-        </p:spPr>
-      </p:pic>
-      <p:pic>
-        <p:nvPicPr>
-          <p:cNvPr id="251" name="" descr=""/>
-          <p:cNvPicPr/>
-          <p:nvPr/>
-        </p:nvPicPr>
-        <p:blipFill>
-          <a:blip r:embed="rId4"/>
-          <a:stretch/>
-        </p:blipFill>
-        <p:spPr>
-          <a:xfrm>
-            <a:off x="1728000" y="1717920"/>
-            <a:ext cx="743760" cy="743760"/>
-          </a:xfrm>
-          <a:prstGeom prst="rect">
-            <a:avLst/>
-          </a:prstGeom>
-          <a:ln>
-            <a:noFill/>
-          </a:ln>
-        </p:spPr>
-      </p:pic>
-      <p:pic>
-        <p:nvPicPr>
-          <p:cNvPr id="252" name="" descr=""/>
-          <p:cNvPicPr/>
-          <p:nvPr/>
-        </p:nvPicPr>
-        <p:blipFill>
-          <a:blip r:embed="rId5"/>
-          <a:stretch/>
-        </p:blipFill>
-        <p:spPr>
-          <a:xfrm>
-            <a:off x="1776240" y="4152240"/>
-            <a:ext cx="743760" cy="743760"/>
-          </a:xfrm>
-          <a:prstGeom prst="rect">
-            <a:avLst/>
-          </a:prstGeom>
-          <a:ln>
-            <a:noFill/>
-          </a:ln>
-        </p:spPr>
-      </p:pic>
-      <p:sp>
-        <p:nvSpPr>
-          <p:cNvPr id="253" name="TextShape 10"/>
-          <p:cNvSpPr txBox="1"/>
-          <p:nvPr/>
-        </p:nvSpPr>
-        <p:spPr>
-          <a:xfrm>
-            <a:off x="1728000" y="2533680"/>
-            <a:ext cx="637920" cy="346320"/>
-          </a:xfrm>
-          <a:prstGeom prst="rect">
-            <a:avLst/>
-          </a:prstGeom>
-          <a:noFill/>
-          <a:ln>
-            <a:noFill/>
-          </a:ln>
-        </p:spPr>
-        <p:txBody>
-          <a:bodyPr lIns="90000" rIns="90000" tIns="45000" bIns="45000">
-            <a:noAutofit/>
-          </a:bodyPr>
-          <a:p>
-            <a:r>
-              <a:rPr b="0" lang="en-GB" sz="1800" spc="-1" strike="noStrike">
-                <a:latin typeface="Arial"/>
-              </a:rPr>
-              <a:t>B</a:t>
-            </a:r>
-            <a:r>
-              <a:rPr b="0" lang="en-GB" sz="1800" spc="-1" strike="noStrike">
-                <a:latin typeface="Arial"/>
-              </a:rPr>
-              <a:t>e</a:t>
-            </a:r>
-            <a:r>
-              <a:rPr b="0" lang="en-GB" sz="1800" spc="-1" strike="noStrike">
-                <a:latin typeface="Arial"/>
-              </a:rPr>
-              <a:t>t</a:t>
-            </a:r>
-            <a:r>
-              <a:rPr b="0" lang="en-GB" sz="1800" spc="-1" strike="noStrike">
-                <a:latin typeface="Arial"/>
-              </a:rPr>
-              <a:t>s</a:t>
-            </a:r>
-            <a:endParaRPr b="0" lang="en-GB" sz="1800" spc="-1" strike="noStrike">
-              <a:latin typeface="Arial"/>
-            </a:endParaRPr>
-          </a:p>
-        </p:txBody>
-      </p:sp>
-      <p:sp>
-        <p:nvSpPr>
-          <p:cNvPr id="254" name="TextShape 11"/>
-          <p:cNvSpPr txBox="1"/>
-          <p:nvPr/>
-        </p:nvSpPr>
-        <p:spPr>
-          <a:xfrm>
-            <a:off x="1872000" y="4909680"/>
-            <a:ext cx="1358640" cy="346320"/>
-          </a:xfrm>
-          <a:prstGeom prst="rect">
-            <a:avLst/>
-          </a:prstGeom>
-          <a:noFill/>
-          <a:ln>
-            <a:noFill/>
-          </a:ln>
-        </p:spPr>
-        <p:txBody>
-          <a:bodyPr lIns="90000" rIns="90000" tIns="45000" bIns="45000">
-            <a:noAutofit/>
-          </a:bodyPr>
-          <a:p>
-            <a:r>
-              <a:rPr b="0" lang="en-GB" sz="1800" spc="-1" strike="noStrike">
-                <a:latin typeface="Arial"/>
-              </a:rPr>
-              <a:t>betting_ods</a:t>
-            </a:r>
-            <a:endParaRPr b="0" lang="en-GB" sz="1800" spc="-1" strike="noStrike">
-              <a:latin typeface="Arial"/>
-            </a:endParaRPr>
-          </a:p>
-        </p:txBody>
-      </p:sp>
-      <p:sp>
-        <p:nvSpPr>
-          <p:cNvPr id="255" name="TextShape 12"/>
-          <p:cNvSpPr txBox="1"/>
-          <p:nvPr/>
-        </p:nvSpPr>
-        <p:spPr>
-          <a:xfrm>
-            <a:off x="1906200" y="6349680"/>
-            <a:ext cx="2370600" cy="346320"/>
-          </a:xfrm>
-          <a:prstGeom prst="rect">
-            <a:avLst/>
-          </a:prstGeom>
-          <a:noFill/>
-          <a:ln>
-            <a:noFill/>
-          </a:ln>
-        </p:spPr>
-        <p:txBody>
-          <a:bodyPr lIns="90000" rIns="90000" tIns="45000" bIns="45000">
-            <a:noAutofit/>
-          </a:bodyPr>
-          <a:p>
-            <a:r>
-              <a:rPr b="0" lang="en-GB" sz="1800" spc="-1" strike="noStrike">
-                <a:latin typeface="Arial"/>
-              </a:rPr>
-              <a:t>df_full_pr</a:t>
-            </a:r>
-            <a:r>
-              <a:rPr b="0" lang="en-GB" sz="1800" spc="-1" strike="noStrike">
-                <a:latin typeface="Arial"/>
-              </a:rPr>
-              <a:t>emierlea</a:t>
-            </a:r>
-            <a:r>
-              <a:rPr b="0" lang="en-GB" sz="1800" spc="-1" strike="noStrike">
-                <a:latin typeface="Arial"/>
-              </a:rPr>
-              <a:t>gue</a:t>
-            </a:r>
-            <a:endParaRPr b="0" lang="en-GB" sz="1800" spc="-1" strike="noStrike">
-              <a:latin typeface="Arial"/>
-            </a:endParaRPr>
-          </a:p>
-        </p:txBody>
-      </p:sp>
-      <p:pic>
-        <p:nvPicPr>
-          <p:cNvPr id="256" name="" descr=""/>
-          <p:cNvPicPr/>
-          <p:nvPr/>
-        </p:nvPicPr>
-        <p:blipFill>
-          <a:blip r:embed="rId6"/>
-          <a:stretch/>
-        </p:blipFill>
-        <p:spPr>
-          <a:xfrm>
-            <a:off x="1776240" y="3024000"/>
-            <a:ext cx="743760" cy="743760"/>
-          </a:xfrm>
-          <a:prstGeom prst="rect">
-            <a:avLst/>
-          </a:prstGeom>
-          <a:ln>
-            <a:noFill/>
-          </a:ln>
-        </p:spPr>
-      </p:pic>
-      <p:sp>
-        <p:nvSpPr>
-          <p:cNvPr id="257" name="TextShape 13"/>
-          <p:cNvSpPr txBox="1"/>
-          <p:nvPr/>
-        </p:nvSpPr>
-        <p:spPr>
-          <a:xfrm>
-            <a:off x="1881360" y="3805920"/>
-            <a:ext cx="1069200" cy="346320"/>
-          </a:xfrm>
-          <a:prstGeom prst="rect">
-            <a:avLst/>
-          </a:prstGeom>
-          <a:noFill/>
-          <a:ln>
-            <a:noFill/>
-          </a:ln>
-        </p:spPr>
-        <p:txBody>
-          <a:bodyPr lIns="90000" rIns="90000" tIns="45000" bIns="45000">
-            <a:noAutofit/>
-          </a:bodyPr>
-          <a:p>
-            <a:r>
-              <a:rPr b="0" lang="en-GB" sz="1800" spc="-1" strike="noStrike">
-                <a:latin typeface="Arial"/>
-              </a:rPr>
-              <a:t>transfers</a:t>
-            </a:r>
-            <a:endParaRPr b="0" lang="en-GB" sz="1800" spc="-1" strike="noStrike">
-              <a:latin typeface="Arial"/>
-            </a:endParaRPr>
-          </a:p>
-        </p:txBody>
-      </p:sp>
-      <p:pic>
-        <p:nvPicPr>
-          <p:cNvPr id="258" name="" descr=""/>
-          <p:cNvPicPr/>
-          <p:nvPr/>
-        </p:nvPicPr>
-        <p:blipFill>
-          <a:blip r:embed="rId7"/>
-          <a:stretch/>
-        </p:blipFill>
-        <p:spPr>
-          <a:xfrm>
-            <a:off x="3942720" y="3744000"/>
-            <a:ext cx="449280" cy="449280"/>
-          </a:xfrm>
-          <a:prstGeom prst="rect">
-            <a:avLst/>
-          </a:prstGeom>
-          <a:ln>
-            <a:noFill/>
-          </a:ln>
-        </p:spPr>
-      </p:pic>
-      <p:sp>
-        <p:nvSpPr>
-          <p:cNvPr id="259" name="TextShape 14"/>
-          <p:cNvSpPr txBox="1"/>
-          <p:nvPr/>
-        </p:nvSpPr>
-        <p:spPr>
-          <a:xfrm>
-            <a:off x="3456000" y="4320000"/>
-            <a:ext cx="1939320" cy="489960"/>
-          </a:xfrm>
-          <a:prstGeom prst="rect">
-            <a:avLst/>
-          </a:prstGeom>
-          <a:noFill/>
-          <a:ln>
-            <a:noFill/>
-          </a:ln>
-        </p:spPr>
-        <p:txBody>
-          <a:bodyPr lIns="90000" rIns="90000" tIns="45000" bIns="45000">
-            <a:noAutofit/>
-          </a:bodyPr>
-          <a:p>
-            <a:r>
-              <a:rPr b="0" lang="en-GB" sz="1400" spc="-1" strike="noStrike">
-                <a:latin typeface="Arial"/>
-              </a:rPr>
-              <a:t>Insert into </a:t>
-            </a:r>
-            <a:r>
-              <a:rPr b="0" lang="en-GB" sz="1400" spc="-1" strike="noStrike">
-                <a:latin typeface="Arial"/>
-              </a:rPr>
-              <a:t>normalized </a:t>
+              <a:t>Football ontology in GraphDB</a:t>
             </a:r>
             <a:br/>
-            <a:r>
-              <a:rPr b="0" lang="en-GB" sz="1400" spc="-1" strike="noStrike">
-                <a:latin typeface="Arial"/>
-              </a:rPr>
-              <a:t>postgres </a:t>
-            </a:r>
-            <a:r>
-              <a:rPr b="0" lang="en-GB" sz="1400" spc="-1" strike="noStrike">
-                <a:latin typeface="Arial"/>
-              </a:rPr>
-              <a:t>schema</a:t>
-            </a:r>
-            <a:endParaRPr b="0" lang="en-GB" sz="1400" spc="-1" strike="noStrike">
-              <a:latin typeface="Arial"/>
-            </a:endParaRPr>
-          </a:p>
-        </p:txBody>
-      </p:sp>
-      <p:sp>
-        <p:nvSpPr>
-          <p:cNvPr id="260" name="CustomShape 15"/>
-          <p:cNvSpPr/>
-          <p:nvPr/>
-        </p:nvSpPr>
-        <p:spPr>
-          <a:xfrm>
-            <a:off x="5688000" y="3888000"/>
-            <a:ext cx="1800000" cy="432000"/>
-          </a:xfrm>
-          <a:prstGeom prst="rect">
-            <a:avLst/>
-          </a:prstGeom>
-          <a:solidFill>
-            <a:srgbClr val="729fcf"/>
-          </a:solidFill>
-          <a:ln>
-            <a:solidFill>
-              <a:srgbClr val="3465a4"/>
-            </a:solidFill>
-          </a:ln>
-        </p:spPr>
-        <p:style>
-          <a:lnRef idx="0"/>
-          <a:fillRef idx="0"/>
-          <a:effectRef idx="0"/>
-          <a:fontRef idx="minor"/>
-        </p:style>
-        <p:txBody>
-          <a:bodyPr wrap="none" lIns="90000" rIns="90000" tIns="45000" bIns="45000" anchor="ctr">
-            <a:noAutofit/>
-          </a:bodyPr>
-          <a:p>
-            <a:pPr algn="ctr"/>
-            <a:r>
-              <a:rPr b="0" lang="en-GB" sz="1800" spc="-1" strike="noStrike">
-                <a:latin typeface="Arial"/>
-              </a:rPr>
-              <a:t>Ontop mappings</a:t>
-            </a:r>
-            <a:endParaRPr b="0" lang="en-GB" sz="1800" spc="-1" strike="noStrike">
-              <a:latin typeface="Arial"/>
-            </a:endParaRPr>
-          </a:p>
-        </p:txBody>
-      </p:sp>
-      <p:sp>
-        <p:nvSpPr>
-          <p:cNvPr id="261" name="Line 16"/>
-          <p:cNvSpPr/>
-          <p:nvPr/>
-        </p:nvSpPr>
-        <p:spPr>
-          <a:xfrm>
-            <a:off x="2664000" y="2232000"/>
-            <a:ext cx="1278720" cy="1800000"/>
-          </a:xfrm>
-          <a:prstGeom prst="line">
-            <a:avLst/>
-          </a:prstGeom>
-          <a:ln>
-            <a:solidFill>
-              <a:srgbClr val="3465a4"/>
-            </a:solidFill>
-            <a:tailEnd len="med" type="triangle" w="med"/>
-          </a:ln>
-        </p:spPr>
-        <p:style>
-          <a:lnRef idx="0"/>
-          <a:fillRef idx="0"/>
-          <a:effectRef idx="0"/>
-          <a:fontRef idx="minor"/>
-        </p:style>
-      </p:sp>
-      <p:sp>
-        <p:nvSpPr>
-          <p:cNvPr id="262" name="Line 17"/>
-          <p:cNvSpPr/>
-          <p:nvPr/>
-        </p:nvSpPr>
-        <p:spPr>
-          <a:xfrm>
-            <a:off x="2736000" y="3384000"/>
-            <a:ext cx="1206720" cy="648000"/>
-          </a:xfrm>
-          <a:prstGeom prst="line">
-            <a:avLst/>
-          </a:prstGeom>
-          <a:ln>
-            <a:solidFill>
-              <a:srgbClr val="3465a4"/>
-            </a:solidFill>
-            <a:tailEnd len="med" type="triangle" w="med"/>
-          </a:ln>
-        </p:spPr>
-        <p:style>
-          <a:lnRef idx="0"/>
-          <a:fillRef idx="0"/>
-          <a:effectRef idx="0"/>
-          <a:fontRef idx="minor"/>
-        </p:style>
-      </p:sp>
-      <p:sp>
-        <p:nvSpPr>
-          <p:cNvPr id="263" name="Line 18"/>
-          <p:cNvSpPr/>
-          <p:nvPr/>
-        </p:nvSpPr>
-        <p:spPr>
-          <a:xfrm flipV="1">
-            <a:off x="2520000" y="4032000"/>
-            <a:ext cx="1422720" cy="792000"/>
-          </a:xfrm>
-          <a:prstGeom prst="line">
-            <a:avLst/>
-          </a:prstGeom>
-          <a:ln>
-            <a:solidFill>
-              <a:srgbClr val="3465a4"/>
-            </a:solidFill>
-            <a:tailEnd len="med" type="triangle" w="med"/>
-          </a:ln>
-        </p:spPr>
-        <p:style>
-          <a:lnRef idx="0"/>
-          <a:fillRef idx="0"/>
-          <a:effectRef idx="0"/>
-          <a:fontRef idx="minor"/>
-        </p:style>
-      </p:sp>
-      <p:sp>
-        <p:nvSpPr>
-          <p:cNvPr id="264" name="Line 19"/>
-          <p:cNvSpPr/>
-          <p:nvPr/>
-        </p:nvSpPr>
-        <p:spPr>
-          <a:xfrm flipV="1">
-            <a:off x="2736000" y="4104000"/>
-            <a:ext cx="1080000" cy="1800000"/>
-          </a:xfrm>
-          <a:prstGeom prst="line">
-            <a:avLst/>
-          </a:prstGeom>
-          <a:ln>
-            <a:solidFill>
-              <a:srgbClr val="3465a4"/>
-            </a:solidFill>
-            <a:tailEnd len="med" type="triangle" w="med"/>
-          </a:ln>
-        </p:spPr>
-        <p:style>
-          <a:lnRef idx="0"/>
-          <a:fillRef idx="0"/>
-          <a:effectRef idx="0"/>
-          <a:fontRef idx="minor"/>
-        </p:style>
-      </p:sp>
-      <p:sp>
-        <p:nvSpPr>
-          <p:cNvPr id="265" name="Line 20"/>
-          <p:cNvSpPr/>
-          <p:nvPr/>
-        </p:nvSpPr>
-        <p:spPr>
-          <a:xfrm>
-            <a:off x="4464000" y="4104000"/>
-            <a:ext cx="1296000" cy="0"/>
-          </a:xfrm>
-          <a:prstGeom prst="line">
-            <a:avLst/>
-          </a:prstGeom>
-          <a:ln>
-            <a:solidFill>
-              <a:srgbClr val="3465a4"/>
-            </a:solidFill>
-            <a:tailEnd len="med" type="triangle" w="med"/>
-          </a:ln>
-        </p:spPr>
-        <p:style>
-          <a:lnRef idx="0"/>
-          <a:fillRef idx="0"/>
-          <a:effectRef idx="0"/>
-          <a:fontRef idx="minor"/>
-        </p:style>
-      </p:sp>
-      <p:sp>
-        <p:nvSpPr>
-          <p:cNvPr id="266" name="Line 21"/>
-          <p:cNvSpPr/>
-          <p:nvPr/>
-        </p:nvSpPr>
-        <p:spPr>
-          <a:xfrm>
-            <a:off x="7488000" y="4104000"/>
-            <a:ext cx="720000" cy="0"/>
-          </a:xfrm>
-          <a:prstGeom prst="line">
-            <a:avLst/>
-          </a:prstGeom>
-          <a:ln>
-            <a:solidFill>
-              <a:srgbClr val="3465a4"/>
-            </a:solidFill>
-            <a:tailEnd len="med" type="triangle" w="med"/>
-          </a:ln>
-        </p:spPr>
-        <p:style>
-          <a:lnRef idx="0"/>
-          <a:fillRef idx="0"/>
-          <a:effectRef idx="0"/>
-          <a:fontRef idx="minor"/>
-        </p:style>
-      </p:sp>
-      <p:pic>
-        <p:nvPicPr>
-          <p:cNvPr id="267" name="" descr=""/>
-          <p:cNvPicPr/>
-          <p:nvPr/>
-        </p:nvPicPr>
-        <p:blipFill>
-          <a:blip r:embed="rId8"/>
-          <a:stretch/>
-        </p:blipFill>
-        <p:spPr>
-          <a:xfrm>
-            <a:off x="4878720" y="6048000"/>
-            <a:ext cx="737280" cy="737280"/>
-          </a:xfrm>
-          <a:prstGeom prst="rect">
-            <a:avLst/>
-          </a:prstGeom>
-          <a:ln>
-            <a:noFill/>
-          </a:ln>
-        </p:spPr>
-      </p:pic>
-      <p:sp>
-        <p:nvSpPr>
-          <p:cNvPr id="268" name="CustomShape 22"/>
-          <p:cNvSpPr/>
-          <p:nvPr/>
-        </p:nvSpPr>
-        <p:spPr>
-          <a:xfrm>
-            <a:off x="1152000" y="1584000"/>
-            <a:ext cx="4104000" cy="5184000"/>
-          </a:xfrm>
-          <a:prstGeom prst="rect">
-            <a:avLst/>
-          </a:prstGeom>
-          <a:noFill/>
-          <a:ln>
-            <a:solidFill>
-              <a:srgbClr val="3465a4"/>
-            </a:solidFill>
-          </a:ln>
-        </p:spPr>
-        <p:style>
-          <a:lnRef idx="0"/>
-          <a:fillRef idx="0"/>
-          <a:effectRef idx="0"/>
-          <a:fontRef idx="minor"/>
-        </p:style>
+            <a:endParaRPr b="0" lang="en-GB" sz="3600" spc="-1" strike="noStrike">
+              <a:latin typeface="Arial"/>
+            </a:endParaRPr>
+          </a:p>
+        </p:txBody>
       </p:sp>
     </p:spTree>
   </p:cSld>
@@ -12398,7 +11848,7 @@
         <p:spPr>
           <a:xfrm>
             <a:off x="1143000" y="1285920"/>
-            <a:ext cx="9905400" cy="1142280"/>
+            <a:ext cx="9905040" cy="1141920"/>
           </a:xfrm>
           <a:prstGeom prst="rect">
             <a:avLst/>
@@ -12449,7 +11899,7 @@
         <p:spPr>
           <a:xfrm>
             <a:off x="738720" y="2179800"/>
-            <a:ext cx="10309320" cy="3945600"/>
+            <a:ext cx="10308960" cy="3945240"/>
           </a:xfrm>
           <a:prstGeom prst="rect">
             <a:avLst/>
@@ -12470,7 +11920,7 @@
             <a:noAutofit/>
           </a:bodyPr>
           <a:p>
-            <a:pPr marL="571680" indent="-342360">
+            <a:pPr marL="571680" indent="-342000">
               <a:lnSpc>
                 <a:spcPct val="100000"/>
               </a:lnSpc>
@@ -12498,7 +11948,7 @@
             </a:endParaRPr>
           </a:p>
           <a:p>
-            <a:pPr lvl="1" marL="1028880" indent="-342360">
+            <a:pPr lvl="1" marL="1028880" indent="-342000">
               <a:lnSpc>
                 <a:spcPct val="100000"/>
               </a:lnSpc>
@@ -12546,7 +11996,7 @@
             </a:endParaRPr>
           </a:p>
           <a:p>
-            <a:pPr lvl="1" marL="1028880" indent="-342360">
+            <a:pPr lvl="1" marL="1028880" indent="-342000">
               <a:lnSpc>
                 <a:spcPct val="100000"/>
               </a:lnSpc>
@@ -12594,7 +12044,7 @@
             </a:endParaRPr>
           </a:p>
           <a:p>
-            <a:pPr marL="571680" indent="-342360">
+            <a:pPr marL="571680" indent="-342000">
               <a:lnSpc>
                 <a:spcPct val="100000"/>
               </a:lnSpc>
@@ -12622,7 +12072,7 @@
             </a:endParaRPr>
           </a:p>
           <a:p>
-            <a:pPr lvl="1" marL="1028880" indent="-342360">
+            <a:pPr lvl="1" marL="1028880" indent="-342000">
               <a:lnSpc>
                 <a:spcPct val="100000"/>
               </a:lnSpc>
@@ -12650,7 +12100,7 @@
             </a:endParaRPr>
           </a:p>
           <a:p>
-            <a:pPr marL="571680" indent="-342360">
+            <a:pPr marL="571680" indent="-342000">
               <a:lnSpc>
                 <a:spcPct val="100000"/>
               </a:lnSpc>
@@ -12678,7 +12128,7 @@
             </a:endParaRPr>
           </a:p>
           <a:p>
-            <a:pPr lvl="1" marL="1028880" indent="-342360">
+            <a:pPr lvl="1" marL="1028880" indent="-342000">
               <a:lnSpc>
                 <a:spcPct val="100000"/>
               </a:lnSpc>
@@ -12706,7 +12156,7 @@
             </a:endParaRPr>
           </a:p>
           <a:p>
-            <a:pPr lvl="1" marL="1028880" indent="-342360">
+            <a:pPr lvl="1" marL="1028880" indent="-342000">
               <a:lnSpc>
                 <a:spcPct val="100000"/>
               </a:lnSpc>
@@ -12790,7 +12240,7 @@
         <p:spPr>
           <a:xfrm>
             <a:off x="1143000" y="1285920"/>
-            <a:ext cx="9905400" cy="1142280"/>
+            <a:ext cx="9905040" cy="1141920"/>
           </a:xfrm>
           <a:prstGeom prst="rect">
             <a:avLst/>
@@ -12841,7 +12291,7 @@
         <p:spPr>
           <a:xfrm>
             <a:off x="1143000" y="2571840"/>
-            <a:ext cx="9905400" cy="3553560"/>
+            <a:ext cx="9905040" cy="3553200"/>
           </a:xfrm>
           <a:prstGeom prst="rect">
             <a:avLst/>
@@ -12862,7 +12312,7 @@
             <a:noAutofit/>
           </a:bodyPr>
           <a:p>
-            <a:pPr marL="571680" indent="-342360">
+            <a:pPr marL="571680" indent="-342000">
               <a:lnSpc>
                 <a:spcPct val="100000"/>
               </a:lnSpc>
@@ -12890,7 +12340,7 @@
             </a:endParaRPr>
           </a:p>
           <a:p>
-            <a:pPr lvl="1" marL="1028880" indent="-342360">
+            <a:pPr lvl="1" marL="1028880" indent="-342000">
               <a:lnSpc>
                 <a:spcPct val="100000"/>
               </a:lnSpc>
@@ -12918,7 +12368,7 @@
             </a:endParaRPr>
           </a:p>
           <a:p>
-            <a:pPr lvl="1" marL="1028880" indent="-342360">
+            <a:pPr lvl="1" marL="1028880" indent="-342000">
               <a:lnSpc>
                 <a:spcPct val="100000"/>
               </a:lnSpc>
@@ -12946,7 +12396,7 @@
             </a:endParaRPr>
           </a:p>
           <a:p>
-            <a:pPr marL="571680" indent="-342360">
+            <a:pPr marL="571680" indent="-342000">
               <a:lnSpc>
                 <a:spcPct val="100000"/>
               </a:lnSpc>
@@ -12974,7 +12424,7 @@
             </a:endParaRPr>
           </a:p>
           <a:p>
-            <a:pPr lvl="1" marL="1028880" indent="-342360">
+            <a:pPr lvl="1" marL="1028880" indent="-342000">
               <a:lnSpc>
                 <a:spcPct val="100000"/>
               </a:lnSpc>
@@ -13002,7 +12452,7 @@
             </a:endParaRPr>
           </a:p>
           <a:p>
-            <a:pPr lvl="1" marL="1028880" indent="-342360">
+            <a:pPr lvl="1" marL="1028880" indent="-342000">
               <a:lnSpc>
                 <a:spcPct val="100000"/>
               </a:lnSpc>
@@ -13030,7 +12480,7 @@
             </a:endParaRPr>
           </a:p>
           <a:p>
-            <a:pPr lvl="1" marL="1028880" indent="-342360">
+            <a:pPr lvl="1" marL="1028880" indent="-342000">
               <a:lnSpc>
                 <a:spcPct val="100000"/>
               </a:lnSpc>
@@ -13058,7 +12508,7 @@
             </a:endParaRPr>
           </a:p>
           <a:p>
-            <a:pPr lvl="1" marL="1028880" indent="-342360">
+            <a:pPr lvl="1" marL="1028880" indent="-342000">
               <a:lnSpc>
                 <a:spcPct val="100000"/>
               </a:lnSpc>
@@ -13086,7 +12536,7 @@
             </a:endParaRPr>
           </a:p>
           <a:p>
-            <a:pPr marL="457200" indent="-227880">
+            <a:pPr marL="457200" indent="-227520">
               <a:lnSpc>
                 <a:spcPct val="100000"/>
               </a:lnSpc>
@@ -13142,7 +12592,7 @@
         <p:spPr>
           <a:xfrm>
             <a:off x="1143000" y="1285920"/>
-            <a:ext cx="9905400" cy="681120"/>
+            <a:ext cx="9905040" cy="680760"/>
           </a:xfrm>
           <a:prstGeom prst="rect">
             <a:avLst/>
@@ -13197,7 +12647,7 @@
         <p:spPr>
           <a:xfrm>
             <a:off x="502200" y="2112120"/>
-            <a:ext cx="5107680" cy="4535640"/>
+            <a:ext cx="5107320" cy="4535280"/>
           </a:xfrm>
           <a:prstGeom prst="rect">
             <a:avLst/>
@@ -13220,7 +12670,7 @@
         <p:spPr>
           <a:xfrm>
             <a:off x="5981400" y="1973880"/>
-            <a:ext cx="5107680" cy="4744440"/>
+            <a:ext cx="5107320" cy="4744080"/>
           </a:xfrm>
           <a:prstGeom prst="rect">
             <a:avLst/>
@@ -13269,7 +12719,7 @@
         <p:spPr>
           <a:xfrm>
             <a:off x="1143000" y="1285920"/>
-            <a:ext cx="9905400" cy="1142280"/>
+            <a:ext cx="9905040" cy="1141920"/>
           </a:xfrm>
           <a:prstGeom prst="rect">
             <a:avLst/>
@@ -13320,7 +12770,7 @@
         <p:spPr>
           <a:xfrm>
             <a:off x="1143000" y="2571840"/>
-            <a:ext cx="9905400" cy="3553560"/>
+            <a:ext cx="9905040" cy="3553200"/>
           </a:xfrm>
           <a:prstGeom prst="rect">
             <a:avLst/>
@@ -13341,7 +12791,7 @@
             <a:noAutofit/>
           </a:bodyPr>
           <a:p>
-            <a:pPr marL="457200" indent="-227880">
+            <a:pPr marL="457200" indent="-227520">
               <a:lnSpc>
                 <a:spcPct val="100000"/>
               </a:lnSpc>
@@ -13358,6 +12808,7 @@
                   <a:srgbClr val="000000"/>
                 </a:solidFill>
                 <a:latin typeface="Arial"/>
+                <a:ea typeface="DejaVu Sans"/>
               </a:rPr>
               <a:t>* Two different ontologies found.</a:t>
             </a:r>
@@ -13366,7 +12817,7 @@
             </a:endParaRPr>
           </a:p>
           <a:p>
-            <a:pPr lvl="1" marL="864000" indent="-323640">
+            <a:pPr lvl="1" marL="864000" indent="-323280">
               <a:lnSpc>
                 <a:spcPct val="100000"/>
               </a:lnSpc>
@@ -13389,6 +12840,7 @@
                   <a:srgbClr val="000000"/>
                 </a:solidFill>
                 <a:latin typeface="Arial"/>
+                <a:ea typeface="DejaVu Sans"/>
               </a:rPr>
               <a:t>Different complexities</a:t>
             </a:r>
@@ -13397,7 +12849,7 @@
             </a:endParaRPr>
           </a:p>
           <a:p>
-            <a:pPr lvl="1" marL="864000" indent="-323640">
+            <a:pPr lvl="1" marL="864000" indent="-323280">
               <a:lnSpc>
                 <a:spcPct val="100000"/>
               </a:lnSpc>
@@ -13420,6 +12872,7 @@
                   <a:srgbClr val="000000"/>
                 </a:solidFill>
                 <a:latin typeface="Arial"/>
+                <a:ea typeface="DejaVu Sans"/>
               </a:rPr>
               <a:t>No betting concepts in the second ontology</a:t>
             </a:r>
@@ -13428,7 +12881,7 @@
             </a:endParaRPr>
           </a:p>
           <a:p>
-            <a:pPr marL="457200" indent="-227880">
+            <a:pPr marL="457200" indent="-227520">
               <a:lnSpc>
                 <a:spcPct val="100000"/>
               </a:lnSpc>
@@ -13445,6 +12898,7 @@
                   <a:srgbClr val="000000"/>
                 </a:solidFill>
                 <a:latin typeface="Arial"/>
+                <a:ea typeface="DejaVu Sans"/>
               </a:rPr>
               <a:t>* Used Logmap and AgreementMaker</a:t>
             </a:r>
@@ -13453,7 +12907,7 @@
             </a:endParaRPr>
           </a:p>
           <a:p>
-            <a:pPr lvl="1" marL="864000" indent="-323640">
+            <a:pPr lvl="1" marL="864000" indent="-323280">
               <a:lnSpc>
                 <a:spcPct val="100000"/>
               </a:lnSpc>
@@ -13476,6 +12930,7 @@
                   <a:srgbClr val="000000"/>
                 </a:solidFill>
                 <a:latin typeface="Arial"/>
+                <a:ea typeface="DejaVu Sans"/>
               </a:rPr>
               <a:t>Only Logmap was able to deliver a result for only one of the two ontologies</a:t>
             </a:r>
@@ -13484,7 +12939,7 @@
             </a:endParaRPr>
           </a:p>
           <a:p>
-            <a:pPr lvl="1" marL="864000" indent="-323640">
+            <a:pPr lvl="1" marL="864000" indent="-323280">
               <a:lnSpc>
                 <a:spcPct val="100000"/>
               </a:lnSpc>
@@ -13507,6 +12962,7 @@
                   <a:srgbClr val="000000"/>
                 </a:solidFill>
                 <a:latin typeface="Arial"/>
+                <a:ea typeface="DejaVu Sans"/>
               </a:rPr>
               <a:t>One similar class found</a:t>
             </a:r>
@@ -13551,7 +13007,7 @@
             </a:endParaRPr>
           </a:p>
           <a:p>
-            <a:pPr lvl="1" marL="864000" indent="-323640">
+            <a:pPr lvl="1" marL="864000" indent="-323280">
               <a:lnSpc>
                 <a:spcPct val="100000"/>
               </a:lnSpc>

--- a/Presentations/SAIKS Assignment final.pptx
+++ b/Presentations/SAIKS Assignment final.pptx
@@ -253,7 +253,7 @@
           </a:bodyPr>
           <a:p>
             <a:pPr algn="r"/>
-            <a:fld id="{6BF9417A-BDF4-4256-A3F4-D5D1003CF2A6}" type="slidenum">
+            <a:fld id="{7371F33C-1F0C-4A7F-9DB7-B5DF6B65F96D}" type="slidenum">
               <a:rPr b="0" lang="en-GB" sz="1400" spc="-1" strike="noStrike">
                 <a:latin typeface="Times New Roman"/>
               </a:rPr>
@@ -290,7 +290,7 @@
       </p:grpSpPr>
       <p:sp>
         <p:nvSpPr>
-          <p:cNvPr id="282" name="PlaceHolder 1"/>
+          <p:cNvPr id="286" name="PlaceHolder 1"/>
           <p:cNvSpPr>
             <a:spLocks noGrp="1"/>
           </p:cNvSpPr>
@@ -301,16 +301,16 @@
         <p:spPr>
           <a:xfrm>
             <a:off x="380880" y="685800"/>
-            <a:ext cx="6094800" cy="3427920"/>
-          </a:xfrm>
-          <a:prstGeom prst="rect">
-            <a:avLst/>
-          </a:prstGeom>
-        </p:spPr>
-      </p:sp>
-      <p:sp>
-        <p:nvSpPr>
-          <p:cNvPr id="283" name="PlaceHolder 2"/>
+            <a:ext cx="6094440" cy="3427560"/>
+          </a:xfrm>
+          <a:prstGeom prst="rect">
+            <a:avLst/>
+          </a:prstGeom>
+        </p:spPr>
+      </p:sp>
+      <p:sp>
+        <p:nvSpPr>
+          <p:cNvPr id="287" name="PlaceHolder 2"/>
           <p:cNvSpPr>
             <a:spLocks noGrp="1"/>
           </p:cNvSpPr>
@@ -321,7 +321,7 @@
         <p:spPr>
           <a:xfrm>
             <a:off x="685800" y="4343400"/>
-            <a:ext cx="5485320" cy="4113720"/>
+            <a:ext cx="5484960" cy="4113360"/>
           </a:xfrm>
           <a:prstGeom prst="rect">
             <a:avLst/>
@@ -340,14 +340,14 @@
       </p:sp>
       <p:sp>
         <p:nvSpPr>
-          <p:cNvPr id="284" name="CustomShape 3"/>
+          <p:cNvPr id="288" name="CustomShape 3"/>
           <p:cNvSpPr/>
           <p:nvPr/>
         </p:nvSpPr>
         <p:spPr>
           <a:xfrm>
             <a:off x="3884760" y="8685360"/>
-            <a:ext cx="2970720" cy="456120"/>
+            <a:ext cx="2970360" cy="455760"/>
           </a:xfrm>
           <a:prstGeom prst="rect">
             <a:avLst/>
@@ -376,7 +376,7 @@
                 <a:tab algn="l" pos="0"/>
               </a:tabLst>
             </a:pPr>
-            <a:fld id="{ECBC18F5-1423-4384-AB41-E95266593707}" type="slidenum">
+            <a:fld id="{A80525CA-DA07-4356-A113-0125C25775A5}" type="slidenum">
               <a:rPr b="0" lang="de-DE" sz="1200" spc="-1" strike="noStrike">
                 <a:solidFill>
                   <a:srgbClr val="000000"/>
@@ -416,7 +416,7 @@
       </p:grpSpPr>
       <p:sp>
         <p:nvSpPr>
-          <p:cNvPr id="291" name="PlaceHolder 1"/>
+          <p:cNvPr id="295" name="PlaceHolder 1"/>
           <p:cNvSpPr>
             <a:spLocks noGrp="1"/>
           </p:cNvSpPr>
@@ -427,16 +427,16 @@
         <p:spPr>
           <a:xfrm>
             <a:off x="380880" y="685800"/>
-            <a:ext cx="6094800" cy="3427920"/>
-          </a:xfrm>
-          <a:prstGeom prst="rect">
-            <a:avLst/>
-          </a:prstGeom>
-        </p:spPr>
-      </p:sp>
-      <p:sp>
-        <p:nvSpPr>
-          <p:cNvPr id="292" name="PlaceHolder 2"/>
+            <a:ext cx="6094440" cy="3427560"/>
+          </a:xfrm>
+          <a:prstGeom prst="rect">
+            <a:avLst/>
+          </a:prstGeom>
+        </p:spPr>
+      </p:sp>
+      <p:sp>
+        <p:nvSpPr>
+          <p:cNvPr id="296" name="PlaceHolder 2"/>
           <p:cNvSpPr>
             <a:spLocks noGrp="1"/>
           </p:cNvSpPr>
@@ -447,7 +447,7 @@
         <p:spPr>
           <a:xfrm>
             <a:off x="685800" y="4343400"/>
-            <a:ext cx="5485320" cy="4113720"/>
+            <a:ext cx="5484960" cy="4113360"/>
           </a:xfrm>
           <a:prstGeom prst="rect">
             <a:avLst/>
@@ -466,14 +466,14 @@
       </p:sp>
       <p:sp>
         <p:nvSpPr>
-          <p:cNvPr id="293" name="CustomShape 3"/>
+          <p:cNvPr id="297" name="CustomShape 3"/>
           <p:cNvSpPr/>
           <p:nvPr/>
         </p:nvSpPr>
         <p:spPr>
           <a:xfrm>
             <a:off x="3884760" y="8685360"/>
-            <a:ext cx="2970720" cy="456120"/>
+            <a:ext cx="2970360" cy="455760"/>
           </a:xfrm>
           <a:prstGeom prst="rect">
             <a:avLst/>
@@ -502,7 +502,7 @@
                 <a:tab algn="l" pos="0"/>
               </a:tabLst>
             </a:pPr>
-            <a:fld id="{687FA019-BE41-4A85-9912-08EB20AF1432}" type="slidenum">
+            <a:fld id="{547334B9-725C-495F-BE09-FA680F649F03}" type="slidenum">
               <a:rPr b="0" lang="de-DE" sz="1200" spc="-1" strike="noStrike">
                 <a:solidFill>
                   <a:srgbClr val="000000"/>
@@ -542,7 +542,7 @@
       </p:grpSpPr>
       <p:sp>
         <p:nvSpPr>
-          <p:cNvPr id="285" name="PlaceHolder 1"/>
+          <p:cNvPr id="289" name="PlaceHolder 1"/>
           <p:cNvSpPr>
             <a:spLocks noGrp="1"/>
           </p:cNvSpPr>
@@ -553,16 +553,16 @@
         <p:spPr>
           <a:xfrm>
             <a:off x="380880" y="685800"/>
-            <a:ext cx="6094800" cy="3427920"/>
-          </a:xfrm>
-          <a:prstGeom prst="rect">
-            <a:avLst/>
-          </a:prstGeom>
-        </p:spPr>
-      </p:sp>
-      <p:sp>
-        <p:nvSpPr>
-          <p:cNvPr id="286" name="PlaceHolder 2"/>
+            <a:ext cx="6094440" cy="3427560"/>
+          </a:xfrm>
+          <a:prstGeom prst="rect">
+            <a:avLst/>
+          </a:prstGeom>
+        </p:spPr>
+      </p:sp>
+      <p:sp>
+        <p:nvSpPr>
+          <p:cNvPr id="290" name="PlaceHolder 2"/>
           <p:cNvSpPr>
             <a:spLocks noGrp="1"/>
           </p:cNvSpPr>
@@ -573,7 +573,7 @@
         <p:spPr>
           <a:xfrm>
             <a:off x="685800" y="4343400"/>
-            <a:ext cx="5485320" cy="4113720"/>
+            <a:ext cx="5484960" cy="4113360"/>
           </a:xfrm>
           <a:prstGeom prst="rect">
             <a:avLst/>
@@ -592,14 +592,14 @@
       </p:sp>
       <p:sp>
         <p:nvSpPr>
-          <p:cNvPr id="287" name="CustomShape 3"/>
+          <p:cNvPr id="291" name="CustomShape 3"/>
           <p:cNvSpPr/>
           <p:nvPr/>
         </p:nvSpPr>
         <p:spPr>
           <a:xfrm>
             <a:off x="3884760" y="8685360"/>
-            <a:ext cx="2970720" cy="456120"/>
+            <a:ext cx="2970360" cy="455760"/>
           </a:xfrm>
           <a:prstGeom prst="rect">
             <a:avLst/>
@@ -628,7 +628,7 @@
                 <a:tab algn="l" pos="0"/>
               </a:tabLst>
             </a:pPr>
-            <a:fld id="{5F480269-565A-42EE-BB4E-12AF0B9E4503}" type="slidenum">
+            <a:fld id="{7EB25929-9ED9-4FA6-8C38-A990EF5CF148}" type="slidenum">
               <a:rPr b="0" lang="de-DE" sz="1400" spc="-1" strike="noStrike">
                 <a:solidFill>
                   <a:srgbClr val="000000"/>
@@ -667,7 +667,7 @@
       </p:grpSpPr>
       <p:sp>
         <p:nvSpPr>
-          <p:cNvPr id="288" name="PlaceHolder 1"/>
+          <p:cNvPr id="292" name="PlaceHolder 1"/>
           <p:cNvSpPr>
             <a:spLocks noGrp="1"/>
           </p:cNvSpPr>
@@ -678,16 +678,16 @@
         <p:spPr>
           <a:xfrm>
             <a:off x="380880" y="685800"/>
-            <a:ext cx="6094800" cy="3427920"/>
-          </a:xfrm>
-          <a:prstGeom prst="rect">
-            <a:avLst/>
-          </a:prstGeom>
-        </p:spPr>
-      </p:sp>
-      <p:sp>
-        <p:nvSpPr>
-          <p:cNvPr id="289" name="PlaceHolder 2"/>
+            <a:ext cx="6094440" cy="3427560"/>
+          </a:xfrm>
+          <a:prstGeom prst="rect">
+            <a:avLst/>
+          </a:prstGeom>
+        </p:spPr>
+      </p:sp>
+      <p:sp>
+        <p:nvSpPr>
+          <p:cNvPr id="293" name="PlaceHolder 2"/>
           <p:cNvSpPr>
             <a:spLocks noGrp="1"/>
           </p:cNvSpPr>
@@ -698,7 +698,7 @@
         <p:spPr>
           <a:xfrm>
             <a:off x="685800" y="4343400"/>
-            <a:ext cx="5485320" cy="4113720"/>
+            <a:ext cx="5484960" cy="4113360"/>
           </a:xfrm>
           <a:prstGeom prst="rect">
             <a:avLst/>
@@ -717,14 +717,14 @@
       </p:sp>
       <p:sp>
         <p:nvSpPr>
-          <p:cNvPr id="290" name="CustomShape 3"/>
+          <p:cNvPr id="294" name="CustomShape 3"/>
           <p:cNvSpPr/>
           <p:nvPr/>
         </p:nvSpPr>
         <p:spPr>
           <a:xfrm>
             <a:off x="3884760" y="8685360"/>
-            <a:ext cx="2970720" cy="456120"/>
+            <a:ext cx="2970360" cy="455760"/>
           </a:xfrm>
           <a:prstGeom prst="rect">
             <a:avLst/>
@@ -753,7 +753,7 @@
                 <a:tab algn="l" pos="0"/>
               </a:tabLst>
             </a:pPr>
-            <a:fld id="{BC039EE5-55AB-4B17-9AD6-C750F1B0E9C7}" type="slidenum">
+            <a:fld id="{FDA0FC89-4407-4F2F-BD53-887464344F34}" type="slidenum">
               <a:rPr b="0" lang="de-DE" sz="1400" spc="-1" strike="noStrike">
                 <a:solidFill>
                   <a:srgbClr val="000000"/>
@@ -2795,7 +2795,7 @@
       </p:grpSpPr>
       <p:sp>
         <p:nvSpPr>
-          <p:cNvPr id="96" name="PlaceHolder 1"/>
+          <p:cNvPr id="95" name="PlaceHolder 1"/>
           <p:cNvSpPr>
             <a:spLocks noGrp="1"/>
           </p:cNvSpPr>
@@ -2826,7 +2826,7 @@
       </p:sp>
       <p:sp>
         <p:nvSpPr>
-          <p:cNvPr id="97" name="PlaceHolder 2"/>
+          <p:cNvPr id="96" name="PlaceHolder 2"/>
           <p:cNvSpPr>
             <a:spLocks noGrp="1"/>
           </p:cNvSpPr>
@@ -2879,7 +2879,7 @@
       </p:grpSpPr>
       <p:sp>
         <p:nvSpPr>
-          <p:cNvPr id="98" name="PlaceHolder 1"/>
+          <p:cNvPr id="97" name="PlaceHolder 1"/>
           <p:cNvSpPr>
             <a:spLocks noGrp="1"/>
           </p:cNvSpPr>
@@ -2910,7 +2910,7 @@
       </p:sp>
       <p:sp>
         <p:nvSpPr>
-          <p:cNvPr id="99" name="PlaceHolder 2"/>
+          <p:cNvPr id="98" name="PlaceHolder 2"/>
           <p:cNvSpPr>
             <a:spLocks noGrp="1"/>
           </p:cNvSpPr>
@@ -2962,7 +2962,7 @@
       </p:grpSpPr>
       <p:sp>
         <p:nvSpPr>
-          <p:cNvPr id="100" name="PlaceHolder 1"/>
+          <p:cNvPr id="99" name="PlaceHolder 1"/>
           <p:cNvSpPr>
             <a:spLocks noGrp="1"/>
           </p:cNvSpPr>
@@ -2993,7 +2993,7 @@
       </p:sp>
       <p:sp>
         <p:nvSpPr>
-          <p:cNvPr id="101" name="PlaceHolder 2"/>
+          <p:cNvPr id="100" name="PlaceHolder 2"/>
           <p:cNvSpPr>
             <a:spLocks noGrp="1"/>
           </p:cNvSpPr>
@@ -3023,7 +3023,7 @@
       </p:sp>
       <p:sp>
         <p:nvSpPr>
-          <p:cNvPr id="102" name="PlaceHolder 3"/>
+          <p:cNvPr id="101" name="PlaceHolder 3"/>
           <p:cNvSpPr>
             <a:spLocks noGrp="1"/>
           </p:cNvSpPr>
@@ -3075,7 +3075,7 @@
       </p:grpSpPr>
       <p:sp>
         <p:nvSpPr>
-          <p:cNvPr id="103" name="PlaceHolder 1"/>
+          <p:cNvPr id="102" name="PlaceHolder 1"/>
           <p:cNvSpPr>
             <a:spLocks noGrp="1"/>
           </p:cNvSpPr>
@@ -3211,7 +3211,7 @@
       </p:grpSpPr>
       <p:sp>
         <p:nvSpPr>
-          <p:cNvPr id="104" name="PlaceHolder 1"/>
+          <p:cNvPr id="103" name="PlaceHolder 1"/>
           <p:cNvSpPr>
             <a:spLocks noGrp="1"/>
           </p:cNvSpPr>
@@ -3264,7 +3264,7 @@
       </p:grpSpPr>
       <p:sp>
         <p:nvSpPr>
-          <p:cNvPr id="105" name="PlaceHolder 1"/>
+          <p:cNvPr id="104" name="PlaceHolder 1"/>
           <p:cNvSpPr>
             <a:spLocks noGrp="1"/>
           </p:cNvSpPr>
@@ -3295,7 +3295,7 @@
       </p:sp>
       <p:sp>
         <p:nvSpPr>
-          <p:cNvPr id="106" name="PlaceHolder 2"/>
+          <p:cNvPr id="105" name="PlaceHolder 2"/>
           <p:cNvSpPr>
             <a:spLocks noGrp="1"/>
           </p:cNvSpPr>
@@ -3325,7 +3325,7 @@
       </p:sp>
       <p:sp>
         <p:nvSpPr>
-          <p:cNvPr id="107" name="PlaceHolder 3"/>
+          <p:cNvPr id="106" name="PlaceHolder 3"/>
           <p:cNvSpPr>
             <a:spLocks noGrp="1"/>
           </p:cNvSpPr>
@@ -3355,7 +3355,7 @@
       </p:sp>
       <p:sp>
         <p:nvSpPr>
-          <p:cNvPr id="108" name="PlaceHolder 4"/>
+          <p:cNvPr id="107" name="PlaceHolder 4"/>
           <p:cNvSpPr>
             <a:spLocks noGrp="1"/>
           </p:cNvSpPr>
@@ -3407,7 +3407,7 @@
       </p:grpSpPr>
       <p:sp>
         <p:nvSpPr>
-          <p:cNvPr id="109" name="PlaceHolder 1"/>
+          <p:cNvPr id="108" name="PlaceHolder 1"/>
           <p:cNvSpPr>
             <a:spLocks noGrp="1"/>
           </p:cNvSpPr>
@@ -3438,7 +3438,7 @@
       </p:sp>
       <p:sp>
         <p:nvSpPr>
-          <p:cNvPr id="110" name="PlaceHolder 2"/>
+          <p:cNvPr id="109" name="PlaceHolder 2"/>
           <p:cNvSpPr>
             <a:spLocks noGrp="1"/>
           </p:cNvSpPr>
@@ -3468,7 +3468,7 @@
       </p:sp>
       <p:sp>
         <p:nvSpPr>
-          <p:cNvPr id="111" name="PlaceHolder 3"/>
+          <p:cNvPr id="110" name="PlaceHolder 3"/>
           <p:cNvSpPr>
             <a:spLocks noGrp="1"/>
           </p:cNvSpPr>
@@ -3498,7 +3498,7 @@
       </p:sp>
       <p:sp>
         <p:nvSpPr>
-          <p:cNvPr id="112" name="PlaceHolder 4"/>
+          <p:cNvPr id="111" name="PlaceHolder 4"/>
           <p:cNvSpPr>
             <a:spLocks noGrp="1"/>
           </p:cNvSpPr>
@@ -3550,7 +3550,7 @@
       </p:grpSpPr>
       <p:sp>
         <p:nvSpPr>
-          <p:cNvPr id="113" name="PlaceHolder 1"/>
+          <p:cNvPr id="112" name="PlaceHolder 1"/>
           <p:cNvSpPr>
             <a:spLocks noGrp="1"/>
           </p:cNvSpPr>
@@ -3581,7 +3581,7 @@
       </p:sp>
       <p:sp>
         <p:nvSpPr>
-          <p:cNvPr id="114" name="PlaceHolder 2"/>
+          <p:cNvPr id="113" name="PlaceHolder 2"/>
           <p:cNvSpPr>
             <a:spLocks noGrp="1"/>
           </p:cNvSpPr>
@@ -3611,7 +3611,7 @@
       </p:sp>
       <p:sp>
         <p:nvSpPr>
-          <p:cNvPr id="115" name="PlaceHolder 3"/>
+          <p:cNvPr id="114" name="PlaceHolder 3"/>
           <p:cNvSpPr>
             <a:spLocks noGrp="1"/>
           </p:cNvSpPr>
@@ -3641,7 +3641,7 @@
       </p:sp>
       <p:sp>
         <p:nvSpPr>
-          <p:cNvPr id="116" name="PlaceHolder 4"/>
+          <p:cNvPr id="115" name="PlaceHolder 4"/>
           <p:cNvSpPr>
             <a:spLocks noGrp="1"/>
           </p:cNvSpPr>
@@ -3693,7 +3693,7 @@
       </p:grpSpPr>
       <p:sp>
         <p:nvSpPr>
-          <p:cNvPr id="117" name="PlaceHolder 1"/>
+          <p:cNvPr id="116" name="PlaceHolder 1"/>
           <p:cNvSpPr>
             <a:spLocks noGrp="1"/>
           </p:cNvSpPr>
@@ -3724,7 +3724,7 @@
       </p:sp>
       <p:sp>
         <p:nvSpPr>
-          <p:cNvPr id="118" name="PlaceHolder 2"/>
+          <p:cNvPr id="117" name="PlaceHolder 2"/>
           <p:cNvSpPr>
             <a:spLocks noGrp="1"/>
           </p:cNvSpPr>
@@ -3754,7 +3754,7 @@
       </p:sp>
       <p:sp>
         <p:nvSpPr>
-          <p:cNvPr id="119" name="PlaceHolder 3"/>
+          <p:cNvPr id="118" name="PlaceHolder 3"/>
           <p:cNvSpPr>
             <a:spLocks noGrp="1"/>
           </p:cNvSpPr>
@@ -3806,7 +3806,7 @@
       </p:grpSpPr>
       <p:sp>
         <p:nvSpPr>
-          <p:cNvPr id="120" name="PlaceHolder 1"/>
+          <p:cNvPr id="119" name="PlaceHolder 1"/>
           <p:cNvSpPr>
             <a:spLocks noGrp="1"/>
           </p:cNvSpPr>
@@ -3837,7 +3837,7 @@
       </p:sp>
       <p:sp>
         <p:nvSpPr>
-          <p:cNvPr id="121" name="PlaceHolder 2"/>
+          <p:cNvPr id="120" name="PlaceHolder 2"/>
           <p:cNvSpPr>
             <a:spLocks noGrp="1"/>
           </p:cNvSpPr>
@@ -3867,7 +3867,7 @@
       </p:sp>
       <p:sp>
         <p:nvSpPr>
-          <p:cNvPr id="122" name="PlaceHolder 3"/>
+          <p:cNvPr id="121" name="PlaceHolder 3"/>
           <p:cNvSpPr>
             <a:spLocks noGrp="1"/>
           </p:cNvSpPr>
@@ -3897,7 +3897,7 @@
       </p:sp>
       <p:sp>
         <p:nvSpPr>
-          <p:cNvPr id="123" name="PlaceHolder 4"/>
+          <p:cNvPr id="122" name="PlaceHolder 4"/>
           <p:cNvSpPr>
             <a:spLocks noGrp="1"/>
           </p:cNvSpPr>
@@ -3927,7 +3927,7 @@
       </p:sp>
       <p:sp>
         <p:nvSpPr>
-          <p:cNvPr id="124" name="PlaceHolder 5"/>
+          <p:cNvPr id="123" name="PlaceHolder 5"/>
           <p:cNvSpPr>
             <a:spLocks noGrp="1"/>
           </p:cNvSpPr>
@@ -3979,7 +3979,7 @@
       </p:grpSpPr>
       <p:sp>
         <p:nvSpPr>
-          <p:cNvPr id="125" name="PlaceHolder 1"/>
+          <p:cNvPr id="124" name="PlaceHolder 1"/>
           <p:cNvSpPr>
             <a:spLocks noGrp="1"/>
           </p:cNvSpPr>
@@ -4010,7 +4010,7 @@
       </p:sp>
       <p:sp>
         <p:nvSpPr>
-          <p:cNvPr id="126" name="PlaceHolder 2"/>
+          <p:cNvPr id="125" name="PlaceHolder 2"/>
           <p:cNvSpPr>
             <a:spLocks noGrp="1"/>
           </p:cNvSpPr>
@@ -4040,7 +4040,7 @@
       </p:sp>
       <p:sp>
         <p:nvSpPr>
-          <p:cNvPr id="127" name="PlaceHolder 3"/>
+          <p:cNvPr id="126" name="PlaceHolder 3"/>
           <p:cNvSpPr>
             <a:spLocks noGrp="1"/>
           </p:cNvSpPr>
@@ -4070,7 +4070,7 @@
       </p:sp>
       <p:sp>
         <p:nvSpPr>
-          <p:cNvPr id="128" name="PlaceHolder 4"/>
+          <p:cNvPr id="127" name="PlaceHolder 4"/>
           <p:cNvSpPr>
             <a:spLocks noGrp="1"/>
           </p:cNvSpPr>
@@ -4100,7 +4100,7 @@
       </p:sp>
       <p:sp>
         <p:nvSpPr>
-          <p:cNvPr id="129" name="PlaceHolder 5"/>
+          <p:cNvPr id="128" name="PlaceHolder 5"/>
           <p:cNvSpPr>
             <a:spLocks noGrp="1"/>
           </p:cNvSpPr>
@@ -4130,7 +4130,7 @@
       </p:sp>
       <p:sp>
         <p:nvSpPr>
-          <p:cNvPr id="130" name="PlaceHolder 6"/>
+          <p:cNvPr id="129" name="PlaceHolder 6"/>
           <p:cNvSpPr>
             <a:spLocks noGrp="1"/>
           </p:cNvSpPr>
@@ -4160,7 +4160,7 @@
       </p:sp>
       <p:sp>
         <p:nvSpPr>
-          <p:cNvPr id="131" name="PlaceHolder 7"/>
+          <p:cNvPr id="130" name="PlaceHolder 7"/>
           <p:cNvSpPr>
             <a:spLocks noGrp="1"/>
           </p:cNvSpPr>
@@ -7585,13 +7585,13 @@
         </p:nvPicPr>
         <p:blipFill>
           <a:blip r:embed="rId2"/>
-          <a:srcRect l="0" t="0" r="0" b="24694"/>
+          <a:srcRect l="0" t="0" r="0" b="24691"/>
           <a:stretch/>
         </p:blipFill>
         <p:spPr>
           <a:xfrm>
             <a:off x="0" y="0"/>
-            <a:ext cx="12191040" cy="6856920"/>
+            <a:ext cx="12190680" cy="6856560"/>
           </a:xfrm>
           <a:prstGeom prst="rect">
             <a:avLst/>
@@ -7610,9 +7610,9 @@
         <p:grpSpPr>
           <a:xfrm>
             <a:off x="0" y="2076480"/>
-            <a:ext cx="11522160" cy="4780440"/>
+            <a:ext cx="11521800" cy="4780080"/>
             <a:chOff x="0" y="2076480"/>
-            <a:chExt cx="11522160" cy="4780440"/>
+            <a:chExt cx="11521800" cy="4780080"/>
           </a:xfrm>
         </p:grpSpPr>
         <p:sp>
@@ -7624,7 +7624,7 @@
           <p:spPr>
             <a:xfrm>
               <a:off x="0" y="2076480"/>
-              <a:ext cx="10857240" cy="4780440"/>
+              <a:ext cx="10856880" cy="4780080"/>
             </a:xfrm>
             <a:prstGeom prst="rect">
               <a:avLst/>
@@ -7652,7 +7652,7 @@
           <p:spPr>
             <a:xfrm>
               <a:off x="10170720" y="2076480"/>
-              <a:ext cx="1349280" cy="1011600"/>
+              <a:ext cx="1348920" cy="1011240"/>
             </a:xfrm>
             <a:prstGeom prst="ellipse">
               <a:avLst/>
@@ -7680,7 +7680,7 @@
           <p:spPr>
             <a:xfrm>
               <a:off x="6527880" y="2571840"/>
-              <a:ext cx="4994280" cy="4285080"/>
+              <a:ext cx="4993920" cy="4284720"/>
             </a:xfrm>
             <a:prstGeom prst="rect">
               <a:avLst/>
@@ -7713,7 +7713,7 @@
         <p:spPr>
           <a:xfrm>
             <a:off x="191520" y="188640"/>
-            <a:ext cx="3707280" cy="1404000"/>
+            <a:ext cx="3706920" cy="1403640"/>
           </a:xfrm>
           <a:prstGeom prst="rect">
             <a:avLst/>
@@ -7752,49 +7752,7 @@
               <a:rPr b="0" lang="en-GB" sz="4400" spc="-1" strike="noStrike">
                 <a:latin typeface="Arial"/>
               </a:rPr>
-              <a:t>Clic</a:t>
-            </a:r>
-            <a:r>
-              <a:rPr b="0" lang="en-GB" sz="4400" spc="-1" strike="noStrike">
-                <a:latin typeface="Arial"/>
-              </a:rPr>
-              <a:t>k to </a:t>
-            </a:r>
-            <a:r>
-              <a:rPr b="0" lang="en-GB" sz="4400" spc="-1" strike="noStrike">
-                <a:latin typeface="Arial"/>
-              </a:rPr>
-              <a:t>edit </a:t>
-            </a:r>
-            <a:r>
-              <a:rPr b="0" lang="en-GB" sz="4400" spc="-1" strike="noStrike">
-                <a:latin typeface="Arial"/>
-              </a:rPr>
-              <a:t>the </a:t>
-            </a:r>
-            <a:r>
-              <a:rPr b="0" lang="en-GB" sz="4400" spc="-1" strike="noStrike">
-                <a:latin typeface="Arial"/>
-              </a:rPr>
-              <a:t>title </a:t>
-            </a:r>
-            <a:r>
-              <a:rPr b="0" lang="en-GB" sz="4400" spc="-1" strike="noStrike">
-                <a:latin typeface="Arial"/>
-              </a:rPr>
-              <a:t>text </a:t>
-            </a:r>
-            <a:r>
-              <a:rPr b="0" lang="en-GB" sz="4400" spc="-1" strike="noStrike">
-                <a:latin typeface="Arial"/>
-              </a:rPr>
-              <a:t>form</a:t>
-            </a:r>
-            <a:r>
-              <a:rPr b="0" lang="en-GB" sz="4400" spc="-1" strike="noStrike">
-                <a:latin typeface="Arial"/>
-              </a:rPr>
-              <a:t>at</a:t>
+              <a:t>Click to edit the title text format</a:t>
             </a:r>
             <a:endParaRPr b="0" lang="en-GB" sz="4400" spc="-1" strike="noStrike">
               <a:latin typeface="Arial"/>
@@ -8034,9 +7992,9 @@
         <p:grpSpPr>
           <a:xfrm>
             <a:off x="0" y="857160"/>
-            <a:ext cx="11522160" cy="5999760"/>
+            <a:ext cx="11521800" cy="5999400"/>
             <a:chOff x="0" y="857160"/>
-            <a:chExt cx="11522160" cy="5999760"/>
+            <a:chExt cx="11521800" cy="5999400"/>
           </a:xfrm>
         </p:grpSpPr>
         <p:sp>
@@ -8048,7 +8006,7 @@
           <p:spPr>
             <a:xfrm>
               <a:off x="0" y="857160"/>
-              <a:ext cx="10857600" cy="5999760"/>
+              <a:ext cx="10857240" cy="5999400"/>
             </a:xfrm>
             <a:prstGeom prst="rect">
               <a:avLst/>
@@ -8076,7 +8034,7 @@
           <p:spPr>
             <a:xfrm>
               <a:off x="10171080" y="858240"/>
-              <a:ext cx="1348200" cy="1268640"/>
+              <a:ext cx="1347840" cy="1268280"/>
             </a:xfrm>
             <a:prstGeom prst="ellipse">
               <a:avLst/>
@@ -8104,7 +8062,7 @@
           <p:spPr>
             <a:xfrm>
               <a:off x="6527520" y="1478880"/>
-              <a:ext cx="4994640" cy="5378040"/>
+              <a:ext cx="4994280" cy="5377680"/>
             </a:xfrm>
             <a:prstGeom prst="rect">
               <a:avLst/>
@@ -8137,7 +8095,7 @@
         <p:spPr>
           <a:xfrm>
             <a:off x="119160" y="116640"/>
-            <a:ext cx="394200" cy="395640"/>
+            <a:ext cx="393840" cy="395280"/>
           </a:xfrm>
           <a:prstGeom prst="rect">
             <a:avLst/>
@@ -8594,9 +8552,9 @@
         <p:grpSpPr>
           <a:xfrm>
             <a:off x="0" y="857160"/>
-            <a:ext cx="11522160" cy="5999760"/>
+            <a:ext cx="11521800" cy="5999400"/>
             <a:chOff x="0" y="857160"/>
-            <a:chExt cx="11522160" cy="5999760"/>
+            <a:chExt cx="11521800" cy="5999400"/>
           </a:xfrm>
         </p:grpSpPr>
         <p:sp>
@@ -8608,7 +8566,7 @@
           <p:spPr>
             <a:xfrm>
               <a:off x="0" y="857160"/>
-              <a:ext cx="10857600" cy="5999760"/>
+              <a:ext cx="10857240" cy="5999400"/>
             </a:xfrm>
             <a:prstGeom prst="rect">
               <a:avLst/>
@@ -8636,7 +8594,7 @@
           <p:spPr>
             <a:xfrm>
               <a:off x="10171080" y="858240"/>
-              <a:ext cx="1348200" cy="1268640"/>
+              <a:ext cx="1347840" cy="1268280"/>
             </a:xfrm>
             <a:prstGeom prst="ellipse">
               <a:avLst/>
@@ -8664,7 +8622,7 @@
           <p:spPr>
             <a:xfrm>
               <a:off x="6527520" y="1478880"/>
-              <a:ext cx="4994640" cy="5378040"/>
+              <a:ext cx="4994280" cy="5377680"/>
             </a:xfrm>
             <a:prstGeom prst="rect">
               <a:avLst/>
@@ -8697,7 +8655,7 @@
         <p:spPr>
           <a:xfrm>
             <a:off x="119160" y="116640"/>
-            <a:ext cx="394200" cy="395640"/>
+            <a:ext cx="393840" cy="395280"/>
           </a:xfrm>
           <a:prstGeom prst="rect">
             <a:avLst/>
@@ -8720,7 +8678,7 @@
         <p:spPr>
           <a:xfrm>
             <a:off x="609480" y="273600"/>
-            <a:ext cx="10972080" cy="1144440"/>
+            <a:ext cx="10972440" cy="1144800"/>
           </a:xfrm>
           <a:prstGeom prst="rect">
             <a:avLst/>
@@ -8731,13 +8689,14 @@
             <a:noAutofit/>
           </a:bodyPr>
           <a:p>
+            <a:pPr algn="ctr"/>
             <a:r>
-              <a:rPr b="0" lang="en-GB" sz="1800" spc="-1" strike="noStrike">
+              <a:rPr b="0" lang="en-GB" sz="4400" spc="-1" strike="noStrike">
                 <a:latin typeface="Arial"/>
               </a:rPr>
               <a:t>Click to edit the title text format</a:t>
             </a:r>
-            <a:endParaRPr b="0" lang="en-GB" sz="1800" spc="-1" strike="noStrike">
+            <a:endParaRPr b="0" lang="en-GB" sz="4400" spc="-1" strike="noStrike">
               <a:latin typeface="Arial"/>
             </a:endParaRPr>
           </a:p>
@@ -8756,7 +8715,7 @@
         <p:spPr>
           <a:xfrm>
             <a:off x="609480" y="1604520"/>
-            <a:ext cx="5353920" cy="3976920"/>
+            <a:ext cx="10972440" cy="3977280"/>
           </a:xfrm>
           <a:prstGeom prst="rect">
             <a:avLst/>
@@ -8779,12 +8738,12 @@
               <a:buChar char=""/>
             </a:pPr>
             <a:r>
-              <a:rPr b="0" lang="en-GB" sz="1800" spc="-1" strike="noStrike">
+              <a:rPr b="0" lang="en-GB" sz="3200" spc="-1" strike="noStrike">
                 <a:latin typeface="Arial"/>
               </a:rPr>
               <a:t>Click to edit the outline text format</a:t>
             </a:r>
-            <a:endParaRPr b="0" lang="en-GB" sz="1800" spc="-1" strike="noStrike">
+            <a:endParaRPr b="0" lang="en-GB" sz="3200" spc="-1" strike="noStrike">
               <a:latin typeface="Arial"/>
             </a:endParaRPr>
           </a:p>
@@ -8801,12 +8760,12 @@
               <a:buChar char=""/>
             </a:pPr>
             <a:r>
-              <a:rPr b="0" lang="en-GB" sz="1800" spc="-1" strike="noStrike">
+              <a:rPr b="0" lang="en-GB" sz="2800" spc="-1" strike="noStrike">
                 <a:latin typeface="Arial"/>
               </a:rPr>
               <a:t>Second Outline Level</a:t>
             </a:r>
-            <a:endParaRPr b="0" lang="en-GB" sz="1800" spc="-1" strike="noStrike">
+            <a:endParaRPr b="0" lang="en-GB" sz="2800" spc="-1" strike="noStrike">
               <a:latin typeface="Arial"/>
             </a:endParaRPr>
           </a:p>
@@ -8823,12 +8782,12 @@
               <a:buChar char=""/>
             </a:pPr>
             <a:r>
-              <a:rPr b="0" lang="en-GB" sz="1800" spc="-1" strike="noStrike">
+              <a:rPr b="0" lang="en-GB" sz="2400" spc="-1" strike="noStrike">
                 <a:latin typeface="Arial"/>
               </a:rPr>
               <a:t>Third Outline Level</a:t>
             </a:r>
-            <a:endParaRPr b="0" lang="en-GB" sz="1800" spc="-1" strike="noStrike">
+            <a:endParaRPr b="0" lang="en-GB" sz="2400" spc="-1" strike="noStrike">
               <a:latin typeface="Arial"/>
             </a:endParaRPr>
           </a:p>
@@ -8845,12 +8804,12 @@
               <a:buChar char=""/>
             </a:pPr>
             <a:r>
-              <a:rPr b="0" lang="en-GB" sz="1800" spc="-1" strike="noStrike">
+              <a:rPr b="0" lang="en-GB" sz="2000" spc="-1" strike="noStrike">
                 <a:latin typeface="Arial"/>
               </a:rPr>
               <a:t>Fourth Outline Level</a:t>
             </a:r>
-            <a:endParaRPr b="0" lang="en-GB" sz="1800" spc="-1" strike="noStrike">
+            <a:endParaRPr b="0" lang="en-GB" sz="2000" spc="-1" strike="noStrike">
               <a:latin typeface="Arial"/>
             </a:endParaRPr>
           </a:p>
@@ -8867,12 +8826,12 @@
               <a:buChar char=""/>
             </a:pPr>
             <a:r>
-              <a:rPr b="0" lang="en-GB" sz="1800" spc="-1" strike="noStrike">
+              <a:rPr b="0" lang="en-GB" sz="2000" spc="-1" strike="noStrike">
                 <a:latin typeface="Arial"/>
               </a:rPr>
               <a:t>Fifth Outline Level</a:t>
             </a:r>
-            <a:endParaRPr b="0" lang="en-GB" sz="1800" spc="-1" strike="noStrike">
+            <a:endParaRPr b="0" lang="en-GB" sz="2000" spc="-1" strike="noStrike">
               <a:latin typeface="Arial"/>
             </a:endParaRPr>
           </a:p>
@@ -8889,12 +8848,12 @@
               <a:buChar char=""/>
             </a:pPr>
             <a:r>
-              <a:rPr b="0" lang="en-GB" sz="1800" spc="-1" strike="noStrike">
+              <a:rPr b="0" lang="en-GB" sz="2000" spc="-1" strike="noStrike">
                 <a:latin typeface="Arial"/>
               </a:rPr>
               <a:t>Sixth Outline Level</a:t>
             </a:r>
-            <a:endParaRPr b="0" lang="en-GB" sz="1800" spc="-1" strike="noStrike">
+            <a:endParaRPr b="0" lang="en-GB" sz="2000" spc="-1" strike="noStrike">
               <a:latin typeface="Arial"/>
             </a:endParaRPr>
           </a:p>
@@ -8911,191 +8870,12 @@
               <a:buChar char=""/>
             </a:pPr>
             <a:r>
-              <a:rPr b="0" lang="en-GB" sz="1800" spc="-1" strike="noStrike">
+              <a:rPr b="0" lang="en-GB" sz="2000" spc="-1" strike="noStrike">
                 <a:latin typeface="Arial"/>
               </a:rPr>
               <a:t>Seventh Outline Level</a:t>
             </a:r>
-            <a:endParaRPr b="0" lang="en-GB" sz="1800" spc="-1" strike="noStrike">
-              <a:latin typeface="Arial"/>
-            </a:endParaRPr>
-          </a:p>
-        </p:txBody>
-      </p:sp>
-      <p:sp>
-        <p:nvSpPr>
-          <p:cNvPr id="95" name="PlaceHolder 7"/>
-          <p:cNvSpPr>
-            <a:spLocks noGrp="1"/>
-          </p:cNvSpPr>
-          <p:nvPr>
-            <p:ph type="body"/>
-          </p:nvPr>
-        </p:nvSpPr>
-        <p:spPr>
-          <a:xfrm>
-            <a:off x="6231960" y="1604520"/>
-            <a:ext cx="5353920" cy="3976920"/>
-          </a:xfrm>
-          <a:prstGeom prst="rect">
-            <a:avLst/>
-          </a:prstGeom>
-        </p:spPr>
-        <p:txBody>
-          <a:bodyPr lIns="0" rIns="0" tIns="0" bIns="0">
-            <a:normAutofit/>
-          </a:bodyPr>
-          <a:p>
-            <a:pPr marL="432000" indent="-324000">
-              <a:spcBef>
-                <a:spcPts val="1417"/>
-              </a:spcBef>
-              <a:buClr>
-                <a:srgbClr val="000000"/>
-              </a:buClr>
-              <a:buSzPct val="45000"/>
-              <a:buFont typeface="Wingdings" charset="2"/>
-              <a:buChar char=""/>
-            </a:pPr>
-            <a:r>
-              <a:rPr b="0" lang="en-GB" sz="1800" spc="-1" strike="noStrike">
-                <a:latin typeface="Arial"/>
-              </a:rPr>
-              <a:t>Click to edit the outline text format</a:t>
-            </a:r>
-            <a:endParaRPr b="0" lang="en-GB" sz="1800" spc="-1" strike="noStrike">
-              <a:latin typeface="Arial"/>
-            </a:endParaRPr>
-          </a:p>
-          <a:p>
-            <a:pPr lvl="1" marL="864000" indent="-324000">
-              <a:spcBef>
-                <a:spcPts val="1134"/>
-              </a:spcBef>
-              <a:buClr>
-                <a:srgbClr val="000000"/>
-              </a:buClr>
-              <a:buSzPct val="75000"/>
-              <a:buFont typeface="Symbol" charset="2"/>
-              <a:buChar char=""/>
-            </a:pPr>
-            <a:r>
-              <a:rPr b="0" lang="en-GB" sz="1800" spc="-1" strike="noStrike">
-                <a:latin typeface="Arial"/>
-              </a:rPr>
-              <a:t>Second Outline Level</a:t>
-            </a:r>
-            <a:endParaRPr b="0" lang="en-GB" sz="1800" spc="-1" strike="noStrike">
-              <a:latin typeface="Arial"/>
-            </a:endParaRPr>
-          </a:p>
-          <a:p>
-            <a:pPr lvl="2" marL="1296000" indent="-288000">
-              <a:spcBef>
-                <a:spcPts val="850"/>
-              </a:spcBef>
-              <a:buClr>
-                <a:srgbClr val="000000"/>
-              </a:buClr>
-              <a:buSzPct val="45000"/>
-              <a:buFont typeface="Wingdings" charset="2"/>
-              <a:buChar char=""/>
-            </a:pPr>
-            <a:r>
-              <a:rPr b="0" lang="en-GB" sz="1800" spc="-1" strike="noStrike">
-                <a:latin typeface="Arial"/>
-              </a:rPr>
-              <a:t>Third Outline Level</a:t>
-            </a:r>
-            <a:endParaRPr b="0" lang="en-GB" sz="1800" spc="-1" strike="noStrike">
-              <a:latin typeface="Arial"/>
-            </a:endParaRPr>
-          </a:p>
-          <a:p>
-            <a:pPr lvl="3" marL="1728000" indent="-216000">
-              <a:spcBef>
-                <a:spcPts val="567"/>
-              </a:spcBef>
-              <a:buClr>
-                <a:srgbClr val="000000"/>
-              </a:buClr>
-              <a:buSzPct val="75000"/>
-              <a:buFont typeface="Symbol" charset="2"/>
-              <a:buChar char=""/>
-            </a:pPr>
-            <a:r>
-              <a:rPr b="0" lang="en-GB" sz="1800" spc="-1" strike="noStrike">
-                <a:latin typeface="Arial"/>
-              </a:rPr>
-              <a:t>Fourth Outline Level</a:t>
-            </a:r>
-            <a:endParaRPr b="0" lang="en-GB" sz="1800" spc="-1" strike="noStrike">
-              <a:latin typeface="Arial"/>
-            </a:endParaRPr>
-          </a:p>
-          <a:p>
-            <a:pPr lvl="4" marL="2160000" indent="-216000">
-              <a:spcBef>
-                <a:spcPts val="283"/>
-              </a:spcBef>
-              <a:buClr>
-                <a:srgbClr val="000000"/>
-              </a:buClr>
-              <a:buSzPct val="45000"/>
-              <a:buFont typeface="Wingdings" charset="2"/>
-              <a:buChar char=""/>
-            </a:pPr>
-            <a:r>
-              <a:rPr b="0" lang="en-GB" sz="1800" spc="-1" strike="noStrike">
-                <a:latin typeface="Arial"/>
-              </a:rPr>
-              <a:t>Fifth Outline Level</a:t>
-            </a:r>
-            <a:endParaRPr b="0" lang="en-GB" sz="1800" spc="-1" strike="noStrike">
-              <a:latin typeface="Arial"/>
-            </a:endParaRPr>
-          </a:p>
-          <a:p>
-            <a:pPr lvl="5" marL="2592000" indent="-216000">
-              <a:spcBef>
-                <a:spcPts val="283"/>
-              </a:spcBef>
-              <a:buClr>
-                <a:srgbClr val="000000"/>
-              </a:buClr>
-              <a:buSzPct val="45000"/>
-              <a:buFont typeface="Wingdings" charset="2"/>
-              <a:buChar char=""/>
-            </a:pPr>
-            <a:r>
-              <a:rPr b="0" lang="en-GB" sz="1800" spc="-1" strike="noStrike">
-                <a:latin typeface="Arial"/>
-              </a:rPr>
-              <a:t>Sixth Outline Level</a:t>
-            </a:r>
-            <a:endParaRPr b="0" lang="en-GB" sz="1800" spc="-1" strike="noStrike">
-              <a:latin typeface="Arial"/>
-            </a:endParaRPr>
-          </a:p>
-          <a:p>
-            <a:pPr lvl="6" marL="3024000" indent="-216000">
-              <a:spcBef>
-                <a:spcPts val="283"/>
-              </a:spcBef>
-              <a:buClr>
-                <a:srgbClr val="000000"/>
-              </a:buClr>
-              <a:buSzPct val="45000"/>
-              <a:buFont typeface="Wingdings" charset="2"/>
-              <a:buChar char=""/>
-            </a:pPr>
-            <a:r>
-              <a:rPr b="0" lang="en-GB" sz="1800" spc="-1" strike="noStrike">
-                <a:latin typeface="Arial"/>
-              </a:rPr>
-              <a:t>Seventh Outline Level</a:t>
-            </a:r>
-            <a:endParaRPr b="0" lang="en-GB" sz="1800" spc="-1" strike="noStrike">
+            <a:endParaRPr b="0" lang="en-GB" sz="2000" spc="-1" strike="noStrike">
               <a:latin typeface="Arial"/>
             </a:endParaRPr>
           </a:p>
@@ -9147,28 +8927,28 @@
       </p:grpSpPr>
       <p:grpSp>
         <p:nvGrpSpPr>
-          <p:cNvPr id="132" name="Group 1"/>
+          <p:cNvPr id="131" name="Group 1"/>
           <p:cNvGrpSpPr/>
           <p:nvPr/>
         </p:nvGrpSpPr>
         <p:grpSpPr>
           <a:xfrm>
             <a:off x="0" y="857160"/>
-            <a:ext cx="11522160" cy="5999760"/>
+            <a:ext cx="11521800" cy="5999400"/>
             <a:chOff x="0" y="857160"/>
-            <a:chExt cx="11522160" cy="5999760"/>
+            <a:chExt cx="11521800" cy="5999400"/>
           </a:xfrm>
         </p:grpSpPr>
         <p:sp>
           <p:nvSpPr>
-            <p:cNvPr id="133" name="CustomShape 2"/>
+            <p:cNvPr id="132" name="CustomShape 2"/>
             <p:cNvSpPr/>
             <p:nvPr/>
           </p:nvSpPr>
           <p:spPr>
             <a:xfrm>
               <a:off x="0" y="857160"/>
-              <a:ext cx="10857600" cy="5999760"/>
+              <a:ext cx="10857240" cy="5999400"/>
             </a:xfrm>
             <a:prstGeom prst="rect">
               <a:avLst/>
@@ -9189,14 +8969,14 @@
         </p:sp>
         <p:sp>
           <p:nvSpPr>
-            <p:cNvPr id="134" name="CustomShape 3"/>
+            <p:cNvPr id="133" name="CustomShape 3"/>
             <p:cNvSpPr/>
             <p:nvPr/>
           </p:nvSpPr>
           <p:spPr>
             <a:xfrm>
               <a:off x="10171080" y="858240"/>
-              <a:ext cx="1348200" cy="1268640"/>
+              <a:ext cx="1347840" cy="1268280"/>
             </a:xfrm>
             <a:prstGeom prst="ellipse">
               <a:avLst/>
@@ -9217,14 +8997,14 @@
         </p:sp>
         <p:sp>
           <p:nvSpPr>
-            <p:cNvPr id="135" name="CustomShape 4"/>
+            <p:cNvPr id="134" name="CustomShape 4"/>
             <p:cNvSpPr/>
             <p:nvPr/>
           </p:nvSpPr>
           <p:spPr>
             <a:xfrm>
               <a:off x="6527520" y="1478880"/>
-              <a:ext cx="4994640" cy="5378040"/>
+              <a:ext cx="4994280" cy="5377680"/>
             </a:xfrm>
             <a:prstGeom prst="rect">
               <a:avLst/>
@@ -9246,7 +9026,7 @@
       </p:grpSp>
       <p:pic>
         <p:nvPicPr>
-          <p:cNvPr id="136" name="Google Shape;36;p8" descr="TU_Logo.gif"/>
+          <p:cNvPr id="135" name="Google Shape;36;p8" descr="TU_Logo.gif"/>
           <p:cNvPicPr/>
           <p:nvPr/>
         </p:nvPicPr>
@@ -9257,7 +9037,7 @@
         <p:spPr>
           <a:xfrm>
             <a:off x="119160" y="116640"/>
-            <a:ext cx="394200" cy="395640"/>
+            <a:ext cx="393840" cy="395280"/>
           </a:xfrm>
           <a:prstGeom prst="rect">
             <a:avLst/>
@@ -9269,7 +9049,7 @@
       </p:pic>
       <p:sp>
         <p:nvSpPr>
-          <p:cNvPr id="137" name="PlaceHolder 5"/>
+          <p:cNvPr id="136" name="PlaceHolder 5"/>
           <p:cNvSpPr>
             <a:spLocks noGrp="1"/>
           </p:cNvSpPr>
@@ -9280,7 +9060,7 @@
         <p:spPr>
           <a:xfrm>
             <a:off x="609480" y="273600"/>
-            <a:ext cx="10972440" cy="1144800"/>
+            <a:ext cx="10972080" cy="1144440"/>
           </a:xfrm>
           <a:prstGeom prst="rect">
             <a:avLst/>
@@ -9291,22 +9071,21 @@
             <a:noAutofit/>
           </a:bodyPr>
           <a:p>
-            <a:pPr algn="ctr"/>
             <a:r>
-              <a:rPr b="0" lang="en-GB" sz="4400" spc="-1" strike="noStrike">
+              <a:rPr b="0" lang="en-GB" sz="1800" spc="-1" strike="noStrike">
                 <a:latin typeface="Arial"/>
               </a:rPr>
               <a:t>Click to edit the title text format</a:t>
             </a:r>
-            <a:endParaRPr b="0" lang="en-GB" sz="4400" spc="-1" strike="noStrike">
-              <a:latin typeface="Arial"/>
-            </a:endParaRPr>
-          </a:p>
-        </p:txBody>
-      </p:sp>
-      <p:sp>
-        <p:nvSpPr>
-          <p:cNvPr id="138" name="PlaceHolder 6"/>
+            <a:endParaRPr b="0" lang="en-GB" sz="1800" spc="-1" strike="noStrike">
+              <a:latin typeface="Arial"/>
+            </a:endParaRPr>
+          </a:p>
+        </p:txBody>
+      </p:sp>
+      <p:sp>
+        <p:nvSpPr>
+          <p:cNvPr id="137" name="PlaceHolder 6"/>
           <p:cNvSpPr>
             <a:spLocks noGrp="1"/>
           </p:cNvSpPr>
@@ -9317,7 +9096,7 @@
         <p:spPr>
           <a:xfrm>
             <a:off x="609480" y="1604520"/>
-            <a:ext cx="10972440" cy="3977280"/>
+            <a:ext cx="5353920" cy="3976920"/>
           </a:xfrm>
           <a:prstGeom prst="rect">
             <a:avLst/>
@@ -9340,12 +9119,12 @@
               <a:buChar char=""/>
             </a:pPr>
             <a:r>
-              <a:rPr b="0" lang="en-GB" sz="3200" spc="-1" strike="noStrike">
+              <a:rPr b="0" lang="en-GB" sz="1800" spc="-1" strike="noStrike">
                 <a:latin typeface="Arial"/>
               </a:rPr>
               <a:t>Click to edit the outline text format</a:t>
             </a:r>
-            <a:endParaRPr b="0" lang="en-GB" sz="3200" spc="-1" strike="noStrike">
+            <a:endParaRPr b="0" lang="en-GB" sz="1800" spc="-1" strike="noStrike">
               <a:latin typeface="Arial"/>
             </a:endParaRPr>
           </a:p>
@@ -9362,12 +9141,12 @@
               <a:buChar char=""/>
             </a:pPr>
             <a:r>
-              <a:rPr b="0" lang="en-GB" sz="2800" spc="-1" strike="noStrike">
+              <a:rPr b="0" lang="en-GB" sz="1800" spc="-1" strike="noStrike">
                 <a:latin typeface="Arial"/>
               </a:rPr>
               <a:t>Second Outline Level</a:t>
             </a:r>
-            <a:endParaRPr b="0" lang="en-GB" sz="2800" spc="-1" strike="noStrike">
+            <a:endParaRPr b="0" lang="en-GB" sz="1800" spc="-1" strike="noStrike">
               <a:latin typeface="Arial"/>
             </a:endParaRPr>
           </a:p>
@@ -9384,12 +9163,12 @@
               <a:buChar char=""/>
             </a:pPr>
             <a:r>
-              <a:rPr b="0" lang="en-GB" sz="2400" spc="-1" strike="noStrike">
+              <a:rPr b="0" lang="en-GB" sz="1800" spc="-1" strike="noStrike">
                 <a:latin typeface="Arial"/>
               </a:rPr>
               <a:t>Third Outline Level</a:t>
             </a:r>
-            <a:endParaRPr b="0" lang="en-GB" sz="2400" spc="-1" strike="noStrike">
+            <a:endParaRPr b="0" lang="en-GB" sz="1800" spc="-1" strike="noStrike">
               <a:latin typeface="Arial"/>
             </a:endParaRPr>
           </a:p>
@@ -9406,12 +9185,12 @@
               <a:buChar char=""/>
             </a:pPr>
             <a:r>
-              <a:rPr b="0" lang="en-GB" sz="2000" spc="-1" strike="noStrike">
+              <a:rPr b="0" lang="en-GB" sz="1800" spc="-1" strike="noStrike">
                 <a:latin typeface="Arial"/>
               </a:rPr>
               <a:t>Fourth Outline Level</a:t>
             </a:r>
-            <a:endParaRPr b="0" lang="en-GB" sz="2000" spc="-1" strike="noStrike">
+            <a:endParaRPr b="0" lang="en-GB" sz="1800" spc="-1" strike="noStrike">
               <a:latin typeface="Arial"/>
             </a:endParaRPr>
           </a:p>
@@ -9428,12 +9207,12 @@
               <a:buChar char=""/>
             </a:pPr>
             <a:r>
-              <a:rPr b="0" lang="en-GB" sz="2000" spc="-1" strike="noStrike">
+              <a:rPr b="0" lang="en-GB" sz="1800" spc="-1" strike="noStrike">
                 <a:latin typeface="Arial"/>
               </a:rPr>
               <a:t>Fifth Outline Level</a:t>
             </a:r>
-            <a:endParaRPr b="0" lang="en-GB" sz="2000" spc="-1" strike="noStrike">
+            <a:endParaRPr b="0" lang="en-GB" sz="1800" spc="-1" strike="noStrike">
               <a:latin typeface="Arial"/>
             </a:endParaRPr>
           </a:p>
@@ -9450,12 +9229,12 @@
               <a:buChar char=""/>
             </a:pPr>
             <a:r>
-              <a:rPr b="0" lang="en-GB" sz="2000" spc="-1" strike="noStrike">
+              <a:rPr b="0" lang="en-GB" sz="1800" spc="-1" strike="noStrike">
                 <a:latin typeface="Arial"/>
               </a:rPr>
               <a:t>Sixth Outline Level</a:t>
             </a:r>
-            <a:endParaRPr b="0" lang="en-GB" sz="2000" spc="-1" strike="noStrike">
+            <a:endParaRPr b="0" lang="en-GB" sz="1800" spc="-1" strike="noStrike">
               <a:latin typeface="Arial"/>
             </a:endParaRPr>
           </a:p>
@@ -9472,12 +9251,191 @@
               <a:buChar char=""/>
             </a:pPr>
             <a:r>
-              <a:rPr b="0" lang="en-GB" sz="2000" spc="-1" strike="noStrike">
+              <a:rPr b="0" lang="en-GB" sz="1800" spc="-1" strike="noStrike">
                 <a:latin typeface="Arial"/>
               </a:rPr>
               <a:t>Seventh Outline Level</a:t>
             </a:r>
-            <a:endParaRPr b="0" lang="en-GB" sz="2000" spc="-1" strike="noStrike">
+            <a:endParaRPr b="0" lang="en-GB" sz="1800" spc="-1" strike="noStrike">
+              <a:latin typeface="Arial"/>
+            </a:endParaRPr>
+          </a:p>
+        </p:txBody>
+      </p:sp>
+      <p:sp>
+        <p:nvSpPr>
+          <p:cNvPr id="138" name="PlaceHolder 7"/>
+          <p:cNvSpPr>
+            <a:spLocks noGrp="1"/>
+          </p:cNvSpPr>
+          <p:nvPr>
+            <p:ph type="body"/>
+          </p:nvPr>
+        </p:nvSpPr>
+        <p:spPr>
+          <a:xfrm>
+            <a:off x="6231960" y="1604520"/>
+            <a:ext cx="5353920" cy="3976920"/>
+          </a:xfrm>
+          <a:prstGeom prst="rect">
+            <a:avLst/>
+          </a:prstGeom>
+        </p:spPr>
+        <p:txBody>
+          <a:bodyPr lIns="0" rIns="0" tIns="0" bIns="0">
+            <a:normAutofit/>
+          </a:bodyPr>
+          <a:p>
+            <a:pPr marL="432000" indent="-324000">
+              <a:spcBef>
+                <a:spcPts val="1417"/>
+              </a:spcBef>
+              <a:buClr>
+                <a:srgbClr val="000000"/>
+              </a:buClr>
+              <a:buSzPct val="45000"/>
+              <a:buFont typeface="Wingdings" charset="2"/>
+              <a:buChar char=""/>
+            </a:pPr>
+            <a:r>
+              <a:rPr b="0" lang="en-GB" sz="1800" spc="-1" strike="noStrike">
+                <a:latin typeface="Arial"/>
+              </a:rPr>
+              <a:t>Click to edit the outline text format</a:t>
+            </a:r>
+            <a:endParaRPr b="0" lang="en-GB" sz="1800" spc="-1" strike="noStrike">
+              <a:latin typeface="Arial"/>
+            </a:endParaRPr>
+          </a:p>
+          <a:p>
+            <a:pPr lvl="1" marL="864000" indent="-324000">
+              <a:spcBef>
+                <a:spcPts val="1134"/>
+              </a:spcBef>
+              <a:buClr>
+                <a:srgbClr val="000000"/>
+              </a:buClr>
+              <a:buSzPct val="75000"/>
+              <a:buFont typeface="Symbol" charset="2"/>
+              <a:buChar char=""/>
+            </a:pPr>
+            <a:r>
+              <a:rPr b="0" lang="en-GB" sz="1800" spc="-1" strike="noStrike">
+                <a:latin typeface="Arial"/>
+              </a:rPr>
+              <a:t>Second Outline Level</a:t>
+            </a:r>
+            <a:endParaRPr b="0" lang="en-GB" sz="1800" spc="-1" strike="noStrike">
+              <a:latin typeface="Arial"/>
+            </a:endParaRPr>
+          </a:p>
+          <a:p>
+            <a:pPr lvl="2" marL="1296000" indent="-288000">
+              <a:spcBef>
+                <a:spcPts val="850"/>
+              </a:spcBef>
+              <a:buClr>
+                <a:srgbClr val="000000"/>
+              </a:buClr>
+              <a:buSzPct val="45000"/>
+              <a:buFont typeface="Wingdings" charset="2"/>
+              <a:buChar char=""/>
+            </a:pPr>
+            <a:r>
+              <a:rPr b="0" lang="en-GB" sz="1800" spc="-1" strike="noStrike">
+                <a:latin typeface="Arial"/>
+              </a:rPr>
+              <a:t>Third Outline Level</a:t>
+            </a:r>
+            <a:endParaRPr b="0" lang="en-GB" sz="1800" spc="-1" strike="noStrike">
+              <a:latin typeface="Arial"/>
+            </a:endParaRPr>
+          </a:p>
+          <a:p>
+            <a:pPr lvl="3" marL="1728000" indent="-216000">
+              <a:spcBef>
+                <a:spcPts val="567"/>
+              </a:spcBef>
+              <a:buClr>
+                <a:srgbClr val="000000"/>
+              </a:buClr>
+              <a:buSzPct val="75000"/>
+              <a:buFont typeface="Symbol" charset="2"/>
+              <a:buChar char=""/>
+            </a:pPr>
+            <a:r>
+              <a:rPr b="0" lang="en-GB" sz="1800" spc="-1" strike="noStrike">
+                <a:latin typeface="Arial"/>
+              </a:rPr>
+              <a:t>Fourth Outline Level</a:t>
+            </a:r>
+            <a:endParaRPr b="0" lang="en-GB" sz="1800" spc="-1" strike="noStrike">
+              <a:latin typeface="Arial"/>
+            </a:endParaRPr>
+          </a:p>
+          <a:p>
+            <a:pPr lvl="4" marL="2160000" indent="-216000">
+              <a:spcBef>
+                <a:spcPts val="283"/>
+              </a:spcBef>
+              <a:buClr>
+                <a:srgbClr val="000000"/>
+              </a:buClr>
+              <a:buSzPct val="45000"/>
+              <a:buFont typeface="Wingdings" charset="2"/>
+              <a:buChar char=""/>
+            </a:pPr>
+            <a:r>
+              <a:rPr b="0" lang="en-GB" sz="1800" spc="-1" strike="noStrike">
+                <a:latin typeface="Arial"/>
+              </a:rPr>
+              <a:t>Fifth Outline Level</a:t>
+            </a:r>
+            <a:endParaRPr b="0" lang="en-GB" sz="1800" spc="-1" strike="noStrike">
+              <a:latin typeface="Arial"/>
+            </a:endParaRPr>
+          </a:p>
+          <a:p>
+            <a:pPr lvl="5" marL="2592000" indent="-216000">
+              <a:spcBef>
+                <a:spcPts val="283"/>
+              </a:spcBef>
+              <a:buClr>
+                <a:srgbClr val="000000"/>
+              </a:buClr>
+              <a:buSzPct val="45000"/>
+              <a:buFont typeface="Wingdings" charset="2"/>
+              <a:buChar char=""/>
+            </a:pPr>
+            <a:r>
+              <a:rPr b="0" lang="en-GB" sz="1800" spc="-1" strike="noStrike">
+                <a:latin typeface="Arial"/>
+              </a:rPr>
+              <a:t>Sixth Outline Level</a:t>
+            </a:r>
+            <a:endParaRPr b="0" lang="en-GB" sz="1800" spc="-1" strike="noStrike">
+              <a:latin typeface="Arial"/>
+            </a:endParaRPr>
+          </a:p>
+          <a:p>
+            <a:pPr lvl="6" marL="3024000" indent="-216000">
+              <a:spcBef>
+                <a:spcPts val="283"/>
+              </a:spcBef>
+              <a:buClr>
+                <a:srgbClr val="000000"/>
+              </a:buClr>
+              <a:buSzPct val="45000"/>
+              <a:buFont typeface="Wingdings" charset="2"/>
+              <a:buChar char=""/>
+            </a:pPr>
+            <a:r>
+              <a:rPr b="0" lang="en-GB" sz="1800" spc="-1" strike="noStrike">
+                <a:latin typeface="Arial"/>
+              </a:rPr>
+              <a:t>Seventh Outline Level</a:t>
+            </a:r>
+            <a:endParaRPr b="0" lang="en-GB" sz="1800" spc="-1" strike="noStrike">
               <a:latin typeface="Arial"/>
             </a:endParaRPr>
           </a:p>
@@ -9536,9 +9494,9 @@
         <p:grpSpPr>
           <a:xfrm>
             <a:off x="0" y="857160"/>
-            <a:ext cx="11522160" cy="5999760"/>
+            <a:ext cx="11521800" cy="5999400"/>
             <a:chOff x="0" y="857160"/>
-            <a:chExt cx="11522160" cy="5999760"/>
+            <a:chExt cx="11521800" cy="5999400"/>
           </a:xfrm>
         </p:grpSpPr>
         <p:sp>
@@ -9550,7 +9508,7 @@
           <p:spPr>
             <a:xfrm>
               <a:off x="0" y="857160"/>
-              <a:ext cx="10857600" cy="5999760"/>
+              <a:ext cx="10857240" cy="5999400"/>
             </a:xfrm>
             <a:prstGeom prst="rect">
               <a:avLst/>
@@ -9578,7 +9536,7 @@
           <p:spPr>
             <a:xfrm>
               <a:off x="10171080" y="858240"/>
-              <a:ext cx="1348200" cy="1268640"/>
+              <a:ext cx="1347840" cy="1268280"/>
             </a:xfrm>
             <a:prstGeom prst="ellipse">
               <a:avLst/>
@@ -9606,7 +9564,7 @@
           <p:spPr>
             <a:xfrm>
               <a:off x="6527520" y="1478880"/>
-              <a:ext cx="4994640" cy="5378040"/>
+              <a:ext cx="4994280" cy="5377680"/>
             </a:xfrm>
             <a:prstGeom prst="rect">
               <a:avLst/>
@@ -9639,7 +9597,7 @@
         <p:spPr>
           <a:xfrm>
             <a:off x="119160" y="116640"/>
-            <a:ext cx="394200" cy="395640"/>
+            <a:ext cx="393840" cy="395280"/>
           </a:xfrm>
           <a:prstGeom prst="rect">
             <a:avLst/>
@@ -9911,7 +9869,7 @@
         <p:spPr>
           <a:xfrm>
             <a:off x="981360" y="3867840"/>
-            <a:ext cx="9520200" cy="927720"/>
+            <a:ext cx="9519840" cy="927360"/>
           </a:xfrm>
           <a:prstGeom prst="rect">
             <a:avLst/>
@@ -9966,7 +9924,7 @@
         <p:spPr>
           <a:xfrm>
             <a:off x="981360" y="4895640"/>
-            <a:ext cx="6210000" cy="395640"/>
+            <a:ext cx="6209640" cy="395640"/>
           </a:xfrm>
           <a:prstGeom prst="rect">
             <a:avLst/>
@@ -10043,14 +10001,14 @@
       </p:grpSpPr>
       <p:sp>
         <p:nvSpPr>
-          <p:cNvPr id="278" name="CustomShape 1"/>
+          <p:cNvPr id="282" name="CustomShape 1"/>
           <p:cNvSpPr/>
           <p:nvPr/>
         </p:nvSpPr>
         <p:spPr>
           <a:xfrm>
             <a:off x="1143000" y="1285920"/>
-            <a:ext cx="9905040" cy="1141920"/>
+            <a:ext cx="9904680" cy="1141560"/>
           </a:xfrm>
           <a:prstGeom prst="rect">
             <a:avLst/>
@@ -10094,14 +10052,14 @@
       </p:sp>
       <p:sp>
         <p:nvSpPr>
-          <p:cNvPr id="279" name="CustomShape 2"/>
+          <p:cNvPr id="283" name="CustomShape 2"/>
           <p:cNvSpPr/>
           <p:nvPr/>
         </p:nvSpPr>
         <p:spPr>
           <a:xfrm>
             <a:off x="1143000" y="2571840"/>
-            <a:ext cx="9905040" cy="3553200"/>
+            <a:ext cx="9904680" cy="3552840"/>
           </a:xfrm>
           <a:prstGeom prst="rect">
             <a:avLst/>
@@ -10120,7 +10078,7 @@
       </p:sp>
       <p:pic>
         <p:nvPicPr>
-          <p:cNvPr id="280" name="" descr=""/>
+          <p:cNvPr id="284" name="" descr=""/>
           <p:cNvPicPr/>
           <p:nvPr/>
         </p:nvPicPr>
@@ -10131,7 +10089,7 @@
         <p:spPr>
           <a:xfrm>
             <a:off x="360" y="2364120"/>
-            <a:ext cx="12191040" cy="3971160"/>
+            <a:ext cx="12190680" cy="3970800"/>
           </a:xfrm>
           <a:prstGeom prst="rect">
             <a:avLst/>
@@ -10173,14 +10131,14 @@
       </p:grpSpPr>
       <p:sp>
         <p:nvSpPr>
-          <p:cNvPr id="281" name="CustomShape 1"/>
+          <p:cNvPr id="285" name="CustomShape 1"/>
           <p:cNvSpPr/>
           <p:nvPr/>
         </p:nvSpPr>
         <p:spPr>
           <a:xfrm>
             <a:off x="981360" y="3867840"/>
-            <a:ext cx="9520200" cy="927720"/>
+            <a:ext cx="9519840" cy="927360"/>
           </a:xfrm>
           <a:prstGeom prst="rect">
             <a:avLst/>
@@ -10265,7 +10223,7 @@
         <p:spPr>
           <a:xfrm>
             <a:off x="989280" y="1052640"/>
-            <a:ext cx="9905040" cy="1141920"/>
+            <a:ext cx="9904680" cy="1141560"/>
           </a:xfrm>
           <a:prstGeom prst="rect">
             <a:avLst/>
@@ -10321,7 +10279,7 @@
         <p:spPr>
           <a:xfrm>
             <a:off x="989280" y="2195640"/>
-            <a:ext cx="9905040" cy="4122000"/>
+            <a:ext cx="9904680" cy="4121640"/>
           </a:xfrm>
           <a:prstGeom prst="rect">
             <a:avLst/>
@@ -10342,7 +10300,7 @@
             <a:noAutofit/>
           </a:bodyPr>
           <a:p>
-            <a:pPr marL="457200" indent="-367200">
+            <a:pPr marL="457200" indent="-366840">
               <a:lnSpc>
                 <a:spcPct val="100000"/>
               </a:lnSpc>
@@ -10448,7 +10406,7 @@
         <p:spPr>
           <a:xfrm>
             <a:off x="7090920" y="4620600"/>
-            <a:ext cx="1951560" cy="1951560"/>
+            <a:ext cx="1951200" cy="1951200"/>
           </a:xfrm>
           <a:prstGeom prst="rect">
             <a:avLst/>
@@ -10471,7 +10429,7 @@
         <p:spPr>
           <a:xfrm>
             <a:off x="4713840" y="4778640"/>
-            <a:ext cx="1635480" cy="1635480"/>
+            <a:ext cx="1635120" cy="1635120"/>
           </a:xfrm>
           <a:prstGeom prst="rect">
             <a:avLst/>
@@ -10494,7 +10452,7 @@
         <p:spPr>
           <a:xfrm>
             <a:off x="2584080" y="4896720"/>
-            <a:ext cx="1148040" cy="1399320"/>
+            <a:ext cx="1147680" cy="1398960"/>
           </a:xfrm>
           <a:prstGeom prst="rect">
             <a:avLst/>
@@ -10543,7 +10501,7 @@
         <p:spPr>
           <a:xfrm>
             <a:off x="1143000" y="1285920"/>
-            <a:ext cx="9905040" cy="1141920"/>
+            <a:ext cx="9904680" cy="1141560"/>
           </a:xfrm>
           <a:prstGeom prst="rect">
             <a:avLst/>
@@ -10602,7 +10560,7 @@
         <p:spPr>
           <a:xfrm>
             <a:off x="1584000" y="2127960"/>
-            <a:ext cx="2662920" cy="4495320"/>
+            <a:ext cx="2662560" cy="4494960"/>
           </a:xfrm>
           <a:prstGeom prst="rect">
             <a:avLst/>
@@ -10625,7 +10583,7 @@
         <p:spPr>
           <a:xfrm>
             <a:off x="5616000" y="2116800"/>
-            <a:ext cx="3239640" cy="4513320"/>
+            <a:ext cx="3239280" cy="4512960"/>
           </a:xfrm>
           <a:prstGeom prst="rect">
             <a:avLst/>
@@ -10644,7 +10602,7 @@
         <p:spPr>
           <a:xfrm>
             <a:off x="6192000" y="5328000"/>
-            <a:ext cx="1079640" cy="143640"/>
+            <a:ext cx="1079280" cy="143280"/>
           </a:xfrm>
           <a:prstGeom prst="rect">
             <a:avLst/>
@@ -10672,7 +10630,7 @@
         <p:spPr>
           <a:xfrm>
             <a:off x="5904000" y="4320000"/>
-            <a:ext cx="1223640" cy="287640"/>
+            <a:ext cx="1223280" cy="287280"/>
           </a:xfrm>
           <a:prstGeom prst="rect">
             <a:avLst/>
@@ -10700,7 +10658,7 @@
         <p:spPr>
           <a:xfrm>
             <a:off x="6120000" y="4824000"/>
-            <a:ext cx="1151640" cy="143640"/>
+            <a:ext cx="1151280" cy="143280"/>
           </a:xfrm>
           <a:prstGeom prst="rect">
             <a:avLst/>
@@ -10762,7 +10720,7 @@
         <p:spPr>
           <a:xfrm>
             <a:off x="8208000" y="1678320"/>
-            <a:ext cx="3239640" cy="4513320"/>
+            <a:ext cx="3239280" cy="4512960"/>
           </a:xfrm>
           <a:prstGeom prst="rect">
             <a:avLst/>
@@ -10781,7 +10739,7 @@
         <p:spPr>
           <a:xfrm>
             <a:off x="8748000" y="3982320"/>
-            <a:ext cx="1151640" cy="143640"/>
+            <a:ext cx="1151280" cy="143280"/>
           </a:xfrm>
           <a:prstGeom prst="rect">
             <a:avLst/>
@@ -10809,7 +10767,7 @@
         <p:spPr>
           <a:xfrm>
             <a:off x="9036000" y="4630320"/>
-            <a:ext cx="1151640" cy="143640"/>
+            <a:ext cx="1151280" cy="143280"/>
           </a:xfrm>
           <a:prstGeom prst="rect">
             <a:avLst/>
@@ -10837,7 +10795,7 @@
         <p:spPr>
           <a:xfrm>
             <a:off x="8892000" y="5413320"/>
-            <a:ext cx="1151640" cy="143640"/>
+            <a:ext cx="1151280" cy="143280"/>
           </a:xfrm>
           <a:prstGeom prst="rect">
             <a:avLst/>
@@ -10865,7 +10823,7 @@
         <p:spPr>
           <a:xfrm>
             <a:off x="8505000" y="5557320"/>
-            <a:ext cx="1151640" cy="368640"/>
+            <a:ext cx="1151280" cy="368280"/>
           </a:xfrm>
           <a:prstGeom prst="rect">
             <a:avLst/>
@@ -10893,7 +10851,7 @@
         <p:spPr>
           <a:xfrm>
             <a:off x="8748000" y="2686320"/>
-            <a:ext cx="1151640" cy="143640"/>
+            <a:ext cx="1151280" cy="143280"/>
           </a:xfrm>
           <a:prstGeom prst="rect">
             <a:avLst/>
@@ -10921,7 +10879,7 @@
         <p:spPr>
           <a:xfrm>
             <a:off x="8532000" y="3118320"/>
-            <a:ext cx="1151640" cy="143640"/>
+            <a:ext cx="1151280" cy="143280"/>
           </a:xfrm>
           <a:prstGeom prst="rect">
             <a:avLst/>
@@ -10949,7 +10907,7 @@
         <p:spPr>
           <a:xfrm>
             <a:off x="8892000" y="5278320"/>
-            <a:ext cx="1151640" cy="143640"/>
+            <a:ext cx="1151280" cy="143280"/>
           </a:xfrm>
           <a:prstGeom prst="rect">
             <a:avLst/>
@@ -10977,7 +10935,7 @@
         <p:spPr>
           <a:xfrm>
             <a:off x="8532000" y="1822320"/>
-            <a:ext cx="1151640" cy="143640"/>
+            <a:ext cx="1151280" cy="143280"/>
           </a:xfrm>
           <a:prstGeom prst="rect">
             <a:avLst/>
@@ -11005,7 +10963,7 @@
         <p:spPr>
           <a:xfrm>
             <a:off x="3519360" y="936000"/>
-            <a:ext cx="3536280" cy="602280"/>
+            <a:ext cx="3535920" cy="601920"/>
           </a:xfrm>
           <a:prstGeom prst="rect">
             <a:avLst/>
@@ -11060,7 +11018,7 @@
         <p:spPr>
           <a:xfrm>
             <a:off x="1848240" y="1717920"/>
-            <a:ext cx="743400" cy="743400"/>
+            <a:ext cx="743040" cy="743040"/>
           </a:xfrm>
           <a:prstGeom prst="rect">
             <a:avLst/>
@@ -11083,7 +11041,7 @@
         <p:spPr>
           <a:xfrm>
             <a:off x="1848240" y="5520240"/>
-            <a:ext cx="743400" cy="743400"/>
+            <a:ext cx="743040" cy="743040"/>
           </a:xfrm>
           <a:prstGeom prst="rect">
             <a:avLst/>
@@ -11106,7 +11064,7 @@
         <p:spPr>
           <a:xfrm>
             <a:off x="1728000" y="1717920"/>
-            <a:ext cx="743400" cy="743400"/>
+            <a:ext cx="743040" cy="743040"/>
           </a:xfrm>
           <a:prstGeom prst="rect">
             <a:avLst/>
@@ -11129,7 +11087,7 @@
         <p:spPr>
           <a:xfrm>
             <a:off x="1776240" y="4152240"/>
-            <a:ext cx="743400" cy="743400"/>
+            <a:ext cx="743040" cy="743040"/>
           </a:xfrm>
           <a:prstGeom prst="rect">
             <a:avLst/>
@@ -11148,7 +11106,7 @@
         <p:spPr>
           <a:xfrm>
             <a:off x="1728000" y="2533680"/>
-            <a:ext cx="637560" cy="345960"/>
+            <a:ext cx="637200" cy="345600"/>
           </a:xfrm>
           <a:prstGeom prst="rect">
             <a:avLst/>
@@ -11176,7 +11134,11 @@
             </a:pPr>
             <a:r>
               <a:rPr b="0" lang="en-GB" sz="1800" spc="-1" strike="noStrike">
+                <a:solidFill>
+                  <a:srgbClr val="000000"/>
+                </a:solidFill>
                 <a:latin typeface="Arial"/>
+                <a:ea typeface="DejaVu Sans"/>
               </a:rPr>
               <a:t>Bets</a:t>
             </a:r>
@@ -11195,7 +11157,7 @@
         <p:spPr>
           <a:xfrm>
             <a:off x="1872000" y="4909680"/>
-            <a:ext cx="1358280" cy="345960"/>
+            <a:ext cx="1357920" cy="345600"/>
           </a:xfrm>
           <a:prstGeom prst="rect">
             <a:avLst/>
@@ -11223,7 +11185,11 @@
             </a:pPr>
             <a:r>
               <a:rPr b="0" lang="en-GB" sz="1800" spc="-1" strike="noStrike">
+                <a:solidFill>
+                  <a:srgbClr val="000000"/>
+                </a:solidFill>
                 <a:latin typeface="Arial"/>
+                <a:ea typeface="DejaVu Sans"/>
               </a:rPr>
               <a:t>betting_ods</a:t>
             </a:r>
@@ -11242,7 +11208,7 @@
         <p:spPr>
           <a:xfrm>
             <a:off x="1906200" y="6349680"/>
-            <a:ext cx="2370240" cy="345960"/>
+            <a:ext cx="2369880" cy="345600"/>
           </a:xfrm>
           <a:prstGeom prst="rect">
             <a:avLst/>
@@ -11270,7 +11236,11 @@
             </a:pPr>
             <a:r>
               <a:rPr b="0" lang="en-GB" sz="1800" spc="-1" strike="noStrike">
+                <a:solidFill>
+                  <a:srgbClr val="000000"/>
+                </a:solidFill>
                 <a:latin typeface="Arial"/>
+                <a:ea typeface="DejaVu Sans"/>
               </a:rPr>
               <a:t>df_full_premierleague</a:t>
             </a:r>
@@ -11293,7 +11263,7 @@
         <p:spPr>
           <a:xfrm>
             <a:off x="1776240" y="3024000"/>
-            <a:ext cx="743400" cy="743400"/>
+            <a:ext cx="743040" cy="743040"/>
           </a:xfrm>
           <a:prstGeom prst="rect">
             <a:avLst/>
@@ -11312,7 +11282,7 @@
         <p:spPr>
           <a:xfrm>
             <a:off x="1881360" y="3805920"/>
-            <a:ext cx="1068840" cy="345960"/>
+            <a:ext cx="1068480" cy="345600"/>
           </a:xfrm>
           <a:prstGeom prst="rect">
             <a:avLst/>
@@ -11340,7 +11310,11 @@
             </a:pPr>
             <a:r>
               <a:rPr b="0" lang="en-GB" sz="1800" spc="-1" strike="noStrike">
+                <a:solidFill>
+                  <a:srgbClr val="000000"/>
+                </a:solidFill>
                 <a:latin typeface="Arial"/>
+                <a:ea typeface="DejaVu Sans"/>
               </a:rPr>
               <a:t>transfers</a:t>
             </a:r>
@@ -11363,7 +11337,7 @@
         <p:spPr>
           <a:xfrm>
             <a:off x="3942720" y="3744000"/>
-            <a:ext cx="448920" cy="448920"/>
+            <a:ext cx="448560" cy="448560"/>
           </a:xfrm>
           <a:prstGeom prst="rect">
             <a:avLst/>
@@ -11382,7 +11356,7 @@
         <p:spPr>
           <a:xfrm>
             <a:off x="3456000" y="4320000"/>
-            <a:ext cx="1938960" cy="489600"/>
+            <a:ext cx="1938600" cy="489240"/>
           </a:xfrm>
           <a:prstGeom prst="rect">
             <a:avLst/>
@@ -11410,14 +11384,22 @@
             </a:pPr>
             <a:r>
               <a:rPr b="0" lang="en-GB" sz="1400" spc="-1" strike="noStrike">
+                <a:solidFill>
+                  <a:srgbClr val="000000"/>
+                </a:solidFill>
                 <a:latin typeface="Arial"/>
+                <a:ea typeface="DejaVu Sans"/>
               </a:rPr>
               <a:t>Insert into normalized </a:t>
             </a:r>
             <a:br/>
             <a:r>
               <a:rPr b="0" lang="en-GB" sz="1400" spc="-1" strike="noStrike">
+                <a:solidFill>
+                  <a:srgbClr val="000000"/>
+                </a:solidFill>
                 <a:latin typeface="Arial"/>
+                <a:ea typeface="DejaVu Sans"/>
               </a:rPr>
               <a:t>postgres schema</a:t>
             </a:r>
@@ -11435,8 +11417,8 @@
         </p:nvSpPr>
         <p:spPr>
           <a:xfrm>
-            <a:off x="5688000" y="3888000"/>
-            <a:ext cx="1799640" cy="431640"/>
+            <a:off x="5796000" y="3744000"/>
+            <a:ext cx="1799280" cy="431280"/>
           </a:xfrm>
           <a:prstGeom prst="rect">
             <a:avLst/>
@@ -11594,65 +11576,9 @@
           <a:fontRef idx="minor"/>
         </p:style>
       </p:sp>
-      <p:sp>
-        <p:nvSpPr>
-          <p:cNvPr id="263" name="Line 20"/>
-          <p:cNvSpPr/>
-          <p:nvPr/>
-        </p:nvSpPr>
-        <p:spPr>
-          <a:xfrm>
-            <a:off x="4464000" y="4104000"/>
-            <a:ext cx="1296000" cy="0"/>
-          </a:xfrm>
-          <a:prstGeom prst="line">
-            <a:avLst/>
-          </a:prstGeom>
-          <a:ln>
-            <a:solidFill>
-              <a:srgbClr val="3465a4"/>
-            </a:solidFill>
-            <a:tailEnd len="med" type="triangle" w="med"/>
-          </a:ln>
-        </p:spPr>
-        <p:style>
-          <a:lnRef idx="0"/>
-          <a:fillRef idx="0"/>
-          <a:effectRef idx="0"/>
-          <a:fontRef idx="minor"/>
-        </p:style>
-      </p:sp>
-      <p:sp>
-        <p:nvSpPr>
-          <p:cNvPr id="264" name="Line 21"/>
-          <p:cNvSpPr/>
-          <p:nvPr/>
-        </p:nvSpPr>
-        <p:spPr>
-          <a:xfrm>
-            <a:off x="7488000" y="4104000"/>
-            <a:ext cx="720000" cy="0"/>
-          </a:xfrm>
-          <a:prstGeom prst="line">
-            <a:avLst/>
-          </a:prstGeom>
-          <a:ln>
-            <a:solidFill>
-              <a:srgbClr val="3465a4"/>
-            </a:solidFill>
-            <a:tailEnd len="med" type="triangle" w="med"/>
-          </a:ln>
-        </p:spPr>
-        <p:style>
-          <a:lnRef idx="0"/>
-          <a:fillRef idx="0"/>
-          <a:effectRef idx="0"/>
-          <a:fontRef idx="minor"/>
-        </p:style>
-      </p:sp>
       <p:pic>
         <p:nvPicPr>
-          <p:cNvPr id="265" name="" descr=""/>
+          <p:cNvPr id="263" name="" descr=""/>
           <p:cNvPicPr/>
           <p:nvPr/>
         </p:nvPicPr>
@@ -11663,7 +11589,7 @@
         <p:spPr>
           <a:xfrm>
             <a:off x="4878720" y="6048000"/>
-            <a:ext cx="736920" cy="736920"/>
+            <a:ext cx="736560" cy="736560"/>
           </a:xfrm>
           <a:prstGeom prst="rect">
             <a:avLst/>
@@ -11675,14 +11601,14 @@
       </p:pic>
       <p:sp>
         <p:nvSpPr>
-          <p:cNvPr id="266" name="CustomShape 22"/>
+          <p:cNvPr id="264" name="CustomShape 20"/>
           <p:cNvSpPr/>
           <p:nvPr/>
         </p:nvSpPr>
         <p:spPr>
           <a:xfrm>
             <a:off x="1152000" y="1584000"/>
-            <a:ext cx="4103640" cy="5183640"/>
+            <a:ext cx="4103280" cy="5183280"/>
           </a:xfrm>
           <a:prstGeom prst="rect">
             <a:avLst/>
@@ -11692,6 +11618,172 @@
             <a:solidFill>
               <a:srgbClr val="3465a4"/>
             </a:solidFill>
+          </a:ln>
+        </p:spPr>
+        <p:style>
+          <a:lnRef idx="0"/>
+          <a:fillRef idx="0"/>
+          <a:effectRef idx="0"/>
+          <a:fontRef idx="minor"/>
+        </p:style>
+      </p:sp>
+      <p:sp>
+        <p:nvSpPr>
+          <p:cNvPr id="265" name="TextShape 21"/>
+          <p:cNvSpPr txBox="1"/>
+          <p:nvPr/>
+        </p:nvSpPr>
+        <p:spPr>
+          <a:xfrm>
+            <a:off x="8925120" y="6408000"/>
+            <a:ext cx="2270880" cy="346680"/>
+          </a:xfrm>
+          <a:prstGeom prst="rect">
+            <a:avLst/>
+          </a:prstGeom>
+          <a:noFill/>
+          <a:ln>
+            <a:noFill/>
+          </a:ln>
+        </p:spPr>
+        <p:txBody>
+          <a:bodyPr lIns="90000" rIns="90000" tIns="45000" bIns="45000">
+            <a:noAutofit/>
+          </a:bodyPr>
+          <a:p>
+            <a:r>
+              <a:rPr b="0" lang="en-GB" sz="1000" spc="-1" strike="noStrike">
+                <a:latin typeface="Arial"/>
+              </a:rPr>
+              <a:t>https://github.com/GreenfishK/SAIKS</a:t>
+            </a:r>
+            <a:endParaRPr b="0" lang="en-GB" sz="1000" spc="-1" strike="noStrike">
+              <a:latin typeface="Arial"/>
+            </a:endParaRPr>
+          </a:p>
+        </p:txBody>
+      </p:sp>
+      <p:pic>
+        <p:nvPicPr>
+          <p:cNvPr id="266" name="" descr=""/>
+          <p:cNvPicPr/>
+          <p:nvPr/>
+        </p:nvPicPr>
+        <p:blipFill>
+          <a:blip r:embed="rId9"/>
+          <a:stretch/>
+        </p:blipFill>
+        <p:spPr>
+          <a:xfrm>
+            <a:off x="8209080" y="6264000"/>
+            <a:ext cx="538920" cy="538920"/>
+          </a:xfrm>
+          <a:prstGeom prst="rect">
+            <a:avLst/>
+          </a:prstGeom>
+          <a:ln>
+            <a:noFill/>
+          </a:ln>
+        </p:spPr>
+      </p:pic>
+      <p:pic>
+        <p:nvPicPr>
+          <p:cNvPr id="267" name="" descr=""/>
+          <p:cNvPicPr/>
+          <p:nvPr/>
+        </p:nvPicPr>
+        <p:blipFill>
+          <a:blip r:embed="rId10"/>
+          <a:stretch/>
+        </p:blipFill>
+        <p:spPr>
+          <a:xfrm>
+            <a:off x="4752000" y="3744000"/>
+            <a:ext cx="477360" cy="492120"/>
+          </a:xfrm>
+          <a:prstGeom prst="rect">
+            <a:avLst/>
+          </a:prstGeom>
+          <a:ln>
+            <a:noFill/>
+          </a:ln>
+        </p:spPr>
+      </p:pic>
+      <p:sp>
+        <p:nvSpPr>
+          <p:cNvPr id="268" name="Line 22"/>
+          <p:cNvSpPr/>
+          <p:nvPr/>
+        </p:nvSpPr>
+        <p:spPr>
+          <a:xfrm>
+            <a:off x="4391280" y="4032000"/>
+            <a:ext cx="360720" cy="0"/>
+          </a:xfrm>
+          <a:prstGeom prst="line">
+            <a:avLst/>
+          </a:prstGeom>
+          <a:ln>
+            <a:solidFill>
+              <a:srgbClr val="3465a4"/>
+            </a:solidFill>
+            <a:tailEnd len="med" type="triangle" w="med"/>
+          </a:ln>
+        </p:spPr>
+        <p:style>
+          <a:lnRef idx="0"/>
+          <a:fillRef idx="0"/>
+          <a:effectRef idx="0"/>
+          <a:fontRef idx="minor"/>
+        </p:style>
+      </p:sp>
+      <p:sp>
+        <p:nvSpPr>
+          <p:cNvPr id="269" name="Line 23"/>
+          <p:cNvSpPr/>
+          <p:nvPr/>
+        </p:nvSpPr>
+        <p:spPr>
+          <a:xfrm>
+            <a:off x="5229360" y="3996000"/>
+            <a:ext cx="602640" cy="0"/>
+          </a:xfrm>
+          <a:prstGeom prst="line">
+            <a:avLst/>
+          </a:prstGeom>
+          <a:ln>
+            <a:solidFill>
+              <a:srgbClr val="3465a4"/>
+            </a:solidFill>
+            <a:tailEnd len="med" type="triangle" w="med"/>
+          </a:ln>
+        </p:spPr>
+        <p:style>
+          <a:lnRef idx="0"/>
+          <a:fillRef idx="0"/>
+          <a:effectRef idx="0"/>
+          <a:fontRef idx="minor"/>
+        </p:style>
+      </p:sp>
+      <p:sp>
+        <p:nvSpPr>
+          <p:cNvPr id="270" name="Line 24"/>
+          <p:cNvSpPr/>
+          <p:nvPr/>
+        </p:nvSpPr>
+        <p:spPr>
+          <a:xfrm>
+            <a:off x="7595280" y="3996000"/>
+            <a:ext cx="612720" cy="0"/>
+          </a:xfrm>
+          <a:prstGeom prst="line">
+            <a:avLst/>
+          </a:prstGeom>
+          <a:ln>
+            <a:solidFill>
+              <a:srgbClr val="3465a4"/>
+            </a:solidFill>
+            <a:tailEnd len="med" type="triangle" w="med"/>
           </a:ln>
         </p:spPr>
         <p:style>
@@ -11733,7 +11825,7 @@
       </p:grpSpPr>
       <p:pic>
         <p:nvPicPr>
-          <p:cNvPr id="267" name="" descr=""/>
+          <p:cNvPr id="271" name="" descr=""/>
           <p:cNvPicPr/>
           <p:nvPr/>
         </p:nvPicPr>
@@ -11744,7 +11836,7 @@
         <p:spPr>
           <a:xfrm>
             <a:off x="2088000" y="959400"/>
-            <a:ext cx="8784000" cy="5898600"/>
+            <a:ext cx="8783640" cy="5898240"/>
           </a:xfrm>
           <a:prstGeom prst="rect">
             <a:avLst/>
@@ -11756,14 +11848,14 @@
       </p:pic>
       <p:sp>
         <p:nvSpPr>
-          <p:cNvPr id="268" name="CustomShape 1"/>
+          <p:cNvPr id="272" name="CustomShape 1"/>
           <p:cNvSpPr/>
           <p:nvPr/>
         </p:nvSpPr>
         <p:spPr>
           <a:xfrm>
             <a:off x="1143000" y="1285920"/>
-            <a:ext cx="9905040" cy="1141920"/>
+            <a:ext cx="9904680" cy="1141560"/>
           </a:xfrm>
           <a:prstGeom prst="rect">
             <a:avLst/>
@@ -11841,14 +11933,14 @@
       </p:grpSpPr>
       <p:sp>
         <p:nvSpPr>
-          <p:cNvPr id="269" name="CustomShape 1"/>
+          <p:cNvPr id="273" name="CustomShape 1"/>
           <p:cNvSpPr/>
           <p:nvPr/>
         </p:nvSpPr>
         <p:spPr>
           <a:xfrm>
             <a:off x="1143000" y="1285920"/>
-            <a:ext cx="9905040" cy="1141920"/>
+            <a:ext cx="9904680" cy="1141560"/>
           </a:xfrm>
           <a:prstGeom prst="rect">
             <a:avLst/>
@@ -11892,14 +11984,14 @@
       </p:sp>
       <p:sp>
         <p:nvSpPr>
-          <p:cNvPr id="270" name="CustomShape 2"/>
+          <p:cNvPr id="274" name="CustomShape 2"/>
           <p:cNvSpPr/>
           <p:nvPr/>
         </p:nvSpPr>
         <p:spPr>
           <a:xfrm>
             <a:off x="738720" y="2179800"/>
-            <a:ext cx="10308960" cy="3945240"/>
+            <a:ext cx="10308600" cy="3944880"/>
           </a:xfrm>
           <a:prstGeom prst="rect">
             <a:avLst/>
@@ -11920,7 +12012,7 @@
             <a:noAutofit/>
           </a:bodyPr>
           <a:p>
-            <a:pPr marL="571680" indent="-342000">
+            <a:pPr marL="571680" indent="-341640">
               <a:lnSpc>
                 <a:spcPct val="100000"/>
               </a:lnSpc>
@@ -11948,7 +12040,7 @@
             </a:endParaRPr>
           </a:p>
           <a:p>
-            <a:pPr lvl="1" marL="1028880" indent="-342000">
+            <a:pPr lvl="1" marL="1028880" indent="-341640">
               <a:lnSpc>
                 <a:spcPct val="100000"/>
               </a:lnSpc>
@@ -11996,7 +12088,7 @@
             </a:endParaRPr>
           </a:p>
           <a:p>
-            <a:pPr lvl="1" marL="1028880" indent="-342000">
+            <a:pPr lvl="1" marL="1028880" indent="-341640">
               <a:lnSpc>
                 <a:spcPct val="100000"/>
               </a:lnSpc>
@@ -12044,7 +12136,7 @@
             </a:endParaRPr>
           </a:p>
           <a:p>
-            <a:pPr marL="571680" indent="-342000">
+            <a:pPr marL="571680" indent="-341640">
               <a:lnSpc>
                 <a:spcPct val="100000"/>
               </a:lnSpc>
@@ -12072,7 +12164,7 @@
             </a:endParaRPr>
           </a:p>
           <a:p>
-            <a:pPr lvl="1" marL="1028880" indent="-342000">
+            <a:pPr lvl="1" marL="1028880" indent="-341640">
               <a:lnSpc>
                 <a:spcPct val="100000"/>
               </a:lnSpc>
@@ -12100,7 +12192,7 @@
             </a:endParaRPr>
           </a:p>
           <a:p>
-            <a:pPr marL="571680" indent="-342000">
+            <a:pPr marL="571680" indent="-341640">
               <a:lnSpc>
                 <a:spcPct val="100000"/>
               </a:lnSpc>
@@ -12128,7 +12220,7 @@
             </a:endParaRPr>
           </a:p>
           <a:p>
-            <a:pPr lvl="1" marL="1028880" indent="-342000">
+            <a:pPr lvl="1" marL="1028880" indent="-341640">
               <a:lnSpc>
                 <a:spcPct val="100000"/>
               </a:lnSpc>
@@ -12156,7 +12248,7 @@
             </a:endParaRPr>
           </a:p>
           <a:p>
-            <a:pPr lvl="1" marL="1028880" indent="-342000">
+            <a:pPr lvl="1" marL="1028880" indent="-341640">
               <a:lnSpc>
                 <a:spcPct val="100000"/>
               </a:lnSpc>
@@ -12233,14 +12325,14 @@
       </p:grpSpPr>
       <p:sp>
         <p:nvSpPr>
-          <p:cNvPr id="271" name="CustomShape 1"/>
+          <p:cNvPr id="275" name="CustomShape 1"/>
           <p:cNvSpPr/>
           <p:nvPr/>
         </p:nvSpPr>
         <p:spPr>
           <a:xfrm>
             <a:off x="1143000" y="1285920"/>
-            <a:ext cx="9905040" cy="1141920"/>
+            <a:ext cx="9904680" cy="1141560"/>
           </a:xfrm>
           <a:prstGeom prst="rect">
             <a:avLst/>
@@ -12284,14 +12376,14 @@
       </p:sp>
       <p:sp>
         <p:nvSpPr>
-          <p:cNvPr id="272" name="CustomShape 2"/>
+          <p:cNvPr id="276" name="CustomShape 2"/>
           <p:cNvSpPr/>
           <p:nvPr/>
         </p:nvSpPr>
         <p:spPr>
           <a:xfrm>
             <a:off x="1143000" y="2571840"/>
-            <a:ext cx="9905040" cy="3553200"/>
+            <a:ext cx="9904680" cy="3552840"/>
           </a:xfrm>
           <a:prstGeom prst="rect">
             <a:avLst/>
@@ -12312,7 +12404,7 @@
             <a:noAutofit/>
           </a:bodyPr>
           <a:p>
-            <a:pPr marL="571680" indent="-342000">
+            <a:pPr marL="571680" indent="-341640">
               <a:lnSpc>
                 <a:spcPct val="100000"/>
               </a:lnSpc>
@@ -12340,7 +12432,7 @@
             </a:endParaRPr>
           </a:p>
           <a:p>
-            <a:pPr lvl="1" marL="1028880" indent="-342000">
+            <a:pPr lvl="1" marL="1028880" indent="-341640">
               <a:lnSpc>
                 <a:spcPct val="100000"/>
               </a:lnSpc>
@@ -12368,7 +12460,7 @@
             </a:endParaRPr>
           </a:p>
           <a:p>
-            <a:pPr lvl="1" marL="1028880" indent="-342000">
+            <a:pPr lvl="1" marL="1028880" indent="-341640">
               <a:lnSpc>
                 <a:spcPct val="100000"/>
               </a:lnSpc>
@@ -12396,7 +12488,7 @@
             </a:endParaRPr>
           </a:p>
           <a:p>
-            <a:pPr marL="571680" indent="-342000">
+            <a:pPr marL="571680" indent="-341640">
               <a:lnSpc>
                 <a:spcPct val="100000"/>
               </a:lnSpc>
@@ -12424,7 +12516,7 @@
             </a:endParaRPr>
           </a:p>
           <a:p>
-            <a:pPr lvl="1" marL="1028880" indent="-342000">
+            <a:pPr lvl="1" marL="1028880" indent="-341640">
               <a:lnSpc>
                 <a:spcPct val="100000"/>
               </a:lnSpc>
@@ -12452,7 +12544,7 @@
             </a:endParaRPr>
           </a:p>
           <a:p>
-            <a:pPr lvl="1" marL="1028880" indent="-342000">
+            <a:pPr lvl="1" marL="1028880" indent="-341640">
               <a:lnSpc>
                 <a:spcPct val="100000"/>
               </a:lnSpc>
@@ -12480,7 +12572,7 @@
             </a:endParaRPr>
           </a:p>
           <a:p>
-            <a:pPr lvl="1" marL="1028880" indent="-342000">
+            <a:pPr lvl="1" marL="1028880" indent="-341640">
               <a:lnSpc>
                 <a:spcPct val="100000"/>
               </a:lnSpc>
@@ -12508,7 +12600,7 @@
             </a:endParaRPr>
           </a:p>
           <a:p>
-            <a:pPr lvl="1" marL="1028880" indent="-342000">
+            <a:pPr lvl="1" marL="1028880" indent="-341640">
               <a:lnSpc>
                 <a:spcPct val="100000"/>
               </a:lnSpc>
@@ -12536,7 +12628,7 @@
             </a:endParaRPr>
           </a:p>
           <a:p>
-            <a:pPr marL="457200" indent="-227520">
+            <a:pPr marL="457200" indent="-227160">
               <a:lnSpc>
                 <a:spcPct val="100000"/>
               </a:lnSpc>
@@ -12585,14 +12677,14 @@
       </p:grpSpPr>
       <p:sp>
         <p:nvSpPr>
-          <p:cNvPr id="273" name="CustomShape 1"/>
+          <p:cNvPr id="277" name="CustomShape 1"/>
           <p:cNvSpPr/>
           <p:nvPr/>
         </p:nvSpPr>
         <p:spPr>
           <a:xfrm>
             <a:off x="1143000" y="1285920"/>
-            <a:ext cx="9905040" cy="680760"/>
+            <a:ext cx="9904680" cy="680400"/>
           </a:xfrm>
           <a:prstGeom prst="rect">
             <a:avLst/>
@@ -12636,7 +12728,7 @@
       </p:sp>
       <p:pic>
         <p:nvPicPr>
-          <p:cNvPr id="274" name="Picture 6" descr=""/>
+          <p:cNvPr id="278" name="Picture 6" descr=""/>
           <p:cNvPicPr/>
           <p:nvPr/>
         </p:nvPicPr>
@@ -12647,7 +12739,7 @@
         <p:spPr>
           <a:xfrm>
             <a:off x="502200" y="2112120"/>
-            <a:ext cx="5107320" cy="4535280"/>
+            <a:ext cx="5106960" cy="4534920"/>
           </a:xfrm>
           <a:prstGeom prst="rect">
             <a:avLst/>
@@ -12659,7 +12751,7 @@
       </p:pic>
       <p:pic>
         <p:nvPicPr>
-          <p:cNvPr id="275" name="Picture 8" descr=""/>
+          <p:cNvPr id="279" name="Picture 8" descr=""/>
           <p:cNvPicPr/>
           <p:nvPr/>
         </p:nvPicPr>
@@ -12670,7 +12762,7 @@
         <p:spPr>
           <a:xfrm>
             <a:off x="5981400" y="1973880"/>
-            <a:ext cx="5107320" cy="4744080"/>
+            <a:ext cx="5106960" cy="4743720"/>
           </a:xfrm>
           <a:prstGeom prst="rect">
             <a:avLst/>
@@ -12712,14 +12804,14 @@
       </p:grpSpPr>
       <p:sp>
         <p:nvSpPr>
-          <p:cNvPr id="276" name="CustomShape 1"/>
+          <p:cNvPr id="280" name="CustomShape 1"/>
           <p:cNvSpPr/>
           <p:nvPr/>
         </p:nvSpPr>
         <p:spPr>
           <a:xfrm>
             <a:off x="1143000" y="1285920"/>
-            <a:ext cx="9905040" cy="1141920"/>
+            <a:ext cx="9904680" cy="1141560"/>
           </a:xfrm>
           <a:prstGeom prst="rect">
             <a:avLst/>
@@ -12763,14 +12855,14 @@
       </p:sp>
       <p:sp>
         <p:nvSpPr>
-          <p:cNvPr id="277" name="CustomShape 2"/>
+          <p:cNvPr id="281" name="CustomShape 2"/>
           <p:cNvSpPr/>
           <p:nvPr/>
         </p:nvSpPr>
         <p:spPr>
           <a:xfrm>
             <a:off x="1143000" y="2571840"/>
-            <a:ext cx="9905040" cy="3553200"/>
+            <a:ext cx="9904680" cy="3552840"/>
           </a:xfrm>
           <a:prstGeom prst="rect">
             <a:avLst/>
@@ -12791,7 +12883,7 @@
             <a:noAutofit/>
           </a:bodyPr>
           <a:p>
-            <a:pPr marL="457200" indent="-227520">
+            <a:pPr marL="457200" indent="-227160">
               <a:lnSpc>
                 <a:spcPct val="100000"/>
               </a:lnSpc>
@@ -12817,7 +12909,7 @@
             </a:endParaRPr>
           </a:p>
           <a:p>
-            <a:pPr lvl="1" marL="864000" indent="-323280">
+            <a:pPr lvl="1" marL="864000" indent="-322920">
               <a:lnSpc>
                 <a:spcPct val="100000"/>
               </a:lnSpc>
@@ -12849,7 +12941,7 @@
             </a:endParaRPr>
           </a:p>
           <a:p>
-            <a:pPr lvl="1" marL="864000" indent="-323280">
+            <a:pPr lvl="1" marL="864000" indent="-322920">
               <a:lnSpc>
                 <a:spcPct val="100000"/>
               </a:lnSpc>
@@ -12881,7 +12973,7 @@
             </a:endParaRPr>
           </a:p>
           <a:p>
-            <a:pPr marL="457200" indent="-227520">
+            <a:pPr marL="457200" indent="-227160">
               <a:lnSpc>
                 <a:spcPct val="100000"/>
               </a:lnSpc>
@@ -12907,7 +12999,7 @@
             </a:endParaRPr>
           </a:p>
           <a:p>
-            <a:pPr lvl="1" marL="864000" indent="-323280">
+            <a:pPr lvl="1" marL="864000" indent="-322920">
               <a:lnSpc>
                 <a:spcPct val="100000"/>
               </a:lnSpc>
@@ -12939,7 +13031,7 @@
             </a:endParaRPr>
           </a:p>
           <a:p>
-            <a:pPr lvl="1" marL="864000" indent="-323280">
+            <a:pPr lvl="1" marL="864000" indent="-322920">
               <a:lnSpc>
                 <a:spcPct val="100000"/>
               </a:lnSpc>
@@ -13007,7 +13099,7 @@
             </a:endParaRPr>
           </a:p>
           <a:p>
-            <a:pPr lvl="1" marL="864000" indent="-323280">
+            <a:pPr lvl="1" marL="864000" indent="-322920">
               <a:lnSpc>
                 <a:spcPct val="100000"/>
               </a:lnSpc>

--- a/Presentations/SAIKS Assignment final.pptx
+++ b/Presentations/SAIKS Assignment final.pptx
@@ -253,7 +253,7 @@
           </a:bodyPr>
           <a:p>
             <a:pPr algn="r"/>
-            <a:fld id="{7371F33C-1F0C-4A7F-9DB7-B5DF6B65F96D}" type="slidenum">
+            <a:fld id="{E6B9E5AE-FD35-4AEF-B7F1-98A54E1BF5FA}" type="slidenum">
               <a:rPr b="0" lang="en-GB" sz="1400" spc="-1" strike="noStrike">
                 <a:latin typeface="Times New Roman"/>
               </a:rPr>
@@ -301,7 +301,7 @@
         <p:spPr>
           <a:xfrm>
             <a:off x="380880" y="685800"/>
-            <a:ext cx="6094440" cy="3427560"/>
+            <a:ext cx="6093360" cy="3426480"/>
           </a:xfrm>
           <a:prstGeom prst="rect">
             <a:avLst/>
@@ -321,7 +321,7 @@
         <p:spPr>
           <a:xfrm>
             <a:off x="685800" y="4343400"/>
-            <a:ext cx="5484960" cy="4113360"/>
+            <a:ext cx="5483880" cy="4112280"/>
           </a:xfrm>
           <a:prstGeom prst="rect">
             <a:avLst/>
@@ -347,7 +347,7 @@
         <p:spPr>
           <a:xfrm>
             <a:off x="3884760" y="8685360"/>
-            <a:ext cx="2970360" cy="455760"/>
+            <a:ext cx="2969280" cy="454680"/>
           </a:xfrm>
           <a:prstGeom prst="rect">
             <a:avLst/>
@@ -376,7 +376,7 @@
                 <a:tab algn="l" pos="0"/>
               </a:tabLst>
             </a:pPr>
-            <a:fld id="{A80525CA-DA07-4356-A113-0125C25775A5}" type="slidenum">
+            <a:fld id="{1C1E1D3B-30D0-490D-A99A-76D444C30770}" type="slidenum">
               <a:rPr b="0" lang="de-DE" sz="1200" spc="-1" strike="noStrike">
                 <a:solidFill>
                   <a:srgbClr val="000000"/>
@@ -427,7 +427,7 @@
         <p:spPr>
           <a:xfrm>
             <a:off x="380880" y="685800"/>
-            <a:ext cx="6094440" cy="3427560"/>
+            <a:ext cx="6093360" cy="3426480"/>
           </a:xfrm>
           <a:prstGeom prst="rect">
             <a:avLst/>
@@ -447,7 +447,7 @@
         <p:spPr>
           <a:xfrm>
             <a:off x="685800" y="4343400"/>
-            <a:ext cx="5484960" cy="4113360"/>
+            <a:ext cx="5483880" cy="4112280"/>
           </a:xfrm>
           <a:prstGeom prst="rect">
             <a:avLst/>
@@ -473,7 +473,7 @@
         <p:spPr>
           <a:xfrm>
             <a:off x="3884760" y="8685360"/>
-            <a:ext cx="2970360" cy="455760"/>
+            <a:ext cx="2969280" cy="454680"/>
           </a:xfrm>
           <a:prstGeom prst="rect">
             <a:avLst/>
@@ -502,7 +502,7 @@
                 <a:tab algn="l" pos="0"/>
               </a:tabLst>
             </a:pPr>
-            <a:fld id="{547334B9-725C-495F-BE09-FA680F649F03}" type="slidenum">
+            <a:fld id="{0EECDFCF-26A4-4894-9307-C7C4CC9C6F08}" type="slidenum">
               <a:rPr b="0" lang="de-DE" sz="1200" spc="-1" strike="noStrike">
                 <a:solidFill>
                   <a:srgbClr val="000000"/>
@@ -553,7 +553,7 @@
         <p:spPr>
           <a:xfrm>
             <a:off x="380880" y="685800"/>
-            <a:ext cx="6094440" cy="3427560"/>
+            <a:ext cx="6093360" cy="3426480"/>
           </a:xfrm>
           <a:prstGeom prst="rect">
             <a:avLst/>
@@ -573,7 +573,7 @@
         <p:spPr>
           <a:xfrm>
             <a:off x="685800" y="4343400"/>
-            <a:ext cx="5484960" cy="4113360"/>
+            <a:ext cx="5483880" cy="4112280"/>
           </a:xfrm>
           <a:prstGeom prst="rect">
             <a:avLst/>
@@ -599,7 +599,7 @@
         <p:spPr>
           <a:xfrm>
             <a:off x="3884760" y="8685360"/>
-            <a:ext cx="2970360" cy="455760"/>
+            <a:ext cx="2969280" cy="454680"/>
           </a:xfrm>
           <a:prstGeom prst="rect">
             <a:avLst/>
@@ -628,7 +628,7 @@
                 <a:tab algn="l" pos="0"/>
               </a:tabLst>
             </a:pPr>
-            <a:fld id="{7EB25929-9ED9-4FA6-8C38-A990EF5CF148}" type="slidenum">
+            <a:fld id="{578F25BC-5BA9-4E71-A32F-15F89D95462B}" type="slidenum">
               <a:rPr b="0" lang="de-DE" sz="1400" spc="-1" strike="noStrike">
                 <a:solidFill>
                   <a:srgbClr val="000000"/>
@@ -678,7 +678,7 @@
         <p:spPr>
           <a:xfrm>
             <a:off x="380880" y="685800"/>
-            <a:ext cx="6094440" cy="3427560"/>
+            <a:ext cx="6093360" cy="3426480"/>
           </a:xfrm>
           <a:prstGeom prst="rect">
             <a:avLst/>
@@ -698,7 +698,7 @@
         <p:spPr>
           <a:xfrm>
             <a:off x="685800" y="4343400"/>
-            <a:ext cx="5484960" cy="4113360"/>
+            <a:ext cx="5483880" cy="4112280"/>
           </a:xfrm>
           <a:prstGeom prst="rect">
             <a:avLst/>
@@ -724,7 +724,7 @@
         <p:spPr>
           <a:xfrm>
             <a:off x="3884760" y="8685360"/>
-            <a:ext cx="2970360" cy="455760"/>
+            <a:ext cx="2969280" cy="454680"/>
           </a:xfrm>
           <a:prstGeom prst="rect">
             <a:avLst/>
@@ -753,7 +753,7 @@
                 <a:tab algn="l" pos="0"/>
               </a:tabLst>
             </a:pPr>
-            <a:fld id="{FDA0FC89-4407-4F2F-BD53-887464344F34}" type="slidenum">
+            <a:fld id="{C713712E-C838-4FD5-A5D5-BB0442D716B7}" type="slidenum">
               <a:rPr b="0" lang="de-DE" sz="1400" spc="-1" strike="noStrike">
                 <a:solidFill>
                   <a:srgbClr val="000000"/>
@@ -7585,13 +7585,13 @@
         </p:nvPicPr>
         <p:blipFill>
           <a:blip r:embed="rId2"/>
-          <a:srcRect l="0" t="0" r="0" b="24691"/>
+          <a:srcRect l="0" t="0" r="0" b="24682"/>
           <a:stretch/>
         </p:blipFill>
         <p:spPr>
           <a:xfrm>
             <a:off x="0" y="0"/>
-            <a:ext cx="12190680" cy="6856560"/>
+            <a:ext cx="12189600" cy="6855480"/>
           </a:xfrm>
           <a:prstGeom prst="rect">
             <a:avLst/>
@@ -7610,9 +7610,9 @@
         <p:grpSpPr>
           <a:xfrm>
             <a:off x="0" y="2076480"/>
-            <a:ext cx="11521800" cy="4780080"/>
+            <a:ext cx="11520720" cy="4779000"/>
             <a:chOff x="0" y="2076480"/>
-            <a:chExt cx="11521800" cy="4780080"/>
+            <a:chExt cx="11520720" cy="4779000"/>
           </a:xfrm>
         </p:grpSpPr>
         <p:sp>
@@ -7624,7 +7624,7 @@
           <p:spPr>
             <a:xfrm>
               <a:off x="0" y="2076480"/>
-              <a:ext cx="10856880" cy="4780080"/>
+              <a:ext cx="10855800" cy="4779000"/>
             </a:xfrm>
             <a:prstGeom prst="rect">
               <a:avLst/>
@@ -7652,7 +7652,7 @@
           <p:spPr>
             <a:xfrm>
               <a:off x="10170720" y="2076480"/>
-              <a:ext cx="1348920" cy="1011240"/>
+              <a:ext cx="1347840" cy="1010160"/>
             </a:xfrm>
             <a:prstGeom prst="ellipse">
               <a:avLst/>
@@ -7680,7 +7680,7 @@
           <p:spPr>
             <a:xfrm>
               <a:off x="6527880" y="2571840"/>
-              <a:ext cx="4993920" cy="4284720"/>
+              <a:ext cx="4992840" cy="4283640"/>
             </a:xfrm>
             <a:prstGeom prst="rect">
               <a:avLst/>
@@ -7713,7 +7713,7 @@
         <p:spPr>
           <a:xfrm>
             <a:off x="191520" y="188640"/>
-            <a:ext cx="3706920" cy="1403640"/>
+            <a:ext cx="3705840" cy="1402560"/>
           </a:xfrm>
           <a:prstGeom prst="rect">
             <a:avLst/>
@@ -7992,9 +7992,9 @@
         <p:grpSpPr>
           <a:xfrm>
             <a:off x="0" y="857160"/>
-            <a:ext cx="11521800" cy="5999400"/>
+            <a:ext cx="11520720" cy="5998320"/>
             <a:chOff x="0" y="857160"/>
-            <a:chExt cx="11521800" cy="5999400"/>
+            <a:chExt cx="11520720" cy="5998320"/>
           </a:xfrm>
         </p:grpSpPr>
         <p:sp>
@@ -8006,7 +8006,7 @@
           <p:spPr>
             <a:xfrm>
               <a:off x="0" y="857160"/>
-              <a:ext cx="10857240" cy="5999400"/>
+              <a:ext cx="10856160" cy="5998320"/>
             </a:xfrm>
             <a:prstGeom prst="rect">
               <a:avLst/>
@@ -8034,7 +8034,7 @@
           <p:spPr>
             <a:xfrm>
               <a:off x="10171080" y="858240"/>
-              <a:ext cx="1347840" cy="1268280"/>
+              <a:ext cx="1346760" cy="1267200"/>
             </a:xfrm>
             <a:prstGeom prst="ellipse">
               <a:avLst/>
@@ -8062,7 +8062,7 @@
           <p:spPr>
             <a:xfrm>
               <a:off x="6527520" y="1478880"/>
-              <a:ext cx="4994280" cy="5377680"/>
+              <a:ext cx="4993200" cy="5376600"/>
             </a:xfrm>
             <a:prstGeom prst="rect">
               <a:avLst/>
@@ -8095,7 +8095,7 @@
         <p:spPr>
           <a:xfrm>
             <a:off x="119160" y="116640"/>
-            <a:ext cx="393840" cy="395280"/>
+            <a:ext cx="392760" cy="394200"/>
           </a:xfrm>
           <a:prstGeom prst="rect">
             <a:avLst/>
@@ -8552,9 +8552,9 @@
         <p:grpSpPr>
           <a:xfrm>
             <a:off x="0" y="857160"/>
-            <a:ext cx="11521800" cy="5999400"/>
+            <a:ext cx="11520720" cy="5998320"/>
             <a:chOff x="0" y="857160"/>
-            <a:chExt cx="11521800" cy="5999400"/>
+            <a:chExt cx="11520720" cy="5998320"/>
           </a:xfrm>
         </p:grpSpPr>
         <p:sp>
@@ -8566,7 +8566,7 @@
           <p:spPr>
             <a:xfrm>
               <a:off x="0" y="857160"/>
-              <a:ext cx="10857240" cy="5999400"/>
+              <a:ext cx="10856160" cy="5998320"/>
             </a:xfrm>
             <a:prstGeom prst="rect">
               <a:avLst/>
@@ -8594,7 +8594,7 @@
           <p:spPr>
             <a:xfrm>
               <a:off x="10171080" y="858240"/>
-              <a:ext cx="1347840" cy="1268280"/>
+              <a:ext cx="1346760" cy="1267200"/>
             </a:xfrm>
             <a:prstGeom prst="ellipse">
               <a:avLst/>
@@ -8622,7 +8622,7 @@
           <p:spPr>
             <a:xfrm>
               <a:off x="6527520" y="1478880"/>
-              <a:ext cx="4994280" cy="5377680"/>
+              <a:ext cx="4993200" cy="5376600"/>
             </a:xfrm>
             <a:prstGeom prst="rect">
               <a:avLst/>
@@ -8655,7 +8655,7 @@
         <p:spPr>
           <a:xfrm>
             <a:off x="119160" y="116640"/>
-            <a:ext cx="393840" cy="395280"/>
+            <a:ext cx="392760" cy="394200"/>
           </a:xfrm>
           <a:prstGeom prst="rect">
             <a:avLst/>
@@ -8934,9 +8934,9 @@
         <p:grpSpPr>
           <a:xfrm>
             <a:off x="0" y="857160"/>
-            <a:ext cx="11521800" cy="5999400"/>
+            <a:ext cx="11520720" cy="5998320"/>
             <a:chOff x="0" y="857160"/>
-            <a:chExt cx="11521800" cy="5999400"/>
+            <a:chExt cx="11520720" cy="5998320"/>
           </a:xfrm>
         </p:grpSpPr>
         <p:sp>
@@ -8948,7 +8948,7 @@
           <p:spPr>
             <a:xfrm>
               <a:off x="0" y="857160"/>
-              <a:ext cx="10857240" cy="5999400"/>
+              <a:ext cx="10856160" cy="5998320"/>
             </a:xfrm>
             <a:prstGeom prst="rect">
               <a:avLst/>
@@ -8976,7 +8976,7 @@
           <p:spPr>
             <a:xfrm>
               <a:off x="10171080" y="858240"/>
-              <a:ext cx="1347840" cy="1268280"/>
+              <a:ext cx="1346760" cy="1267200"/>
             </a:xfrm>
             <a:prstGeom prst="ellipse">
               <a:avLst/>
@@ -9004,7 +9004,7 @@
           <p:spPr>
             <a:xfrm>
               <a:off x="6527520" y="1478880"/>
-              <a:ext cx="4994280" cy="5377680"/>
+              <a:ext cx="4993200" cy="5376600"/>
             </a:xfrm>
             <a:prstGeom prst="rect">
               <a:avLst/>
@@ -9037,7 +9037,7 @@
         <p:spPr>
           <a:xfrm>
             <a:off x="119160" y="116640"/>
-            <a:ext cx="393840" cy="395280"/>
+            <a:ext cx="392760" cy="394200"/>
           </a:xfrm>
           <a:prstGeom prst="rect">
             <a:avLst/>
@@ -9494,9 +9494,9 @@
         <p:grpSpPr>
           <a:xfrm>
             <a:off x="0" y="857160"/>
-            <a:ext cx="11521800" cy="5999400"/>
+            <a:ext cx="11520720" cy="5998320"/>
             <a:chOff x="0" y="857160"/>
-            <a:chExt cx="11521800" cy="5999400"/>
+            <a:chExt cx="11520720" cy="5998320"/>
           </a:xfrm>
         </p:grpSpPr>
         <p:sp>
@@ -9508,7 +9508,7 @@
           <p:spPr>
             <a:xfrm>
               <a:off x="0" y="857160"/>
-              <a:ext cx="10857240" cy="5999400"/>
+              <a:ext cx="10856160" cy="5998320"/>
             </a:xfrm>
             <a:prstGeom prst="rect">
               <a:avLst/>
@@ -9536,7 +9536,7 @@
           <p:spPr>
             <a:xfrm>
               <a:off x="10171080" y="858240"/>
-              <a:ext cx="1347840" cy="1268280"/>
+              <a:ext cx="1346760" cy="1267200"/>
             </a:xfrm>
             <a:prstGeom prst="ellipse">
               <a:avLst/>
@@ -9564,7 +9564,7 @@
           <p:spPr>
             <a:xfrm>
               <a:off x="6527520" y="1478880"/>
-              <a:ext cx="4994280" cy="5377680"/>
+              <a:ext cx="4993200" cy="5376600"/>
             </a:xfrm>
             <a:prstGeom prst="rect">
               <a:avLst/>
@@ -9597,7 +9597,7 @@
         <p:spPr>
           <a:xfrm>
             <a:off x="119160" y="116640"/>
-            <a:ext cx="393840" cy="395280"/>
+            <a:ext cx="392760" cy="394200"/>
           </a:xfrm>
           <a:prstGeom prst="rect">
             <a:avLst/>
@@ -9869,7 +9869,7 @@
         <p:spPr>
           <a:xfrm>
             <a:off x="981360" y="3867840"/>
-            <a:ext cx="9519840" cy="927360"/>
+            <a:ext cx="9518760" cy="926280"/>
           </a:xfrm>
           <a:prstGeom prst="rect">
             <a:avLst/>
@@ -9924,7 +9924,7 @@
         <p:spPr>
           <a:xfrm>
             <a:off x="981360" y="4895640"/>
-            <a:ext cx="6209640" cy="395640"/>
+            <a:ext cx="6208560" cy="395640"/>
           </a:xfrm>
           <a:prstGeom prst="rect">
             <a:avLst/>
@@ -10008,7 +10008,7 @@
         <p:spPr>
           <a:xfrm>
             <a:off x="1143000" y="1285920"/>
-            <a:ext cx="9904680" cy="1141560"/>
+            <a:ext cx="9903600" cy="1140480"/>
           </a:xfrm>
           <a:prstGeom prst="rect">
             <a:avLst/>
@@ -10059,7 +10059,7 @@
         <p:spPr>
           <a:xfrm>
             <a:off x="1143000" y="2571840"/>
-            <a:ext cx="9904680" cy="3552840"/>
+            <a:ext cx="9903600" cy="3551760"/>
           </a:xfrm>
           <a:prstGeom prst="rect">
             <a:avLst/>
@@ -10089,7 +10089,7 @@
         <p:spPr>
           <a:xfrm>
             <a:off x="360" y="2364120"/>
-            <a:ext cx="12190680" cy="3970800"/>
+            <a:ext cx="12189600" cy="3969720"/>
           </a:xfrm>
           <a:prstGeom prst="rect">
             <a:avLst/>
@@ -10138,7 +10138,7 @@
         <p:spPr>
           <a:xfrm>
             <a:off x="981360" y="3867840"/>
-            <a:ext cx="9519840" cy="927360"/>
+            <a:ext cx="9518760" cy="926280"/>
           </a:xfrm>
           <a:prstGeom prst="rect">
             <a:avLst/>
@@ -10173,9 +10173,8 @@
                   <a:srgbClr val="ffffff"/>
                 </a:solidFill>
                 <a:latin typeface="Arial"/>
-                <a:ea typeface="Arial"/>
               </a:rPr>
-              <a:t>Thank you!</a:t>
+              <a:t>Questions?</a:t>
             </a:r>
             <a:br/>
             <a:endParaRPr b="0" lang="en-GB" sz="5200" spc="-1" strike="noStrike">
@@ -10223,7 +10222,7 @@
         <p:spPr>
           <a:xfrm>
             <a:off x="989280" y="1052640"/>
-            <a:ext cx="9904680" cy="1141560"/>
+            <a:ext cx="9903600" cy="1140480"/>
           </a:xfrm>
           <a:prstGeom prst="rect">
             <a:avLst/>
@@ -10279,7 +10278,7 @@
         <p:spPr>
           <a:xfrm>
             <a:off x="989280" y="2195640"/>
-            <a:ext cx="9904680" cy="4121640"/>
+            <a:ext cx="9903600" cy="4120560"/>
           </a:xfrm>
           <a:prstGeom prst="rect">
             <a:avLst/>
@@ -10300,7 +10299,7 @@
             <a:noAutofit/>
           </a:bodyPr>
           <a:p>
-            <a:pPr marL="457200" indent="-366840">
+            <a:pPr marL="457200" indent="-365760">
               <a:lnSpc>
                 <a:spcPct val="100000"/>
               </a:lnSpc>
@@ -10406,7 +10405,7 @@
         <p:spPr>
           <a:xfrm>
             <a:off x="7090920" y="4620600"/>
-            <a:ext cx="1951200" cy="1951200"/>
+            <a:ext cx="1950120" cy="1950120"/>
           </a:xfrm>
           <a:prstGeom prst="rect">
             <a:avLst/>
@@ -10429,7 +10428,7 @@
         <p:spPr>
           <a:xfrm>
             <a:off x="4713840" y="4778640"/>
-            <a:ext cx="1635120" cy="1635120"/>
+            <a:ext cx="1634040" cy="1634040"/>
           </a:xfrm>
           <a:prstGeom prst="rect">
             <a:avLst/>
@@ -10452,7 +10451,7 @@
         <p:spPr>
           <a:xfrm>
             <a:off x="2584080" y="4896720"/>
-            <a:ext cx="1147680" cy="1398960"/>
+            <a:ext cx="1146600" cy="1397880"/>
           </a:xfrm>
           <a:prstGeom prst="rect">
             <a:avLst/>
@@ -10501,7 +10500,7 @@
         <p:spPr>
           <a:xfrm>
             <a:off x="1143000" y="1285920"/>
-            <a:ext cx="9904680" cy="1141560"/>
+            <a:ext cx="9903600" cy="1140480"/>
           </a:xfrm>
           <a:prstGeom prst="rect">
             <a:avLst/>
@@ -10560,7 +10559,7 @@
         <p:spPr>
           <a:xfrm>
             <a:off x="1584000" y="2127960"/>
-            <a:ext cx="2662560" cy="4494960"/>
+            <a:ext cx="2661480" cy="4493880"/>
           </a:xfrm>
           <a:prstGeom prst="rect">
             <a:avLst/>
@@ -10583,7 +10582,7 @@
         <p:spPr>
           <a:xfrm>
             <a:off x="5616000" y="2116800"/>
-            <a:ext cx="3239280" cy="4512960"/>
+            <a:ext cx="3238200" cy="4511880"/>
           </a:xfrm>
           <a:prstGeom prst="rect">
             <a:avLst/>
@@ -10602,7 +10601,7 @@
         <p:spPr>
           <a:xfrm>
             <a:off x="6192000" y="5328000"/>
-            <a:ext cx="1079280" cy="143280"/>
+            <a:ext cx="1078200" cy="142200"/>
           </a:xfrm>
           <a:prstGeom prst="rect">
             <a:avLst/>
@@ -10630,7 +10629,7 @@
         <p:spPr>
           <a:xfrm>
             <a:off x="5904000" y="4320000"/>
-            <a:ext cx="1223280" cy="287280"/>
+            <a:ext cx="1222200" cy="286200"/>
           </a:xfrm>
           <a:prstGeom prst="rect">
             <a:avLst/>
@@ -10658,7 +10657,7 @@
         <p:spPr>
           <a:xfrm>
             <a:off x="6120000" y="4824000"/>
-            <a:ext cx="1151280" cy="143280"/>
+            <a:ext cx="1150200" cy="142200"/>
           </a:xfrm>
           <a:prstGeom prst="rect">
             <a:avLst/>
@@ -10720,7 +10719,7 @@
         <p:spPr>
           <a:xfrm>
             <a:off x="8208000" y="1678320"/>
-            <a:ext cx="3239280" cy="4512960"/>
+            <a:ext cx="3238200" cy="4511880"/>
           </a:xfrm>
           <a:prstGeom prst="rect">
             <a:avLst/>
@@ -10739,7 +10738,7 @@
         <p:spPr>
           <a:xfrm>
             <a:off x="8748000" y="3982320"/>
-            <a:ext cx="1151280" cy="143280"/>
+            <a:ext cx="1150200" cy="142200"/>
           </a:xfrm>
           <a:prstGeom prst="rect">
             <a:avLst/>
@@ -10767,7 +10766,7 @@
         <p:spPr>
           <a:xfrm>
             <a:off x="9036000" y="4630320"/>
-            <a:ext cx="1151280" cy="143280"/>
+            <a:ext cx="1150200" cy="142200"/>
           </a:xfrm>
           <a:prstGeom prst="rect">
             <a:avLst/>
@@ -10795,7 +10794,7 @@
         <p:spPr>
           <a:xfrm>
             <a:off x="8892000" y="5413320"/>
-            <a:ext cx="1151280" cy="143280"/>
+            <a:ext cx="1150200" cy="142200"/>
           </a:xfrm>
           <a:prstGeom prst="rect">
             <a:avLst/>
@@ -10823,7 +10822,7 @@
         <p:spPr>
           <a:xfrm>
             <a:off x="8505000" y="5557320"/>
-            <a:ext cx="1151280" cy="368280"/>
+            <a:ext cx="1150200" cy="367200"/>
           </a:xfrm>
           <a:prstGeom prst="rect">
             <a:avLst/>
@@ -10851,7 +10850,7 @@
         <p:spPr>
           <a:xfrm>
             <a:off x="8748000" y="2686320"/>
-            <a:ext cx="1151280" cy="143280"/>
+            <a:ext cx="1150200" cy="142200"/>
           </a:xfrm>
           <a:prstGeom prst="rect">
             <a:avLst/>
@@ -10879,7 +10878,7 @@
         <p:spPr>
           <a:xfrm>
             <a:off x="8532000" y="3118320"/>
-            <a:ext cx="1151280" cy="143280"/>
+            <a:ext cx="1150200" cy="142200"/>
           </a:xfrm>
           <a:prstGeom prst="rect">
             <a:avLst/>
@@ -10907,7 +10906,7 @@
         <p:spPr>
           <a:xfrm>
             <a:off x="8892000" y="5278320"/>
-            <a:ext cx="1151280" cy="143280"/>
+            <a:ext cx="1150200" cy="142200"/>
           </a:xfrm>
           <a:prstGeom prst="rect">
             <a:avLst/>
@@ -10935,7 +10934,7 @@
         <p:spPr>
           <a:xfrm>
             <a:off x="8532000" y="1822320"/>
-            <a:ext cx="1151280" cy="143280"/>
+            <a:ext cx="1150200" cy="142200"/>
           </a:xfrm>
           <a:prstGeom prst="rect">
             <a:avLst/>
@@ -10963,7 +10962,7 @@
         <p:spPr>
           <a:xfrm>
             <a:off x="3519360" y="936000"/>
-            <a:ext cx="3535920" cy="601920"/>
+            <a:ext cx="3534840" cy="600840"/>
           </a:xfrm>
           <a:prstGeom prst="rect">
             <a:avLst/>
@@ -11018,7 +11017,7 @@
         <p:spPr>
           <a:xfrm>
             <a:off x="1848240" y="1717920"/>
-            <a:ext cx="743040" cy="743040"/>
+            <a:ext cx="741960" cy="741960"/>
           </a:xfrm>
           <a:prstGeom prst="rect">
             <a:avLst/>
@@ -11041,7 +11040,7 @@
         <p:spPr>
           <a:xfrm>
             <a:off x="1848240" y="5520240"/>
-            <a:ext cx="743040" cy="743040"/>
+            <a:ext cx="741960" cy="741960"/>
           </a:xfrm>
           <a:prstGeom prst="rect">
             <a:avLst/>
@@ -11064,7 +11063,7 @@
         <p:spPr>
           <a:xfrm>
             <a:off x="1728000" y="1717920"/>
-            <a:ext cx="743040" cy="743040"/>
+            <a:ext cx="741960" cy="741960"/>
           </a:xfrm>
           <a:prstGeom prst="rect">
             <a:avLst/>
@@ -11087,7 +11086,7 @@
         <p:spPr>
           <a:xfrm>
             <a:off x="1776240" y="4152240"/>
-            <a:ext cx="743040" cy="743040"/>
+            <a:ext cx="741960" cy="741960"/>
           </a:xfrm>
           <a:prstGeom prst="rect">
             <a:avLst/>
@@ -11106,7 +11105,7 @@
         <p:spPr>
           <a:xfrm>
             <a:off x="1728000" y="2533680"/>
-            <a:ext cx="637200" cy="345600"/>
+            <a:ext cx="636120" cy="344520"/>
           </a:xfrm>
           <a:prstGeom prst="rect">
             <a:avLst/>
@@ -11157,7 +11156,7 @@
         <p:spPr>
           <a:xfrm>
             <a:off x="1872000" y="4909680"/>
-            <a:ext cx="1357920" cy="345600"/>
+            <a:ext cx="1356840" cy="344520"/>
           </a:xfrm>
           <a:prstGeom prst="rect">
             <a:avLst/>
@@ -11208,7 +11207,7 @@
         <p:spPr>
           <a:xfrm>
             <a:off x="1906200" y="6349680"/>
-            <a:ext cx="2369880" cy="345600"/>
+            <a:ext cx="2368800" cy="344520"/>
           </a:xfrm>
           <a:prstGeom prst="rect">
             <a:avLst/>
@@ -11263,7 +11262,7 @@
         <p:spPr>
           <a:xfrm>
             <a:off x="1776240" y="3024000"/>
-            <a:ext cx="743040" cy="743040"/>
+            <a:ext cx="741960" cy="741960"/>
           </a:xfrm>
           <a:prstGeom prst="rect">
             <a:avLst/>
@@ -11282,7 +11281,7 @@
         <p:spPr>
           <a:xfrm>
             <a:off x="1881360" y="3805920"/>
-            <a:ext cx="1068480" cy="345600"/>
+            <a:ext cx="1067400" cy="344520"/>
           </a:xfrm>
           <a:prstGeom prst="rect">
             <a:avLst/>
@@ -11337,7 +11336,7 @@
         <p:spPr>
           <a:xfrm>
             <a:off x="3942720" y="3744000"/>
-            <a:ext cx="448560" cy="448560"/>
+            <a:ext cx="447480" cy="447480"/>
           </a:xfrm>
           <a:prstGeom prst="rect">
             <a:avLst/>
@@ -11356,7 +11355,7 @@
         <p:spPr>
           <a:xfrm>
             <a:off x="3456000" y="4320000"/>
-            <a:ext cx="1938600" cy="489240"/>
+            <a:ext cx="1937520" cy="488160"/>
           </a:xfrm>
           <a:prstGeom prst="rect">
             <a:avLst/>
@@ -11418,7 +11417,7 @@
         <p:spPr>
           <a:xfrm>
             <a:off x="5796000" y="3744000"/>
-            <a:ext cx="1799280" cy="431280"/>
+            <a:ext cx="1798200" cy="430200"/>
           </a:xfrm>
           <a:prstGeom prst="rect">
             <a:avLst/>
@@ -11589,7 +11588,7 @@
         <p:spPr>
           <a:xfrm>
             <a:off x="4878720" y="6048000"/>
-            <a:ext cx="736560" cy="736560"/>
+            <a:ext cx="735480" cy="735480"/>
           </a:xfrm>
           <a:prstGeom prst="rect">
             <a:avLst/>
@@ -11608,7 +11607,7 @@
         <p:spPr>
           <a:xfrm>
             <a:off x="1152000" y="1584000"/>
-            <a:ext cx="4103280" cy="5183280"/>
+            <a:ext cx="4102200" cy="5182200"/>
           </a:xfrm>
           <a:prstGeom prst="rect">
             <a:avLst/>
@@ -11629,14 +11628,14 @@
       </p:sp>
       <p:sp>
         <p:nvSpPr>
-          <p:cNvPr id="265" name="TextShape 21"/>
-          <p:cNvSpPr txBox="1"/>
+          <p:cNvPr id="265" name="CustomShape 21"/>
+          <p:cNvSpPr/>
           <p:nvPr/>
         </p:nvSpPr>
         <p:spPr>
           <a:xfrm>
             <a:off x="8925120" y="6408000"/>
-            <a:ext cx="2270880" cy="346680"/>
+            <a:ext cx="2269800" cy="345600"/>
           </a:xfrm>
           <a:prstGeom prst="rect">
             <a:avLst/>
@@ -11646,14 +11645,29 @@
             <a:noFill/>
           </a:ln>
         </p:spPr>
+        <p:style>
+          <a:lnRef idx="0"/>
+          <a:fillRef idx="0"/>
+          <a:effectRef idx="0"/>
+          <a:fontRef idx="minor"/>
+        </p:style>
         <p:txBody>
           <a:bodyPr lIns="90000" rIns="90000" tIns="45000" bIns="45000">
             <a:noAutofit/>
           </a:bodyPr>
           <a:p>
+            <a:pPr>
+              <a:lnSpc>
+                <a:spcPct val="100000"/>
+              </a:lnSpc>
+            </a:pPr>
             <a:r>
               <a:rPr b="0" lang="en-GB" sz="1000" spc="-1" strike="noStrike">
+                <a:solidFill>
+                  <a:srgbClr val="000000"/>
+                </a:solidFill>
                 <a:latin typeface="Arial"/>
+                <a:ea typeface="DejaVu Sans"/>
               </a:rPr>
               <a:t>https://github.com/GreenfishK/SAIKS</a:t>
             </a:r>
@@ -11676,7 +11690,7 @@
         <p:spPr>
           <a:xfrm>
             <a:off x="8209080" y="6264000"/>
-            <a:ext cx="538920" cy="538920"/>
+            <a:ext cx="537840" cy="537840"/>
           </a:xfrm>
           <a:prstGeom prst="rect">
             <a:avLst/>
@@ -11699,7 +11713,7 @@
         <p:spPr>
           <a:xfrm>
             <a:off x="4752000" y="3744000"/>
-            <a:ext cx="477360" cy="492120"/>
+            <a:ext cx="476280" cy="491040"/>
           </a:xfrm>
           <a:prstGeom prst="rect">
             <a:avLst/>
@@ -11836,7 +11850,7 @@
         <p:spPr>
           <a:xfrm>
             <a:off x="2088000" y="959400"/>
-            <a:ext cx="8783640" cy="5898240"/>
+            <a:ext cx="8782560" cy="5897160"/>
           </a:xfrm>
           <a:prstGeom prst="rect">
             <a:avLst/>
@@ -11855,7 +11869,7 @@
         <p:spPr>
           <a:xfrm>
             <a:off x="1143000" y="1285920"/>
-            <a:ext cx="9904680" cy="1141560"/>
+            <a:ext cx="9903600" cy="1140480"/>
           </a:xfrm>
           <a:prstGeom prst="rect">
             <a:avLst/>
@@ -11940,7 +11954,7 @@
         <p:spPr>
           <a:xfrm>
             <a:off x="1143000" y="1285920"/>
-            <a:ext cx="9904680" cy="1141560"/>
+            <a:ext cx="9903600" cy="1140480"/>
           </a:xfrm>
           <a:prstGeom prst="rect">
             <a:avLst/>
@@ -11991,7 +12005,7 @@
         <p:spPr>
           <a:xfrm>
             <a:off x="738720" y="2179800"/>
-            <a:ext cx="10308600" cy="3944880"/>
+            <a:ext cx="10307520" cy="3943800"/>
           </a:xfrm>
           <a:prstGeom prst="rect">
             <a:avLst/>
@@ -12012,7 +12026,7 @@
             <a:noAutofit/>
           </a:bodyPr>
           <a:p>
-            <a:pPr marL="571680" indent="-341640">
+            <a:pPr marL="571680" indent="-340560">
               <a:lnSpc>
                 <a:spcPct val="100000"/>
               </a:lnSpc>
@@ -12040,7 +12054,7 @@
             </a:endParaRPr>
           </a:p>
           <a:p>
-            <a:pPr lvl="1" marL="1028880" indent="-341640">
+            <a:pPr lvl="1" marL="1028880" indent="-340560">
               <a:lnSpc>
                 <a:spcPct val="100000"/>
               </a:lnSpc>
@@ -12088,7 +12102,7 @@
             </a:endParaRPr>
           </a:p>
           <a:p>
-            <a:pPr lvl="1" marL="1028880" indent="-341640">
+            <a:pPr lvl="1" marL="1028880" indent="-340560">
               <a:lnSpc>
                 <a:spcPct val="100000"/>
               </a:lnSpc>
@@ -12136,7 +12150,7 @@
             </a:endParaRPr>
           </a:p>
           <a:p>
-            <a:pPr marL="571680" indent="-341640">
+            <a:pPr marL="571680" indent="-340560">
               <a:lnSpc>
                 <a:spcPct val="100000"/>
               </a:lnSpc>
@@ -12164,7 +12178,7 @@
             </a:endParaRPr>
           </a:p>
           <a:p>
-            <a:pPr lvl="1" marL="1028880" indent="-341640">
+            <a:pPr lvl="1" marL="1028880" indent="-340560">
               <a:lnSpc>
                 <a:spcPct val="100000"/>
               </a:lnSpc>
@@ -12192,7 +12206,7 @@
             </a:endParaRPr>
           </a:p>
           <a:p>
-            <a:pPr marL="571680" indent="-341640">
+            <a:pPr marL="571680" indent="-340560">
               <a:lnSpc>
                 <a:spcPct val="100000"/>
               </a:lnSpc>
@@ -12220,7 +12234,7 @@
             </a:endParaRPr>
           </a:p>
           <a:p>
-            <a:pPr lvl="1" marL="1028880" indent="-341640">
+            <a:pPr lvl="1" marL="1028880" indent="-340560">
               <a:lnSpc>
                 <a:spcPct val="100000"/>
               </a:lnSpc>
@@ -12248,7 +12262,7 @@
             </a:endParaRPr>
           </a:p>
           <a:p>
-            <a:pPr lvl="1" marL="1028880" indent="-341640">
+            <a:pPr lvl="1" marL="1028880" indent="-340560">
               <a:lnSpc>
                 <a:spcPct val="100000"/>
               </a:lnSpc>
@@ -12332,7 +12346,7 @@
         <p:spPr>
           <a:xfrm>
             <a:off x="1143000" y="1285920"/>
-            <a:ext cx="9904680" cy="1141560"/>
+            <a:ext cx="9903600" cy="1140480"/>
           </a:xfrm>
           <a:prstGeom prst="rect">
             <a:avLst/>
@@ -12383,7 +12397,7 @@
         <p:spPr>
           <a:xfrm>
             <a:off x="1143000" y="2571840"/>
-            <a:ext cx="9904680" cy="3552840"/>
+            <a:ext cx="9903600" cy="3551760"/>
           </a:xfrm>
           <a:prstGeom prst="rect">
             <a:avLst/>
@@ -12404,7 +12418,7 @@
             <a:noAutofit/>
           </a:bodyPr>
           <a:p>
-            <a:pPr marL="571680" indent="-341640">
+            <a:pPr marL="571680" indent="-340560">
               <a:lnSpc>
                 <a:spcPct val="100000"/>
               </a:lnSpc>
@@ -12432,7 +12446,7 @@
             </a:endParaRPr>
           </a:p>
           <a:p>
-            <a:pPr lvl="1" marL="1028880" indent="-341640">
+            <a:pPr lvl="1" marL="1028880" indent="-340560">
               <a:lnSpc>
                 <a:spcPct val="100000"/>
               </a:lnSpc>
@@ -12460,7 +12474,7 @@
             </a:endParaRPr>
           </a:p>
           <a:p>
-            <a:pPr lvl="1" marL="1028880" indent="-341640">
+            <a:pPr lvl="1" marL="1028880" indent="-340560">
               <a:lnSpc>
                 <a:spcPct val="100000"/>
               </a:lnSpc>
@@ -12488,7 +12502,7 @@
             </a:endParaRPr>
           </a:p>
           <a:p>
-            <a:pPr marL="571680" indent="-341640">
+            <a:pPr marL="571680" indent="-340560">
               <a:lnSpc>
                 <a:spcPct val="100000"/>
               </a:lnSpc>
@@ -12516,7 +12530,7 @@
             </a:endParaRPr>
           </a:p>
           <a:p>
-            <a:pPr lvl="1" marL="1028880" indent="-341640">
+            <a:pPr lvl="1" marL="1028880" indent="-340560">
               <a:lnSpc>
                 <a:spcPct val="100000"/>
               </a:lnSpc>
@@ -12544,7 +12558,7 @@
             </a:endParaRPr>
           </a:p>
           <a:p>
-            <a:pPr lvl="1" marL="1028880" indent="-341640">
+            <a:pPr lvl="1" marL="1028880" indent="-340560">
               <a:lnSpc>
                 <a:spcPct val="100000"/>
               </a:lnSpc>
@@ -12572,7 +12586,7 @@
             </a:endParaRPr>
           </a:p>
           <a:p>
-            <a:pPr lvl="1" marL="1028880" indent="-341640">
+            <a:pPr lvl="1" marL="1028880" indent="-340560">
               <a:lnSpc>
                 <a:spcPct val="100000"/>
               </a:lnSpc>
@@ -12600,7 +12614,7 @@
             </a:endParaRPr>
           </a:p>
           <a:p>
-            <a:pPr lvl="1" marL="1028880" indent="-341640">
+            <a:pPr lvl="1" marL="1028880" indent="-340560">
               <a:lnSpc>
                 <a:spcPct val="100000"/>
               </a:lnSpc>
@@ -12628,7 +12642,7 @@
             </a:endParaRPr>
           </a:p>
           <a:p>
-            <a:pPr marL="457200" indent="-227160">
+            <a:pPr marL="457200" indent="-226080">
               <a:lnSpc>
                 <a:spcPct val="100000"/>
               </a:lnSpc>
@@ -12684,7 +12698,7 @@
         <p:spPr>
           <a:xfrm>
             <a:off x="1143000" y="1285920"/>
-            <a:ext cx="9904680" cy="680400"/>
+            <a:ext cx="9903600" cy="679320"/>
           </a:xfrm>
           <a:prstGeom prst="rect">
             <a:avLst/>
@@ -12739,7 +12753,7 @@
         <p:spPr>
           <a:xfrm>
             <a:off x="502200" y="2112120"/>
-            <a:ext cx="5106960" cy="4534920"/>
+            <a:ext cx="5105880" cy="4533840"/>
           </a:xfrm>
           <a:prstGeom prst="rect">
             <a:avLst/>
@@ -12762,7 +12776,7 @@
         <p:spPr>
           <a:xfrm>
             <a:off x="5981400" y="1973880"/>
-            <a:ext cx="5106960" cy="4743720"/>
+            <a:ext cx="5105880" cy="4742640"/>
           </a:xfrm>
           <a:prstGeom prst="rect">
             <a:avLst/>
@@ -12811,7 +12825,7 @@
         <p:spPr>
           <a:xfrm>
             <a:off x="1143000" y="1285920"/>
-            <a:ext cx="9904680" cy="1141560"/>
+            <a:ext cx="9903600" cy="1140480"/>
           </a:xfrm>
           <a:prstGeom prst="rect">
             <a:avLst/>
@@ -12862,7 +12876,7 @@
         <p:spPr>
           <a:xfrm>
             <a:off x="1143000" y="2571840"/>
-            <a:ext cx="9904680" cy="3552840"/>
+            <a:ext cx="9903600" cy="3551760"/>
           </a:xfrm>
           <a:prstGeom prst="rect">
             <a:avLst/>
@@ -12883,7 +12897,7 @@
             <a:noAutofit/>
           </a:bodyPr>
           <a:p>
-            <a:pPr marL="457200" indent="-227160">
+            <a:pPr marL="457200" indent="-226080">
               <a:lnSpc>
                 <a:spcPct val="100000"/>
               </a:lnSpc>
@@ -12909,71 +12923,79 @@
             </a:endParaRPr>
           </a:p>
           <a:p>
-            <a:pPr lvl="1" marL="864000" indent="-322920">
+            <a:pPr marL="457200" indent="-226080">
               <a:lnSpc>
                 <a:spcPct val="100000"/>
               </a:lnSpc>
               <a:spcBef>
-                <a:spcPts val="1134"/>
+                <a:spcPts val="479"/>
               </a:spcBef>
-              <a:buClr>
-                <a:srgbClr val="000000"/>
-              </a:buClr>
-              <a:buSzPct val="75000"/>
-              <a:buFont typeface="Symbol"/>
-              <a:buChar char=""/>
               <a:tabLst>
                 <a:tab algn="l" pos="0"/>
               </a:tabLst>
             </a:pPr>
             <a:r>
-              <a:rPr b="0" lang="en-GB" sz="1400" spc="-1" strike="noStrike">
+              <a:rPr b="0" lang="en-GB" sz="2400" spc="-1" strike="noStrike">
                 <a:solidFill>
                   <a:srgbClr val="000000"/>
                 </a:solidFill>
                 <a:latin typeface="Arial"/>
                 <a:ea typeface="DejaVu Sans"/>
               </a:rPr>
-              <a:t>Different complexities</a:t>
+              <a:t>	</a:t>
             </a:r>
-            <a:endParaRPr b="0" lang="en-GB" sz="1400" spc="-1" strike="noStrike">
-              <a:latin typeface="Arial"/>
-            </a:endParaRPr>
-          </a:p>
-          <a:p>
-            <a:pPr lvl="1" marL="864000" indent="-322920">
-              <a:lnSpc>
-                <a:spcPct val="100000"/>
-              </a:lnSpc>
-              <a:spcBef>
-                <a:spcPts val="1134"/>
-              </a:spcBef>
-              <a:buClr>
-                <a:srgbClr val="000000"/>
-              </a:buClr>
-              <a:buSzPct val="75000"/>
-              <a:buFont typeface="Symbol"/>
-              <a:buChar char=""/>
-              <a:tabLst>
-                <a:tab algn="l" pos="0"/>
-              </a:tabLst>
-            </a:pPr>
             <a:r>
-              <a:rPr b="0" lang="en-GB" sz="1400" spc="-1" strike="noStrike">
+              <a:rPr b="0" lang="en-GB" sz="1600" spc="-1" strike="noStrike">
                 <a:solidFill>
                   <a:srgbClr val="000000"/>
                 </a:solidFill>
                 <a:latin typeface="Arial"/>
                 <a:ea typeface="DejaVu Sans"/>
               </a:rPr>
-              <a:t>No betting concepts in the second ontology</a:t>
+              <a:t>- Different complexities</a:t>
             </a:r>
-            <a:endParaRPr b="0" lang="en-GB" sz="1400" spc="-1" strike="noStrike">
-              <a:latin typeface="Arial"/>
-            </a:endParaRPr>
-          </a:p>
-          <a:p>
-            <a:pPr marL="457200" indent="-227160">
+            <a:endParaRPr b="0" lang="en-GB" sz="1600" spc="-1" strike="noStrike">
+              <a:latin typeface="Arial"/>
+            </a:endParaRPr>
+          </a:p>
+          <a:p>
+            <a:pPr marL="457200" indent="-226080">
+              <a:lnSpc>
+                <a:spcPct val="100000"/>
+              </a:lnSpc>
+              <a:spcBef>
+                <a:spcPts val="479"/>
+              </a:spcBef>
+              <a:tabLst>
+                <a:tab algn="l" pos="0"/>
+              </a:tabLst>
+            </a:pPr>
+            <a:r>
+              <a:rPr b="0" lang="en-GB" sz="1600" spc="-1" strike="noStrike">
+                <a:solidFill>
+                  <a:srgbClr val="000000"/>
+                </a:solidFill>
+                <a:latin typeface="Arial"/>
+                <a:ea typeface="DejaVu Sans"/>
+              </a:rPr>
+              <a:t>	</a:t>
+            </a:r>
+            <a:r>
+              <a:rPr b="0" lang="en-GB" sz="1600" spc="-1" strike="noStrike">
+                <a:solidFill>
+                  <a:srgbClr val="000000"/>
+                </a:solidFill>
+                <a:latin typeface="Arial"/>
+                <a:ea typeface="DejaVu Sans"/>
+              </a:rPr>
+              <a:t>- No betting concepts in the second ontology</a:t>
+            </a:r>
+            <a:endParaRPr b="0" lang="en-GB" sz="1600" spc="-1" strike="noStrike">
+              <a:latin typeface="Arial"/>
+            </a:endParaRPr>
+          </a:p>
+          <a:p>
+            <a:pPr marL="457200" indent="-226080">
               <a:lnSpc>
                 <a:spcPct val="100000"/>
               </a:lnSpc>
@@ -12999,76 +13021,84 @@
             </a:endParaRPr>
           </a:p>
           <a:p>
-            <a:pPr lvl="1" marL="864000" indent="-322920">
+            <a:pPr marL="457200" indent="-226080">
               <a:lnSpc>
                 <a:spcPct val="100000"/>
               </a:lnSpc>
               <a:spcBef>
-                <a:spcPts val="1134"/>
+                <a:spcPts val="479"/>
               </a:spcBef>
-              <a:buClr>
-                <a:srgbClr val="000000"/>
-              </a:buClr>
-              <a:buSzPct val="75000"/>
-              <a:buFont typeface="Symbol"/>
-              <a:buChar char=""/>
               <a:tabLst>
                 <a:tab algn="l" pos="0"/>
               </a:tabLst>
             </a:pPr>
             <a:r>
-              <a:rPr b="0" lang="en-GB" sz="1400" spc="-1" strike="noStrike">
+              <a:rPr b="0" lang="en-GB" sz="1600" spc="-1" strike="noStrike">
                 <a:solidFill>
                   <a:srgbClr val="000000"/>
                 </a:solidFill>
                 <a:latin typeface="Arial"/>
                 <a:ea typeface="DejaVu Sans"/>
               </a:rPr>
-              <a:t>Only Logmap was able to deliver a result for only one of the two ontologies</a:t>
+              <a:t>	</a:t>
             </a:r>
-            <a:endParaRPr b="0" lang="en-GB" sz="1400" spc="-1" strike="noStrike">
-              <a:latin typeface="Arial"/>
-            </a:endParaRPr>
-          </a:p>
-          <a:p>
-            <a:pPr lvl="1" marL="864000" indent="-322920">
-              <a:lnSpc>
-                <a:spcPct val="100000"/>
-              </a:lnSpc>
-              <a:spcBef>
-                <a:spcPts val="1134"/>
-              </a:spcBef>
-              <a:buClr>
-                <a:srgbClr val="000000"/>
-              </a:buClr>
-              <a:buSzPct val="75000"/>
-              <a:buFont typeface="Symbol"/>
-              <a:buChar char=""/>
-              <a:tabLst>
-                <a:tab algn="l" pos="0"/>
-              </a:tabLst>
-            </a:pPr>
             <a:r>
-              <a:rPr b="0" lang="en-GB" sz="1400" spc="-1" strike="noStrike">
+              <a:rPr b="0" lang="en-GB" sz="1600" spc="-1" strike="noStrike">
                 <a:solidFill>
                   <a:srgbClr val="000000"/>
                 </a:solidFill>
                 <a:latin typeface="Arial"/>
                 <a:ea typeface="DejaVu Sans"/>
               </a:rPr>
-              <a:t>One similar class found</a:t>
+              <a:t>- Only Logmap was able to deliver a result for only one of the two ontologies</a:t>
             </a:r>
-            <a:endParaRPr b="0" lang="en-GB" sz="1400" spc="-1" strike="noStrike">
-              <a:latin typeface="Arial"/>
-            </a:endParaRPr>
-          </a:p>
-          <a:p>
-            <a:pPr>
+            <a:endParaRPr b="0" lang="en-GB" sz="1600" spc="-1" strike="noStrike">
+              <a:latin typeface="Arial"/>
+            </a:endParaRPr>
+          </a:p>
+          <a:p>
+            <a:pPr marL="457200" indent="-226080">
               <a:lnSpc>
                 <a:spcPct val="100000"/>
               </a:lnSpc>
               <a:spcBef>
-                <a:spcPts val="1417"/>
+                <a:spcPts val="479"/>
+              </a:spcBef>
+              <a:tabLst>
+                <a:tab algn="l" pos="0"/>
+              </a:tabLst>
+            </a:pPr>
+            <a:r>
+              <a:rPr b="0" lang="en-GB" sz="1600" spc="-1" strike="noStrike">
+                <a:solidFill>
+                  <a:srgbClr val="000000"/>
+                </a:solidFill>
+                <a:latin typeface="Arial"/>
+                <a:ea typeface="DejaVu Sans"/>
+              </a:rPr>
+              <a:t>	</a:t>
+            </a:r>
+            <a:r>
+              <a:rPr b="0" lang="en-GB" sz="1600" spc="-1" strike="noStrike">
+                <a:solidFill>
+                  <a:srgbClr val="000000"/>
+                </a:solidFill>
+                <a:latin typeface="Arial"/>
+                <a:ea typeface="DejaVu Sans"/>
+              </a:rPr>
+              <a:t>- One similar class found</a:t>
+            </a:r>
+            <a:endParaRPr b="0" lang="en-GB" sz="1600" spc="-1" strike="noStrike">
+              <a:latin typeface="Arial"/>
+            </a:endParaRPr>
+          </a:p>
+          <a:p>
+            <a:pPr marL="457200" indent="-226080">
+              <a:lnSpc>
+                <a:spcPct val="100000"/>
+              </a:lnSpc>
+              <a:spcBef>
+                <a:spcPts val="479"/>
               </a:spcBef>
               <a:tabLst>
                 <a:tab algn="l" pos="0"/>
@@ -13080,17 +13110,7 @@
                   <a:srgbClr val="000000"/>
                 </a:solidFill>
                 <a:latin typeface="Arial"/>
-                <a:ea typeface="Arial"/>
-              </a:rPr>
-              <a:t>   </a:t>
-            </a:r>
-            <a:r>
-              <a:rPr b="0" lang="en-GB" sz="2400" spc="-1" strike="noStrike">
-                <a:solidFill>
-                  <a:srgbClr val="000000"/>
-                </a:solidFill>
-                <a:latin typeface="Arial"/>
-                <a:ea typeface="Arial"/>
+                <a:ea typeface="DejaVu Sans"/>
               </a:rPr>
               <a:t>* Matched classes do not have the same semantics</a:t>
             </a:r>
@@ -13099,19 +13119,13 @@
             </a:endParaRPr>
           </a:p>
           <a:p>
-            <a:pPr lvl="1" marL="864000" indent="-322920">
+            <a:pPr marL="457200" indent="-226080">
               <a:lnSpc>
                 <a:spcPct val="100000"/>
               </a:lnSpc>
               <a:spcBef>
-                <a:spcPts val="1134"/>
+                <a:spcPts val="479"/>
               </a:spcBef>
-              <a:buClr>
-                <a:srgbClr val="000000"/>
-              </a:buClr>
-              <a:buSzPct val="75000"/>
-              <a:buFont typeface="Symbol"/>
-              <a:buChar char=""/>
               <a:tabLst>
                 <a:tab algn="l" pos="0"/>
               </a:tabLst>
@@ -13122,16 +13136,26 @@
                   <a:srgbClr val="000000"/>
                 </a:solidFill>
                 <a:latin typeface="Arial"/>
-                <a:ea typeface="Arial"/>
+                <a:ea typeface="DejaVu Sans"/>
               </a:rPr>
-              <a:t>Our Person class also includes legal bodies while the other does not</a:t>
+              <a:t>  </a:t>
             </a:r>
-            <a:endParaRPr b="0" lang="en-GB" sz="2400" spc="-1" strike="noStrike">
-              <a:latin typeface="Arial"/>
-            </a:endParaRPr>
-          </a:p>
-          <a:p>
-            <a:pPr>
+            <a:r>
+              <a:rPr b="0" lang="en-GB" sz="1600" spc="-1" strike="noStrike">
+                <a:solidFill>
+                  <a:srgbClr val="000000"/>
+                </a:solidFill>
+                <a:latin typeface="Arial"/>
+                <a:ea typeface="DejaVu Sans"/>
+              </a:rPr>
+              <a:t>- Our Person class also includes legal bodies while the other does not</a:t>
+            </a:r>
+            <a:endParaRPr b="0" lang="en-GB" sz="1600" spc="-1" strike="noStrike">
+              <a:latin typeface="Arial"/>
+            </a:endParaRPr>
+          </a:p>
+          <a:p>
+            <a:pPr marL="457200" indent="-226080">
               <a:lnSpc>
                 <a:spcPct val="100000"/>
               </a:lnSpc>
@@ -13142,12 +13166,12 @@
                 <a:tab algn="l" pos="0"/>
               </a:tabLst>
             </a:pPr>
-            <a:endParaRPr b="0" lang="en-GB" sz="2400" spc="-1" strike="noStrike">
-              <a:latin typeface="Arial"/>
-            </a:endParaRPr>
-          </a:p>
-          <a:p>
-            <a:pPr>
+            <a:endParaRPr b="0" lang="en-GB" sz="1600" spc="-1" strike="noStrike">
+              <a:latin typeface="Arial"/>
+            </a:endParaRPr>
+          </a:p>
+          <a:p>
+            <a:pPr marL="457200" indent="-226080">
               <a:lnSpc>
                 <a:spcPct val="100000"/>
               </a:lnSpc>

--- a/Presentations/SAIKS Assignment final.pptx
+++ b/Presentations/SAIKS Assignment final.pptx
@@ -253,7 +253,7 @@
           </a:bodyPr>
           <a:p>
             <a:pPr algn="r"/>
-            <a:fld id="{E6B9E5AE-FD35-4AEF-B7F1-98A54E1BF5FA}" type="slidenum">
+            <a:fld id="{A2A3AEF8-2255-4CF2-9CFE-A9EF934FE6EE}" type="slidenum">
               <a:rPr b="0" lang="en-GB" sz="1400" spc="-1" strike="noStrike">
                 <a:latin typeface="Times New Roman"/>
               </a:rPr>
@@ -290,7 +290,7 @@
       </p:grpSpPr>
       <p:sp>
         <p:nvSpPr>
-          <p:cNvPr id="286" name="PlaceHolder 1"/>
+          <p:cNvPr id="289" name="PlaceHolder 1"/>
           <p:cNvSpPr>
             <a:spLocks noGrp="1"/>
           </p:cNvSpPr>
@@ -301,16 +301,16 @@
         <p:spPr>
           <a:xfrm>
             <a:off x="380880" y="685800"/>
-            <a:ext cx="6093360" cy="3426480"/>
-          </a:xfrm>
-          <a:prstGeom prst="rect">
-            <a:avLst/>
-          </a:prstGeom>
-        </p:spPr>
-      </p:sp>
-      <p:sp>
-        <p:nvSpPr>
-          <p:cNvPr id="287" name="PlaceHolder 2"/>
+            <a:ext cx="6093000" cy="3426120"/>
+          </a:xfrm>
+          <a:prstGeom prst="rect">
+            <a:avLst/>
+          </a:prstGeom>
+        </p:spPr>
+      </p:sp>
+      <p:sp>
+        <p:nvSpPr>
+          <p:cNvPr id="290" name="PlaceHolder 2"/>
           <p:cNvSpPr>
             <a:spLocks noGrp="1"/>
           </p:cNvSpPr>
@@ -321,7 +321,7 @@
         <p:spPr>
           <a:xfrm>
             <a:off x="685800" y="4343400"/>
-            <a:ext cx="5483880" cy="4112280"/>
+            <a:ext cx="5483520" cy="4111920"/>
           </a:xfrm>
           <a:prstGeom prst="rect">
             <a:avLst/>
@@ -340,14 +340,14 @@
       </p:sp>
       <p:sp>
         <p:nvSpPr>
-          <p:cNvPr id="288" name="CustomShape 3"/>
+          <p:cNvPr id="291" name="CustomShape 3"/>
           <p:cNvSpPr/>
           <p:nvPr/>
         </p:nvSpPr>
         <p:spPr>
           <a:xfrm>
             <a:off x="3884760" y="8685360"/>
-            <a:ext cx="2969280" cy="454680"/>
+            <a:ext cx="2968920" cy="454320"/>
           </a:xfrm>
           <a:prstGeom prst="rect">
             <a:avLst/>
@@ -376,7 +376,7 @@
                 <a:tab algn="l" pos="0"/>
               </a:tabLst>
             </a:pPr>
-            <a:fld id="{1C1E1D3B-30D0-490D-A99A-76D444C30770}" type="slidenum">
+            <a:fld id="{03DADB24-0B67-4D3A-B3A9-ABDAC459098C}" type="slidenum">
               <a:rPr b="0" lang="de-DE" sz="1200" spc="-1" strike="noStrike">
                 <a:solidFill>
                   <a:srgbClr val="000000"/>
@@ -416,7 +416,7 @@
       </p:grpSpPr>
       <p:sp>
         <p:nvSpPr>
-          <p:cNvPr id="295" name="PlaceHolder 1"/>
+          <p:cNvPr id="298" name="PlaceHolder 1"/>
           <p:cNvSpPr>
             <a:spLocks noGrp="1"/>
           </p:cNvSpPr>
@@ -427,16 +427,16 @@
         <p:spPr>
           <a:xfrm>
             <a:off x="380880" y="685800"/>
-            <a:ext cx="6093360" cy="3426480"/>
-          </a:xfrm>
-          <a:prstGeom prst="rect">
-            <a:avLst/>
-          </a:prstGeom>
-        </p:spPr>
-      </p:sp>
-      <p:sp>
-        <p:nvSpPr>
-          <p:cNvPr id="296" name="PlaceHolder 2"/>
+            <a:ext cx="6093000" cy="3426120"/>
+          </a:xfrm>
+          <a:prstGeom prst="rect">
+            <a:avLst/>
+          </a:prstGeom>
+        </p:spPr>
+      </p:sp>
+      <p:sp>
+        <p:nvSpPr>
+          <p:cNvPr id="299" name="PlaceHolder 2"/>
           <p:cNvSpPr>
             <a:spLocks noGrp="1"/>
           </p:cNvSpPr>
@@ -447,7 +447,7 @@
         <p:spPr>
           <a:xfrm>
             <a:off x="685800" y="4343400"/>
-            <a:ext cx="5483880" cy="4112280"/>
+            <a:ext cx="5483520" cy="4111920"/>
           </a:xfrm>
           <a:prstGeom prst="rect">
             <a:avLst/>
@@ -466,14 +466,14 @@
       </p:sp>
       <p:sp>
         <p:nvSpPr>
-          <p:cNvPr id="297" name="CustomShape 3"/>
+          <p:cNvPr id="300" name="CustomShape 3"/>
           <p:cNvSpPr/>
           <p:nvPr/>
         </p:nvSpPr>
         <p:spPr>
           <a:xfrm>
             <a:off x="3884760" y="8685360"/>
-            <a:ext cx="2969280" cy="454680"/>
+            <a:ext cx="2968920" cy="454320"/>
           </a:xfrm>
           <a:prstGeom prst="rect">
             <a:avLst/>
@@ -502,7 +502,7 @@
                 <a:tab algn="l" pos="0"/>
               </a:tabLst>
             </a:pPr>
-            <a:fld id="{0EECDFCF-26A4-4894-9307-C7C4CC9C6F08}" type="slidenum">
+            <a:fld id="{61B842BF-BB56-423F-A5D6-20EFB1037DF1}" type="slidenum">
               <a:rPr b="0" lang="de-DE" sz="1200" spc="-1" strike="noStrike">
                 <a:solidFill>
                   <a:srgbClr val="000000"/>
@@ -542,7 +542,7 @@
       </p:grpSpPr>
       <p:sp>
         <p:nvSpPr>
-          <p:cNvPr id="289" name="PlaceHolder 1"/>
+          <p:cNvPr id="292" name="PlaceHolder 1"/>
           <p:cNvSpPr>
             <a:spLocks noGrp="1"/>
           </p:cNvSpPr>
@@ -553,16 +553,16 @@
         <p:spPr>
           <a:xfrm>
             <a:off x="380880" y="685800"/>
-            <a:ext cx="6093360" cy="3426480"/>
-          </a:xfrm>
-          <a:prstGeom prst="rect">
-            <a:avLst/>
-          </a:prstGeom>
-        </p:spPr>
-      </p:sp>
-      <p:sp>
-        <p:nvSpPr>
-          <p:cNvPr id="290" name="PlaceHolder 2"/>
+            <a:ext cx="6093000" cy="3426120"/>
+          </a:xfrm>
+          <a:prstGeom prst="rect">
+            <a:avLst/>
+          </a:prstGeom>
+        </p:spPr>
+      </p:sp>
+      <p:sp>
+        <p:nvSpPr>
+          <p:cNvPr id="293" name="PlaceHolder 2"/>
           <p:cNvSpPr>
             <a:spLocks noGrp="1"/>
           </p:cNvSpPr>
@@ -573,7 +573,7 @@
         <p:spPr>
           <a:xfrm>
             <a:off x="685800" y="4343400"/>
-            <a:ext cx="5483880" cy="4112280"/>
+            <a:ext cx="5483520" cy="4111920"/>
           </a:xfrm>
           <a:prstGeom prst="rect">
             <a:avLst/>
@@ -592,14 +592,14 @@
       </p:sp>
       <p:sp>
         <p:nvSpPr>
-          <p:cNvPr id="291" name="CustomShape 3"/>
+          <p:cNvPr id="294" name="CustomShape 3"/>
           <p:cNvSpPr/>
           <p:nvPr/>
         </p:nvSpPr>
         <p:spPr>
           <a:xfrm>
             <a:off x="3884760" y="8685360"/>
-            <a:ext cx="2969280" cy="454680"/>
+            <a:ext cx="2968920" cy="454320"/>
           </a:xfrm>
           <a:prstGeom prst="rect">
             <a:avLst/>
@@ -628,7 +628,7 @@
                 <a:tab algn="l" pos="0"/>
               </a:tabLst>
             </a:pPr>
-            <a:fld id="{578F25BC-5BA9-4E71-A32F-15F89D95462B}" type="slidenum">
+            <a:fld id="{C89BD8D0-76F5-406A-AF3C-07FA2F06C817}" type="slidenum">
               <a:rPr b="0" lang="de-DE" sz="1400" spc="-1" strike="noStrike">
                 <a:solidFill>
                   <a:srgbClr val="000000"/>
@@ -667,7 +667,7 @@
       </p:grpSpPr>
       <p:sp>
         <p:nvSpPr>
-          <p:cNvPr id="292" name="PlaceHolder 1"/>
+          <p:cNvPr id="295" name="PlaceHolder 1"/>
           <p:cNvSpPr>
             <a:spLocks noGrp="1"/>
           </p:cNvSpPr>
@@ -678,16 +678,16 @@
         <p:spPr>
           <a:xfrm>
             <a:off x="380880" y="685800"/>
-            <a:ext cx="6093360" cy="3426480"/>
-          </a:xfrm>
-          <a:prstGeom prst="rect">
-            <a:avLst/>
-          </a:prstGeom>
-        </p:spPr>
-      </p:sp>
-      <p:sp>
-        <p:nvSpPr>
-          <p:cNvPr id="293" name="PlaceHolder 2"/>
+            <a:ext cx="6093000" cy="3426120"/>
+          </a:xfrm>
+          <a:prstGeom prst="rect">
+            <a:avLst/>
+          </a:prstGeom>
+        </p:spPr>
+      </p:sp>
+      <p:sp>
+        <p:nvSpPr>
+          <p:cNvPr id="296" name="PlaceHolder 2"/>
           <p:cNvSpPr>
             <a:spLocks noGrp="1"/>
           </p:cNvSpPr>
@@ -698,7 +698,7 @@
         <p:spPr>
           <a:xfrm>
             <a:off x="685800" y="4343400"/>
-            <a:ext cx="5483880" cy="4112280"/>
+            <a:ext cx="5483520" cy="4111920"/>
           </a:xfrm>
           <a:prstGeom prst="rect">
             <a:avLst/>
@@ -717,14 +717,14 @@
       </p:sp>
       <p:sp>
         <p:nvSpPr>
-          <p:cNvPr id="294" name="CustomShape 3"/>
+          <p:cNvPr id="297" name="CustomShape 3"/>
           <p:cNvSpPr/>
           <p:nvPr/>
         </p:nvSpPr>
         <p:spPr>
           <a:xfrm>
             <a:off x="3884760" y="8685360"/>
-            <a:ext cx="2969280" cy="454680"/>
+            <a:ext cx="2968920" cy="454320"/>
           </a:xfrm>
           <a:prstGeom prst="rect">
             <a:avLst/>
@@ -753,7 +753,7 @@
                 <a:tab algn="l" pos="0"/>
               </a:tabLst>
             </a:pPr>
-            <a:fld id="{C713712E-C838-4FD5-A5D5-BB0442D716B7}" type="slidenum">
+            <a:fld id="{7769425B-1090-4708-8E0F-A612F85799B7}" type="slidenum">
               <a:rPr b="0" lang="de-DE" sz="1400" spc="-1" strike="noStrike">
                 <a:solidFill>
                   <a:srgbClr val="000000"/>
@@ -7585,13 +7585,13 @@
         </p:nvPicPr>
         <p:blipFill>
           <a:blip r:embed="rId2"/>
-          <a:srcRect l="0" t="0" r="0" b="24682"/>
+          <a:srcRect l="0" t="0" r="0" b="24679"/>
           <a:stretch/>
         </p:blipFill>
         <p:spPr>
           <a:xfrm>
             <a:off x="0" y="0"/>
-            <a:ext cx="12189600" cy="6855480"/>
+            <a:ext cx="12189240" cy="6855120"/>
           </a:xfrm>
           <a:prstGeom prst="rect">
             <a:avLst/>
@@ -7610,9 +7610,9 @@
         <p:grpSpPr>
           <a:xfrm>
             <a:off x="0" y="2076480"/>
-            <a:ext cx="11520720" cy="4779000"/>
+            <a:ext cx="11520360" cy="4778640"/>
             <a:chOff x="0" y="2076480"/>
-            <a:chExt cx="11520720" cy="4779000"/>
+            <a:chExt cx="11520360" cy="4778640"/>
           </a:xfrm>
         </p:grpSpPr>
         <p:sp>
@@ -7624,7 +7624,7 @@
           <p:spPr>
             <a:xfrm>
               <a:off x="0" y="2076480"/>
-              <a:ext cx="10855800" cy="4779000"/>
+              <a:ext cx="10855440" cy="4778640"/>
             </a:xfrm>
             <a:prstGeom prst="rect">
               <a:avLst/>
@@ -7652,7 +7652,7 @@
           <p:spPr>
             <a:xfrm>
               <a:off x="10170720" y="2076480"/>
-              <a:ext cx="1347840" cy="1010160"/>
+              <a:ext cx="1347480" cy="1009800"/>
             </a:xfrm>
             <a:prstGeom prst="ellipse">
               <a:avLst/>
@@ -7680,7 +7680,7 @@
           <p:spPr>
             <a:xfrm>
               <a:off x="6527880" y="2571840"/>
-              <a:ext cx="4992840" cy="4283640"/>
+              <a:ext cx="4992480" cy="4283280"/>
             </a:xfrm>
             <a:prstGeom prst="rect">
               <a:avLst/>
@@ -7713,7 +7713,7 @@
         <p:spPr>
           <a:xfrm>
             <a:off x="191520" y="188640"/>
-            <a:ext cx="3705840" cy="1402560"/>
+            <a:ext cx="3705480" cy="1402200"/>
           </a:xfrm>
           <a:prstGeom prst="rect">
             <a:avLst/>
@@ -7992,9 +7992,9 @@
         <p:grpSpPr>
           <a:xfrm>
             <a:off x="0" y="857160"/>
-            <a:ext cx="11520720" cy="5998320"/>
+            <a:ext cx="11520360" cy="5997960"/>
             <a:chOff x="0" y="857160"/>
-            <a:chExt cx="11520720" cy="5998320"/>
+            <a:chExt cx="11520360" cy="5997960"/>
           </a:xfrm>
         </p:grpSpPr>
         <p:sp>
@@ -8006,7 +8006,7 @@
           <p:spPr>
             <a:xfrm>
               <a:off x="0" y="857160"/>
-              <a:ext cx="10856160" cy="5998320"/>
+              <a:ext cx="10855800" cy="5997960"/>
             </a:xfrm>
             <a:prstGeom prst="rect">
               <a:avLst/>
@@ -8034,7 +8034,7 @@
           <p:spPr>
             <a:xfrm>
               <a:off x="10171080" y="858240"/>
-              <a:ext cx="1346760" cy="1267200"/>
+              <a:ext cx="1346400" cy="1266840"/>
             </a:xfrm>
             <a:prstGeom prst="ellipse">
               <a:avLst/>
@@ -8062,7 +8062,7 @@
           <p:spPr>
             <a:xfrm>
               <a:off x="6527520" y="1478880"/>
-              <a:ext cx="4993200" cy="5376600"/>
+              <a:ext cx="4992840" cy="5376240"/>
             </a:xfrm>
             <a:prstGeom prst="rect">
               <a:avLst/>
@@ -8095,7 +8095,7 @@
         <p:spPr>
           <a:xfrm>
             <a:off x="119160" y="116640"/>
-            <a:ext cx="392760" cy="394200"/>
+            <a:ext cx="392400" cy="393840"/>
           </a:xfrm>
           <a:prstGeom prst="rect">
             <a:avLst/>
@@ -8552,9 +8552,9 @@
         <p:grpSpPr>
           <a:xfrm>
             <a:off x="0" y="857160"/>
-            <a:ext cx="11520720" cy="5998320"/>
+            <a:ext cx="11520360" cy="5997960"/>
             <a:chOff x="0" y="857160"/>
-            <a:chExt cx="11520720" cy="5998320"/>
+            <a:chExt cx="11520360" cy="5997960"/>
           </a:xfrm>
         </p:grpSpPr>
         <p:sp>
@@ -8566,7 +8566,7 @@
           <p:spPr>
             <a:xfrm>
               <a:off x="0" y="857160"/>
-              <a:ext cx="10856160" cy="5998320"/>
+              <a:ext cx="10855800" cy="5997960"/>
             </a:xfrm>
             <a:prstGeom prst="rect">
               <a:avLst/>
@@ -8594,7 +8594,7 @@
           <p:spPr>
             <a:xfrm>
               <a:off x="10171080" y="858240"/>
-              <a:ext cx="1346760" cy="1267200"/>
+              <a:ext cx="1346400" cy="1266840"/>
             </a:xfrm>
             <a:prstGeom prst="ellipse">
               <a:avLst/>
@@ -8622,7 +8622,7 @@
           <p:spPr>
             <a:xfrm>
               <a:off x="6527520" y="1478880"/>
-              <a:ext cx="4993200" cy="5376600"/>
+              <a:ext cx="4992840" cy="5376240"/>
             </a:xfrm>
             <a:prstGeom prst="rect">
               <a:avLst/>
@@ -8655,7 +8655,7 @@
         <p:spPr>
           <a:xfrm>
             <a:off x="119160" y="116640"/>
-            <a:ext cx="392760" cy="394200"/>
+            <a:ext cx="392400" cy="393840"/>
           </a:xfrm>
           <a:prstGeom prst="rect">
             <a:avLst/>
@@ -8934,9 +8934,9 @@
         <p:grpSpPr>
           <a:xfrm>
             <a:off x="0" y="857160"/>
-            <a:ext cx="11520720" cy="5998320"/>
+            <a:ext cx="11520360" cy="5997960"/>
             <a:chOff x="0" y="857160"/>
-            <a:chExt cx="11520720" cy="5998320"/>
+            <a:chExt cx="11520360" cy="5997960"/>
           </a:xfrm>
         </p:grpSpPr>
         <p:sp>
@@ -8948,7 +8948,7 @@
           <p:spPr>
             <a:xfrm>
               <a:off x="0" y="857160"/>
-              <a:ext cx="10856160" cy="5998320"/>
+              <a:ext cx="10855800" cy="5997960"/>
             </a:xfrm>
             <a:prstGeom prst="rect">
               <a:avLst/>
@@ -8976,7 +8976,7 @@
           <p:spPr>
             <a:xfrm>
               <a:off x="10171080" y="858240"/>
-              <a:ext cx="1346760" cy="1267200"/>
+              <a:ext cx="1346400" cy="1266840"/>
             </a:xfrm>
             <a:prstGeom prst="ellipse">
               <a:avLst/>
@@ -9004,7 +9004,7 @@
           <p:spPr>
             <a:xfrm>
               <a:off x="6527520" y="1478880"/>
-              <a:ext cx="4993200" cy="5376600"/>
+              <a:ext cx="4992840" cy="5376240"/>
             </a:xfrm>
             <a:prstGeom prst="rect">
               <a:avLst/>
@@ -9037,7 +9037,7 @@
         <p:spPr>
           <a:xfrm>
             <a:off x="119160" y="116640"/>
-            <a:ext cx="392760" cy="394200"/>
+            <a:ext cx="392400" cy="393840"/>
           </a:xfrm>
           <a:prstGeom prst="rect">
             <a:avLst/>
@@ -9494,9 +9494,9 @@
         <p:grpSpPr>
           <a:xfrm>
             <a:off x="0" y="857160"/>
-            <a:ext cx="11520720" cy="5998320"/>
+            <a:ext cx="11520360" cy="5997960"/>
             <a:chOff x="0" y="857160"/>
-            <a:chExt cx="11520720" cy="5998320"/>
+            <a:chExt cx="11520360" cy="5997960"/>
           </a:xfrm>
         </p:grpSpPr>
         <p:sp>
@@ -9508,7 +9508,7 @@
           <p:spPr>
             <a:xfrm>
               <a:off x="0" y="857160"/>
-              <a:ext cx="10856160" cy="5998320"/>
+              <a:ext cx="10855800" cy="5997960"/>
             </a:xfrm>
             <a:prstGeom prst="rect">
               <a:avLst/>
@@ -9536,7 +9536,7 @@
           <p:spPr>
             <a:xfrm>
               <a:off x="10171080" y="858240"/>
-              <a:ext cx="1346760" cy="1267200"/>
+              <a:ext cx="1346400" cy="1266840"/>
             </a:xfrm>
             <a:prstGeom prst="ellipse">
               <a:avLst/>
@@ -9564,7 +9564,7 @@
           <p:spPr>
             <a:xfrm>
               <a:off x="6527520" y="1478880"/>
-              <a:ext cx="4993200" cy="5376600"/>
+              <a:ext cx="4992840" cy="5376240"/>
             </a:xfrm>
             <a:prstGeom prst="rect">
               <a:avLst/>
@@ -9597,7 +9597,7 @@
         <p:spPr>
           <a:xfrm>
             <a:off x="119160" y="116640"/>
-            <a:ext cx="392760" cy="394200"/>
+            <a:ext cx="392400" cy="393840"/>
           </a:xfrm>
           <a:prstGeom prst="rect">
             <a:avLst/>
@@ -9869,7 +9869,7 @@
         <p:spPr>
           <a:xfrm>
             <a:off x="981360" y="3867840"/>
-            <a:ext cx="9518760" cy="926280"/>
+            <a:ext cx="9518400" cy="925920"/>
           </a:xfrm>
           <a:prstGeom prst="rect">
             <a:avLst/>
@@ -9924,7 +9924,7 @@
         <p:spPr>
           <a:xfrm>
             <a:off x="981360" y="4895640"/>
-            <a:ext cx="6208560" cy="395640"/>
+            <a:ext cx="6208200" cy="395640"/>
           </a:xfrm>
           <a:prstGeom prst="rect">
             <a:avLst/>
@@ -10001,14 +10001,14 @@
       </p:grpSpPr>
       <p:sp>
         <p:nvSpPr>
-          <p:cNvPr id="282" name="CustomShape 1"/>
+          <p:cNvPr id="285" name="CustomShape 1"/>
           <p:cNvSpPr/>
           <p:nvPr/>
         </p:nvSpPr>
         <p:spPr>
           <a:xfrm>
             <a:off x="1143000" y="1285920"/>
-            <a:ext cx="9903600" cy="1140480"/>
+            <a:ext cx="9903240" cy="1140120"/>
           </a:xfrm>
           <a:prstGeom prst="rect">
             <a:avLst/>
@@ -10052,14 +10052,14 @@
       </p:sp>
       <p:sp>
         <p:nvSpPr>
-          <p:cNvPr id="283" name="CustomShape 2"/>
+          <p:cNvPr id="286" name="CustomShape 2"/>
           <p:cNvSpPr/>
           <p:nvPr/>
         </p:nvSpPr>
         <p:spPr>
           <a:xfrm>
             <a:off x="1143000" y="2571840"/>
-            <a:ext cx="9903600" cy="3551760"/>
+            <a:ext cx="9903240" cy="3551400"/>
           </a:xfrm>
           <a:prstGeom prst="rect">
             <a:avLst/>
@@ -10078,7 +10078,7 @@
       </p:sp>
       <p:pic>
         <p:nvPicPr>
-          <p:cNvPr id="284" name="" descr=""/>
+          <p:cNvPr id="287" name="" descr=""/>
           <p:cNvPicPr/>
           <p:nvPr/>
         </p:nvPicPr>
@@ -10089,7 +10089,7 @@
         <p:spPr>
           <a:xfrm>
             <a:off x="360" y="2364120"/>
-            <a:ext cx="12189600" cy="3969720"/>
+            <a:ext cx="12189240" cy="3969360"/>
           </a:xfrm>
           <a:prstGeom prst="rect">
             <a:avLst/>
@@ -10131,14 +10131,14 @@
       </p:grpSpPr>
       <p:sp>
         <p:nvSpPr>
-          <p:cNvPr id="285" name="CustomShape 1"/>
+          <p:cNvPr id="288" name="CustomShape 1"/>
           <p:cNvSpPr/>
           <p:nvPr/>
         </p:nvSpPr>
         <p:spPr>
           <a:xfrm>
             <a:off x="981360" y="3867840"/>
-            <a:ext cx="9518760" cy="926280"/>
+            <a:ext cx="9518400" cy="925920"/>
           </a:xfrm>
           <a:prstGeom prst="rect">
             <a:avLst/>
@@ -10173,6 +10173,7 @@
                   <a:srgbClr val="ffffff"/>
                 </a:solidFill>
                 <a:latin typeface="Arial"/>
+                <a:ea typeface="DejaVu Sans"/>
               </a:rPr>
               <a:t>Questions?</a:t>
             </a:r>
@@ -10222,7 +10223,7 @@
         <p:spPr>
           <a:xfrm>
             <a:off x="989280" y="1052640"/>
-            <a:ext cx="9903600" cy="1140480"/>
+            <a:ext cx="9903240" cy="1140120"/>
           </a:xfrm>
           <a:prstGeom prst="rect">
             <a:avLst/>
@@ -10278,7 +10279,7 @@
         <p:spPr>
           <a:xfrm>
             <a:off x="989280" y="2195640"/>
-            <a:ext cx="9903600" cy="4120560"/>
+            <a:ext cx="9903240" cy="4120200"/>
           </a:xfrm>
           <a:prstGeom prst="rect">
             <a:avLst/>
@@ -10299,7 +10300,7 @@
             <a:noAutofit/>
           </a:bodyPr>
           <a:p>
-            <a:pPr marL="457200" indent="-365760">
+            <a:pPr marL="457200" indent="-365400">
               <a:lnSpc>
                 <a:spcPct val="100000"/>
               </a:lnSpc>
@@ -10405,7 +10406,7 @@
         <p:spPr>
           <a:xfrm>
             <a:off x="7090920" y="4620600"/>
-            <a:ext cx="1950120" cy="1950120"/>
+            <a:ext cx="1949760" cy="1949760"/>
           </a:xfrm>
           <a:prstGeom prst="rect">
             <a:avLst/>
@@ -10428,7 +10429,7 @@
         <p:spPr>
           <a:xfrm>
             <a:off x="4713840" y="4778640"/>
-            <a:ext cx="1634040" cy="1634040"/>
+            <a:ext cx="1633680" cy="1633680"/>
           </a:xfrm>
           <a:prstGeom prst="rect">
             <a:avLst/>
@@ -10451,7 +10452,7 @@
         <p:spPr>
           <a:xfrm>
             <a:off x="2584080" y="4896720"/>
-            <a:ext cx="1146600" cy="1397880"/>
+            <a:ext cx="1146240" cy="1397520"/>
           </a:xfrm>
           <a:prstGeom prst="rect">
             <a:avLst/>
@@ -10500,7 +10501,7 @@
         <p:spPr>
           <a:xfrm>
             <a:off x="1143000" y="1285920"/>
-            <a:ext cx="9903600" cy="1140480"/>
+            <a:ext cx="9903240" cy="1140120"/>
           </a:xfrm>
           <a:prstGeom prst="rect">
             <a:avLst/>
@@ -10559,7 +10560,7 @@
         <p:spPr>
           <a:xfrm>
             <a:off x="1584000" y="2127960"/>
-            <a:ext cx="2661480" cy="4493880"/>
+            <a:ext cx="2661120" cy="4493520"/>
           </a:xfrm>
           <a:prstGeom prst="rect">
             <a:avLst/>
@@ -10582,7 +10583,7 @@
         <p:spPr>
           <a:xfrm>
             <a:off x="5616000" y="2116800"/>
-            <a:ext cx="3238200" cy="4511880"/>
+            <a:ext cx="3237840" cy="4511520"/>
           </a:xfrm>
           <a:prstGeom prst="rect">
             <a:avLst/>
@@ -10601,7 +10602,7 @@
         <p:spPr>
           <a:xfrm>
             <a:off x="6192000" y="5328000"/>
-            <a:ext cx="1078200" cy="142200"/>
+            <a:ext cx="1077840" cy="141840"/>
           </a:xfrm>
           <a:prstGeom prst="rect">
             <a:avLst/>
@@ -10629,7 +10630,7 @@
         <p:spPr>
           <a:xfrm>
             <a:off x="5904000" y="4320000"/>
-            <a:ext cx="1222200" cy="286200"/>
+            <a:ext cx="1221840" cy="285840"/>
           </a:xfrm>
           <a:prstGeom prst="rect">
             <a:avLst/>
@@ -10657,7 +10658,7 @@
         <p:spPr>
           <a:xfrm>
             <a:off x="6120000" y="4824000"/>
-            <a:ext cx="1150200" cy="142200"/>
+            <a:ext cx="1149840" cy="141840"/>
           </a:xfrm>
           <a:prstGeom prst="rect">
             <a:avLst/>
@@ -10718,8 +10719,8 @@
         </p:blipFill>
         <p:spPr>
           <a:xfrm>
-            <a:off x="8208000" y="1678320"/>
-            <a:ext cx="3238200" cy="4511880"/>
+            <a:off x="7740000" y="1678320"/>
+            <a:ext cx="3237840" cy="4511520"/>
           </a:xfrm>
           <a:prstGeom prst="rect">
             <a:avLst/>
@@ -10737,8 +10738,8 @@
         </p:nvSpPr>
         <p:spPr>
           <a:xfrm>
-            <a:off x="8748000" y="3982320"/>
-            <a:ext cx="1150200" cy="142200"/>
+            <a:off x="8424000" y="3982320"/>
+            <a:ext cx="1149840" cy="141840"/>
           </a:xfrm>
           <a:prstGeom prst="rect">
             <a:avLst/>
@@ -10765,8 +10766,8 @@
         </p:nvSpPr>
         <p:spPr>
           <a:xfrm>
-            <a:off x="9036000" y="4630320"/>
-            <a:ext cx="1150200" cy="142200"/>
+            <a:off x="8712000" y="4630320"/>
+            <a:ext cx="1149840" cy="141840"/>
           </a:xfrm>
           <a:prstGeom prst="rect">
             <a:avLst/>
@@ -10793,8 +10794,8 @@
         </p:nvSpPr>
         <p:spPr>
           <a:xfrm>
-            <a:off x="8892000" y="5413320"/>
-            <a:ext cx="1150200" cy="142200"/>
+            <a:off x="8568000" y="5413320"/>
+            <a:ext cx="1149840" cy="141840"/>
           </a:xfrm>
           <a:prstGeom prst="rect">
             <a:avLst/>
@@ -10821,8 +10822,8 @@
         </p:nvSpPr>
         <p:spPr>
           <a:xfrm>
-            <a:off x="8505000" y="5557320"/>
-            <a:ext cx="1150200" cy="367200"/>
+            <a:off x="8181000" y="5557320"/>
+            <a:ext cx="1149840" cy="366840"/>
           </a:xfrm>
           <a:prstGeom prst="rect">
             <a:avLst/>
@@ -10849,8 +10850,8 @@
         </p:nvSpPr>
         <p:spPr>
           <a:xfrm>
-            <a:off x="8748000" y="2686320"/>
-            <a:ext cx="1150200" cy="142200"/>
+            <a:off x="8424000" y="2686320"/>
+            <a:ext cx="1149840" cy="141840"/>
           </a:xfrm>
           <a:prstGeom prst="rect">
             <a:avLst/>
@@ -10877,8 +10878,8 @@
         </p:nvSpPr>
         <p:spPr>
           <a:xfrm>
-            <a:off x="8532000" y="3118320"/>
-            <a:ext cx="1150200" cy="142200"/>
+            <a:off x="8208000" y="3118320"/>
+            <a:ext cx="1149840" cy="141840"/>
           </a:xfrm>
           <a:prstGeom prst="rect">
             <a:avLst/>
@@ -10905,8 +10906,8 @@
         </p:nvSpPr>
         <p:spPr>
           <a:xfrm>
-            <a:off x="8892000" y="5278320"/>
-            <a:ext cx="1150200" cy="142200"/>
+            <a:off x="8568000" y="5278320"/>
+            <a:ext cx="1149840" cy="141840"/>
           </a:xfrm>
           <a:prstGeom prst="rect">
             <a:avLst/>
@@ -10933,8 +10934,8 @@
         </p:nvSpPr>
         <p:spPr>
           <a:xfrm>
-            <a:off x="8532000" y="1822320"/>
-            <a:ext cx="1150200" cy="142200"/>
+            <a:off x="8208000" y="1822320"/>
+            <a:ext cx="1149840" cy="141840"/>
           </a:xfrm>
           <a:prstGeom prst="rect">
             <a:avLst/>
@@ -10962,7 +10963,7 @@
         <p:spPr>
           <a:xfrm>
             <a:off x="3519360" y="936000"/>
-            <a:ext cx="3534840" cy="600840"/>
+            <a:ext cx="4472640" cy="600480"/>
           </a:xfrm>
           <a:prstGeom prst="rect">
             <a:avLst/>
@@ -11017,7 +11018,7 @@
         <p:spPr>
           <a:xfrm>
             <a:off x="1848240" y="1717920"/>
-            <a:ext cx="741960" cy="741960"/>
+            <a:ext cx="741600" cy="741600"/>
           </a:xfrm>
           <a:prstGeom prst="rect">
             <a:avLst/>
@@ -11040,7 +11041,7 @@
         <p:spPr>
           <a:xfrm>
             <a:off x="1848240" y="5520240"/>
-            <a:ext cx="741960" cy="741960"/>
+            <a:ext cx="741600" cy="741600"/>
           </a:xfrm>
           <a:prstGeom prst="rect">
             <a:avLst/>
@@ -11063,7 +11064,7 @@
         <p:spPr>
           <a:xfrm>
             <a:off x="1728000" y="1717920"/>
-            <a:ext cx="741960" cy="741960"/>
+            <a:ext cx="741600" cy="741600"/>
           </a:xfrm>
           <a:prstGeom prst="rect">
             <a:avLst/>
@@ -11086,7 +11087,7 @@
         <p:spPr>
           <a:xfrm>
             <a:off x="1776240" y="4152240"/>
-            <a:ext cx="741960" cy="741960"/>
+            <a:ext cx="741600" cy="741600"/>
           </a:xfrm>
           <a:prstGeom prst="rect">
             <a:avLst/>
@@ -11105,7 +11106,7 @@
         <p:spPr>
           <a:xfrm>
             <a:off x="1728000" y="2533680"/>
-            <a:ext cx="636120" cy="344520"/>
+            <a:ext cx="635760" cy="344160"/>
           </a:xfrm>
           <a:prstGeom prst="rect">
             <a:avLst/>
@@ -11156,7 +11157,7 @@
         <p:spPr>
           <a:xfrm>
             <a:off x="1872000" y="4909680"/>
-            <a:ext cx="1356840" cy="344520"/>
+            <a:ext cx="1356480" cy="344160"/>
           </a:xfrm>
           <a:prstGeom prst="rect">
             <a:avLst/>
@@ -11207,7 +11208,7 @@
         <p:spPr>
           <a:xfrm>
             <a:off x="1906200" y="6349680"/>
-            <a:ext cx="2368800" cy="344520"/>
+            <a:ext cx="2368440" cy="344160"/>
           </a:xfrm>
           <a:prstGeom prst="rect">
             <a:avLst/>
@@ -11262,7 +11263,7 @@
         <p:spPr>
           <a:xfrm>
             <a:off x="1776240" y="3024000"/>
-            <a:ext cx="741960" cy="741960"/>
+            <a:ext cx="741600" cy="741600"/>
           </a:xfrm>
           <a:prstGeom prst="rect">
             <a:avLst/>
@@ -11281,7 +11282,7 @@
         <p:spPr>
           <a:xfrm>
             <a:off x="1881360" y="3805920"/>
-            <a:ext cx="1067400" cy="344520"/>
+            <a:ext cx="1067040" cy="344160"/>
           </a:xfrm>
           <a:prstGeom prst="rect">
             <a:avLst/>
@@ -11336,7 +11337,7 @@
         <p:spPr>
           <a:xfrm>
             <a:off x="3942720" y="3744000"/>
-            <a:ext cx="447480" cy="447480"/>
+            <a:ext cx="447120" cy="447120"/>
           </a:xfrm>
           <a:prstGeom prst="rect">
             <a:avLst/>
@@ -11355,7 +11356,7 @@
         <p:spPr>
           <a:xfrm>
             <a:off x="3456000" y="4320000"/>
-            <a:ext cx="1937520" cy="488160"/>
+            <a:ext cx="1937160" cy="487800"/>
           </a:xfrm>
           <a:prstGeom prst="rect">
             <a:avLst/>
@@ -11416,8 +11417,8 @@
         </p:nvSpPr>
         <p:spPr>
           <a:xfrm>
-            <a:off x="5796000" y="3744000"/>
-            <a:ext cx="1798200" cy="430200"/>
+            <a:off x="5544000" y="3744000"/>
+            <a:ext cx="1797840" cy="429840"/>
           </a:xfrm>
           <a:prstGeom prst="rect">
             <a:avLst/>
@@ -11588,7 +11589,7 @@
         <p:spPr>
           <a:xfrm>
             <a:off x="4878720" y="6048000"/>
-            <a:ext cx="735480" cy="735480"/>
+            <a:ext cx="735120" cy="735120"/>
           </a:xfrm>
           <a:prstGeom prst="rect">
             <a:avLst/>
@@ -11607,7 +11608,7 @@
         <p:spPr>
           <a:xfrm>
             <a:off x="1152000" y="1584000"/>
-            <a:ext cx="4102200" cy="5182200"/>
+            <a:ext cx="4101840" cy="5181840"/>
           </a:xfrm>
           <a:prstGeom prst="rect">
             <a:avLst/>
@@ -11635,7 +11636,7 @@
         <p:spPr>
           <a:xfrm>
             <a:off x="8925120" y="6408000"/>
-            <a:ext cx="2269800" cy="345600"/>
+            <a:ext cx="2269440" cy="345240"/>
           </a:xfrm>
           <a:prstGeom prst="rect">
             <a:avLst/>
@@ -11690,7 +11691,7 @@
         <p:spPr>
           <a:xfrm>
             <a:off x="8209080" y="6264000"/>
-            <a:ext cx="537840" cy="537840"/>
+            <a:ext cx="537480" cy="537480"/>
           </a:xfrm>
           <a:prstGeom prst="rect">
             <a:avLst/>
@@ -11713,7 +11714,7 @@
         <p:spPr>
           <a:xfrm>
             <a:off x="4752000" y="3744000"/>
-            <a:ext cx="476280" cy="491040"/>
+            <a:ext cx="475920" cy="490680"/>
           </a:xfrm>
           <a:prstGeom prst="rect">
             <a:avLst/>
@@ -11751,16 +11752,39 @@
           <a:fontRef idx="minor"/>
         </p:style>
       </p:sp>
-      <p:sp>
-        <p:nvSpPr>
-          <p:cNvPr id="269" name="Line 23"/>
+      <p:pic>
+        <p:nvPicPr>
+          <p:cNvPr id="269" name="" descr=""/>
+          <p:cNvPicPr/>
+          <p:nvPr/>
+        </p:nvPicPr>
+        <p:blipFill>
+          <a:blip r:embed="rId11"/>
+          <a:stretch/>
+        </p:blipFill>
+        <p:spPr>
+          <a:xfrm>
+            <a:off x="10584000" y="3713040"/>
+            <a:ext cx="684000" cy="678960"/>
+          </a:xfrm>
+          <a:prstGeom prst="rect">
+            <a:avLst/>
+          </a:prstGeom>
+          <a:ln>
+            <a:noFill/>
+          </a:ln>
+        </p:spPr>
+      </p:pic>
+      <p:sp>
+        <p:nvSpPr>
+          <p:cNvPr id="270" name="Line 23"/>
           <p:cNvSpPr/>
           <p:nvPr/>
         </p:nvSpPr>
         <p:spPr>
           <a:xfrm>
-            <a:off x="5229360" y="3996000"/>
-            <a:ext cx="602640" cy="0"/>
+            <a:off x="10080000" y="4032000"/>
+            <a:ext cx="504000" cy="0"/>
           </a:xfrm>
           <a:prstGeom prst="line">
             <a:avLst/>
@@ -11781,14 +11805,14 @@
       </p:sp>
       <p:sp>
         <p:nvSpPr>
-          <p:cNvPr id="270" name="Line 24"/>
+          <p:cNvPr id="271" name="Line 24"/>
           <p:cNvSpPr/>
           <p:nvPr/>
         </p:nvSpPr>
         <p:spPr>
           <a:xfrm>
-            <a:off x="7595280" y="3996000"/>
-            <a:ext cx="612720" cy="0"/>
+            <a:off x="7416000" y="3960000"/>
+            <a:ext cx="324000" cy="0"/>
           </a:xfrm>
           <a:prstGeom prst="line">
             <a:avLst/>
@@ -11806,6 +11830,336 @@
           <a:effectRef idx="0"/>
           <a:fontRef idx="minor"/>
         </p:style>
+      </p:sp>
+      <p:sp>
+        <p:nvSpPr>
+          <p:cNvPr id="272" name="Line 25"/>
+          <p:cNvSpPr/>
+          <p:nvPr/>
+        </p:nvSpPr>
+        <p:spPr>
+          <a:xfrm>
+            <a:off x="5328000" y="3960000"/>
+            <a:ext cx="216000" cy="0"/>
+          </a:xfrm>
+          <a:prstGeom prst="line">
+            <a:avLst/>
+          </a:prstGeom>
+          <a:ln>
+            <a:solidFill>
+              <a:srgbClr val="3465a4"/>
+            </a:solidFill>
+            <a:tailEnd len="med" type="triangle" w="med"/>
+          </a:ln>
+        </p:spPr>
+        <p:style>
+          <a:lnRef idx="0"/>
+          <a:fillRef idx="0"/>
+          <a:effectRef idx="0"/>
+          <a:fontRef idx="minor"/>
+        </p:style>
+      </p:sp>
+      <p:sp>
+        <p:nvSpPr>
+          <p:cNvPr id="273" name="TextShape 26"/>
+          <p:cNvSpPr txBox="1"/>
+          <p:nvPr/>
+        </p:nvSpPr>
+        <p:spPr>
+          <a:xfrm>
+            <a:off x="10008000" y="4389840"/>
+            <a:ext cx="1690920" cy="689760"/>
+          </a:xfrm>
+          <a:prstGeom prst="rect">
+            <a:avLst/>
+          </a:prstGeom>
+          <a:noFill/>
+          <a:ln>
+            <a:noFill/>
+          </a:ln>
+        </p:spPr>
+        <p:txBody>
+          <a:bodyPr lIns="90000" rIns="90000" tIns="45000" bIns="45000">
+            <a:noAutofit/>
+          </a:bodyPr>
+          <a:p>
+            <a:r>
+              <a:rPr b="0" lang="en-GB" sz="1400" spc="-1" strike="noStrike">
+                <a:latin typeface="Arial"/>
+              </a:rPr>
+              <a:t>O</a:t>
+            </a:r>
+            <a:r>
+              <a:rPr b="0" lang="en-GB" sz="1400" spc="-1" strike="noStrike">
+                <a:latin typeface="Arial"/>
+              </a:rPr>
+              <a:t>v</a:t>
+            </a:r>
+            <a:r>
+              <a:rPr b="0" lang="en-GB" sz="1400" spc="-1" strike="noStrike">
+                <a:latin typeface="Arial"/>
+              </a:rPr>
+              <a:t>e</a:t>
+            </a:r>
+            <a:r>
+              <a:rPr b="0" lang="en-GB" sz="1400" spc="-1" strike="noStrike">
+                <a:latin typeface="Arial"/>
+              </a:rPr>
+              <a:t>r</a:t>
+            </a:r>
+            <a:r>
+              <a:rPr b="0" lang="en-GB" sz="1400" spc="-1" strike="noStrike">
+                <a:latin typeface="Arial"/>
+              </a:rPr>
+              <a:t> </a:t>
+            </a:r>
+            <a:r>
+              <a:rPr b="0" lang="en-GB" sz="1400" spc="-1" strike="noStrike">
+                <a:latin typeface="Arial"/>
+              </a:rPr>
+              <a:t>6</a:t>
+            </a:r>
+            <a:r>
+              <a:rPr b="0" lang="en-GB" sz="1400" spc="-1" strike="noStrike">
+                <a:latin typeface="Arial"/>
+              </a:rPr>
+              <a:t>0</a:t>
+            </a:r>
+            <a:r>
+              <a:rPr b="0" lang="en-GB" sz="1400" spc="-1" strike="noStrike">
+                <a:latin typeface="Arial"/>
+              </a:rPr>
+              <a:t>.</a:t>
+            </a:r>
+            <a:r>
+              <a:rPr b="0" lang="en-GB" sz="1400" spc="-1" strike="noStrike">
+                <a:latin typeface="Arial"/>
+              </a:rPr>
+              <a:t>0</a:t>
+            </a:r>
+            <a:r>
+              <a:rPr b="0" lang="en-GB" sz="1400" spc="-1" strike="noStrike">
+                <a:latin typeface="Arial"/>
+              </a:rPr>
+              <a:t>0</a:t>
+            </a:r>
+            <a:r>
+              <a:rPr b="0" lang="en-GB" sz="1400" spc="-1" strike="noStrike">
+                <a:latin typeface="Arial"/>
+              </a:rPr>
+              <a:t>0</a:t>
+            </a:r>
+            <a:r>
+              <a:rPr b="0" lang="en-GB" sz="1400" spc="-1" strike="noStrike">
+                <a:latin typeface="Arial"/>
+              </a:rPr>
+              <a:t> </a:t>
+            </a:r>
+            <a:r>
+              <a:rPr b="0" lang="en-GB" sz="1400" spc="-1" strike="noStrike">
+                <a:latin typeface="Arial"/>
+              </a:rPr>
+              <a:t>t</a:t>
+            </a:r>
+            <a:r>
+              <a:rPr b="0" lang="en-GB" sz="1400" spc="-1" strike="noStrike">
+                <a:latin typeface="Arial"/>
+              </a:rPr>
+              <a:t>r</a:t>
+            </a:r>
+            <a:r>
+              <a:rPr b="0" lang="en-GB" sz="1400" spc="-1" strike="noStrike">
+                <a:latin typeface="Arial"/>
+              </a:rPr>
+              <a:t>i</a:t>
+            </a:r>
+            <a:r>
+              <a:rPr b="0" lang="en-GB" sz="1400" spc="-1" strike="noStrike">
+                <a:latin typeface="Arial"/>
+              </a:rPr>
+              <a:t>p</a:t>
+            </a:r>
+            <a:r>
+              <a:rPr b="0" lang="en-GB" sz="1400" spc="-1" strike="noStrike">
+                <a:latin typeface="Arial"/>
+              </a:rPr>
+              <a:t>l</a:t>
+            </a:r>
+            <a:r>
+              <a:rPr b="0" lang="en-GB" sz="1400" spc="-1" strike="noStrike">
+                <a:latin typeface="Arial"/>
+              </a:rPr>
+              <a:t>e</a:t>
+            </a:r>
+            <a:r>
+              <a:rPr b="0" lang="en-GB" sz="1400" spc="-1" strike="noStrike">
+                <a:latin typeface="Arial"/>
+              </a:rPr>
+              <a:t>s</a:t>
+            </a:r>
+            <a:br/>
+            <a:r>
+              <a:rPr b="0" lang="en-GB" sz="1400" spc="-1" strike="noStrike">
+                <a:latin typeface="Arial"/>
+              </a:rPr>
+              <a:t>i</a:t>
+            </a:r>
+            <a:r>
+              <a:rPr b="0" lang="en-GB" sz="1400" spc="-1" strike="noStrike">
+                <a:latin typeface="Arial"/>
+              </a:rPr>
+              <a:t>n</a:t>
+            </a:r>
+            <a:r>
+              <a:rPr b="0" lang="en-GB" sz="1400" spc="-1" strike="noStrike">
+                <a:latin typeface="Arial"/>
+              </a:rPr>
+              <a:t>c</a:t>
+            </a:r>
+            <a:r>
+              <a:rPr b="0" lang="en-GB" sz="1400" spc="-1" strike="noStrike">
+                <a:latin typeface="Arial"/>
+              </a:rPr>
+              <a:t>l</a:t>
+            </a:r>
+            <a:r>
+              <a:rPr b="0" lang="en-GB" sz="1400" spc="-1" strike="noStrike">
+                <a:latin typeface="Arial"/>
+              </a:rPr>
+              <a:t>u</a:t>
+            </a:r>
+            <a:r>
+              <a:rPr b="0" lang="en-GB" sz="1400" spc="-1" strike="noStrike">
+                <a:latin typeface="Arial"/>
+              </a:rPr>
+              <a:t>d</a:t>
+            </a:r>
+            <a:r>
+              <a:rPr b="0" lang="en-GB" sz="1400" spc="-1" strike="noStrike">
+                <a:latin typeface="Arial"/>
+              </a:rPr>
+              <a:t>i</a:t>
+            </a:r>
+            <a:r>
+              <a:rPr b="0" lang="en-GB" sz="1400" spc="-1" strike="noStrike">
+                <a:latin typeface="Arial"/>
+              </a:rPr>
+              <a:t>n</a:t>
+            </a:r>
+            <a:r>
+              <a:rPr b="0" lang="en-GB" sz="1400" spc="-1" strike="noStrike">
+                <a:latin typeface="Arial"/>
+              </a:rPr>
+              <a:t>g</a:t>
+            </a:r>
+            <a:r>
+              <a:rPr b="0" lang="en-GB" sz="1400" spc="-1" strike="noStrike">
+                <a:latin typeface="Arial"/>
+              </a:rPr>
+              <a:t> </a:t>
+            </a:r>
+            <a:br/>
+            <a:r>
+              <a:rPr b="0" lang="en-GB" sz="1400" spc="-1" strike="noStrike">
+                <a:latin typeface="Arial"/>
+              </a:rPr>
+              <a:t>i</a:t>
+            </a:r>
+            <a:r>
+              <a:rPr b="0" lang="en-GB" sz="1400" spc="-1" strike="noStrike">
+                <a:latin typeface="Arial"/>
+              </a:rPr>
+              <a:t>n</a:t>
+            </a:r>
+            <a:r>
+              <a:rPr b="0" lang="en-GB" sz="1400" spc="-1" strike="noStrike">
+                <a:latin typeface="Arial"/>
+              </a:rPr>
+              <a:t>f</a:t>
+            </a:r>
+            <a:r>
+              <a:rPr b="0" lang="en-GB" sz="1400" spc="-1" strike="noStrike">
+                <a:latin typeface="Arial"/>
+              </a:rPr>
+              <a:t>e</a:t>
+            </a:r>
+            <a:r>
+              <a:rPr b="0" lang="en-GB" sz="1400" spc="-1" strike="noStrike">
+                <a:latin typeface="Arial"/>
+              </a:rPr>
+              <a:t>r</a:t>
+            </a:r>
+            <a:r>
+              <a:rPr b="0" lang="en-GB" sz="1400" spc="-1" strike="noStrike">
+                <a:latin typeface="Arial"/>
+              </a:rPr>
+              <a:t>r</a:t>
+            </a:r>
+            <a:r>
+              <a:rPr b="0" lang="en-GB" sz="1400" spc="-1" strike="noStrike">
+                <a:latin typeface="Arial"/>
+              </a:rPr>
+              <a:t>e</a:t>
+            </a:r>
+            <a:r>
+              <a:rPr b="0" lang="en-GB" sz="1400" spc="-1" strike="noStrike">
+                <a:latin typeface="Arial"/>
+              </a:rPr>
+              <a:t>d</a:t>
+            </a:r>
+            <a:r>
+              <a:rPr b="0" lang="en-GB" sz="1400" spc="-1" strike="noStrike">
+                <a:latin typeface="Arial"/>
+              </a:rPr>
+              <a:t> </a:t>
+            </a:r>
+            <a:r>
+              <a:rPr b="0" lang="en-GB" sz="1400" spc="-1" strike="noStrike">
+                <a:latin typeface="Arial"/>
+              </a:rPr>
+              <a:t>t</a:t>
+            </a:r>
+            <a:r>
+              <a:rPr b="0" lang="en-GB" sz="1400" spc="-1" strike="noStrike">
+                <a:latin typeface="Arial"/>
+              </a:rPr>
+              <a:t>r</a:t>
+            </a:r>
+            <a:r>
+              <a:rPr b="0" lang="en-GB" sz="1400" spc="-1" strike="noStrike">
+                <a:latin typeface="Arial"/>
+              </a:rPr>
+              <a:t>i</a:t>
+            </a:r>
+            <a:r>
+              <a:rPr b="0" lang="en-GB" sz="1400" spc="-1" strike="noStrike">
+                <a:latin typeface="Arial"/>
+              </a:rPr>
+              <a:t>p</a:t>
+            </a:r>
+            <a:r>
+              <a:rPr b="0" lang="en-GB" sz="1400" spc="-1" strike="noStrike">
+                <a:latin typeface="Arial"/>
+              </a:rPr>
+              <a:t>l</a:t>
+            </a:r>
+            <a:r>
+              <a:rPr b="0" lang="en-GB" sz="1400" spc="-1" strike="noStrike">
+                <a:latin typeface="Arial"/>
+              </a:rPr>
+              <a:t>e</a:t>
+            </a:r>
+            <a:r>
+              <a:rPr b="0" lang="en-GB" sz="1400" spc="-1" strike="noStrike">
+                <a:latin typeface="Arial"/>
+              </a:rPr>
+              <a:t>s</a:t>
+            </a:r>
+            <a:endParaRPr b="0" lang="en-GB" sz="1400" spc="-1" strike="noStrike">
+              <a:latin typeface="Arial"/>
+            </a:endParaRPr>
+          </a:p>
+        </p:txBody>
       </p:sp>
     </p:spTree>
   </p:cSld>
@@ -11839,7 +12193,7 @@
       </p:grpSpPr>
       <p:pic>
         <p:nvPicPr>
-          <p:cNvPr id="271" name="" descr=""/>
+          <p:cNvPr id="274" name="" descr=""/>
           <p:cNvPicPr/>
           <p:nvPr/>
         </p:nvPicPr>
@@ -11850,7 +12204,7 @@
         <p:spPr>
           <a:xfrm>
             <a:off x="2088000" y="959400"/>
-            <a:ext cx="8782560" cy="5897160"/>
+            <a:ext cx="8782200" cy="5896800"/>
           </a:xfrm>
           <a:prstGeom prst="rect">
             <a:avLst/>
@@ -11862,14 +12216,14 @@
       </p:pic>
       <p:sp>
         <p:nvSpPr>
-          <p:cNvPr id="272" name="CustomShape 1"/>
+          <p:cNvPr id="275" name="CustomShape 1"/>
           <p:cNvSpPr/>
           <p:nvPr/>
         </p:nvSpPr>
         <p:spPr>
           <a:xfrm>
             <a:off x="1143000" y="1285920"/>
-            <a:ext cx="9903600" cy="1140480"/>
+            <a:ext cx="9903240" cy="1140120"/>
           </a:xfrm>
           <a:prstGeom prst="rect">
             <a:avLst/>
@@ -11947,14 +12301,14 @@
       </p:grpSpPr>
       <p:sp>
         <p:nvSpPr>
-          <p:cNvPr id="273" name="CustomShape 1"/>
+          <p:cNvPr id="276" name="CustomShape 1"/>
           <p:cNvSpPr/>
           <p:nvPr/>
         </p:nvSpPr>
         <p:spPr>
           <a:xfrm>
             <a:off x="1143000" y="1285920"/>
-            <a:ext cx="9903600" cy="1140480"/>
+            <a:ext cx="9903240" cy="1140120"/>
           </a:xfrm>
           <a:prstGeom prst="rect">
             <a:avLst/>
@@ -11998,14 +12352,14 @@
       </p:sp>
       <p:sp>
         <p:nvSpPr>
-          <p:cNvPr id="274" name="CustomShape 2"/>
+          <p:cNvPr id="277" name="CustomShape 2"/>
           <p:cNvSpPr/>
           <p:nvPr/>
         </p:nvSpPr>
         <p:spPr>
           <a:xfrm>
             <a:off x="738720" y="2179800"/>
-            <a:ext cx="10307520" cy="3943800"/>
+            <a:ext cx="10307160" cy="3943440"/>
           </a:xfrm>
           <a:prstGeom prst="rect">
             <a:avLst/>
@@ -12026,7 +12380,7 @@
             <a:noAutofit/>
           </a:bodyPr>
           <a:p>
-            <a:pPr marL="571680" indent="-340560">
+            <a:pPr marL="571680" indent="-340200">
               <a:lnSpc>
                 <a:spcPct val="100000"/>
               </a:lnSpc>
@@ -12054,7 +12408,7 @@
             </a:endParaRPr>
           </a:p>
           <a:p>
-            <a:pPr lvl="1" marL="1028880" indent="-340560">
+            <a:pPr lvl="1" marL="1028880" indent="-340200">
               <a:lnSpc>
                 <a:spcPct val="100000"/>
               </a:lnSpc>
@@ -12102,7 +12456,7 @@
             </a:endParaRPr>
           </a:p>
           <a:p>
-            <a:pPr lvl="1" marL="1028880" indent="-340560">
+            <a:pPr lvl="1" marL="1028880" indent="-340200">
               <a:lnSpc>
                 <a:spcPct val="100000"/>
               </a:lnSpc>
@@ -12150,7 +12504,7 @@
             </a:endParaRPr>
           </a:p>
           <a:p>
-            <a:pPr marL="571680" indent="-340560">
+            <a:pPr marL="571680" indent="-340200">
               <a:lnSpc>
                 <a:spcPct val="100000"/>
               </a:lnSpc>
@@ -12178,7 +12532,7 @@
             </a:endParaRPr>
           </a:p>
           <a:p>
-            <a:pPr lvl="1" marL="1028880" indent="-340560">
+            <a:pPr lvl="1" marL="1028880" indent="-340200">
               <a:lnSpc>
                 <a:spcPct val="100000"/>
               </a:lnSpc>
@@ -12206,7 +12560,7 @@
             </a:endParaRPr>
           </a:p>
           <a:p>
-            <a:pPr marL="571680" indent="-340560">
+            <a:pPr marL="571680" indent="-340200">
               <a:lnSpc>
                 <a:spcPct val="100000"/>
               </a:lnSpc>
@@ -12234,7 +12588,7 @@
             </a:endParaRPr>
           </a:p>
           <a:p>
-            <a:pPr lvl="1" marL="1028880" indent="-340560">
+            <a:pPr lvl="1" marL="1028880" indent="-340200">
               <a:lnSpc>
                 <a:spcPct val="100000"/>
               </a:lnSpc>
@@ -12262,7 +12616,7 @@
             </a:endParaRPr>
           </a:p>
           <a:p>
-            <a:pPr lvl="1" marL="1028880" indent="-340560">
+            <a:pPr lvl="1" marL="1028880" indent="-340200">
               <a:lnSpc>
                 <a:spcPct val="100000"/>
               </a:lnSpc>
@@ -12339,14 +12693,14 @@
       </p:grpSpPr>
       <p:sp>
         <p:nvSpPr>
-          <p:cNvPr id="275" name="CustomShape 1"/>
+          <p:cNvPr id="278" name="CustomShape 1"/>
           <p:cNvSpPr/>
           <p:nvPr/>
         </p:nvSpPr>
         <p:spPr>
           <a:xfrm>
             <a:off x="1143000" y="1285920"/>
-            <a:ext cx="9903600" cy="1140480"/>
+            <a:ext cx="9903240" cy="1140120"/>
           </a:xfrm>
           <a:prstGeom prst="rect">
             <a:avLst/>
@@ -12390,14 +12744,14 @@
       </p:sp>
       <p:sp>
         <p:nvSpPr>
-          <p:cNvPr id="276" name="CustomShape 2"/>
+          <p:cNvPr id="279" name="CustomShape 2"/>
           <p:cNvSpPr/>
           <p:nvPr/>
         </p:nvSpPr>
         <p:spPr>
           <a:xfrm>
             <a:off x="1143000" y="2571840"/>
-            <a:ext cx="9903600" cy="3551760"/>
+            <a:ext cx="9903240" cy="3551400"/>
           </a:xfrm>
           <a:prstGeom prst="rect">
             <a:avLst/>
@@ -12418,7 +12772,7 @@
             <a:noAutofit/>
           </a:bodyPr>
           <a:p>
-            <a:pPr marL="571680" indent="-340560">
+            <a:pPr marL="571680" indent="-340200">
               <a:lnSpc>
                 <a:spcPct val="100000"/>
               </a:lnSpc>
@@ -12446,7 +12800,7 @@
             </a:endParaRPr>
           </a:p>
           <a:p>
-            <a:pPr lvl="1" marL="1028880" indent="-340560">
+            <a:pPr lvl="1" marL="1028880" indent="-340200">
               <a:lnSpc>
                 <a:spcPct val="100000"/>
               </a:lnSpc>
@@ -12474,7 +12828,7 @@
             </a:endParaRPr>
           </a:p>
           <a:p>
-            <a:pPr lvl="1" marL="1028880" indent="-340560">
+            <a:pPr lvl="1" marL="1028880" indent="-340200">
               <a:lnSpc>
                 <a:spcPct val="100000"/>
               </a:lnSpc>
@@ -12502,7 +12856,7 @@
             </a:endParaRPr>
           </a:p>
           <a:p>
-            <a:pPr marL="571680" indent="-340560">
+            <a:pPr marL="571680" indent="-340200">
               <a:lnSpc>
                 <a:spcPct val="100000"/>
               </a:lnSpc>
@@ -12530,7 +12884,7 @@
             </a:endParaRPr>
           </a:p>
           <a:p>
-            <a:pPr lvl="1" marL="1028880" indent="-340560">
+            <a:pPr lvl="1" marL="1028880" indent="-340200">
               <a:lnSpc>
                 <a:spcPct val="100000"/>
               </a:lnSpc>
@@ -12558,7 +12912,7 @@
             </a:endParaRPr>
           </a:p>
           <a:p>
-            <a:pPr lvl="1" marL="1028880" indent="-340560">
+            <a:pPr lvl="1" marL="1028880" indent="-340200">
               <a:lnSpc>
                 <a:spcPct val="100000"/>
               </a:lnSpc>
@@ -12586,7 +12940,7 @@
             </a:endParaRPr>
           </a:p>
           <a:p>
-            <a:pPr lvl="1" marL="1028880" indent="-340560">
+            <a:pPr lvl="1" marL="1028880" indent="-340200">
               <a:lnSpc>
                 <a:spcPct val="100000"/>
               </a:lnSpc>
@@ -12614,7 +12968,7 @@
             </a:endParaRPr>
           </a:p>
           <a:p>
-            <a:pPr lvl="1" marL="1028880" indent="-340560">
+            <a:pPr lvl="1" marL="1028880" indent="-340200">
               <a:lnSpc>
                 <a:spcPct val="100000"/>
               </a:lnSpc>
@@ -12642,7 +12996,7 @@
             </a:endParaRPr>
           </a:p>
           <a:p>
-            <a:pPr marL="457200" indent="-226080">
+            <a:pPr marL="457200" indent="-225720">
               <a:lnSpc>
                 <a:spcPct val="100000"/>
               </a:lnSpc>
@@ -12691,14 +13045,14 @@
       </p:grpSpPr>
       <p:sp>
         <p:nvSpPr>
-          <p:cNvPr id="277" name="CustomShape 1"/>
+          <p:cNvPr id="280" name="CustomShape 1"/>
           <p:cNvSpPr/>
           <p:nvPr/>
         </p:nvSpPr>
         <p:spPr>
           <a:xfrm>
             <a:off x="1143000" y="1285920"/>
-            <a:ext cx="9903600" cy="679320"/>
+            <a:ext cx="9903240" cy="678960"/>
           </a:xfrm>
           <a:prstGeom prst="rect">
             <a:avLst/>
@@ -12742,7 +13096,7 @@
       </p:sp>
       <p:pic>
         <p:nvPicPr>
-          <p:cNvPr id="278" name="Picture 6" descr=""/>
+          <p:cNvPr id="281" name="Picture 6" descr=""/>
           <p:cNvPicPr/>
           <p:nvPr/>
         </p:nvPicPr>
@@ -12753,7 +13107,7 @@
         <p:spPr>
           <a:xfrm>
             <a:off x="502200" y="2112120"/>
-            <a:ext cx="5105880" cy="4533840"/>
+            <a:ext cx="5105520" cy="4533480"/>
           </a:xfrm>
           <a:prstGeom prst="rect">
             <a:avLst/>
@@ -12765,7 +13119,7 @@
       </p:pic>
       <p:pic>
         <p:nvPicPr>
-          <p:cNvPr id="279" name="Picture 8" descr=""/>
+          <p:cNvPr id="282" name="Picture 8" descr=""/>
           <p:cNvPicPr/>
           <p:nvPr/>
         </p:nvPicPr>
@@ -12776,7 +13130,7 @@
         <p:spPr>
           <a:xfrm>
             <a:off x="5981400" y="1973880"/>
-            <a:ext cx="5105880" cy="4742640"/>
+            <a:ext cx="5105520" cy="4742280"/>
           </a:xfrm>
           <a:prstGeom prst="rect">
             <a:avLst/>
@@ -12818,14 +13172,14 @@
       </p:grpSpPr>
       <p:sp>
         <p:nvSpPr>
-          <p:cNvPr id="280" name="CustomShape 1"/>
+          <p:cNvPr id="283" name="CustomShape 1"/>
           <p:cNvSpPr/>
           <p:nvPr/>
         </p:nvSpPr>
         <p:spPr>
           <a:xfrm>
             <a:off x="1143000" y="1285920"/>
-            <a:ext cx="9903600" cy="1140480"/>
+            <a:ext cx="9903240" cy="1140120"/>
           </a:xfrm>
           <a:prstGeom prst="rect">
             <a:avLst/>
@@ -12869,14 +13223,14 @@
       </p:sp>
       <p:sp>
         <p:nvSpPr>
-          <p:cNvPr id="281" name="CustomShape 2"/>
+          <p:cNvPr id="284" name="CustomShape 2"/>
           <p:cNvSpPr/>
           <p:nvPr/>
         </p:nvSpPr>
         <p:spPr>
           <a:xfrm>
             <a:off x="1143000" y="2571840"/>
-            <a:ext cx="9903600" cy="3551760"/>
+            <a:ext cx="9903240" cy="3551400"/>
           </a:xfrm>
           <a:prstGeom prst="rect">
             <a:avLst/>
@@ -12897,7 +13251,7 @@
             <a:noAutofit/>
           </a:bodyPr>
           <a:p>
-            <a:pPr marL="457200" indent="-226080">
+            <a:pPr marL="457200" indent="-225720">
               <a:lnSpc>
                 <a:spcPct val="100000"/>
               </a:lnSpc>
@@ -12923,7 +13277,7 @@
             </a:endParaRPr>
           </a:p>
           <a:p>
-            <a:pPr marL="457200" indent="-226080">
+            <a:pPr marL="457200" indent="-225720">
               <a:lnSpc>
                 <a:spcPct val="100000"/>
               </a:lnSpc>
@@ -12959,7 +13313,7 @@
             </a:endParaRPr>
           </a:p>
           <a:p>
-            <a:pPr marL="457200" indent="-226080">
+            <a:pPr marL="457200" indent="-225720">
               <a:lnSpc>
                 <a:spcPct val="100000"/>
               </a:lnSpc>
@@ -12995,7 +13349,7 @@
             </a:endParaRPr>
           </a:p>
           <a:p>
-            <a:pPr marL="457200" indent="-226080">
+            <a:pPr marL="457200" indent="-225720">
               <a:lnSpc>
                 <a:spcPct val="100000"/>
               </a:lnSpc>
@@ -13021,7 +13375,7 @@
             </a:endParaRPr>
           </a:p>
           <a:p>
-            <a:pPr marL="457200" indent="-226080">
+            <a:pPr marL="457200" indent="-225720">
               <a:lnSpc>
                 <a:spcPct val="100000"/>
               </a:lnSpc>
@@ -13057,7 +13411,7 @@
             </a:endParaRPr>
           </a:p>
           <a:p>
-            <a:pPr marL="457200" indent="-226080">
+            <a:pPr marL="457200" indent="-225720">
               <a:lnSpc>
                 <a:spcPct val="100000"/>
               </a:lnSpc>
@@ -13093,7 +13447,7 @@
             </a:endParaRPr>
           </a:p>
           <a:p>
-            <a:pPr marL="457200" indent="-226080">
+            <a:pPr marL="457200" indent="-225720">
               <a:lnSpc>
                 <a:spcPct val="100000"/>
               </a:lnSpc>
@@ -13119,7 +13473,7 @@
             </a:endParaRPr>
           </a:p>
           <a:p>
-            <a:pPr marL="457200" indent="-226080">
+            <a:pPr marL="457200" indent="-225720">
               <a:lnSpc>
                 <a:spcPct val="100000"/>
               </a:lnSpc>
@@ -13155,7 +13509,7 @@
             </a:endParaRPr>
           </a:p>
           <a:p>
-            <a:pPr marL="457200" indent="-226080">
+            <a:pPr marL="457200" indent="-225720">
               <a:lnSpc>
                 <a:spcPct val="100000"/>
               </a:lnSpc>
@@ -13171,7 +13525,7 @@
             </a:endParaRPr>
           </a:p>
           <a:p>
-            <a:pPr marL="457200" indent="-226080">
+            <a:pPr marL="457200" indent="-225720">
               <a:lnSpc>
                 <a:spcPct val="100000"/>
               </a:lnSpc>

--- a/Presentations/SAIKS Assignment final.pptx
+++ b/Presentations/SAIKS Assignment final.pptx
@@ -72,12 +72,12 @@
           <a:p>
             <a:pPr algn="ctr"/>
             <a:r>
-              <a:rPr b="0" lang="en-GB" sz="4400" spc="-1" strike="noStrike">
+              <a:rPr b="0" lang="en-US" sz="4400" spc="-1" strike="noStrike">
                 <a:latin typeface="Arial"/>
               </a:rPr>
               <a:t>Click to move the slide</a:t>
             </a:r>
-            <a:endParaRPr b="0" lang="en-GB" sz="4400" spc="-1" strike="noStrike">
+            <a:endParaRPr b="0" lang="en-US" sz="4400" spc="-1" strike="noStrike">
               <a:latin typeface="Arial"/>
             </a:endParaRPr>
           </a:p>
@@ -108,12 +108,12 @@
           </a:bodyPr>
           <a:p>
             <a:r>
-              <a:rPr b="0" lang="en-GB" sz="2000" spc="-1" strike="noStrike">
+              <a:rPr b="0" lang="en-US" sz="2000" spc="-1" strike="noStrike">
                 <a:latin typeface="Arial"/>
               </a:rPr>
-              <a:t>Click to edit the notes' format</a:t>
+              <a:t>Click to edit the notes format</a:t>
             </a:r>
-            <a:endParaRPr b="0" lang="en-GB" sz="2000" spc="-1" strike="noStrike">
+            <a:endParaRPr b="0" lang="en-US" sz="2000" spc="-1" strike="noStrike">
               <a:latin typeface="Arial"/>
             </a:endParaRPr>
           </a:p>
@@ -144,12 +144,12 @@
           </a:bodyPr>
           <a:p>
             <a:r>
-              <a:rPr b="0" lang="en-GB" sz="1400" spc="-1" strike="noStrike">
+              <a:rPr b="0" lang="en-US" sz="1400" spc="-1" strike="noStrike">
                 <a:latin typeface="Times New Roman"/>
               </a:rPr>
               <a:t>&lt;header&gt;</a:t>
             </a:r>
-            <a:endParaRPr b="0" lang="en-GB" sz="1400" spc="-1" strike="noStrike">
+            <a:endParaRPr b="0" lang="en-US" sz="1400" spc="-1" strike="noStrike">
               <a:latin typeface="Times New Roman"/>
             </a:endParaRPr>
           </a:p>
@@ -181,12 +181,12 @@
           <a:p>
             <a:pPr algn="r"/>
             <a:r>
-              <a:rPr b="0" lang="en-GB" sz="1400" spc="-1" strike="noStrike">
+              <a:rPr b="0" lang="en-US" sz="1400" spc="-1" strike="noStrike">
                 <a:latin typeface="Times New Roman"/>
               </a:rPr>
               <a:t>&lt;date/time&gt;</a:t>
             </a:r>
-            <a:endParaRPr b="0" lang="en-GB" sz="1400" spc="-1" strike="noStrike">
+            <a:endParaRPr b="0" lang="en-US" sz="1400" spc="-1" strike="noStrike">
               <a:latin typeface="Times New Roman"/>
             </a:endParaRPr>
           </a:p>
@@ -217,12 +217,12 @@
           </a:bodyPr>
           <a:p>
             <a:r>
-              <a:rPr b="0" lang="en-GB" sz="1400" spc="-1" strike="noStrike">
+              <a:rPr b="0" lang="en-US" sz="1400" spc="-1" strike="noStrike">
                 <a:latin typeface="Times New Roman"/>
               </a:rPr>
               <a:t>&lt;footer&gt;</a:t>
             </a:r>
-            <a:endParaRPr b="0" lang="en-GB" sz="1400" spc="-1" strike="noStrike">
+            <a:endParaRPr b="0" lang="en-US" sz="1400" spc="-1" strike="noStrike">
               <a:latin typeface="Times New Roman"/>
             </a:endParaRPr>
           </a:p>
@@ -253,13 +253,13 @@
           </a:bodyPr>
           <a:p>
             <a:pPr algn="r"/>
-            <a:fld id="{A2A3AEF8-2255-4CF2-9CFE-A9EF934FE6EE}" type="slidenum">
-              <a:rPr b="0" lang="en-GB" sz="1400" spc="-1" strike="noStrike">
+            <a:fld id="{D7C30A90-7141-41DF-92DE-7B91EDAC5270}" type="slidenum">
+              <a:rPr b="0" lang="en-US" sz="1400" spc="-1" strike="noStrike">
                 <a:latin typeface="Times New Roman"/>
               </a:rPr>
               <a:t>&lt;number&gt;</a:t>
             </a:fld>
-            <a:endParaRPr b="0" lang="en-GB" sz="1400" spc="-1" strike="noStrike">
+            <a:endParaRPr b="0" lang="en-US" sz="1400" spc="-1" strike="noStrike">
               <a:latin typeface="Times New Roman"/>
             </a:endParaRPr>
           </a:p>
@@ -301,7 +301,7 @@
         <p:spPr>
           <a:xfrm>
             <a:off x="380880" y="685800"/>
-            <a:ext cx="6093000" cy="3426120"/>
+            <a:ext cx="6092640" cy="3425760"/>
           </a:xfrm>
           <a:prstGeom prst="rect">
             <a:avLst/>
@@ -321,7 +321,7 @@
         <p:spPr>
           <a:xfrm>
             <a:off x="685800" y="4343400"/>
-            <a:ext cx="5483520" cy="4111920"/>
+            <a:ext cx="5483160" cy="4111560"/>
           </a:xfrm>
           <a:prstGeom prst="rect">
             <a:avLst/>
@@ -332,7 +332,7 @@
             <a:normAutofit/>
           </a:bodyPr>
           <a:p>
-            <a:endParaRPr b="0" lang="en-GB" sz="2000" spc="-1" strike="noStrike">
+            <a:endParaRPr b="0" lang="en-US" sz="2000" spc="-1" strike="noStrike">
               <a:latin typeface="Arial"/>
             </a:endParaRPr>
           </a:p>
@@ -347,7 +347,7 @@
         <p:spPr>
           <a:xfrm>
             <a:off x="3884760" y="8685360"/>
-            <a:ext cx="2968920" cy="454320"/>
+            <a:ext cx="2968560" cy="453960"/>
           </a:xfrm>
           <a:prstGeom prst="rect">
             <a:avLst/>
@@ -376,7 +376,7 @@
                 <a:tab algn="l" pos="0"/>
               </a:tabLst>
             </a:pPr>
-            <a:fld id="{03DADB24-0B67-4D3A-B3A9-ABDAC459098C}" type="slidenum">
+            <a:fld id="{9BC0F5EC-9F59-42A5-A259-31EA2A276AF5}" type="slidenum">
               <a:rPr b="0" lang="de-DE" sz="1200" spc="-1" strike="noStrike">
                 <a:solidFill>
                   <a:srgbClr val="000000"/>
@@ -386,7 +386,7 @@
               </a:rPr>
               <a:t>1</a:t>
             </a:fld>
-            <a:endParaRPr b="0" lang="en-GB" sz="1200" spc="-1" strike="noStrike">
+            <a:endParaRPr b="0" lang="en-US" sz="1200" spc="-1" strike="noStrike">
               <a:latin typeface="Arial"/>
             </a:endParaRPr>
           </a:p>
@@ -427,7 +427,7 @@
         <p:spPr>
           <a:xfrm>
             <a:off x="380880" y="685800"/>
-            <a:ext cx="6093000" cy="3426120"/>
+            <a:ext cx="6092640" cy="3425760"/>
           </a:xfrm>
           <a:prstGeom prst="rect">
             <a:avLst/>
@@ -447,7 +447,7 @@
         <p:spPr>
           <a:xfrm>
             <a:off x="685800" y="4343400"/>
-            <a:ext cx="5483520" cy="4111920"/>
+            <a:ext cx="5483160" cy="4111560"/>
           </a:xfrm>
           <a:prstGeom prst="rect">
             <a:avLst/>
@@ -458,7 +458,7 @@
             <a:normAutofit/>
           </a:bodyPr>
           <a:p>
-            <a:endParaRPr b="0" lang="en-GB" sz="2000" spc="-1" strike="noStrike">
+            <a:endParaRPr b="0" lang="en-US" sz="2000" spc="-1" strike="noStrike">
               <a:latin typeface="Arial"/>
             </a:endParaRPr>
           </a:p>
@@ -473,7 +473,7 @@
         <p:spPr>
           <a:xfrm>
             <a:off x="3884760" y="8685360"/>
-            <a:ext cx="2968920" cy="454320"/>
+            <a:ext cx="2968560" cy="453960"/>
           </a:xfrm>
           <a:prstGeom prst="rect">
             <a:avLst/>
@@ -502,7 +502,7 @@
                 <a:tab algn="l" pos="0"/>
               </a:tabLst>
             </a:pPr>
-            <a:fld id="{61B842BF-BB56-423F-A5D6-20EFB1037DF1}" type="slidenum">
+            <a:fld id="{9E9878AA-E75E-48D1-A809-4FDFDF3E7F14}" type="slidenum">
               <a:rPr b="0" lang="de-DE" sz="1200" spc="-1" strike="noStrike">
                 <a:solidFill>
                   <a:srgbClr val="000000"/>
@@ -512,7 +512,7 @@
               </a:rPr>
               <a:t>11</a:t>
             </a:fld>
-            <a:endParaRPr b="0" lang="en-GB" sz="1200" spc="-1" strike="noStrike">
+            <a:endParaRPr b="0" lang="en-US" sz="1200" spc="-1" strike="noStrike">
               <a:latin typeface="Arial"/>
             </a:endParaRPr>
           </a:p>
@@ -553,7 +553,7 @@
         <p:spPr>
           <a:xfrm>
             <a:off x="380880" y="685800"/>
-            <a:ext cx="6093000" cy="3426120"/>
+            <a:ext cx="6092640" cy="3425760"/>
           </a:xfrm>
           <a:prstGeom prst="rect">
             <a:avLst/>
@@ -573,7 +573,7 @@
         <p:spPr>
           <a:xfrm>
             <a:off x="685800" y="4343400"/>
-            <a:ext cx="5483520" cy="4111920"/>
+            <a:ext cx="5483160" cy="4111560"/>
           </a:xfrm>
           <a:prstGeom prst="rect">
             <a:avLst/>
@@ -584,7 +584,7 @@
             <a:noAutofit/>
           </a:bodyPr>
           <a:p>
-            <a:endParaRPr b="0" lang="en-GB" sz="2000" spc="-1" strike="noStrike">
+            <a:endParaRPr b="0" lang="en-US" sz="2000" spc="-1" strike="noStrike">
               <a:latin typeface="Arial"/>
             </a:endParaRPr>
           </a:p>
@@ -599,7 +599,7 @@
         <p:spPr>
           <a:xfrm>
             <a:off x="3884760" y="8685360"/>
-            <a:ext cx="2968920" cy="454320"/>
+            <a:ext cx="2968560" cy="453960"/>
           </a:xfrm>
           <a:prstGeom prst="rect">
             <a:avLst/>
@@ -628,7 +628,7 @@
                 <a:tab algn="l" pos="0"/>
               </a:tabLst>
             </a:pPr>
-            <a:fld id="{C89BD8D0-76F5-406A-AF3C-07FA2F06C817}" type="slidenum">
+            <a:fld id="{3E63604B-90E0-4123-A92E-BF4CC854C406}" type="slidenum">
               <a:rPr b="0" lang="de-DE" sz="1400" spc="-1" strike="noStrike">
                 <a:solidFill>
                   <a:srgbClr val="000000"/>
@@ -637,7 +637,7 @@
               </a:rPr>
               <a:t>&lt;number&gt;</a:t>
             </a:fld>
-            <a:endParaRPr b="0" lang="en-GB" sz="1400" spc="-1" strike="noStrike">
+            <a:endParaRPr b="0" lang="en-US" sz="1400" spc="-1" strike="noStrike">
               <a:latin typeface="Arial"/>
             </a:endParaRPr>
           </a:p>
@@ -678,7 +678,7 @@
         <p:spPr>
           <a:xfrm>
             <a:off x="380880" y="685800"/>
-            <a:ext cx="6093000" cy="3426120"/>
+            <a:ext cx="6092640" cy="3425760"/>
           </a:xfrm>
           <a:prstGeom prst="rect">
             <a:avLst/>
@@ -698,7 +698,7 @@
         <p:spPr>
           <a:xfrm>
             <a:off x="685800" y="4343400"/>
-            <a:ext cx="5483520" cy="4111920"/>
+            <a:ext cx="5483160" cy="4111560"/>
           </a:xfrm>
           <a:prstGeom prst="rect">
             <a:avLst/>
@@ -709,7 +709,7 @@
             <a:noAutofit/>
           </a:bodyPr>
           <a:p>
-            <a:endParaRPr b="0" lang="en-GB" sz="2000" spc="-1" strike="noStrike">
+            <a:endParaRPr b="0" lang="en-US" sz="2000" spc="-1" strike="noStrike">
               <a:latin typeface="Arial"/>
             </a:endParaRPr>
           </a:p>
@@ -724,7 +724,7 @@
         <p:spPr>
           <a:xfrm>
             <a:off x="3884760" y="8685360"/>
-            <a:ext cx="2968920" cy="454320"/>
+            <a:ext cx="2968560" cy="453960"/>
           </a:xfrm>
           <a:prstGeom prst="rect">
             <a:avLst/>
@@ -753,7 +753,7 @@
                 <a:tab algn="l" pos="0"/>
               </a:tabLst>
             </a:pPr>
-            <a:fld id="{7769425B-1090-4708-8E0F-A612F85799B7}" type="slidenum">
+            <a:fld id="{E5BAFAF4-435B-4BA5-B45C-8A557D5DE3D3}" type="slidenum">
               <a:rPr b="0" lang="de-DE" sz="1400" spc="-1" strike="noStrike">
                 <a:solidFill>
                   <a:srgbClr val="000000"/>
@@ -762,7 +762,7 @@
               </a:rPr>
               <a:t>&lt;number&gt;</a:t>
             </a:fld>
-            <a:endParaRPr b="0" lang="en-GB" sz="1400" spc="-1" strike="noStrike">
+            <a:endParaRPr b="0" lang="en-US" sz="1400" spc="-1" strike="noStrike">
               <a:latin typeface="Arial"/>
             </a:endParaRPr>
           </a:p>
@@ -837,7 +837,7 @@
           </a:bodyPr>
           <a:p>
             <a:pPr algn="ctr"/>
-            <a:endParaRPr b="0" lang="en-GB" sz="4400" spc="-1" strike="noStrike">
+            <a:endParaRPr b="0" lang="en-US" sz="4400" spc="-1" strike="noStrike">
               <a:latin typeface="Arial"/>
             </a:endParaRPr>
           </a:p>
@@ -867,7 +867,7 @@
             <a:normAutofit/>
           </a:bodyPr>
           <a:p>
-            <a:endParaRPr b="0" lang="en-GB" sz="3200" spc="-1" strike="noStrike">
+            <a:endParaRPr b="0" lang="en-US" sz="3200" spc="-1" strike="noStrike">
               <a:latin typeface="Arial"/>
             </a:endParaRPr>
           </a:p>
@@ -897,7 +897,7 @@
             <a:normAutofit/>
           </a:bodyPr>
           <a:p>
-            <a:endParaRPr b="0" lang="en-GB" sz="3200" spc="-1" strike="noStrike">
+            <a:endParaRPr b="0" lang="en-US" sz="3200" spc="-1" strike="noStrike">
               <a:latin typeface="Arial"/>
             </a:endParaRPr>
           </a:p>
@@ -950,7 +950,7 @@
           </a:bodyPr>
           <a:p>
             <a:pPr algn="ctr"/>
-            <a:endParaRPr b="0" lang="en-GB" sz="4400" spc="-1" strike="noStrike">
+            <a:endParaRPr b="0" lang="en-US" sz="4400" spc="-1" strike="noStrike">
               <a:latin typeface="Arial"/>
             </a:endParaRPr>
           </a:p>
@@ -980,7 +980,7 @@
             <a:normAutofit/>
           </a:bodyPr>
           <a:p>
-            <a:endParaRPr b="0" lang="en-GB" sz="3200" spc="-1" strike="noStrike">
+            <a:endParaRPr b="0" lang="en-US" sz="3200" spc="-1" strike="noStrike">
               <a:latin typeface="Arial"/>
             </a:endParaRPr>
           </a:p>
@@ -1010,7 +1010,7 @@
             <a:normAutofit/>
           </a:bodyPr>
           <a:p>
-            <a:endParaRPr b="0" lang="en-GB" sz="3200" spc="-1" strike="noStrike">
+            <a:endParaRPr b="0" lang="en-US" sz="3200" spc="-1" strike="noStrike">
               <a:latin typeface="Arial"/>
             </a:endParaRPr>
           </a:p>
@@ -1040,7 +1040,7 @@
             <a:normAutofit/>
           </a:bodyPr>
           <a:p>
-            <a:endParaRPr b="0" lang="en-GB" sz="3200" spc="-1" strike="noStrike">
+            <a:endParaRPr b="0" lang="en-US" sz="3200" spc="-1" strike="noStrike">
               <a:latin typeface="Arial"/>
             </a:endParaRPr>
           </a:p>
@@ -1070,7 +1070,7 @@
             <a:normAutofit/>
           </a:bodyPr>
           <a:p>
-            <a:endParaRPr b="0" lang="en-GB" sz="3200" spc="-1" strike="noStrike">
+            <a:endParaRPr b="0" lang="en-US" sz="3200" spc="-1" strike="noStrike">
               <a:latin typeface="Arial"/>
             </a:endParaRPr>
           </a:p>
@@ -1123,7 +1123,7 @@
           </a:bodyPr>
           <a:p>
             <a:pPr algn="ctr"/>
-            <a:endParaRPr b="0" lang="en-GB" sz="4400" spc="-1" strike="noStrike">
+            <a:endParaRPr b="0" lang="en-US" sz="4400" spc="-1" strike="noStrike">
               <a:latin typeface="Arial"/>
             </a:endParaRPr>
           </a:p>
@@ -1153,7 +1153,7 @@
             <a:normAutofit/>
           </a:bodyPr>
           <a:p>
-            <a:endParaRPr b="0" lang="en-GB" sz="3200" spc="-1" strike="noStrike">
+            <a:endParaRPr b="0" lang="en-US" sz="3200" spc="-1" strike="noStrike">
               <a:latin typeface="Arial"/>
             </a:endParaRPr>
           </a:p>
@@ -1183,7 +1183,7 @@
             <a:normAutofit/>
           </a:bodyPr>
           <a:p>
-            <a:endParaRPr b="0" lang="en-GB" sz="3200" spc="-1" strike="noStrike">
+            <a:endParaRPr b="0" lang="en-US" sz="3200" spc="-1" strike="noStrike">
               <a:latin typeface="Arial"/>
             </a:endParaRPr>
           </a:p>
@@ -1213,7 +1213,7 @@
             <a:normAutofit/>
           </a:bodyPr>
           <a:p>
-            <a:endParaRPr b="0" lang="en-GB" sz="3200" spc="-1" strike="noStrike">
+            <a:endParaRPr b="0" lang="en-US" sz="3200" spc="-1" strike="noStrike">
               <a:latin typeface="Arial"/>
             </a:endParaRPr>
           </a:p>
@@ -1243,7 +1243,7 @@
             <a:normAutofit/>
           </a:bodyPr>
           <a:p>
-            <a:endParaRPr b="0" lang="en-GB" sz="3200" spc="-1" strike="noStrike">
+            <a:endParaRPr b="0" lang="en-US" sz="3200" spc="-1" strike="noStrike">
               <a:latin typeface="Arial"/>
             </a:endParaRPr>
           </a:p>
@@ -1273,7 +1273,7 @@
             <a:normAutofit/>
           </a:bodyPr>
           <a:p>
-            <a:endParaRPr b="0" lang="en-GB" sz="3200" spc="-1" strike="noStrike">
+            <a:endParaRPr b="0" lang="en-US" sz="3200" spc="-1" strike="noStrike">
               <a:latin typeface="Arial"/>
             </a:endParaRPr>
           </a:p>
@@ -1303,7 +1303,7 @@
             <a:normAutofit/>
           </a:bodyPr>
           <a:p>
-            <a:endParaRPr b="0" lang="en-GB" sz="3200" spc="-1" strike="noStrike">
+            <a:endParaRPr b="0" lang="en-US" sz="3200" spc="-1" strike="noStrike">
               <a:latin typeface="Arial"/>
             </a:endParaRPr>
           </a:p>
@@ -1378,7 +1378,7 @@
           </a:bodyPr>
           <a:p>
             <a:pPr algn="ctr"/>
-            <a:endParaRPr b="0" lang="en-GB" sz="4400" spc="-1" strike="noStrike">
+            <a:endParaRPr b="0" lang="en-US" sz="4400" spc="-1" strike="noStrike">
               <a:latin typeface="Arial"/>
             </a:endParaRPr>
           </a:p>
@@ -1409,7 +1409,7 @@
           </a:bodyPr>
           <a:p>
             <a:pPr algn="ctr"/>
-            <a:endParaRPr b="0" lang="en-GB" sz="3200" spc="-1" strike="noStrike">
+            <a:endParaRPr b="0" lang="en-US" sz="3200" spc="-1" strike="noStrike">
               <a:latin typeface="Arial"/>
             </a:endParaRPr>
           </a:p>
@@ -1462,7 +1462,7 @@
           </a:bodyPr>
           <a:p>
             <a:pPr algn="ctr"/>
-            <a:endParaRPr b="0" lang="en-GB" sz="4400" spc="-1" strike="noStrike">
+            <a:endParaRPr b="0" lang="en-US" sz="4400" spc="-1" strike="noStrike">
               <a:latin typeface="Arial"/>
             </a:endParaRPr>
           </a:p>
@@ -1492,7 +1492,7 @@
             <a:normAutofit/>
           </a:bodyPr>
           <a:p>
-            <a:endParaRPr b="0" lang="en-GB" sz="3200" spc="-1" strike="noStrike">
+            <a:endParaRPr b="0" lang="en-US" sz="3200" spc="-1" strike="noStrike">
               <a:latin typeface="Arial"/>
             </a:endParaRPr>
           </a:p>
@@ -1545,7 +1545,7 @@
           </a:bodyPr>
           <a:p>
             <a:pPr algn="ctr"/>
-            <a:endParaRPr b="0" lang="en-GB" sz="4400" spc="-1" strike="noStrike">
+            <a:endParaRPr b="0" lang="en-US" sz="4400" spc="-1" strike="noStrike">
               <a:latin typeface="Arial"/>
             </a:endParaRPr>
           </a:p>
@@ -1575,7 +1575,7 @@
             <a:normAutofit/>
           </a:bodyPr>
           <a:p>
-            <a:endParaRPr b="0" lang="en-GB" sz="3200" spc="-1" strike="noStrike">
+            <a:endParaRPr b="0" lang="en-US" sz="3200" spc="-1" strike="noStrike">
               <a:latin typeface="Arial"/>
             </a:endParaRPr>
           </a:p>
@@ -1605,7 +1605,7 @@
             <a:normAutofit/>
           </a:bodyPr>
           <a:p>
-            <a:endParaRPr b="0" lang="en-GB" sz="3200" spc="-1" strike="noStrike">
+            <a:endParaRPr b="0" lang="en-US" sz="3200" spc="-1" strike="noStrike">
               <a:latin typeface="Arial"/>
             </a:endParaRPr>
           </a:p>
@@ -1658,7 +1658,7 @@
           </a:bodyPr>
           <a:p>
             <a:pPr algn="ctr"/>
-            <a:endParaRPr b="0" lang="en-GB" sz="4400" spc="-1" strike="noStrike">
+            <a:endParaRPr b="0" lang="en-US" sz="4400" spc="-1" strike="noStrike">
               <a:latin typeface="Arial"/>
             </a:endParaRPr>
           </a:p>
@@ -1711,7 +1711,7 @@
           </a:bodyPr>
           <a:p>
             <a:pPr algn="ctr"/>
-            <a:endParaRPr b="0" lang="en-GB" sz="3200" spc="-1" strike="noStrike">
+            <a:endParaRPr b="0" lang="en-US" sz="3200" spc="-1" strike="noStrike">
               <a:latin typeface="Arial"/>
             </a:endParaRPr>
           </a:p>
@@ -1764,7 +1764,7 @@
           </a:bodyPr>
           <a:p>
             <a:pPr algn="ctr"/>
-            <a:endParaRPr b="0" lang="en-GB" sz="4400" spc="-1" strike="noStrike">
+            <a:endParaRPr b="0" lang="en-US" sz="4400" spc="-1" strike="noStrike">
               <a:latin typeface="Arial"/>
             </a:endParaRPr>
           </a:p>
@@ -1794,7 +1794,7 @@
             <a:normAutofit/>
           </a:bodyPr>
           <a:p>
-            <a:endParaRPr b="0" lang="en-GB" sz="3200" spc="-1" strike="noStrike">
+            <a:endParaRPr b="0" lang="en-US" sz="3200" spc="-1" strike="noStrike">
               <a:latin typeface="Arial"/>
             </a:endParaRPr>
           </a:p>
@@ -1824,7 +1824,7 @@
             <a:normAutofit/>
           </a:bodyPr>
           <a:p>
-            <a:endParaRPr b="0" lang="en-GB" sz="3200" spc="-1" strike="noStrike">
+            <a:endParaRPr b="0" lang="en-US" sz="3200" spc="-1" strike="noStrike">
               <a:latin typeface="Arial"/>
             </a:endParaRPr>
           </a:p>
@@ -1854,7 +1854,7 @@
             <a:normAutofit/>
           </a:bodyPr>
           <a:p>
-            <a:endParaRPr b="0" lang="en-GB" sz="3200" spc="-1" strike="noStrike">
+            <a:endParaRPr b="0" lang="en-US" sz="3200" spc="-1" strike="noStrike">
               <a:latin typeface="Arial"/>
             </a:endParaRPr>
           </a:p>
@@ -1907,7 +1907,7 @@
           </a:bodyPr>
           <a:p>
             <a:pPr algn="ctr"/>
-            <a:endParaRPr b="0" lang="en-GB" sz="4400" spc="-1" strike="noStrike">
+            <a:endParaRPr b="0" lang="en-US" sz="4400" spc="-1" strike="noStrike">
               <a:latin typeface="Arial"/>
             </a:endParaRPr>
           </a:p>
@@ -1938,7 +1938,7 @@
           </a:bodyPr>
           <a:p>
             <a:pPr algn="ctr"/>
-            <a:endParaRPr b="0" lang="en-GB" sz="3200" spc="-1" strike="noStrike">
+            <a:endParaRPr b="0" lang="en-US" sz="3200" spc="-1" strike="noStrike">
               <a:latin typeface="Arial"/>
             </a:endParaRPr>
           </a:p>
@@ -1991,7 +1991,7 @@
           </a:bodyPr>
           <a:p>
             <a:pPr algn="ctr"/>
-            <a:endParaRPr b="0" lang="en-GB" sz="4400" spc="-1" strike="noStrike">
+            <a:endParaRPr b="0" lang="en-US" sz="4400" spc="-1" strike="noStrike">
               <a:latin typeface="Arial"/>
             </a:endParaRPr>
           </a:p>
@@ -2021,7 +2021,7 @@
             <a:normAutofit/>
           </a:bodyPr>
           <a:p>
-            <a:endParaRPr b="0" lang="en-GB" sz="3200" spc="-1" strike="noStrike">
+            <a:endParaRPr b="0" lang="en-US" sz="3200" spc="-1" strike="noStrike">
               <a:latin typeface="Arial"/>
             </a:endParaRPr>
           </a:p>
@@ -2051,7 +2051,7 @@
             <a:normAutofit/>
           </a:bodyPr>
           <a:p>
-            <a:endParaRPr b="0" lang="en-GB" sz="3200" spc="-1" strike="noStrike">
+            <a:endParaRPr b="0" lang="en-US" sz="3200" spc="-1" strike="noStrike">
               <a:latin typeface="Arial"/>
             </a:endParaRPr>
           </a:p>
@@ -2081,7 +2081,7 @@
             <a:normAutofit/>
           </a:bodyPr>
           <a:p>
-            <a:endParaRPr b="0" lang="en-GB" sz="3200" spc="-1" strike="noStrike">
+            <a:endParaRPr b="0" lang="en-US" sz="3200" spc="-1" strike="noStrike">
               <a:latin typeface="Arial"/>
             </a:endParaRPr>
           </a:p>
@@ -2134,7 +2134,7 @@
           </a:bodyPr>
           <a:p>
             <a:pPr algn="ctr"/>
-            <a:endParaRPr b="0" lang="en-GB" sz="4400" spc="-1" strike="noStrike">
+            <a:endParaRPr b="0" lang="en-US" sz="4400" spc="-1" strike="noStrike">
               <a:latin typeface="Arial"/>
             </a:endParaRPr>
           </a:p>
@@ -2164,7 +2164,7 @@
             <a:normAutofit/>
           </a:bodyPr>
           <a:p>
-            <a:endParaRPr b="0" lang="en-GB" sz="3200" spc="-1" strike="noStrike">
+            <a:endParaRPr b="0" lang="en-US" sz="3200" spc="-1" strike="noStrike">
               <a:latin typeface="Arial"/>
             </a:endParaRPr>
           </a:p>
@@ -2194,7 +2194,7 @@
             <a:normAutofit/>
           </a:bodyPr>
           <a:p>
-            <a:endParaRPr b="0" lang="en-GB" sz="3200" spc="-1" strike="noStrike">
+            <a:endParaRPr b="0" lang="en-US" sz="3200" spc="-1" strike="noStrike">
               <a:latin typeface="Arial"/>
             </a:endParaRPr>
           </a:p>
@@ -2224,7 +2224,7 @@
             <a:normAutofit/>
           </a:bodyPr>
           <a:p>
-            <a:endParaRPr b="0" lang="en-GB" sz="3200" spc="-1" strike="noStrike">
+            <a:endParaRPr b="0" lang="en-US" sz="3200" spc="-1" strike="noStrike">
               <a:latin typeface="Arial"/>
             </a:endParaRPr>
           </a:p>
@@ -2277,7 +2277,7 @@
           </a:bodyPr>
           <a:p>
             <a:pPr algn="ctr"/>
-            <a:endParaRPr b="0" lang="en-GB" sz="4400" spc="-1" strike="noStrike">
+            <a:endParaRPr b="0" lang="en-US" sz="4400" spc="-1" strike="noStrike">
               <a:latin typeface="Arial"/>
             </a:endParaRPr>
           </a:p>
@@ -2307,7 +2307,7 @@
             <a:normAutofit/>
           </a:bodyPr>
           <a:p>
-            <a:endParaRPr b="0" lang="en-GB" sz="3200" spc="-1" strike="noStrike">
+            <a:endParaRPr b="0" lang="en-US" sz="3200" spc="-1" strike="noStrike">
               <a:latin typeface="Arial"/>
             </a:endParaRPr>
           </a:p>
@@ -2337,7 +2337,7 @@
             <a:normAutofit/>
           </a:bodyPr>
           <a:p>
-            <a:endParaRPr b="0" lang="en-GB" sz="3200" spc="-1" strike="noStrike">
+            <a:endParaRPr b="0" lang="en-US" sz="3200" spc="-1" strike="noStrike">
               <a:latin typeface="Arial"/>
             </a:endParaRPr>
           </a:p>
@@ -2390,7 +2390,7 @@
           </a:bodyPr>
           <a:p>
             <a:pPr algn="ctr"/>
-            <a:endParaRPr b="0" lang="en-GB" sz="4400" spc="-1" strike="noStrike">
+            <a:endParaRPr b="0" lang="en-US" sz="4400" spc="-1" strike="noStrike">
               <a:latin typeface="Arial"/>
             </a:endParaRPr>
           </a:p>
@@ -2420,7 +2420,7 @@
             <a:normAutofit/>
           </a:bodyPr>
           <a:p>
-            <a:endParaRPr b="0" lang="en-GB" sz="3200" spc="-1" strike="noStrike">
+            <a:endParaRPr b="0" lang="en-US" sz="3200" spc="-1" strike="noStrike">
               <a:latin typeface="Arial"/>
             </a:endParaRPr>
           </a:p>
@@ -2450,7 +2450,7 @@
             <a:normAutofit/>
           </a:bodyPr>
           <a:p>
-            <a:endParaRPr b="0" lang="en-GB" sz="3200" spc="-1" strike="noStrike">
+            <a:endParaRPr b="0" lang="en-US" sz="3200" spc="-1" strike="noStrike">
               <a:latin typeface="Arial"/>
             </a:endParaRPr>
           </a:p>
@@ -2480,7 +2480,7 @@
             <a:normAutofit/>
           </a:bodyPr>
           <a:p>
-            <a:endParaRPr b="0" lang="en-GB" sz="3200" spc="-1" strike="noStrike">
+            <a:endParaRPr b="0" lang="en-US" sz="3200" spc="-1" strike="noStrike">
               <a:latin typeface="Arial"/>
             </a:endParaRPr>
           </a:p>
@@ -2510,7 +2510,7 @@
             <a:normAutofit/>
           </a:bodyPr>
           <a:p>
-            <a:endParaRPr b="0" lang="en-GB" sz="3200" spc="-1" strike="noStrike">
+            <a:endParaRPr b="0" lang="en-US" sz="3200" spc="-1" strike="noStrike">
               <a:latin typeface="Arial"/>
             </a:endParaRPr>
           </a:p>
@@ -2563,7 +2563,7 @@
           </a:bodyPr>
           <a:p>
             <a:pPr algn="ctr"/>
-            <a:endParaRPr b="0" lang="en-GB" sz="4400" spc="-1" strike="noStrike">
+            <a:endParaRPr b="0" lang="en-US" sz="4400" spc="-1" strike="noStrike">
               <a:latin typeface="Arial"/>
             </a:endParaRPr>
           </a:p>
@@ -2593,7 +2593,7 @@
             <a:normAutofit/>
           </a:bodyPr>
           <a:p>
-            <a:endParaRPr b="0" lang="en-GB" sz="3200" spc="-1" strike="noStrike">
+            <a:endParaRPr b="0" lang="en-US" sz="3200" spc="-1" strike="noStrike">
               <a:latin typeface="Arial"/>
             </a:endParaRPr>
           </a:p>
@@ -2623,7 +2623,7 @@
             <a:normAutofit/>
           </a:bodyPr>
           <a:p>
-            <a:endParaRPr b="0" lang="en-GB" sz="3200" spc="-1" strike="noStrike">
+            <a:endParaRPr b="0" lang="en-US" sz="3200" spc="-1" strike="noStrike">
               <a:latin typeface="Arial"/>
             </a:endParaRPr>
           </a:p>
@@ -2653,7 +2653,7 @@
             <a:normAutofit/>
           </a:bodyPr>
           <a:p>
-            <a:endParaRPr b="0" lang="en-GB" sz="3200" spc="-1" strike="noStrike">
+            <a:endParaRPr b="0" lang="en-US" sz="3200" spc="-1" strike="noStrike">
               <a:latin typeface="Arial"/>
             </a:endParaRPr>
           </a:p>
@@ -2683,7 +2683,7 @@
             <a:normAutofit/>
           </a:bodyPr>
           <a:p>
-            <a:endParaRPr b="0" lang="en-GB" sz="3200" spc="-1" strike="noStrike">
+            <a:endParaRPr b="0" lang="en-US" sz="3200" spc="-1" strike="noStrike">
               <a:latin typeface="Arial"/>
             </a:endParaRPr>
           </a:p>
@@ -2713,7 +2713,7 @@
             <a:normAutofit/>
           </a:bodyPr>
           <a:p>
-            <a:endParaRPr b="0" lang="en-GB" sz="3200" spc="-1" strike="noStrike">
+            <a:endParaRPr b="0" lang="en-US" sz="3200" spc="-1" strike="noStrike">
               <a:latin typeface="Arial"/>
             </a:endParaRPr>
           </a:p>
@@ -2743,7 +2743,7 @@
             <a:normAutofit/>
           </a:bodyPr>
           <a:p>
-            <a:endParaRPr b="0" lang="en-GB" sz="3200" spc="-1" strike="noStrike">
+            <a:endParaRPr b="0" lang="en-US" sz="3200" spc="-1" strike="noStrike">
               <a:latin typeface="Arial"/>
             </a:endParaRPr>
           </a:p>
@@ -2818,7 +2818,7 @@
           </a:bodyPr>
           <a:p>
             <a:pPr algn="ctr"/>
-            <a:endParaRPr b="0" lang="en-GB" sz="4400" spc="-1" strike="noStrike">
+            <a:endParaRPr b="0" lang="en-US" sz="4400" spc="-1" strike="noStrike">
               <a:latin typeface="Arial"/>
             </a:endParaRPr>
           </a:p>
@@ -2849,7 +2849,7 @@
           </a:bodyPr>
           <a:p>
             <a:pPr algn="ctr"/>
-            <a:endParaRPr b="0" lang="en-GB" sz="3200" spc="-1" strike="noStrike">
+            <a:endParaRPr b="0" lang="en-US" sz="3200" spc="-1" strike="noStrike">
               <a:latin typeface="Arial"/>
             </a:endParaRPr>
           </a:p>
@@ -2902,7 +2902,7 @@
           </a:bodyPr>
           <a:p>
             <a:pPr algn="ctr"/>
-            <a:endParaRPr b="0" lang="en-GB" sz="4400" spc="-1" strike="noStrike">
+            <a:endParaRPr b="0" lang="en-US" sz="4400" spc="-1" strike="noStrike">
               <a:latin typeface="Arial"/>
             </a:endParaRPr>
           </a:p>
@@ -2932,7 +2932,7 @@
             <a:normAutofit/>
           </a:bodyPr>
           <a:p>
-            <a:endParaRPr b="0" lang="en-GB" sz="3200" spc="-1" strike="noStrike">
+            <a:endParaRPr b="0" lang="en-US" sz="3200" spc="-1" strike="noStrike">
               <a:latin typeface="Arial"/>
             </a:endParaRPr>
           </a:p>
@@ -2985,7 +2985,7 @@
           </a:bodyPr>
           <a:p>
             <a:pPr algn="ctr"/>
-            <a:endParaRPr b="0" lang="en-GB" sz="4400" spc="-1" strike="noStrike">
+            <a:endParaRPr b="0" lang="en-US" sz="4400" spc="-1" strike="noStrike">
               <a:latin typeface="Arial"/>
             </a:endParaRPr>
           </a:p>
@@ -3015,7 +3015,7 @@
             <a:normAutofit/>
           </a:bodyPr>
           <a:p>
-            <a:endParaRPr b="0" lang="en-GB" sz="3200" spc="-1" strike="noStrike">
+            <a:endParaRPr b="0" lang="en-US" sz="3200" spc="-1" strike="noStrike">
               <a:latin typeface="Arial"/>
             </a:endParaRPr>
           </a:p>
@@ -3045,7 +3045,7 @@
             <a:normAutofit/>
           </a:bodyPr>
           <a:p>
-            <a:endParaRPr b="0" lang="en-GB" sz="3200" spc="-1" strike="noStrike">
+            <a:endParaRPr b="0" lang="en-US" sz="3200" spc="-1" strike="noStrike">
               <a:latin typeface="Arial"/>
             </a:endParaRPr>
           </a:p>
@@ -3098,7 +3098,7 @@
           </a:bodyPr>
           <a:p>
             <a:pPr algn="ctr"/>
-            <a:endParaRPr b="0" lang="en-GB" sz="4400" spc="-1" strike="noStrike">
+            <a:endParaRPr b="0" lang="en-US" sz="4400" spc="-1" strike="noStrike">
               <a:latin typeface="Arial"/>
             </a:endParaRPr>
           </a:p>
@@ -3151,7 +3151,7 @@
           </a:bodyPr>
           <a:p>
             <a:pPr algn="ctr"/>
-            <a:endParaRPr b="0" lang="en-GB" sz="4400" spc="-1" strike="noStrike">
+            <a:endParaRPr b="0" lang="en-US" sz="4400" spc="-1" strike="noStrike">
               <a:latin typeface="Arial"/>
             </a:endParaRPr>
           </a:p>
@@ -3181,7 +3181,7 @@
             <a:normAutofit/>
           </a:bodyPr>
           <a:p>
-            <a:endParaRPr b="0" lang="en-GB" sz="3200" spc="-1" strike="noStrike">
+            <a:endParaRPr b="0" lang="en-US" sz="3200" spc="-1" strike="noStrike">
               <a:latin typeface="Arial"/>
             </a:endParaRPr>
           </a:p>
@@ -3234,7 +3234,7 @@
           </a:bodyPr>
           <a:p>
             <a:pPr algn="ctr"/>
-            <a:endParaRPr b="0" lang="en-GB" sz="3200" spc="-1" strike="noStrike">
+            <a:endParaRPr b="0" lang="en-US" sz="3200" spc="-1" strike="noStrike">
               <a:latin typeface="Arial"/>
             </a:endParaRPr>
           </a:p>
@@ -3287,7 +3287,7 @@
           </a:bodyPr>
           <a:p>
             <a:pPr algn="ctr"/>
-            <a:endParaRPr b="0" lang="en-GB" sz="4400" spc="-1" strike="noStrike">
+            <a:endParaRPr b="0" lang="en-US" sz="4400" spc="-1" strike="noStrike">
               <a:latin typeface="Arial"/>
             </a:endParaRPr>
           </a:p>
@@ -3317,7 +3317,7 @@
             <a:normAutofit/>
           </a:bodyPr>
           <a:p>
-            <a:endParaRPr b="0" lang="en-GB" sz="3200" spc="-1" strike="noStrike">
+            <a:endParaRPr b="0" lang="en-US" sz="3200" spc="-1" strike="noStrike">
               <a:latin typeface="Arial"/>
             </a:endParaRPr>
           </a:p>
@@ -3347,7 +3347,7 @@
             <a:normAutofit/>
           </a:bodyPr>
           <a:p>
-            <a:endParaRPr b="0" lang="en-GB" sz="3200" spc="-1" strike="noStrike">
+            <a:endParaRPr b="0" lang="en-US" sz="3200" spc="-1" strike="noStrike">
               <a:latin typeface="Arial"/>
             </a:endParaRPr>
           </a:p>
@@ -3377,7 +3377,7 @@
             <a:normAutofit/>
           </a:bodyPr>
           <a:p>
-            <a:endParaRPr b="0" lang="en-GB" sz="3200" spc="-1" strike="noStrike">
+            <a:endParaRPr b="0" lang="en-US" sz="3200" spc="-1" strike="noStrike">
               <a:latin typeface="Arial"/>
             </a:endParaRPr>
           </a:p>
@@ -3430,7 +3430,7 @@
           </a:bodyPr>
           <a:p>
             <a:pPr algn="ctr"/>
-            <a:endParaRPr b="0" lang="en-GB" sz="4400" spc="-1" strike="noStrike">
+            <a:endParaRPr b="0" lang="en-US" sz="4400" spc="-1" strike="noStrike">
               <a:latin typeface="Arial"/>
             </a:endParaRPr>
           </a:p>
@@ -3460,7 +3460,7 @@
             <a:normAutofit/>
           </a:bodyPr>
           <a:p>
-            <a:endParaRPr b="0" lang="en-GB" sz="3200" spc="-1" strike="noStrike">
+            <a:endParaRPr b="0" lang="en-US" sz="3200" spc="-1" strike="noStrike">
               <a:latin typeface="Arial"/>
             </a:endParaRPr>
           </a:p>
@@ -3490,7 +3490,7 @@
             <a:normAutofit/>
           </a:bodyPr>
           <a:p>
-            <a:endParaRPr b="0" lang="en-GB" sz="3200" spc="-1" strike="noStrike">
+            <a:endParaRPr b="0" lang="en-US" sz="3200" spc="-1" strike="noStrike">
               <a:latin typeface="Arial"/>
             </a:endParaRPr>
           </a:p>
@@ -3520,7 +3520,7 @@
             <a:normAutofit/>
           </a:bodyPr>
           <a:p>
-            <a:endParaRPr b="0" lang="en-GB" sz="3200" spc="-1" strike="noStrike">
+            <a:endParaRPr b="0" lang="en-US" sz="3200" spc="-1" strike="noStrike">
               <a:latin typeface="Arial"/>
             </a:endParaRPr>
           </a:p>
@@ -3573,7 +3573,7 @@
           </a:bodyPr>
           <a:p>
             <a:pPr algn="ctr"/>
-            <a:endParaRPr b="0" lang="en-GB" sz="4400" spc="-1" strike="noStrike">
+            <a:endParaRPr b="0" lang="en-US" sz="4400" spc="-1" strike="noStrike">
               <a:latin typeface="Arial"/>
             </a:endParaRPr>
           </a:p>
@@ -3603,7 +3603,7 @@
             <a:normAutofit/>
           </a:bodyPr>
           <a:p>
-            <a:endParaRPr b="0" lang="en-GB" sz="3200" spc="-1" strike="noStrike">
+            <a:endParaRPr b="0" lang="en-US" sz="3200" spc="-1" strike="noStrike">
               <a:latin typeface="Arial"/>
             </a:endParaRPr>
           </a:p>
@@ -3633,7 +3633,7 @@
             <a:normAutofit/>
           </a:bodyPr>
           <a:p>
-            <a:endParaRPr b="0" lang="en-GB" sz="3200" spc="-1" strike="noStrike">
+            <a:endParaRPr b="0" lang="en-US" sz="3200" spc="-1" strike="noStrike">
               <a:latin typeface="Arial"/>
             </a:endParaRPr>
           </a:p>
@@ -3663,7 +3663,7 @@
             <a:normAutofit/>
           </a:bodyPr>
           <a:p>
-            <a:endParaRPr b="0" lang="en-GB" sz="3200" spc="-1" strike="noStrike">
+            <a:endParaRPr b="0" lang="en-US" sz="3200" spc="-1" strike="noStrike">
               <a:latin typeface="Arial"/>
             </a:endParaRPr>
           </a:p>
@@ -3716,7 +3716,7 @@
           </a:bodyPr>
           <a:p>
             <a:pPr algn="ctr"/>
-            <a:endParaRPr b="0" lang="en-GB" sz="4400" spc="-1" strike="noStrike">
+            <a:endParaRPr b="0" lang="en-US" sz="4400" spc="-1" strike="noStrike">
               <a:latin typeface="Arial"/>
             </a:endParaRPr>
           </a:p>
@@ -3746,7 +3746,7 @@
             <a:normAutofit/>
           </a:bodyPr>
           <a:p>
-            <a:endParaRPr b="0" lang="en-GB" sz="3200" spc="-1" strike="noStrike">
+            <a:endParaRPr b="0" lang="en-US" sz="3200" spc="-1" strike="noStrike">
               <a:latin typeface="Arial"/>
             </a:endParaRPr>
           </a:p>
@@ -3776,7 +3776,7 @@
             <a:normAutofit/>
           </a:bodyPr>
           <a:p>
-            <a:endParaRPr b="0" lang="en-GB" sz="3200" spc="-1" strike="noStrike">
+            <a:endParaRPr b="0" lang="en-US" sz="3200" spc="-1" strike="noStrike">
               <a:latin typeface="Arial"/>
             </a:endParaRPr>
           </a:p>
@@ -3829,7 +3829,7 @@
           </a:bodyPr>
           <a:p>
             <a:pPr algn="ctr"/>
-            <a:endParaRPr b="0" lang="en-GB" sz="4400" spc="-1" strike="noStrike">
+            <a:endParaRPr b="0" lang="en-US" sz="4400" spc="-1" strike="noStrike">
               <a:latin typeface="Arial"/>
             </a:endParaRPr>
           </a:p>
@@ -3859,7 +3859,7 @@
             <a:normAutofit/>
           </a:bodyPr>
           <a:p>
-            <a:endParaRPr b="0" lang="en-GB" sz="3200" spc="-1" strike="noStrike">
+            <a:endParaRPr b="0" lang="en-US" sz="3200" spc="-1" strike="noStrike">
               <a:latin typeface="Arial"/>
             </a:endParaRPr>
           </a:p>
@@ -3889,7 +3889,7 @@
             <a:normAutofit/>
           </a:bodyPr>
           <a:p>
-            <a:endParaRPr b="0" lang="en-GB" sz="3200" spc="-1" strike="noStrike">
+            <a:endParaRPr b="0" lang="en-US" sz="3200" spc="-1" strike="noStrike">
               <a:latin typeface="Arial"/>
             </a:endParaRPr>
           </a:p>
@@ -3919,7 +3919,7 @@
             <a:normAutofit/>
           </a:bodyPr>
           <a:p>
-            <a:endParaRPr b="0" lang="en-GB" sz="3200" spc="-1" strike="noStrike">
+            <a:endParaRPr b="0" lang="en-US" sz="3200" spc="-1" strike="noStrike">
               <a:latin typeface="Arial"/>
             </a:endParaRPr>
           </a:p>
@@ -3949,7 +3949,7 @@
             <a:normAutofit/>
           </a:bodyPr>
           <a:p>
-            <a:endParaRPr b="0" lang="en-GB" sz="3200" spc="-1" strike="noStrike">
+            <a:endParaRPr b="0" lang="en-US" sz="3200" spc="-1" strike="noStrike">
               <a:latin typeface="Arial"/>
             </a:endParaRPr>
           </a:p>
@@ -4002,7 +4002,7 @@
           </a:bodyPr>
           <a:p>
             <a:pPr algn="ctr"/>
-            <a:endParaRPr b="0" lang="en-GB" sz="4400" spc="-1" strike="noStrike">
+            <a:endParaRPr b="0" lang="en-US" sz="4400" spc="-1" strike="noStrike">
               <a:latin typeface="Arial"/>
             </a:endParaRPr>
           </a:p>
@@ -4032,7 +4032,7 @@
             <a:normAutofit/>
           </a:bodyPr>
           <a:p>
-            <a:endParaRPr b="0" lang="en-GB" sz="3200" spc="-1" strike="noStrike">
+            <a:endParaRPr b="0" lang="en-US" sz="3200" spc="-1" strike="noStrike">
               <a:latin typeface="Arial"/>
             </a:endParaRPr>
           </a:p>
@@ -4062,7 +4062,7 @@
             <a:normAutofit/>
           </a:bodyPr>
           <a:p>
-            <a:endParaRPr b="0" lang="en-GB" sz="3200" spc="-1" strike="noStrike">
+            <a:endParaRPr b="0" lang="en-US" sz="3200" spc="-1" strike="noStrike">
               <a:latin typeface="Arial"/>
             </a:endParaRPr>
           </a:p>
@@ -4092,7 +4092,7 @@
             <a:normAutofit/>
           </a:bodyPr>
           <a:p>
-            <a:endParaRPr b="0" lang="en-GB" sz="3200" spc="-1" strike="noStrike">
+            <a:endParaRPr b="0" lang="en-US" sz="3200" spc="-1" strike="noStrike">
               <a:latin typeface="Arial"/>
             </a:endParaRPr>
           </a:p>
@@ -4122,7 +4122,7 @@
             <a:normAutofit/>
           </a:bodyPr>
           <a:p>
-            <a:endParaRPr b="0" lang="en-GB" sz="3200" spc="-1" strike="noStrike">
+            <a:endParaRPr b="0" lang="en-US" sz="3200" spc="-1" strike="noStrike">
               <a:latin typeface="Arial"/>
             </a:endParaRPr>
           </a:p>
@@ -4152,7 +4152,7 @@
             <a:normAutofit/>
           </a:bodyPr>
           <a:p>
-            <a:endParaRPr b="0" lang="en-GB" sz="3200" spc="-1" strike="noStrike">
+            <a:endParaRPr b="0" lang="en-US" sz="3200" spc="-1" strike="noStrike">
               <a:latin typeface="Arial"/>
             </a:endParaRPr>
           </a:p>
@@ -4182,7 +4182,7 @@
             <a:normAutofit/>
           </a:bodyPr>
           <a:p>
-            <a:endParaRPr b="0" lang="en-GB" sz="3200" spc="-1" strike="noStrike">
+            <a:endParaRPr b="0" lang="en-US" sz="3200" spc="-1" strike="noStrike">
               <a:latin typeface="Arial"/>
             </a:endParaRPr>
           </a:p>
@@ -4257,7 +4257,7 @@
           </a:bodyPr>
           <a:p>
             <a:pPr algn="ctr"/>
-            <a:endParaRPr b="0" lang="en-GB" sz="4400" spc="-1" strike="noStrike">
+            <a:endParaRPr b="0" lang="en-US" sz="4400" spc="-1" strike="noStrike">
               <a:latin typeface="Arial"/>
             </a:endParaRPr>
           </a:p>
@@ -4288,7 +4288,7 @@
           </a:bodyPr>
           <a:p>
             <a:pPr algn="ctr"/>
-            <a:endParaRPr b="0" lang="en-GB" sz="3200" spc="-1" strike="noStrike">
+            <a:endParaRPr b="0" lang="en-US" sz="3200" spc="-1" strike="noStrike">
               <a:latin typeface="Arial"/>
             </a:endParaRPr>
           </a:p>
@@ -4341,7 +4341,7 @@
           </a:bodyPr>
           <a:p>
             <a:pPr algn="ctr"/>
-            <a:endParaRPr b="0" lang="en-GB" sz="4400" spc="-1" strike="noStrike">
+            <a:endParaRPr b="0" lang="en-US" sz="4400" spc="-1" strike="noStrike">
               <a:latin typeface="Arial"/>
             </a:endParaRPr>
           </a:p>
@@ -4371,7 +4371,7 @@
             <a:normAutofit/>
           </a:bodyPr>
           <a:p>
-            <a:endParaRPr b="0" lang="en-GB" sz="3200" spc="-1" strike="noStrike">
+            <a:endParaRPr b="0" lang="en-US" sz="3200" spc="-1" strike="noStrike">
               <a:latin typeface="Arial"/>
             </a:endParaRPr>
           </a:p>
@@ -4424,7 +4424,7 @@
           </a:bodyPr>
           <a:p>
             <a:pPr algn="ctr"/>
-            <a:endParaRPr b="0" lang="en-GB" sz="4400" spc="-1" strike="noStrike">
+            <a:endParaRPr b="0" lang="en-US" sz="4400" spc="-1" strike="noStrike">
               <a:latin typeface="Arial"/>
             </a:endParaRPr>
           </a:p>
@@ -4454,7 +4454,7 @@
             <a:normAutofit/>
           </a:bodyPr>
           <a:p>
-            <a:endParaRPr b="0" lang="en-GB" sz="3200" spc="-1" strike="noStrike">
+            <a:endParaRPr b="0" lang="en-US" sz="3200" spc="-1" strike="noStrike">
               <a:latin typeface="Arial"/>
             </a:endParaRPr>
           </a:p>
@@ -4484,7 +4484,7 @@
             <a:normAutofit/>
           </a:bodyPr>
           <a:p>
-            <a:endParaRPr b="0" lang="en-GB" sz="3200" spc="-1" strike="noStrike">
+            <a:endParaRPr b="0" lang="en-US" sz="3200" spc="-1" strike="noStrike">
               <a:latin typeface="Arial"/>
             </a:endParaRPr>
           </a:p>
@@ -4537,7 +4537,7 @@
           </a:bodyPr>
           <a:p>
             <a:pPr algn="ctr"/>
-            <a:endParaRPr b="0" lang="en-GB" sz="4400" spc="-1" strike="noStrike">
+            <a:endParaRPr b="0" lang="en-US" sz="4400" spc="-1" strike="noStrike">
               <a:latin typeface="Arial"/>
             </a:endParaRPr>
           </a:p>
@@ -4567,7 +4567,7 @@
             <a:normAutofit/>
           </a:bodyPr>
           <a:p>
-            <a:endParaRPr b="0" lang="en-GB" sz="3200" spc="-1" strike="noStrike">
+            <a:endParaRPr b="0" lang="en-US" sz="3200" spc="-1" strike="noStrike">
               <a:latin typeface="Arial"/>
             </a:endParaRPr>
           </a:p>
@@ -4597,7 +4597,7 @@
             <a:normAutofit/>
           </a:bodyPr>
           <a:p>
-            <a:endParaRPr b="0" lang="en-GB" sz="3200" spc="-1" strike="noStrike">
+            <a:endParaRPr b="0" lang="en-US" sz="3200" spc="-1" strike="noStrike">
               <a:latin typeface="Arial"/>
             </a:endParaRPr>
           </a:p>
@@ -4650,7 +4650,7 @@
           </a:bodyPr>
           <a:p>
             <a:pPr algn="ctr"/>
-            <a:endParaRPr b="0" lang="en-GB" sz="4400" spc="-1" strike="noStrike">
+            <a:endParaRPr b="0" lang="en-US" sz="4400" spc="-1" strike="noStrike">
               <a:latin typeface="Arial"/>
             </a:endParaRPr>
           </a:p>
@@ -4703,7 +4703,7 @@
           </a:bodyPr>
           <a:p>
             <a:pPr algn="ctr"/>
-            <a:endParaRPr b="0" lang="en-GB" sz="3200" spc="-1" strike="noStrike">
+            <a:endParaRPr b="0" lang="en-US" sz="3200" spc="-1" strike="noStrike">
               <a:latin typeface="Arial"/>
             </a:endParaRPr>
           </a:p>
@@ -4756,7 +4756,7 @@
           </a:bodyPr>
           <a:p>
             <a:pPr algn="ctr"/>
-            <a:endParaRPr b="0" lang="en-GB" sz="4400" spc="-1" strike="noStrike">
+            <a:endParaRPr b="0" lang="en-US" sz="4400" spc="-1" strike="noStrike">
               <a:latin typeface="Arial"/>
             </a:endParaRPr>
           </a:p>
@@ -4786,7 +4786,7 @@
             <a:normAutofit/>
           </a:bodyPr>
           <a:p>
-            <a:endParaRPr b="0" lang="en-GB" sz="3200" spc="-1" strike="noStrike">
+            <a:endParaRPr b="0" lang="en-US" sz="3200" spc="-1" strike="noStrike">
               <a:latin typeface="Arial"/>
             </a:endParaRPr>
           </a:p>
@@ -4816,7 +4816,7 @@
             <a:normAutofit/>
           </a:bodyPr>
           <a:p>
-            <a:endParaRPr b="0" lang="en-GB" sz="3200" spc="-1" strike="noStrike">
+            <a:endParaRPr b="0" lang="en-US" sz="3200" spc="-1" strike="noStrike">
               <a:latin typeface="Arial"/>
             </a:endParaRPr>
           </a:p>
@@ -4846,7 +4846,7 @@
             <a:normAutofit/>
           </a:bodyPr>
           <a:p>
-            <a:endParaRPr b="0" lang="en-GB" sz="3200" spc="-1" strike="noStrike">
+            <a:endParaRPr b="0" lang="en-US" sz="3200" spc="-1" strike="noStrike">
               <a:latin typeface="Arial"/>
             </a:endParaRPr>
           </a:p>
@@ -4899,7 +4899,7 @@
           </a:bodyPr>
           <a:p>
             <a:pPr algn="ctr"/>
-            <a:endParaRPr b="0" lang="en-GB" sz="4400" spc="-1" strike="noStrike">
+            <a:endParaRPr b="0" lang="en-US" sz="4400" spc="-1" strike="noStrike">
               <a:latin typeface="Arial"/>
             </a:endParaRPr>
           </a:p>
@@ -4929,7 +4929,7 @@
             <a:normAutofit/>
           </a:bodyPr>
           <a:p>
-            <a:endParaRPr b="0" lang="en-GB" sz="3200" spc="-1" strike="noStrike">
+            <a:endParaRPr b="0" lang="en-US" sz="3200" spc="-1" strike="noStrike">
               <a:latin typeface="Arial"/>
             </a:endParaRPr>
           </a:p>
@@ -4959,7 +4959,7 @@
             <a:normAutofit/>
           </a:bodyPr>
           <a:p>
-            <a:endParaRPr b="0" lang="en-GB" sz="3200" spc="-1" strike="noStrike">
+            <a:endParaRPr b="0" lang="en-US" sz="3200" spc="-1" strike="noStrike">
               <a:latin typeface="Arial"/>
             </a:endParaRPr>
           </a:p>
@@ -4989,7 +4989,7 @@
             <a:normAutofit/>
           </a:bodyPr>
           <a:p>
-            <a:endParaRPr b="0" lang="en-GB" sz="3200" spc="-1" strike="noStrike">
+            <a:endParaRPr b="0" lang="en-US" sz="3200" spc="-1" strike="noStrike">
               <a:latin typeface="Arial"/>
             </a:endParaRPr>
           </a:p>
@@ -5042,7 +5042,7 @@
           </a:bodyPr>
           <a:p>
             <a:pPr algn="ctr"/>
-            <a:endParaRPr b="0" lang="en-GB" sz="4400" spc="-1" strike="noStrike">
+            <a:endParaRPr b="0" lang="en-US" sz="4400" spc="-1" strike="noStrike">
               <a:latin typeface="Arial"/>
             </a:endParaRPr>
           </a:p>
@@ -5072,7 +5072,7 @@
             <a:normAutofit/>
           </a:bodyPr>
           <a:p>
-            <a:endParaRPr b="0" lang="en-GB" sz="3200" spc="-1" strike="noStrike">
+            <a:endParaRPr b="0" lang="en-US" sz="3200" spc="-1" strike="noStrike">
               <a:latin typeface="Arial"/>
             </a:endParaRPr>
           </a:p>
@@ -5102,7 +5102,7 @@
             <a:normAutofit/>
           </a:bodyPr>
           <a:p>
-            <a:endParaRPr b="0" lang="en-GB" sz="3200" spc="-1" strike="noStrike">
+            <a:endParaRPr b="0" lang="en-US" sz="3200" spc="-1" strike="noStrike">
               <a:latin typeface="Arial"/>
             </a:endParaRPr>
           </a:p>
@@ -5132,7 +5132,7 @@
             <a:normAutofit/>
           </a:bodyPr>
           <a:p>
-            <a:endParaRPr b="0" lang="en-GB" sz="3200" spc="-1" strike="noStrike">
+            <a:endParaRPr b="0" lang="en-US" sz="3200" spc="-1" strike="noStrike">
               <a:latin typeface="Arial"/>
             </a:endParaRPr>
           </a:p>
@@ -5185,7 +5185,7 @@
           </a:bodyPr>
           <a:p>
             <a:pPr algn="ctr"/>
-            <a:endParaRPr b="0" lang="en-GB" sz="4400" spc="-1" strike="noStrike">
+            <a:endParaRPr b="0" lang="en-US" sz="4400" spc="-1" strike="noStrike">
               <a:latin typeface="Arial"/>
             </a:endParaRPr>
           </a:p>
@@ -5215,7 +5215,7 @@
             <a:normAutofit/>
           </a:bodyPr>
           <a:p>
-            <a:endParaRPr b="0" lang="en-GB" sz="3200" spc="-1" strike="noStrike">
+            <a:endParaRPr b="0" lang="en-US" sz="3200" spc="-1" strike="noStrike">
               <a:latin typeface="Arial"/>
             </a:endParaRPr>
           </a:p>
@@ -5245,7 +5245,7 @@
             <a:normAutofit/>
           </a:bodyPr>
           <a:p>
-            <a:endParaRPr b="0" lang="en-GB" sz="3200" spc="-1" strike="noStrike">
+            <a:endParaRPr b="0" lang="en-US" sz="3200" spc="-1" strike="noStrike">
               <a:latin typeface="Arial"/>
             </a:endParaRPr>
           </a:p>
@@ -5298,7 +5298,7 @@
           </a:bodyPr>
           <a:p>
             <a:pPr algn="ctr"/>
-            <a:endParaRPr b="0" lang="en-GB" sz="4400" spc="-1" strike="noStrike">
+            <a:endParaRPr b="0" lang="en-US" sz="4400" spc="-1" strike="noStrike">
               <a:latin typeface="Arial"/>
             </a:endParaRPr>
           </a:p>
@@ -5328,7 +5328,7 @@
             <a:normAutofit/>
           </a:bodyPr>
           <a:p>
-            <a:endParaRPr b="0" lang="en-GB" sz="3200" spc="-1" strike="noStrike">
+            <a:endParaRPr b="0" lang="en-US" sz="3200" spc="-1" strike="noStrike">
               <a:latin typeface="Arial"/>
             </a:endParaRPr>
           </a:p>
@@ -5358,7 +5358,7 @@
             <a:normAutofit/>
           </a:bodyPr>
           <a:p>
-            <a:endParaRPr b="0" lang="en-GB" sz="3200" spc="-1" strike="noStrike">
+            <a:endParaRPr b="0" lang="en-US" sz="3200" spc="-1" strike="noStrike">
               <a:latin typeface="Arial"/>
             </a:endParaRPr>
           </a:p>
@@ -5388,7 +5388,7 @@
             <a:normAutofit/>
           </a:bodyPr>
           <a:p>
-            <a:endParaRPr b="0" lang="en-GB" sz="3200" spc="-1" strike="noStrike">
+            <a:endParaRPr b="0" lang="en-US" sz="3200" spc="-1" strike="noStrike">
               <a:latin typeface="Arial"/>
             </a:endParaRPr>
           </a:p>
@@ -5418,7 +5418,7 @@
             <a:normAutofit/>
           </a:bodyPr>
           <a:p>
-            <a:endParaRPr b="0" lang="en-GB" sz="3200" spc="-1" strike="noStrike">
+            <a:endParaRPr b="0" lang="en-US" sz="3200" spc="-1" strike="noStrike">
               <a:latin typeface="Arial"/>
             </a:endParaRPr>
           </a:p>
@@ -5471,7 +5471,7 @@
           </a:bodyPr>
           <a:p>
             <a:pPr algn="ctr"/>
-            <a:endParaRPr b="0" lang="en-GB" sz="4400" spc="-1" strike="noStrike">
+            <a:endParaRPr b="0" lang="en-US" sz="4400" spc="-1" strike="noStrike">
               <a:latin typeface="Arial"/>
             </a:endParaRPr>
           </a:p>
@@ -5501,7 +5501,7 @@
             <a:normAutofit/>
           </a:bodyPr>
           <a:p>
-            <a:endParaRPr b="0" lang="en-GB" sz="3200" spc="-1" strike="noStrike">
+            <a:endParaRPr b="0" lang="en-US" sz="3200" spc="-1" strike="noStrike">
               <a:latin typeface="Arial"/>
             </a:endParaRPr>
           </a:p>
@@ -5531,7 +5531,7 @@
             <a:normAutofit/>
           </a:bodyPr>
           <a:p>
-            <a:endParaRPr b="0" lang="en-GB" sz="3200" spc="-1" strike="noStrike">
+            <a:endParaRPr b="0" lang="en-US" sz="3200" spc="-1" strike="noStrike">
               <a:latin typeface="Arial"/>
             </a:endParaRPr>
           </a:p>
@@ -5561,7 +5561,7 @@
             <a:normAutofit/>
           </a:bodyPr>
           <a:p>
-            <a:endParaRPr b="0" lang="en-GB" sz="3200" spc="-1" strike="noStrike">
+            <a:endParaRPr b="0" lang="en-US" sz="3200" spc="-1" strike="noStrike">
               <a:latin typeface="Arial"/>
             </a:endParaRPr>
           </a:p>
@@ -5591,7 +5591,7 @@
             <a:normAutofit/>
           </a:bodyPr>
           <a:p>
-            <a:endParaRPr b="0" lang="en-GB" sz="3200" spc="-1" strike="noStrike">
+            <a:endParaRPr b="0" lang="en-US" sz="3200" spc="-1" strike="noStrike">
               <a:latin typeface="Arial"/>
             </a:endParaRPr>
           </a:p>
@@ -5621,7 +5621,7 @@
             <a:normAutofit/>
           </a:bodyPr>
           <a:p>
-            <a:endParaRPr b="0" lang="en-GB" sz="3200" spc="-1" strike="noStrike">
+            <a:endParaRPr b="0" lang="en-US" sz="3200" spc="-1" strike="noStrike">
               <a:latin typeface="Arial"/>
             </a:endParaRPr>
           </a:p>
@@ -5651,7 +5651,7 @@
             <a:normAutofit/>
           </a:bodyPr>
           <a:p>
-            <a:endParaRPr b="0" lang="en-GB" sz="3200" spc="-1" strike="noStrike">
+            <a:endParaRPr b="0" lang="en-US" sz="3200" spc="-1" strike="noStrike">
               <a:latin typeface="Arial"/>
             </a:endParaRPr>
           </a:p>
@@ -5726,7 +5726,7 @@
           </a:bodyPr>
           <a:p>
             <a:pPr algn="ctr"/>
-            <a:endParaRPr b="0" lang="en-GB" sz="4400" spc="-1" strike="noStrike">
+            <a:endParaRPr b="0" lang="en-US" sz="4400" spc="-1" strike="noStrike">
               <a:latin typeface="Arial"/>
             </a:endParaRPr>
           </a:p>
@@ -5779,7 +5779,7 @@
           </a:bodyPr>
           <a:p>
             <a:pPr algn="ctr"/>
-            <a:endParaRPr b="0" lang="en-GB" sz="4400" spc="-1" strike="noStrike">
+            <a:endParaRPr b="0" lang="en-US" sz="4400" spc="-1" strike="noStrike">
               <a:latin typeface="Arial"/>
             </a:endParaRPr>
           </a:p>
@@ -5810,7 +5810,7 @@
           </a:bodyPr>
           <a:p>
             <a:pPr algn="ctr"/>
-            <a:endParaRPr b="0" lang="en-GB" sz="3200" spc="-1" strike="noStrike">
+            <a:endParaRPr b="0" lang="en-US" sz="3200" spc="-1" strike="noStrike">
               <a:latin typeface="Arial"/>
             </a:endParaRPr>
           </a:p>
@@ -5863,7 +5863,7 @@
           </a:bodyPr>
           <a:p>
             <a:pPr algn="ctr"/>
-            <a:endParaRPr b="0" lang="en-GB" sz="4400" spc="-1" strike="noStrike">
+            <a:endParaRPr b="0" lang="en-US" sz="4400" spc="-1" strike="noStrike">
               <a:latin typeface="Arial"/>
             </a:endParaRPr>
           </a:p>
@@ -5893,7 +5893,7 @@
             <a:normAutofit/>
           </a:bodyPr>
           <a:p>
-            <a:endParaRPr b="0" lang="en-GB" sz="3200" spc="-1" strike="noStrike">
+            <a:endParaRPr b="0" lang="en-US" sz="3200" spc="-1" strike="noStrike">
               <a:latin typeface="Arial"/>
             </a:endParaRPr>
           </a:p>
@@ -5946,7 +5946,7 @@
           </a:bodyPr>
           <a:p>
             <a:pPr algn="ctr"/>
-            <a:endParaRPr b="0" lang="en-GB" sz="4400" spc="-1" strike="noStrike">
+            <a:endParaRPr b="0" lang="en-US" sz="4400" spc="-1" strike="noStrike">
               <a:latin typeface="Arial"/>
             </a:endParaRPr>
           </a:p>
@@ -5976,7 +5976,7 @@
             <a:normAutofit/>
           </a:bodyPr>
           <a:p>
-            <a:endParaRPr b="0" lang="en-GB" sz="3200" spc="-1" strike="noStrike">
+            <a:endParaRPr b="0" lang="en-US" sz="3200" spc="-1" strike="noStrike">
               <a:latin typeface="Arial"/>
             </a:endParaRPr>
           </a:p>
@@ -6006,7 +6006,7 @@
             <a:normAutofit/>
           </a:bodyPr>
           <a:p>
-            <a:endParaRPr b="0" lang="en-GB" sz="3200" spc="-1" strike="noStrike">
+            <a:endParaRPr b="0" lang="en-US" sz="3200" spc="-1" strike="noStrike">
               <a:latin typeface="Arial"/>
             </a:endParaRPr>
           </a:p>
@@ -6059,7 +6059,7 @@
           </a:bodyPr>
           <a:p>
             <a:pPr algn="ctr"/>
-            <a:endParaRPr b="0" lang="en-GB" sz="4400" spc="-1" strike="noStrike">
+            <a:endParaRPr b="0" lang="en-US" sz="4400" spc="-1" strike="noStrike">
               <a:latin typeface="Arial"/>
             </a:endParaRPr>
           </a:p>
@@ -6112,7 +6112,7 @@
           </a:bodyPr>
           <a:p>
             <a:pPr algn="ctr"/>
-            <a:endParaRPr b="0" lang="en-GB" sz="3200" spc="-1" strike="noStrike">
+            <a:endParaRPr b="0" lang="en-US" sz="3200" spc="-1" strike="noStrike">
               <a:latin typeface="Arial"/>
             </a:endParaRPr>
           </a:p>
@@ -6165,7 +6165,7 @@
           </a:bodyPr>
           <a:p>
             <a:pPr algn="ctr"/>
-            <a:endParaRPr b="0" lang="en-GB" sz="4400" spc="-1" strike="noStrike">
+            <a:endParaRPr b="0" lang="en-US" sz="4400" spc="-1" strike="noStrike">
               <a:latin typeface="Arial"/>
             </a:endParaRPr>
           </a:p>
@@ -6195,7 +6195,7 @@
             <a:normAutofit/>
           </a:bodyPr>
           <a:p>
-            <a:endParaRPr b="0" lang="en-GB" sz="3200" spc="-1" strike="noStrike">
+            <a:endParaRPr b="0" lang="en-US" sz="3200" spc="-1" strike="noStrike">
               <a:latin typeface="Arial"/>
             </a:endParaRPr>
           </a:p>
@@ -6225,7 +6225,7 @@
             <a:normAutofit/>
           </a:bodyPr>
           <a:p>
-            <a:endParaRPr b="0" lang="en-GB" sz="3200" spc="-1" strike="noStrike">
+            <a:endParaRPr b="0" lang="en-US" sz="3200" spc="-1" strike="noStrike">
               <a:latin typeface="Arial"/>
             </a:endParaRPr>
           </a:p>
@@ -6255,7 +6255,7 @@
             <a:normAutofit/>
           </a:bodyPr>
           <a:p>
-            <a:endParaRPr b="0" lang="en-GB" sz="3200" spc="-1" strike="noStrike">
+            <a:endParaRPr b="0" lang="en-US" sz="3200" spc="-1" strike="noStrike">
               <a:latin typeface="Arial"/>
             </a:endParaRPr>
           </a:p>
@@ -6308,7 +6308,7 @@
           </a:bodyPr>
           <a:p>
             <a:pPr algn="ctr"/>
-            <a:endParaRPr b="0" lang="en-GB" sz="4400" spc="-1" strike="noStrike">
+            <a:endParaRPr b="0" lang="en-US" sz="4400" spc="-1" strike="noStrike">
               <a:latin typeface="Arial"/>
             </a:endParaRPr>
           </a:p>
@@ -6338,7 +6338,7 @@
             <a:normAutofit/>
           </a:bodyPr>
           <a:p>
-            <a:endParaRPr b="0" lang="en-GB" sz="3200" spc="-1" strike="noStrike">
+            <a:endParaRPr b="0" lang="en-US" sz="3200" spc="-1" strike="noStrike">
               <a:latin typeface="Arial"/>
             </a:endParaRPr>
           </a:p>
@@ -6368,7 +6368,7 @@
             <a:normAutofit/>
           </a:bodyPr>
           <a:p>
-            <a:endParaRPr b="0" lang="en-GB" sz="3200" spc="-1" strike="noStrike">
+            <a:endParaRPr b="0" lang="en-US" sz="3200" spc="-1" strike="noStrike">
               <a:latin typeface="Arial"/>
             </a:endParaRPr>
           </a:p>
@@ -6398,7 +6398,7 @@
             <a:normAutofit/>
           </a:bodyPr>
           <a:p>
-            <a:endParaRPr b="0" lang="en-GB" sz="3200" spc="-1" strike="noStrike">
+            <a:endParaRPr b="0" lang="en-US" sz="3200" spc="-1" strike="noStrike">
               <a:latin typeface="Arial"/>
             </a:endParaRPr>
           </a:p>
@@ -6451,7 +6451,7 @@
           </a:bodyPr>
           <a:p>
             <a:pPr algn="ctr"/>
-            <a:endParaRPr b="0" lang="en-GB" sz="4400" spc="-1" strike="noStrike">
+            <a:endParaRPr b="0" lang="en-US" sz="4400" spc="-1" strike="noStrike">
               <a:latin typeface="Arial"/>
             </a:endParaRPr>
           </a:p>
@@ -6481,7 +6481,7 @@
             <a:normAutofit/>
           </a:bodyPr>
           <a:p>
-            <a:endParaRPr b="0" lang="en-GB" sz="3200" spc="-1" strike="noStrike">
+            <a:endParaRPr b="0" lang="en-US" sz="3200" spc="-1" strike="noStrike">
               <a:latin typeface="Arial"/>
             </a:endParaRPr>
           </a:p>
@@ -6511,7 +6511,7 @@
             <a:normAutofit/>
           </a:bodyPr>
           <a:p>
-            <a:endParaRPr b="0" lang="en-GB" sz="3200" spc="-1" strike="noStrike">
+            <a:endParaRPr b="0" lang="en-US" sz="3200" spc="-1" strike="noStrike">
               <a:latin typeface="Arial"/>
             </a:endParaRPr>
           </a:p>
@@ -6541,7 +6541,7 @@
             <a:normAutofit/>
           </a:bodyPr>
           <a:p>
-            <a:endParaRPr b="0" lang="en-GB" sz="3200" spc="-1" strike="noStrike">
+            <a:endParaRPr b="0" lang="en-US" sz="3200" spc="-1" strike="noStrike">
               <a:latin typeface="Arial"/>
             </a:endParaRPr>
           </a:p>
@@ -6594,7 +6594,7 @@
           </a:bodyPr>
           <a:p>
             <a:pPr algn="ctr"/>
-            <a:endParaRPr b="0" lang="en-GB" sz="4400" spc="-1" strike="noStrike">
+            <a:endParaRPr b="0" lang="en-US" sz="4400" spc="-1" strike="noStrike">
               <a:latin typeface="Arial"/>
             </a:endParaRPr>
           </a:p>
@@ -6624,7 +6624,7 @@
             <a:normAutofit/>
           </a:bodyPr>
           <a:p>
-            <a:endParaRPr b="0" lang="en-GB" sz="3200" spc="-1" strike="noStrike">
+            <a:endParaRPr b="0" lang="en-US" sz="3200" spc="-1" strike="noStrike">
               <a:latin typeface="Arial"/>
             </a:endParaRPr>
           </a:p>
@@ -6654,7 +6654,7 @@
             <a:normAutofit/>
           </a:bodyPr>
           <a:p>
-            <a:endParaRPr b="0" lang="en-GB" sz="3200" spc="-1" strike="noStrike">
+            <a:endParaRPr b="0" lang="en-US" sz="3200" spc="-1" strike="noStrike">
               <a:latin typeface="Arial"/>
             </a:endParaRPr>
           </a:p>
@@ -6707,7 +6707,7 @@
           </a:bodyPr>
           <a:p>
             <a:pPr algn="ctr"/>
-            <a:endParaRPr b="0" lang="en-GB" sz="4400" spc="-1" strike="noStrike">
+            <a:endParaRPr b="0" lang="en-US" sz="4400" spc="-1" strike="noStrike">
               <a:latin typeface="Arial"/>
             </a:endParaRPr>
           </a:p>
@@ -6737,7 +6737,7 @@
             <a:normAutofit/>
           </a:bodyPr>
           <a:p>
-            <a:endParaRPr b="0" lang="en-GB" sz="3200" spc="-1" strike="noStrike">
+            <a:endParaRPr b="0" lang="en-US" sz="3200" spc="-1" strike="noStrike">
               <a:latin typeface="Arial"/>
             </a:endParaRPr>
           </a:p>
@@ -6767,7 +6767,7 @@
             <a:normAutofit/>
           </a:bodyPr>
           <a:p>
-            <a:endParaRPr b="0" lang="en-GB" sz="3200" spc="-1" strike="noStrike">
+            <a:endParaRPr b="0" lang="en-US" sz="3200" spc="-1" strike="noStrike">
               <a:latin typeface="Arial"/>
             </a:endParaRPr>
           </a:p>
@@ -6797,7 +6797,7 @@
             <a:normAutofit/>
           </a:bodyPr>
           <a:p>
-            <a:endParaRPr b="0" lang="en-GB" sz="3200" spc="-1" strike="noStrike">
+            <a:endParaRPr b="0" lang="en-US" sz="3200" spc="-1" strike="noStrike">
               <a:latin typeface="Arial"/>
             </a:endParaRPr>
           </a:p>
@@ -6827,7 +6827,7 @@
             <a:normAutofit/>
           </a:bodyPr>
           <a:p>
-            <a:endParaRPr b="0" lang="en-GB" sz="3200" spc="-1" strike="noStrike">
+            <a:endParaRPr b="0" lang="en-US" sz="3200" spc="-1" strike="noStrike">
               <a:latin typeface="Arial"/>
             </a:endParaRPr>
           </a:p>
@@ -6880,7 +6880,7 @@
           </a:bodyPr>
           <a:p>
             <a:pPr algn="ctr"/>
-            <a:endParaRPr b="0" lang="en-GB" sz="3200" spc="-1" strike="noStrike">
+            <a:endParaRPr b="0" lang="en-US" sz="3200" spc="-1" strike="noStrike">
               <a:latin typeface="Arial"/>
             </a:endParaRPr>
           </a:p>
@@ -6933,7 +6933,7 @@
           </a:bodyPr>
           <a:p>
             <a:pPr algn="ctr"/>
-            <a:endParaRPr b="0" lang="en-GB" sz="4400" spc="-1" strike="noStrike">
+            <a:endParaRPr b="0" lang="en-US" sz="4400" spc="-1" strike="noStrike">
               <a:latin typeface="Arial"/>
             </a:endParaRPr>
           </a:p>
@@ -6963,7 +6963,7 @@
             <a:normAutofit/>
           </a:bodyPr>
           <a:p>
-            <a:endParaRPr b="0" lang="en-GB" sz="3200" spc="-1" strike="noStrike">
+            <a:endParaRPr b="0" lang="en-US" sz="3200" spc="-1" strike="noStrike">
               <a:latin typeface="Arial"/>
             </a:endParaRPr>
           </a:p>
@@ -6993,7 +6993,7 @@
             <a:normAutofit/>
           </a:bodyPr>
           <a:p>
-            <a:endParaRPr b="0" lang="en-GB" sz="3200" spc="-1" strike="noStrike">
+            <a:endParaRPr b="0" lang="en-US" sz="3200" spc="-1" strike="noStrike">
               <a:latin typeface="Arial"/>
             </a:endParaRPr>
           </a:p>
@@ -7023,7 +7023,7 @@
             <a:normAutofit/>
           </a:bodyPr>
           <a:p>
-            <a:endParaRPr b="0" lang="en-GB" sz="3200" spc="-1" strike="noStrike">
+            <a:endParaRPr b="0" lang="en-US" sz="3200" spc="-1" strike="noStrike">
               <a:latin typeface="Arial"/>
             </a:endParaRPr>
           </a:p>
@@ -7053,7 +7053,7 @@
             <a:normAutofit/>
           </a:bodyPr>
           <a:p>
-            <a:endParaRPr b="0" lang="en-GB" sz="3200" spc="-1" strike="noStrike">
+            <a:endParaRPr b="0" lang="en-US" sz="3200" spc="-1" strike="noStrike">
               <a:latin typeface="Arial"/>
             </a:endParaRPr>
           </a:p>
@@ -7083,7 +7083,7 @@
             <a:normAutofit/>
           </a:bodyPr>
           <a:p>
-            <a:endParaRPr b="0" lang="en-GB" sz="3200" spc="-1" strike="noStrike">
+            <a:endParaRPr b="0" lang="en-US" sz="3200" spc="-1" strike="noStrike">
               <a:latin typeface="Arial"/>
             </a:endParaRPr>
           </a:p>
@@ -7113,7 +7113,7 @@
             <a:normAutofit/>
           </a:bodyPr>
           <a:p>
-            <a:endParaRPr b="0" lang="en-GB" sz="3200" spc="-1" strike="noStrike">
+            <a:endParaRPr b="0" lang="en-US" sz="3200" spc="-1" strike="noStrike">
               <a:latin typeface="Arial"/>
             </a:endParaRPr>
           </a:p>
@@ -7166,7 +7166,7 @@
           </a:bodyPr>
           <a:p>
             <a:pPr algn="ctr"/>
-            <a:endParaRPr b="0" lang="en-GB" sz="4400" spc="-1" strike="noStrike">
+            <a:endParaRPr b="0" lang="en-US" sz="4400" spc="-1" strike="noStrike">
               <a:latin typeface="Arial"/>
             </a:endParaRPr>
           </a:p>
@@ -7196,7 +7196,7 @@
             <a:normAutofit/>
           </a:bodyPr>
           <a:p>
-            <a:endParaRPr b="0" lang="en-GB" sz="3200" spc="-1" strike="noStrike">
+            <a:endParaRPr b="0" lang="en-US" sz="3200" spc="-1" strike="noStrike">
               <a:latin typeface="Arial"/>
             </a:endParaRPr>
           </a:p>
@@ -7226,7 +7226,7 @@
             <a:normAutofit/>
           </a:bodyPr>
           <a:p>
-            <a:endParaRPr b="0" lang="en-GB" sz="3200" spc="-1" strike="noStrike">
+            <a:endParaRPr b="0" lang="en-US" sz="3200" spc="-1" strike="noStrike">
               <a:latin typeface="Arial"/>
             </a:endParaRPr>
           </a:p>
@@ -7256,7 +7256,7 @@
             <a:normAutofit/>
           </a:bodyPr>
           <a:p>
-            <a:endParaRPr b="0" lang="en-GB" sz="3200" spc="-1" strike="noStrike">
+            <a:endParaRPr b="0" lang="en-US" sz="3200" spc="-1" strike="noStrike">
               <a:latin typeface="Arial"/>
             </a:endParaRPr>
           </a:p>
@@ -7309,7 +7309,7 @@
           </a:bodyPr>
           <a:p>
             <a:pPr algn="ctr"/>
-            <a:endParaRPr b="0" lang="en-GB" sz="4400" spc="-1" strike="noStrike">
+            <a:endParaRPr b="0" lang="en-US" sz="4400" spc="-1" strike="noStrike">
               <a:latin typeface="Arial"/>
             </a:endParaRPr>
           </a:p>
@@ -7339,7 +7339,7 @@
             <a:normAutofit/>
           </a:bodyPr>
           <a:p>
-            <a:endParaRPr b="0" lang="en-GB" sz="3200" spc="-1" strike="noStrike">
+            <a:endParaRPr b="0" lang="en-US" sz="3200" spc="-1" strike="noStrike">
               <a:latin typeface="Arial"/>
             </a:endParaRPr>
           </a:p>
@@ -7369,7 +7369,7 @@
             <a:normAutofit/>
           </a:bodyPr>
           <a:p>
-            <a:endParaRPr b="0" lang="en-GB" sz="3200" spc="-1" strike="noStrike">
+            <a:endParaRPr b="0" lang="en-US" sz="3200" spc="-1" strike="noStrike">
               <a:latin typeface="Arial"/>
             </a:endParaRPr>
           </a:p>
@@ -7399,7 +7399,7 @@
             <a:normAutofit/>
           </a:bodyPr>
           <a:p>
-            <a:endParaRPr b="0" lang="en-GB" sz="3200" spc="-1" strike="noStrike">
+            <a:endParaRPr b="0" lang="en-US" sz="3200" spc="-1" strike="noStrike">
               <a:latin typeface="Arial"/>
             </a:endParaRPr>
           </a:p>
@@ -7452,7 +7452,7 @@
           </a:bodyPr>
           <a:p>
             <a:pPr algn="ctr"/>
-            <a:endParaRPr b="0" lang="en-GB" sz="4400" spc="-1" strike="noStrike">
+            <a:endParaRPr b="0" lang="en-US" sz="4400" spc="-1" strike="noStrike">
               <a:latin typeface="Arial"/>
             </a:endParaRPr>
           </a:p>
@@ -7482,7 +7482,7 @@
             <a:normAutofit/>
           </a:bodyPr>
           <a:p>
-            <a:endParaRPr b="0" lang="en-GB" sz="3200" spc="-1" strike="noStrike">
+            <a:endParaRPr b="0" lang="en-US" sz="3200" spc="-1" strike="noStrike">
               <a:latin typeface="Arial"/>
             </a:endParaRPr>
           </a:p>
@@ -7512,7 +7512,7 @@
             <a:normAutofit/>
           </a:bodyPr>
           <a:p>
-            <a:endParaRPr b="0" lang="en-GB" sz="3200" spc="-1" strike="noStrike">
+            <a:endParaRPr b="0" lang="en-US" sz="3200" spc="-1" strike="noStrike">
               <a:latin typeface="Arial"/>
             </a:endParaRPr>
           </a:p>
@@ -7542,7 +7542,7 @@
             <a:normAutofit/>
           </a:bodyPr>
           <a:p>
-            <a:endParaRPr b="0" lang="en-GB" sz="3200" spc="-1" strike="noStrike">
+            <a:endParaRPr b="0" lang="en-US" sz="3200" spc="-1" strike="noStrike">
               <a:latin typeface="Arial"/>
             </a:endParaRPr>
           </a:p>
@@ -7585,13 +7585,13 @@
         </p:nvPicPr>
         <p:blipFill>
           <a:blip r:embed="rId2"/>
-          <a:srcRect l="0" t="0" r="0" b="24679"/>
+          <a:srcRect l="0" t="0" r="0" b="24677"/>
           <a:stretch/>
         </p:blipFill>
         <p:spPr>
           <a:xfrm>
             <a:off x="0" y="0"/>
-            <a:ext cx="12189240" cy="6855120"/>
+            <a:ext cx="12188880" cy="6854760"/>
           </a:xfrm>
           <a:prstGeom prst="rect">
             <a:avLst/>
@@ -7610,9 +7610,9 @@
         <p:grpSpPr>
           <a:xfrm>
             <a:off x="0" y="2076480"/>
-            <a:ext cx="11520360" cy="4778640"/>
+            <a:ext cx="11520000" cy="4778280"/>
             <a:chOff x="0" y="2076480"/>
-            <a:chExt cx="11520360" cy="4778640"/>
+            <a:chExt cx="11520000" cy="4778280"/>
           </a:xfrm>
         </p:grpSpPr>
         <p:sp>
@@ -7624,7 +7624,7 @@
           <p:spPr>
             <a:xfrm>
               <a:off x="0" y="2076480"/>
-              <a:ext cx="10855440" cy="4778640"/>
+              <a:ext cx="10855080" cy="4778280"/>
             </a:xfrm>
             <a:prstGeom prst="rect">
               <a:avLst/>
@@ -7652,7 +7652,7 @@
           <p:spPr>
             <a:xfrm>
               <a:off x="10170720" y="2076480"/>
-              <a:ext cx="1347480" cy="1009800"/>
+              <a:ext cx="1347120" cy="1009440"/>
             </a:xfrm>
             <a:prstGeom prst="ellipse">
               <a:avLst/>
@@ -7680,7 +7680,7 @@
           <p:spPr>
             <a:xfrm>
               <a:off x="6527880" y="2571840"/>
-              <a:ext cx="4992480" cy="4283280"/>
+              <a:ext cx="4992120" cy="4282920"/>
             </a:xfrm>
             <a:prstGeom prst="rect">
               <a:avLst/>
@@ -7713,7 +7713,7 @@
         <p:spPr>
           <a:xfrm>
             <a:off x="191520" y="188640"/>
-            <a:ext cx="3705480" cy="1402200"/>
+            <a:ext cx="3705120" cy="1401840"/>
           </a:xfrm>
           <a:prstGeom prst="rect">
             <a:avLst/>
@@ -7749,12 +7749,12 @@
           <a:p>
             <a:pPr algn="ctr"/>
             <a:r>
-              <a:rPr b="0" lang="en-GB" sz="4400" spc="-1" strike="noStrike">
+              <a:rPr b="0" lang="en-US" sz="4400" spc="-1" strike="noStrike">
                 <a:latin typeface="Arial"/>
               </a:rPr>
               <a:t>Click to edit the title text format</a:t>
             </a:r>
-            <a:endParaRPr b="0" lang="en-GB" sz="4400" spc="-1" strike="noStrike">
+            <a:endParaRPr b="0" lang="en-US" sz="4400" spc="-1" strike="noStrike">
               <a:latin typeface="Arial"/>
             </a:endParaRPr>
           </a:p>
@@ -7796,12 +7796,12 @@
               <a:buChar char=""/>
             </a:pPr>
             <a:r>
-              <a:rPr b="0" lang="en-GB" sz="3200" spc="-1" strike="noStrike">
+              <a:rPr b="0" lang="en-US" sz="3200" spc="-1" strike="noStrike">
                 <a:latin typeface="Arial"/>
               </a:rPr>
               <a:t>Click to edit the outline text format</a:t>
             </a:r>
-            <a:endParaRPr b="0" lang="en-GB" sz="3200" spc="-1" strike="noStrike">
+            <a:endParaRPr b="0" lang="en-US" sz="3200" spc="-1" strike="noStrike">
               <a:latin typeface="Arial"/>
             </a:endParaRPr>
           </a:p>
@@ -7818,12 +7818,12 @@
               <a:buChar char=""/>
             </a:pPr>
             <a:r>
-              <a:rPr b="0" lang="en-GB" sz="2800" spc="-1" strike="noStrike">
+              <a:rPr b="0" lang="en-US" sz="2800" spc="-1" strike="noStrike">
                 <a:latin typeface="Arial"/>
               </a:rPr>
               <a:t>Second Outline Level</a:t>
             </a:r>
-            <a:endParaRPr b="0" lang="en-GB" sz="2800" spc="-1" strike="noStrike">
+            <a:endParaRPr b="0" lang="en-US" sz="2800" spc="-1" strike="noStrike">
               <a:latin typeface="Arial"/>
             </a:endParaRPr>
           </a:p>
@@ -7840,12 +7840,12 @@
               <a:buChar char=""/>
             </a:pPr>
             <a:r>
-              <a:rPr b="0" lang="en-GB" sz="2400" spc="-1" strike="noStrike">
+              <a:rPr b="0" lang="en-US" sz="2400" spc="-1" strike="noStrike">
                 <a:latin typeface="Arial"/>
               </a:rPr>
               <a:t>Third Outline Level</a:t>
             </a:r>
-            <a:endParaRPr b="0" lang="en-GB" sz="2400" spc="-1" strike="noStrike">
+            <a:endParaRPr b="0" lang="en-US" sz="2400" spc="-1" strike="noStrike">
               <a:latin typeface="Arial"/>
             </a:endParaRPr>
           </a:p>
@@ -7862,12 +7862,12 @@
               <a:buChar char=""/>
             </a:pPr>
             <a:r>
-              <a:rPr b="0" lang="en-GB" sz="2000" spc="-1" strike="noStrike">
+              <a:rPr b="0" lang="en-US" sz="2000" spc="-1" strike="noStrike">
                 <a:latin typeface="Arial"/>
               </a:rPr>
               <a:t>Fourth Outline Level</a:t>
             </a:r>
-            <a:endParaRPr b="0" lang="en-GB" sz="2000" spc="-1" strike="noStrike">
+            <a:endParaRPr b="0" lang="en-US" sz="2000" spc="-1" strike="noStrike">
               <a:latin typeface="Arial"/>
             </a:endParaRPr>
           </a:p>
@@ -7884,12 +7884,12 @@
               <a:buChar char=""/>
             </a:pPr>
             <a:r>
-              <a:rPr b="0" lang="en-GB" sz="2000" spc="-1" strike="noStrike">
+              <a:rPr b="0" lang="en-US" sz="2000" spc="-1" strike="noStrike">
                 <a:latin typeface="Arial"/>
               </a:rPr>
               <a:t>Fifth Outline Level</a:t>
             </a:r>
-            <a:endParaRPr b="0" lang="en-GB" sz="2000" spc="-1" strike="noStrike">
+            <a:endParaRPr b="0" lang="en-US" sz="2000" spc="-1" strike="noStrike">
               <a:latin typeface="Arial"/>
             </a:endParaRPr>
           </a:p>
@@ -7906,12 +7906,12 @@
               <a:buChar char=""/>
             </a:pPr>
             <a:r>
-              <a:rPr b="0" lang="en-GB" sz="2000" spc="-1" strike="noStrike">
+              <a:rPr b="0" lang="en-US" sz="2000" spc="-1" strike="noStrike">
                 <a:latin typeface="Arial"/>
               </a:rPr>
               <a:t>Sixth Outline Level</a:t>
             </a:r>
-            <a:endParaRPr b="0" lang="en-GB" sz="2000" spc="-1" strike="noStrike">
+            <a:endParaRPr b="0" lang="en-US" sz="2000" spc="-1" strike="noStrike">
               <a:latin typeface="Arial"/>
             </a:endParaRPr>
           </a:p>
@@ -7928,12 +7928,12 @@
               <a:buChar char=""/>
             </a:pPr>
             <a:r>
-              <a:rPr b="0" lang="en-GB" sz="2000" spc="-1" strike="noStrike">
+              <a:rPr b="0" lang="en-US" sz="2000" spc="-1" strike="noStrike">
                 <a:latin typeface="Arial"/>
               </a:rPr>
               <a:t>Seventh Outline Level</a:t>
             </a:r>
-            <a:endParaRPr b="0" lang="en-GB" sz="2000" spc="-1" strike="noStrike">
+            <a:endParaRPr b="0" lang="en-US" sz="2000" spc="-1" strike="noStrike">
               <a:latin typeface="Arial"/>
             </a:endParaRPr>
           </a:p>
@@ -7992,9 +7992,9 @@
         <p:grpSpPr>
           <a:xfrm>
             <a:off x="0" y="857160"/>
-            <a:ext cx="11520360" cy="5997960"/>
+            <a:ext cx="11520000" cy="5997600"/>
             <a:chOff x="0" y="857160"/>
-            <a:chExt cx="11520360" cy="5997960"/>
+            <a:chExt cx="11520000" cy="5997600"/>
           </a:xfrm>
         </p:grpSpPr>
         <p:sp>
@@ -8006,7 +8006,7 @@
           <p:spPr>
             <a:xfrm>
               <a:off x="0" y="857160"/>
-              <a:ext cx="10855800" cy="5997960"/>
+              <a:ext cx="10855440" cy="5997600"/>
             </a:xfrm>
             <a:prstGeom prst="rect">
               <a:avLst/>
@@ -8034,7 +8034,7 @@
           <p:spPr>
             <a:xfrm>
               <a:off x="10171080" y="858240"/>
-              <a:ext cx="1346400" cy="1266840"/>
+              <a:ext cx="1346040" cy="1266480"/>
             </a:xfrm>
             <a:prstGeom prst="ellipse">
               <a:avLst/>
@@ -8062,7 +8062,7 @@
           <p:spPr>
             <a:xfrm>
               <a:off x="6527520" y="1478880"/>
-              <a:ext cx="4992840" cy="5376240"/>
+              <a:ext cx="4992480" cy="5375880"/>
             </a:xfrm>
             <a:prstGeom prst="rect">
               <a:avLst/>
@@ -8095,7 +8095,7 @@
         <p:spPr>
           <a:xfrm>
             <a:off x="119160" y="116640"/>
-            <a:ext cx="392400" cy="393840"/>
+            <a:ext cx="392040" cy="393480"/>
           </a:xfrm>
           <a:prstGeom prst="rect">
             <a:avLst/>
@@ -8130,12 +8130,12 @@
           </a:bodyPr>
           <a:p>
             <a:r>
-              <a:rPr b="0" lang="en-GB" sz="1800" spc="-1" strike="noStrike">
+              <a:rPr b="0" lang="en-US" sz="1800" spc="-1" strike="noStrike">
                 <a:latin typeface="Arial"/>
               </a:rPr>
               <a:t>Click to edit the title text format</a:t>
             </a:r>
-            <a:endParaRPr b="0" lang="en-GB" sz="1800" spc="-1" strike="noStrike">
+            <a:endParaRPr b="0" lang="en-US" sz="1800" spc="-1" strike="noStrike">
               <a:latin typeface="Arial"/>
             </a:endParaRPr>
           </a:p>
@@ -8177,12 +8177,12 @@
               <a:buChar char=""/>
             </a:pPr>
             <a:r>
-              <a:rPr b="0" lang="en-GB" sz="1800" spc="-1" strike="noStrike">
+              <a:rPr b="0" lang="en-US" sz="1800" spc="-1" strike="noStrike">
                 <a:latin typeface="Arial"/>
               </a:rPr>
               <a:t>Click to edit the outline text format</a:t>
             </a:r>
-            <a:endParaRPr b="0" lang="en-GB" sz="1800" spc="-1" strike="noStrike">
+            <a:endParaRPr b="0" lang="en-US" sz="1800" spc="-1" strike="noStrike">
               <a:latin typeface="Arial"/>
             </a:endParaRPr>
           </a:p>
@@ -8199,12 +8199,12 @@
               <a:buChar char=""/>
             </a:pPr>
             <a:r>
-              <a:rPr b="0" lang="en-GB" sz="1800" spc="-1" strike="noStrike">
+              <a:rPr b="0" lang="en-US" sz="1800" spc="-1" strike="noStrike">
                 <a:latin typeface="Arial"/>
               </a:rPr>
               <a:t>Second Outline Level</a:t>
             </a:r>
-            <a:endParaRPr b="0" lang="en-GB" sz="1800" spc="-1" strike="noStrike">
+            <a:endParaRPr b="0" lang="en-US" sz="1800" spc="-1" strike="noStrike">
               <a:latin typeface="Arial"/>
             </a:endParaRPr>
           </a:p>
@@ -8221,12 +8221,12 @@
               <a:buChar char=""/>
             </a:pPr>
             <a:r>
-              <a:rPr b="0" lang="en-GB" sz="1800" spc="-1" strike="noStrike">
+              <a:rPr b="0" lang="en-US" sz="1800" spc="-1" strike="noStrike">
                 <a:latin typeface="Arial"/>
               </a:rPr>
               <a:t>Third Outline Level</a:t>
             </a:r>
-            <a:endParaRPr b="0" lang="en-GB" sz="1800" spc="-1" strike="noStrike">
+            <a:endParaRPr b="0" lang="en-US" sz="1800" spc="-1" strike="noStrike">
               <a:latin typeface="Arial"/>
             </a:endParaRPr>
           </a:p>
@@ -8243,12 +8243,12 @@
               <a:buChar char=""/>
             </a:pPr>
             <a:r>
-              <a:rPr b="0" lang="en-GB" sz="1800" spc="-1" strike="noStrike">
+              <a:rPr b="0" lang="en-US" sz="1800" spc="-1" strike="noStrike">
                 <a:latin typeface="Arial"/>
               </a:rPr>
               <a:t>Fourth Outline Level</a:t>
             </a:r>
-            <a:endParaRPr b="0" lang="en-GB" sz="1800" spc="-1" strike="noStrike">
+            <a:endParaRPr b="0" lang="en-US" sz="1800" spc="-1" strike="noStrike">
               <a:latin typeface="Arial"/>
             </a:endParaRPr>
           </a:p>
@@ -8265,12 +8265,12 @@
               <a:buChar char=""/>
             </a:pPr>
             <a:r>
-              <a:rPr b="0" lang="en-GB" sz="1800" spc="-1" strike="noStrike">
+              <a:rPr b="0" lang="en-US" sz="1800" spc="-1" strike="noStrike">
                 <a:latin typeface="Arial"/>
               </a:rPr>
               <a:t>Fifth Outline Level</a:t>
             </a:r>
-            <a:endParaRPr b="0" lang="en-GB" sz="1800" spc="-1" strike="noStrike">
+            <a:endParaRPr b="0" lang="en-US" sz="1800" spc="-1" strike="noStrike">
               <a:latin typeface="Arial"/>
             </a:endParaRPr>
           </a:p>
@@ -8287,12 +8287,12 @@
               <a:buChar char=""/>
             </a:pPr>
             <a:r>
-              <a:rPr b="0" lang="en-GB" sz="1800" spc="-1" strike="noStrike">
+              <a:rPr b="0" lang="en-US" sz="1800" spc="-1" strike="noStrike">
                 <a:latin typeface="Arial"/>
               </a:rPr>
               <a:t>Sixth Outline Level</a:t>
             </a:r>
-            <a:endParaRPr b="0" lang="en-GB" sz="1800" spc="-1" strike="noStrike">
+            <a:endParaRPr b="0" lang="en-US" sz="1800" spc="-1" strike="noStrike">
               <a:latin typeface="Arial"/>
             </a:endParaRPr>
           </a:p>
@@ -8309,12 +8309,12 @@
               <a:buChar char=""/>
             </a:pPr>
             <a:r>
-              <a:rPr b="0" lang="en-GB" sz="1800" spc="-1" strike="noStrike">
+              <a:rPr b="0" lang="en-US" sz="1800" spc="-1" strike="noStrike">
                 <a:latin typeface="Arial"/>
               </a:rPr>
               <a:t>Seventh Outline Level</a:t>
             </a:r>
-            <a:endParaRPr b="0" lang="en-GB" sz="1800" spc="-1" strike="noStrike">
+            <a:endParaRPr b="0" lang="en-US" sz="1800" spc="-1" strike="noStrike">
               <a:latin typeface="Arial"/>
             </a:endParaRPr>
           </a:p>
@@ -8356,12 +8356,12 @@
               <a:buChar char=""/>
             </a:pPr>
             <a:r>
-              <a:rPr b="0" lang="en-GB" sz="1800" spc="-1" strike="noStrike">
+              <a:rPr b="0" lang="en-US" sz="1800" spc="-1" strike="noStrike">
                 <a:latin typeface="Arial"/>
               </a:rPr>
               <a:t>Click to edit the outline text format</a:t>
             </a:r>
-            <a:endParaRPr b="0" lang="en-GB" sz="1800" spc="-1" strike="noStrike">
+            <a:endParaRPr b="0" lang="en-US" sz="1800" spc="-1" strike="noStrike">
               <a:latin typeface="Arial"/>
             </a:endParaRPr>
           </a:p>
@@ -8378,12 +8378,12 @@
               <a:buChar char=""/>
             </a:pPr>
             <a:r>
-              <a:rPr b="0" lang="en-GB" sz="1800" spc="-1" strike="noStrike">
+              <a:rPr b="0" lang="en-US" sz="1800" spc="-1" strike="noStrike">
                 <a:latin typeface="Arial"/>
               </a:rPr>
               <a:t>Second Outline Level</a:t>
             </a:r>
-            <a:endParaRPr b="0" lang="en-GB" sz="1800" spc="-1" strike="noStrike">
+            <a:endParaRPr b="0" lang="en-US" sz="1800" spc="-1" strike="noStrike">
               <a:latin typeface="Arial"/>
             </a:endParaRPr>
           </a:p>
@@ -8400,12 +8400,12 @@
               <a:buChar char=""/>
             </a:pPr>
             <a:r>
-              <a:rPr b="0" lang="en-GB" sz="1800" spc="-1" strike="noStrike">
+              <a:rPr b="0" lang="en-US" sz="1800" spc="-1" strike="noStrike">
                 <a:latin typeface="Arial"/>
               </a:rPr>
               <a:t>Third Outline Level</a:t>
             </a:r>
-            <a:endParaRPr b="0" lang="en-GB" sz="1800" spc="-1" strike="noStrike">
+            <a:endParaRPr b="0" lang="en-US" sz="1800" spc="-1" strike="noStrike">
               <a:latin typeface="Arial"/>
             </a:endParaRPr>
           </a:p>
@@ -8422,12 +8422,12 @@
               <a:buChar char=""/>
             </a:pPr>
             <a:r>
-              <a:rPr b="0" lang="en-GB" sz="1800" spc="-1" strike="noStrike">
+              <a:rPr b="0" lang="en-US" sz="1800" spc="-1" strike="noStrike">
                 <a:latin typeface="Arial"/>
               </a:rPr>
               <a:t>Fourth Outline Level</a:t>
             </a:r>
-            <a:endParaRPr b="0" lang="en-GB" sz="1800" spc="-1" strike="noStrike">
+            <a:endParaRPr b="0" lang="en-US" sz="1800" spc="-1" strike="noStrike">
               <a:latin typeface="Arial"/>
             </a:endParaRPr>
           </a:p>
@@ -8444,12 +8444,12 @@
               <a:buChar char=""/>
             </a:pPr>
             <a:r>
-              <a:rPr b="0" lang="en-GB" sz="1800" spc="-1" strike="noStrike">
+              <a:rPr b="0" lang="en-US" sz="1800" spc="-1" strike="noStrike">
                 <a:latin typeface="Arial"/>
               </a:rPr>
               <a:t>Fifth Outline Level</a:t>
             </a:r>
-            <a:endParaRPr b="0" lang="en-GB" sz="1800" spc="-1" strike="noStrike">
+            <a:endParaRPr b="0" lang="en-US" sz="1800" spc="-1" strike="noStrike">
               <a:latin typeface="Arial"/>
             </a:endParaRPr>
           </a:p>
@@ -8466,12 +8466,12 @@
               <a:buChar char=""/>
             </a:pPr>
             <a:r>
-              <a:rPr b="0" lang="en-GB" sz="1800" spc="-1" strike="noStrike">
+              <a:rPr b="0" lang="en-US" sz="1800" spc="-1" strike="noStrike">
                 <a:latin typeface="Arial"/>
               </a:rPr>
               <a:t>Sixth Outline Level</a:t>
             </a:r>
-            <a:endParaRPr b="0" lang="en-GB" sz="1800" spc="-1" strike="noStrike">
+            <a:endParaRPr b="0" lang="en-US" sz="1800" spc="-1" strike="noStrike">
               <a:latin typeface="Arial"/>
             </a:endParaRPr>
           </a:p>
@@ -8488,12 +8488,12 @@
               <a:buChar char=""/>
             </a:pPr>
             <a:r>
-              <a:rPr b="0" lang="en-GB" sz="1800" spc="-1" strike="noStrike">
+              <a:rPr b="0" lang="en-US" sz="1800" spc="-1" strike="noStrike">
                 <a:latin typeface="Arial"/>
               </a:rPr>
               <a:t>Seventh Outline Level</a:t>
             </a:r>
-            <a:endParaRPr b="0" lang="en-GB" sz="1800" spc="-1" strike="noStrike">
+            <a:endParaRPr b="0" lang="en-US" sz="1800" spc="-1" strike="noStrike">
               <a:latin typeface="Arial"/>
             </a:endParaRPr>
           </a:p>
@@ -8552,9 +8552,9 @@
         <p:grpSpPr>
           <a:xfrm>
             <a:off x="0" y="857160"/>
-            <a:ext cx="11520360" cy="5997960"/>
+            <a:ext cx="11520000" cy="5997600"/>
             <a:chOff x="0" y="857160"/>
-            <a:chExt cx="11520360" cy="5997960"/>
+            <a:chExt cx="11520000" cy="5997600"/>
           </a:xfrm>
         </p:grpSpPr>
         <p:sp>
@@ -8566,7 +8566,7 @@
           <p:spPr>
             <a:xfrm>
               <a:off x="0" y="857160"/>
-              <a:ext cx="10855800" cy="5997960"/>
+              <a:ext cx="10855440" cy="5997600"/>
             </a:xfrm>
             <a:prstGeom prst="rect">
               <a:avLst/>
@@ -8594,7 +8594,7 @@
           <p:spPr>
             <a:xfrm>
               <a:off x="10171080" y="858240"/>
-              <a:ext cx="1346400" cy="1266840"/>
+              <a:ext cx="1346040" cy="1266480"/>
             </a:xfrm>
             <a:prstGeom prst="ellipse">
               <a:avLst/>
@@ -8622,7 +8622,7 @@
           <p:spPr>
             <a:xfrm>
               <a:off x="6527520" y="1478880"/>
-              <a:ext cx="4992840" cy="5376240"/>
+              <a:ext cx="4992480" cy="5375880"/>
             </a:xfrm>
             <a:prstGeom prst="rect">
               <a:avLst/>
@@ -8655,7 +8655,7 @@
         <p:spPr>
           <a:xfrm>
             <a:off x="119160" y="116640"/>
-            <a:ext cx="392400" cy="393840"/>
+            <a:ext cx="392040" cy="393480"/>
           </a:xfrm>
           <a:prstGeom prst="rect">
             <a:avLst/>
@@ -8691,12 +8691,12 @@
           <a:p>
             <a:pPr algn="ctr"/>
             <a:r>
-              <a:rPr b="0" lang="en-GB" sz="4400" spc="-1" strike="noStrike">
+              <a:rPr b="0" lang="en-US" sz="4400" spc="-1" strike="noStrike">
                 <a:latin typeface="Arial"/>
               </a:rPr>
               <a:t>Click to edit the title text format</a:t>
             </a:r>
-            <a:endParaRPr b="0" lang="en-GB" sz="4400" spc="-1" strike="noStrike">
+            <a:endParaRPr b="0" lang="en-US" sz="4400" spc="-1" strike="noStrike">
               <a:latin typeface="Arial"/>
             </a:endParaRPr>
           </a:p>
@@ -8738,12 +8738,12 @@
               <a:buChar char=""/>
             </a:pPr>
             <a:r>
-              <a:rPr b="0" lang="en-GB" sz="3200" spc="-1" strike="noStrike">
+              <a:rPr b="0" lang="en-US" sz="3200" spc="-1" strike="noStrike">
                 <a:latin typeface="Arial"/>
               </a:rPr>
               <a:t>Click to edit the outline text format</a:t>
             </a:r>
-            <a:endParaRPr b="0" lang="en-GB" sz="3200" spc="-1" strike="noStrike">
+            <a:endParaRPr b="0" lang="en-US" sz="3200" spc="-1" strike="noStrike">
               <a:latin typeface="Arial"/>
             </a:endParaRPr>
           </a:p>
@@ -8760,12 +8760,12 @@
               <a:buChar char=""/>
             </a:pPr>
             <a:r>
-              <a:rPr b="0" lang="en-GB" sz="2800" spc="-1" strike="noStrike">
+              <a:rPr b="0" lang="en-US" sz="2800" spc="-1" strike="noStrike">
                 <a:latin typeface="Arial"/>
               </a:rPr>
               <a:t>Second Outline Level</a:t>
             </a:r>
-            <a:endParaRPr b="0" lang="en-GB" sz="2800" spc="-1" strike="noStrike">
+            <a:endParaRPr b="0" lang="en-US" sz="2800" spc="-1" strike="noStrike">
               <a:latin typeface="Arial"/>
             </a:endParaRPr>
           </a:p>
@@ -8782,12 +8782,12 @@
               <a:buChar char=""/>
             </a:pPr>
             <a:r>
-              <a:rPr b="0" lang="en-GB" sz="2400" spc="-1" strike="noStrike">
+              <a:rPr b="0" lang="en-US" sz="2400" spc="-1" strike="noStrike">
                 <a:latin typeface="Arial"/>
               </a:rPr>
               <a:t>Third Outline Level</a:t>
             </a:r>
-            <a:endParaRPr b="0" lang="en-GB" sz="2400" spc="-1" strike="noStrike">
+            <a:endParaRPr b="0" lang="en-US" sz="2400" spc="-1" strike="noStrike">
               <a:latin typeface="Arial"/>
             </a:endParaRPr>
           </a:p>
@@ -8804,12 +8804,12 @@
               <a:buChar char=""/>
             </a:pPr>
             <a:r>
-              <a:rPr b="0" lang="en-GB" sz="2000" spc="-1" strike="noStrike">
+              <a:rPr b="0" lang="en-US" sz="2000" spc="-1" strike="noStrike">
                 <a:latin typeface="Arial"/>
               </a:rPr>
               <a:t>Fourth Outline Level</a:t>
             </a:r>
-            <a:endParaRPr b="0" lang="en-GB" sz="2000" spc="-1" strike="noStrike">
+            <a:endParaRPr b="0" lang="en-US" sz="2000" spc="-1" strike="noStrike">
               <a:latin typeface="Arial"/>
             </a:endParaRPr>
           </a:p>
@@ -8826,12 +8826,12 @@
               <a:buChar char=""/>
             </a:pPr>
             <a:r>
-              <a:rPr b="0" lang="en-GB" sz="2000" spc="-1" strike="noStrike">
+              <a:rPr b="0" lang="en-US" sz="2000" spc="-1" strike="noStrike">
                 <a:latin typeface="Arial"/>
               </a:rPr>
               <a:t>Fifth Outline Level</a:t>
             </a:r>
-            <a:endParaRPr b="0" lang="en-GB" sz="2000" spc="-1" strike="noStrike">
+            <a:endParaRPr b="0" lang="en-US" sz="2000" spc="-1" strike="noStrike">
               <a:latin typeface="Arial"/>
             </a:endParaRPr>
           </a:p>
@@ -8848,12 +8848,12 @@
               <a:buChar char=""/>
             </a:pPr>
             <a:r>
-              <a:rPr b="0" lang="en-GB" sz="2000" spc="-1" strike="noStrike">
+              <a:rPr b="0" lang="en-US" sz="2000" spc="-1" strike="noStrike">
                 <a:latin typeface="Arial"/>
               </a:rPr>
               <a:t>Sixth Outline Level</a:t>
             </a:r>
-            <a:endParaRPr b="0" lang="en-GB" sz="2000" spc="-1" strike="noStrike">
+            <a:endParaRPr b="0" lang="en-US" sz="2000" spc="-1" strike="noStrike">
               <a:latin typeface="Arial"/>
             </a:endParaRPr>
           </a:p>
@@ -8870,12 +8870,12 @@
               <a:buChar char=""/>
             </a:pPr>
             <a:r>
-              <a:rPr b="0" lang="en-GB" sz="2000" spc="-1" strike="noStrike">
+              <a:rPr b="0" lang="en-US" sz="2000" spc="-1" strike="noStrike">
                 <a:latin typeface="Arial"/>
               </a:rPr>
               <a:t>Seventh Outline Level</a:t>
             </a:r>
-            <a:endParaRPr b="0" lang="en-GB" sz="2000" spc="-1" strike="noStrike">
+            <a:endParaRPr b="0" lang="en-US" sz="2000" spc="-1" strike="noStrike">
               <a:latin typeface="Arial"/>
             </a:endParaRPr>
           </a:p>
@@ -8934,9 +8934,9 @@
         <p:grpSpPr>
           <a:xfrm>
             <a:off x="0" y="857160"/>
-            <a:ext cx="11520360" cy="5997960"/>
+            <a:ext cx="11520000" cy="5997600"/>
             <a:chOff x="0" y="857160"/>
-            <a:chExt cx="11520360" cy="5997960"/>
+            <a:chExt cx="11520000" cy="5997600"/>
           </a:xfrm>
         </p:grpSpPr>
         <p:sp>
@@ -8948,7 +8948,7 @@
           <p:spPr>
             <a:xfrm>
               <a:off x="0" y="857160"/>
-              <a:ext cx="10855800" cy="5997960"/>
+              <a:ext cx="10855440" cy="5997600"/>
             </a:xfrm>
             <a:prstGeom prst="rect">
               <a:avLst/>
@@ -8976,7 +8976,7 @@
           <p:spPr>
             <a:xfrm>
               <a:off x="10171080" y="858240"/>
-              <a:ext cx="1346400" cy="1266840"/>
+              <a:ext cx="1346040" cy="1266480"/>
             </a:xfrm>
             <a:prstGeom prst="ellipse">
               <a:avLst/>
@@ -9004,7 +9004,7 @@
           <p:spPr>
             <a:xfrm>
               <a:off x="6527520" y="1478880"/>
-              <a:ext cx="4992840" cy="5376240"/>
+              <a:ext cx="4992480" cy="5375880"/>
             </a:xfrm>
             <a:prstGeom prst="rect">
               <a:avLst/>
@@ -9037,7 +9037,7 @@
         <p:spPr>
           <a:xfrm>
             <a:off x="119160" y="116640"/>
-            <a:ext cx="392400" cy="393840"/>
+            <a:ext cx="392040" cy="393480"/>
           </a:xfrm>
           <a:prstGeom prst="rect">
             <a:avLst/>
@@ -9072,12 +9072,12 @@
           </a:bodyPr>
           <a:p>
             <a:r>
-              <a:rPr b="0" lang="en-GB" sz="1800" spc="-1" strike="noStrike">
+              <a:rPr b="0" lang="en-US" sz="1800" spc="-1" strike="noStrike">
                 <a:latin typeface="Arial"/>
               </a:rPr>
               <a:t>Click to edit the title text format</a:t>
             </a:r>
-            <a:endParaRPr b="0" lang="en-GB" sz="1800" spc="-1" strike="noStrike">
+            <a:endParaRPr b="0" lang="en-US" sz="1800" spc="-1" strike="noStrike">
               <a:latin typeface="Arial"/>
             </a:endParaRPr>
           </a:p>
@@ -9119,12 +9119,12 @@
               <a:buChar char=""/>
             </a:pPr>
             <a:r>
-              <a:rPr b="0" lang="en-GB" sz="1800" spc="-1" strike="noStrike">
+              <a:rPr b="0" lang="en-US" sz="1800" spc="-1" strike="noStrike">
                 <a:latin typeface="Arial"/>
               </a:rPr>
               <a:t>Click to edit the outline text format</a:t>
             </a:r>
-            <a:endParaRPr b="0" lang="en-GB" sz="1800" spc="-1" strike="noStrike">
+            <a:endParaRPr b="0" lang="en-US" sz="1800" spc="-1" strike="noStrike">
               <a:latin typeface="Arial"/>
             </a:endParaRPr>
           </a:p>
@@ -9141,12 +9141,12 @@
               <a:buChar char=""/>
             </a:pPr>
             <a:r>
-              <a:rPr b="0" lang="en-GB" sz="1800" spc="-1" strike="noStrike">
+              <a:rPr b="0" lang="en-US" sz="1800" spc="-1" strike="noStrike">
                 <a:latin typeface="Arial"/>
               </a:rPr>
               <a:t>Second Outline Level</a:t>
             </a:r>
-            <a:endParaRPr b="0" lang="en-GB" sz="1800" spc="-1" strike="noStrike">
+            <a:endParaRPr b="0" lang="en-US" sz="1800" spc="-1" strike="noStrike">
               <a:latin typeface="Arial"/>
             </a:endParaRPr>
           </a:p>
@@ -9163,12 +9163,12 @@
               <a:buChar char=""/>
             </a:pPr>
             <a:r>
-              <a:rPr b="0" lang="en-GB" sz="1800" spc="-1" strike="noStrike">
+              <a:rPr b="0" lang="en-US" sz="1800" spc="-1" strike="noStrike">
                 <a:latin typeface="Arial"/>
               </a:rPr>
               <a:t>Third Outline Level</a:t>
             </a:r>
-            <a:endParaRPr b="0" lang="en-GB" sz="1800" spc="-1" strike="noStrike">
+            <a:endParaRPr b="0" lang="en-US" sz="1800" spc="-1" strike="noStrike">
               <a:latin typeface="Arial"/>
             </a:endParaRPr>
           </a:p>
@@ -9185,12 +9185,12 @@
               <a:buChar char=""/>
             </a:pPr>
             <a:r>
-              <a:rPr b="0" lang="en-GB" sz="1800" spc="-1" strike="noStrike">
+              <a:rPr b="0" lang="en-US" sz="1800" spc="-1" strike="noStrike">
                 <a:latin typeface="Arial"/>
               </a:rPr>
               <a:t>Fourth Outline Level</a:t>
             </a:r>
-            <a:endParaRPr b="0" lang="en-GB" sz="1800" spc="-1" strike="noStrike">
+            <a:endParaRPr b="0" lang="en-US" sz="1800" spc="-1" strike="noStrike">
               <a:latin typeface="Arial"/>
             </a:endParaRPr>
           </a:p>
@@ -9207,12 +9207,12 @@
               <a:buChar char=""/>
             </a:pPr>
             <a:r>
-              <a:rPr b="0" lang="en-GB" sz="1800" spc="-1" strike="noStrike">
+              <a:rPr b="0" lang="en-US" sz="1800" spc="-1" strike="noStrike">
                 <a:latin typeface="Arial"/>
               </a:rPr>
               <a:t>Fifth Outline Level</a:t>
             </a:r>
-            <a:endParaRPr b="0" lang="en-GB" sz="1800" spc="-1" strike="noStrike">
+            <a:endParaRPr b="0" lang="en-US" sz="1800" spc="-1" strike="noStrike">
               <a:latin typeface="Arial"/>
             </a:endParaRPr>
           </a:p>
@@ -9229,12 +9229,12 @@
               <a:buChar char=""/>
             </a:pPr>
             <a:r>
-              <a:rPr b="0" lang="en-GB" sz="1800" spc="-1" strike="noStrike">
+              <a:rPr b="0" lang="en-US" sz="1800" spc="-1" strike="noStrike">
                 <a:latin typeface="Arial"/>
               </a:rPr>
               <a:t>Sixth Outline Level</a:t>
             </a:r>
-            <a:endParaRPr b="0" lang="en-GB" sz="1800" spc="-1" strike="noStrike">
+            <a:endParaRPr b="0" lang="en-US" sz="1800" spc="-1" strike="noStrike">
               <a:latin typeface="Arial"/>
             </a:endParaRPr>
           </a:p>
@@ -9251,12 +9251,12 @@
               <a:buChar char=""/>
             </a:pPr>
             <a:r>
-              <a:rPr b="0" lang="en-GB" sz="1800" spc="-1" strike="noStrike">
+              <a:rPr b="0" lang="en-US" sz="1800" spc="-1" strike="noStrike">
                 <a:latin typeface="Arial"/>
               </a:rPr>
               <a:t>Seventh Outline Level</a:t>
             </a:r>
-            <a:endParaRPr b="0" lang="en-GB" sz="1800" spc="-1" strike="noStrike">
+            <a:endParaRPr b="0" lang="en-US" sz="1800" spc="-1" strike="noStrike">
               <a:latin typeface="Arial"/>
             </a:endParaRPr>
           </a:p>
@@ -9298,12 +9298,12 @@
               <a:buChar char=""/>
             </a:pPr>
             <a:r>
-              <a:rPr b="0" lang="en-GB" sz="1800" spc="-1" strike="noStrike">
+              <a:rPr b="0" lang="en-US" sz="1800" spc="-1" strike="noStrike">
                 <a:latin typeface="Arial"/>
               </a:rPr>
               <a:t>Click to edit the outline text format</a:t>
             </a:r>
-            <a:endParaRPr b="0" lang="en-GB" sz="1800" spc="-1" strike="noStrike">
+            <a:endParaRPr b="0" lang="en-US" sz="1800" spc="-1" strike="noStrike">
               <a:latin typeface="Arial"/>
             </a:endParaRPr>
           </a:p>
@@ -9320,12 +9320,12 @@
               <a:buChar char=""/>
             </a:pPr>
             <a:r>
-              <a:rPr b="0" lang="en-GB" sz="1800" spc="-1" strike="noStrike">
+              <a:rPr b="0" lang="en-US" sz="1800" spc="-1" strike="noStrike">
                 <a:latin typeface="Arial"/>
               </a:rPr>
               <a:t>Second Outline Level</a:t>
             </a:r>
-            <a:endParaRPr b="0" lang="en-GB" sz="1800" spc="-1" strike="noStrike">
+            <a:endParaRPr b="0" lang="en-US" sz="1800" spc="-1" strike="noStrike">
               <a:latin typeface="Arial"/>
             </a:endParaRPr>
           </a:p>
@@ -9342,12 +9342,12 @@
               <a:buChar char=""/>
             </a:pPr>
             <a:r>
-              <a:rPr b="0" lang="en-GB" sz="1800" spc="-1" strike="noStrike">
+              <a:rPr b="0" lang="en-US" sz="1800" spc="-1" strike="noStrike">
                 <a:latin typeface="Arial"/>
               </a:rPr>
               <a:t>Third Outline Level</a:t>
             </a:r>
-            <a:endParaRPr b="0" lang="en-GB" sz="1800" spc="-1" strike="noStrike">
+            <a:endParaRPr b="0" lang="en-US" sz="1800" spc="-1" strike="noStrike">
               <a:latin typeface="Arial"/>
             </a:endParaRPr>
           </a:p>
@@ -9364,12 +9364,12 @@
               <a:buChar char=""/>
             </a:pPr>
             <a:r>
-              <a:rPr b="0" lang="en-GB" sz="1800" spc="-1" strike="noStrike">
+              <a:rPr b="0" lang="en-US" sz="1800" spc="-1" strike="noStrike">
                 <a:latin typeface="Arial"/>
               </a:rPr>
               <a:t>Fourth Outline Level</a:t>
             </a:r>
-            <a:endParaRPr b="0" lang="en-GB" sz="1800" spc="-1" strike="noStrike">
+            <a:endParaRPr b="0" lang="en-US" sz="1800" spc="-1" strike="noStrike">
               <a:latin typeface="Arial"/>
             </a:endParaRPr>
           </a:p>
@@ -9386,12 +9386,12 @@
               <a:buChar char=""/>
             </a:pPr>
             <a:r>
-              <a:rPr b="0" lang="en-GB" sz="1800" spc="-1" strike="noStrike">
+              <a:rPr b="0" lang="en-US" sz="1800" spc="-1" strike="noStrike">
                 <a:latin typeface="Arial"/>
               </a:rPr>
               <a:t>Fifth Outline Level</a:t>
             </a:r>
-            <a:endParaRPr b="0" lang="en-GB" sz="1800" spc="-1" strike="noStrike">
+            <a:endParaRPr b="0" lang="en-US" sz="1800" spc="-1" strike="noStrike">
               <a:latin typeface="Arial"/>
             </a:endParaRPr>
           </a:p>
@@ -9408,12 +9408,12 @@
               <a:buChar char=""/>
             </a:pPr>
             <a:r>
-              <a:rPr b="0" lang="en-GB" sz="1800" spc="-1" strike="noStrike">
+              <a:rPr b="0" lang="en-US" sz="1800" spc="-1" strike="noStrike">
                 <a:latin typeface="Arial"/>
               </a:rPr>
               <a:t>Sixth Outline Level</a:t>
             </a:r>
-            <a:endParaRPr b="0" lang="en-GB" sz="1800" spc="-1" strike="noStrike">
+            <a:endParaRPr b="0" lang="en-US" sz="1800" spc="-1" strike="noStrike">
               <a:latin typeface="Arial"/>
             </a:endParaRPr>
           </a:p>
@@ -9430,12 +9430,12 @@
               <a:buChar char=""/>
             </a:pPr>
             <a:r>
-              <a:rPr b="0" lang="en-GB" sz="1800" spc="-1" strike="noStrike">
+              <a:rPr b="0" lang="en-US" sz="1800" spc="-1" strike="noStrike">
                 <a:latin typeface="Arial"/>
               </a:rPr>
               <a:t>Seventh Outline Level</a:t>
             </a:r>
-            <a:endParaRPr b="0" lang="en-GB" sz="1800" spc="-1" strike="noStrike">
+            <a:endParaRPr b="0" lang="en-US" sz="1800" spc="-1" strike="noStrike">
               <a:latin typeface="Arial"/>
             </a:endParaRPr>
           </a:p>
@@ -9494,9 +9494,9 @@
         <p:grpSpPr>
           <a:xfrm>
             <a:off x="0" y="857160"/>
-            <a:ext cx="11520360" cy="5997960"/>
+            <a:ext cx="11520000" cy="5997600"/>
             <a:chOff x="0" y="857160"/>
-            <a:chExt cx="11520360" cy="5997960"/>
+            <a:chExt cx="11520000" cy="5997600"/>
           </a:xfrm>
         </p:grpSpPr>
         <p:sp>
@@ -9508,7 +9508,7 @@
           <p:spPr>
             <a:xfrm>
               <a:off x="0" y="857160"/>
-              <a:ext cx="10855800" cy="5997960"/>
+              <a:ext cx="10855440" cy="5997600"/>
             </a:xfrm>
             <a:prstGeom prst="rect">
               <a:avLst/>
@@ -9536,7 +9536,7 @@
           <p:spPr>
             <a:xfrm>
               <a:off x="10171080" y="858240"/>
-              <a:ext cx="1346400" cy="1266840"/>
+              <a:ext cx="1346040" cy="1266480"/>
             </a:xfrm>
             <a:prstGeom prst="ellipse">
               <a:avLst/>
@@ -9564,7 +9564,7 @@
           <p:spPr>
             <a:xfrm>
               <a:off x="6527520" y="1478880"/>
-              <a:ext cx="4992840" cy="5376240"/>
+              <a:ext cx="4992480" cy="5375880"/>
             </a:xfrm>
             <a:prstGeom prst="rect">
               <a:avLst/>
@@ -9597,7 +9597,7 @@
         <p:spPr>
           <a:xfrm>
             <a:off x="119160" y="116640"/>
-            <a:ext cx="392400" cy="393840"/>
+            <a:ext cx="392040" cy="393480"/>
           </a:xfrm>
           <a:prstGeom prst="rect">
             <a:avLst/>
@@ -9633,12 +9633,12 @@
           <a:p>
             <a:pPr algn="ctr"/>
             <a:r>
-              <a:rPr b="0" lang="en-GB" sz="4400" spc="-1" strike="noStrike">
+              <a:rPr b="0" lang="en-US" sz="4400" spc="-1" strike="noStrike">
                 <a:latin typeface="Arial"/>
               </a:rPr>
               <a:t>Click to edit the title text format</a:t>
             </a:r>
-            <a:endParaRPr b="0" lang="en-GB" sz="4400" spc="-1" strike="noStrike">
+            <a:endParaRPr b="0" lang="en-US" sz="4400" spc="-1" strike="noStrike">
               <a:latin typeface="Arial"/>
             </a:endParaRPr>
           </a:p>
@@ -9680,12 +9680,12 @@
               <a:buChar char=""/>
             </a:pPr>
             <a:r>
-              <a:rPr b="0" lang="en-GB" sz="3200" spc="-1" strike="noStrike">
+              <a:rPr b="0" lang="en-US" sz="3200" spc="-1" strike="noStrike">
                 <a:latin typeface="Arial"/>
               </a:rPr>
               <a:t>Click to edit the outline text format</a:t>
             </a:r>
-            <a:endParaRPr b="0" lang="en-GB" sz="3200" spc="-1" strike="noStrike">
+            <a:endParaRPr b="0" lang="en-US" sz="3200" spc="-1" strike="noStrike">
               <a:latin typeface="Arial"/>
             </a:endParaRPr>
           </a:p>
@@ -9702,12 +9702,12 @@
               <a:buChar char=""/>
             </a:pPr>
             <a:r>
-              <a:rPr b="0" lang="en-GB" sz="2800" spc="-1" strike="noStrike">
+              <a:rPr b="0" lang="en-US" sz="2800" spc="-1" strike="noStrike">
                 <a:latin typeface="Arial"/>
               </a:rPr>
               <a:t>Second Outline Level</a:t>
             </a:r>
-            <a:endParaRPr b="0" lang="en-GB" sz="2800" spc="-1" strike="noStrike">
+            <a:endParaRPr b="0" lang="en-US" sz="2800" spc="-1" strike="noStrike">
               <a:latin typeface="Arial"/>
             </a:endParaRPr>
           </a:p>
@@ -9724,12 +9724,12 @@
               <a:buChar char=""/>
             </a:pPr>
             <a:r>
-              <a:rPr b="0" lang="en-GB" sz="2400" spc="-1" strike="noStrike">
+              <a:rPr b="0" lang="en-US" sz="2400" spc="-1" strike="noStrike">
                 <a:latin typeface="Arial"/>
               </a:rPr>
               <a:t>Third Outline Level</a:t>
             </a:r>
-            <a:endParaRPr b="0" lang="en-GB" sz="2400" spc="-1" strike="noStrike">
+            <a:endParaRPr b="0" lang="en-US" sz="2400" spc="-1" strike="noStrike">
               <a:latin typeface="Arial"/>
             </a:endParaRPr>
           </a:p>
@@ -9746,12 +9746,12 @@
               <a:buChar char=""/>
             </a:pPr>
             <a:r>
-              <a:rPr b="0" lang="en-GB" sz="2000" spc="-1" strike="noStrike">
+              <a:rPr b="0" lang="en-US" sz="2000" spc="-1" strike="noStrike">
                 <a:latin typeface="Arial"/>
               </a:rPr>
               <a:t>Fourth Outline Level</a:t>
             </a:r>
-            <a:endParaRPr b="0" lang="en-GB" sz="2000" spc="-1" strike="noStrike">
+            <a:endParaRPr b="0" lang="en-US" sz="2000" spc="-1" strike="noStrike">
               <a:latin typeface="Arial"/>
             </a:endParaRPr>
           </a:p>
@@ -9768,12 +9768,12 @@
               <a:buChar char=""/>
             </a:pPr>
             <a:r>
-              <a:rPr b="0" lang="en-GB" sz="2000" spc="-1" strike="noStrike">
+              <a:rPr b="0" lang="en-US" sz="2000" spc="-1" strike="noStrike">
                 <a:latin typeface="Arial"/>
               </a:rPr>
               <a:t>Fifth Outline Level</a:t>
             </a:r>
-            <a:endParaRPr b="0" lang="en-GB" sz="2000" spc="-1" strike="noStrike">
+            <a:endParaRPr b="0" lang="en-US" sz="2000" spc="-1" strike="noStrike">
               <a:latin typeface="Arial"/>
             </a:endParaRPr>
           </a:p>
@@ -9790,12 +9790,12 @@
               <a:buChar char=""/>
             </a:pPr>
             <a:r>
-              <a:rPr b="0" lang="en-GB" sz="2000" spc="-1" strike="noStrike">
+              <a:rPr b="0" lang="en-US" sz="2000" spc="-1" strike="noStrike">
                 <a:latin typeface="Arial"/>
               </a:rPr>
               <a:t>Sixth Outline Level</a:t>
             </a:r>
-            <a:endParaRPr b="0" lang="en-GB" sz="2000" spc="-1" strike="noStrike">
+            <a:endParaRPr b="0" lang="en-US" sz="2000" spc="-1" strike="noStrike">
               <a:latin typeface="Arial"/>
             </a:endParaRPr>
           </a:p>
@@ -9812,12 +9812,12 @@
               <a:buChar char=""/>
             </a:pPr>
             <a:r>
-              <a:rPr b="0" lang="en-GB" sz="2000" spc="-1" strike="noStrike">
+              <a:rPr b="0" lang="en-US" sz="2000" spc="-1" strike="noStrike">
                 <a:latin typeface="Arial"/>
               </a:rPr>
               <a:t>Seventh Outline Level</a:t>
             </a:r>
-            <a:endParaRPr b="0" lang="en-GB" sz="2000" spc="-1" strike="noStrike">
+            <a:endParaRPr b="0" lang="en-US" sz="2000" spc="-1" strike="noStrike">
               <a:latin typeface="Arial"/>
             </a:endParaRPr>
           </a:p>
@@ -9869,7 +9869,7 @@
         <p:spPr>
           <a:xfrm>
             <a:off x="981360" y="3867840"/>
-            <a:ext cx="9518400" cy="925920"/>
+            <a:ext cx="9518040" cy="925560"/>
           </a:xfrm>
           <a:prstGeom prst="rect">
             <a:avLst/>
@@ -9909,7 +9909,7 @@
               <a:t>SAIKS 2022 final presentation</a:t>
             </a:r>
             <a:br/>
-            <a:endParaRPr b="0" lang="en-GB" sz="5200" spc="-1" strike="noStrike">
+            <a:endParaRPr b="0" lang="en-US" sz="5200" spc="-1" strike="noStrike">
               <a:latin typeface="Arial"/>
             </a:endParaRPr>
           </a:p>
@@ -9924,7 +9924,7 @@
         <p:spPr>
           <a:xfrm>
             <a:off x="981360" y="4895640"/>
-            <a:ext cx="6208200" cy="395640"/>
+            <a:ext cx="6207840" cy="395640"/>
           </a:xfrm>
           <a:prstGeom prst="rect">
             <a:avLst/>
@@ -9963,7 +9963,7 @@
               </a:rPr>
               <a:t>Bogdan Bordeianu, Filip Kovacevic, Nino Ziegelwanger </a:t>
             </a:r>
-            <a:endParaRPr b="0" lang="en-GB" sz="1400" spc="-1" strike="noStrike">
+            <a:endParaRPr b="0" lang="en-US" sz="1400" spc="-1" strike="noStrike">
               <a:latin typeface="Arial"/>
             </a:endParaRPr>
           </a:p>
@@ -10008,7 +10008,7 @@
         <p:spPr>
           <a:xfrm>
             <a:off x="1143000" y="1285920"/>
-            <a:ext cx="9903240" cy="1140120"/>
+            <a:ext cx="9902880" cy="1139760"/>
           </a:xfrm>
           <a:prstGeom prst="rect">
             <a:avLst/>
@@ -10044,7 +10044,7 @@
               </a:rPr>
               <a:t>Ontology Alignment</a:t>
             </a:r>
-            <a:endParaRPr b="0" lang="en-GB" sz="3600" spc="-1" strike="noStrike">
+            <a:endParaRPr b="0" lang="en-US" sz="3600" spc="-1" strike="noStrike">
               <a:latin typeface="Arial"/>
             </a:endParaRPr>
           </a:p>
@@ -10059,7 +10059,7 @@
         <p:spPr>
           <a:xfrm>
             <a:off x="1143000" y="2571840"/>
-            <a:ext cx="9903240" cy="3551400"/>
+            <a:ext cx="9902880" cy="3551040"/>
           </a:xfrm>
           <a:prstGeom prst="rect">
             <a:avLst/>
@@ -10089,7 +10089,7 @@
         <p:spPr>
           <a:xfrm>
             <a:off x="360" y="2364120"/>
-            <a:ext cx="12189240" cy="3969360"/>
+            <a:ext cx="12188880" cy="3969000"/>
           </a:xfrm>
           <a:prstGeom prst="rect">
             <a:avLst/>
@@ -10138,7 +10138,7 @@
         <p:spPr>
           <a:xfrm>
             <a:off x="981360" y="3867840"/>
-            <a:ext cx="9518400" cy="925920"/>
+            <a:ext cx="9518040" cy="925560"/>
           </a:xfrm>
           <a:prstGeom prst="rect">
             <a:avLst/>
@@ -10178,7 +10178,7 @@
               <a:t>Questions?</a:t>
             </a:r>
             <a:br/>
-            <a:endParaRPr b="0" lang="en-GB" sz="5200" spc="-1" strike="noStrike">
+            <a:endParaRPr b="0" lang="en-US" sz="5200" spc="-1" strike="noStrike">
               <a:latin typeface="Arial"/>
             </a:endParaRPr>
           </a:p>
@@ -10223,7 +10223,7 @@
         <p:spPr>
           <a:xfrm>
             <a:off x="989280" y="1052640"/>
-            <a:ext cx="9903240" cy="1140120"/>
+            <a:ext cx="9902880" cy="1139760"/>
           </a:xfrm>
           <a:prstGeom prst="rect">
             <a:avLst/>
@@ -10264,7 +10264,7 @@
             </a:r>
             <a:br/>
             <a:br/>
-            <a:endParaRPr b="0" lang="en-GB" sz="3600" spc="-1" strike="noStrike">
+            <a:endParaRPr b="0" lang="en-US" sz="3600" spc="-1" strike="noStrike">
               <a:latin typeface="Arial"/>
             </a:endParaRPr>
           </a:p>
@@ -10279,7 +10279,7 @@
         <p:spPr>
           <a:xfrm>
             <a:off x="989280" y="2195640"/>
-            <a:ext cx="9903240" cy="4120200"/>
+            <a:ext cx="9902880" cy="4119840"/>
           </a:xfrm>
           <a:prstGeom prst="rect">
             <a:avLst/>
@@ -10300,7 +10300,7 @@
             <a:noAutofit/>
           </a:bodyPr>
           <a:p>
-            <a:pPr marL="457200" indent="-365400">
+            <a:pPr marL="457200" indent="-365040">
               <a:lnSpc>
                 <a:spcPct val="100000"/>
               </a:lnSpc>
@@ -10387,7 +10387,7 @@
               </a:rPr>
               <a:t> </a:t>
             </a:r>
-            <a:endParaRPr b="0" lang="en-GB" sz="2000" spc="-1" strike="noStrike">
+            <a:endParaRPr b="0" lang="en-US" sz="2000" spc="-1" strike="noStrike">
               <a:latin typeface="Arial"/>
             </a:endParaRPr>
           </a:p>
@@ -10406,7 +10406,7 @@
         <p:spPr>
           <a:xfrm>
             <a:off x="7090920" y="4620600"/>
-            <a:ext cx="1949760" cy="1949760"/>
+            <a:ext cx="1949400" cy="1949400"/>
           </a:xfrm>
           <a:prstGeom prst="rect">
             <a:avLst/>
@@ -10429,7 +10429,7 @@
         <p:spPr>
           <a:xfrm>
             <a:off x="4713840" y="4778640"/>
-            <a:ext cx="1633680" cy="1633680"/>
+            <a:ext cx="1633320" cy="1633320"/>
           </a:xfrm>
           <a:prstGeom prst="rect">
             <a:avLst/>
@@ -10452,7 +10452,7 @@
         <p:spPr>
           <a:xfrm>
             <a:off x="2584080" y="4896720"/>
-            <a:ext cx="1146240" cy="1397520"/>
+            <a:ext cx="1145880" cy="1397160"/>
           </a:xfrm>
           <a:prstGeom prst="rect">
             <a:avLst/>
@@ -10501,7 +10501,7 @@
         <p:spPr>
           <a:xfrm>
             <a:off x="1143000" y="1285920"/>
-            <a:ext cx="9903240" cy="1140120"/>
+            <a:ext cx="9902880" cy="1139760"/>
           </a:xfrm>
           <a:prstGeom prst="rect">
             <a:avLst/>
@@ -10541,7 +10541,7 @@
               <a:t>Football ontology members</a:t>
             </a:r>
             <a:br/>
-            <a:endParaRPr b="0" lang="en-GB" sz="3600" spc="-1" strike="noStrike">
+            <a:endParaRPr b="0" lang="en-US" sz="3600" spc="-1" strike="noStrike">
               <a:latin typeface="Arial"/>
             </a:endParaRPr>
           </a:p>
@@ -10560,7 +10560,7 @@
         <p:spPr>
           <a:xfrm>
             <a:off x="1584000" y="2127960"/>
-            <a:ext cx="2661120" cy="4493520"/>
+            <a:ext cx="2660760" cy="4493160"/>
           </a:xfrm>
           <a:prstGeom prst="rect">
             <a:avLst/>
@@ -10583,7 +10583,7 @@
         <p:spPr>
           <a:xfrm>
             <a:off x="5616000" y="2116800"/>
-            <a:ext cx="3237840" cy="4511520"/>
+            <a:ext cx="3237480" cy="4511160"/>
           </a:xfrm>
           <a:prstGeom prst="rect">
             <a:avLst/>
@@ -10602,7 +10602,7 @@
         <p:spPr>
           <a:xfrm>
             <a:off x="6192000" y="5328000"/>
-            <a:ext cx="1077840" cy="141840"/>
+            <a:ext cx="1077480" cy="141480"/>
           </a:xfrm>
           <a:prstGeom prst="rect">
             <a:avLst/>
@@ -10630,7 +10630,7 @@
         <p:spPr>
           <a:xfrm>
             <a:off x="5904000" y="4320000"/>
-            <a:ext cx="1221840" cy="285840"/>
+            <a:ext cx="1221480" cy="285480"/>
           </a:xfrm>
           <a:prstGeom prst="rect">
             <a:avLst/>
@@ -10658,7 +10658,7 @@
         <p:spPr>
           <a:xfrm>
             <a:off x="6120000" y="4824000"/>
-            <a:ext cx="1149840" cy="141840"/>
+            <a:ext cx="1149480" cy="141480"/>
           </a:xfrm>
           <a:prstGeom prst="rect">
             <a:avLst/>
@@ -10720,7 +10720,7 @@
         <p:spPr>
           <a:xfrm>
             <a:off x="7740000" y="1678320"/>
-            <a:ext cx="3237840" cy="4511520"/>
+            <a:ext cx="3237480" cy="4511160"/>
           </a:xfrm>
           <a:prstGeom prst="rect">
             <a:avLst/>
@@ -10739,7 +10739,7 @@
         <p:spPr>
           <a:xfrm>
             <a:off x="8424000" y="3982320"/>
-            <a:ext cx="1149840" cy="141840"/>
+            <a:ext cx="1149480" cy="141480"/>
           </a:xfrm>
           <a:prstGeom prst="rect">
             <a:avLst/>
@@ -10767,7 +10767,7 @@
         <p:spPr>
           <a:xfrm>
             <a:off x="8712000" y="4630320"/>
-            <a:ext cx="1149840" cy="141840"/>
+            <a:ext cx="1149480" cy="141480"/>
           </a:xfrm>
           <a:prstGeom prst="rect">
             <a:avLst/>
@@ -10795,7 +10795,7 @@
         <p:spPr>
           <a:xfrm>
             <a:off x="8568000" y="5413320"/>
-            <a:ext cx="1149840" cy="141840"/>
+            <a:ext cx="1149480" cy="141480"/>
           </a:xfrm>
           <a:prstGeom prst="rect">
             <a:avLst/>
@@ -10823,7 +10823,7 @@
         <p:spPr>
           <a:xfrm>
             <a:off x="8181000" y="5557320"/>
-            <a:ext cx="1149840" cy="366840"/>
+            <a:ext cx="1149480" cy="366480"/>
           </a:xfrm>
           <a:prstGeom prst="rect">
             <a:avLst/>
@@ -10851,7 +10851,7 @@
         <p:spPr>
           <a:xfrm>
             <a:off x="8424000" y="2686320"/>
-            <a:ext cx="1149840" cy="141840"/>
+            <a:ext cx="1149480" cy="141480"/>
           </a:xfrm>
           <a:prstGeom prst="rect">
             <a:avLst/>
@@ -10879,7 +10879,7 @@
         <p:spPr>
           <a:xfrm>
             <a:off x="8208000" y="3118320"/>
-            <a:ext cx="1149840" cy="141840"/>
+            <a:ext cx="1149480" cy="141480"/>
           </a:xfrm>
           <a:prstGeom prst="rect">
             <a:avLst/>
@@ -10907,7 +10907,7 @@
         <p:spPr>
           <a:xfrm>
             <a:off x="8568000" y="5278320"/>
-            <a:ext cx="1149840" cy="141840"/>
+            <a:ext cx="1149480" cy="141480"/>
           </a:xfrm>
           <a:prstGeom prst="rect">
             <a:avLst/>
@@ -10935,7 +10935,7 @@
         <p:spPr>
           <a:xfrm>
             <a:off x="8208000" y="1822320"/>
-            <a:ext cx="1149840" cy="141840"/>
+            <a:ext cx="1149480" cy="141480"/>
           </a:xfrm>
           <a:prstGeom prst="rect">
             <a:avLst/>
@@ -10963,7 +10963,7 @@
         <p:spPr>
           <a:xfrm>
             <a:off x="3519360" y="936000"/>
-            <a:ext cx="4472640" cy="600480"/>
+            <a:ext cx="4472280" cy="600120"/>
           </a:xfrm>
           <a:prstGeom prst="rect">
             <a:avLst/>
@@ -10999,7 +10999,7 @@
               </a:rPr>
               <a:t>Ontop Mappings</a:t>
             </a:r>
-            <a:endParaRPr b="0" lang="en-GB" sz="3600" spc="-1" strike="noStrike">
+            <a:endParaRPr b="0" lang="en-US" sz="3600" spc="-1" strike="noStrike">
               <a:latin typeface="Arial"/>
             </a:endParaRPr>
           </a:p>
@@ -11018,7 +11018,7 @@
         <p:spPr>
           <a:xfrm>
             <a:off x="1848240" y="1717920"/>
-            <a:ext cx="741600" cy="741600"/>
+            <a:ext cx="741240" cy="741240"/>
           </a:xfrm>
           <a:prstGeom prst="rect">
             <a:avLst/>
@@ -11041,7 +11041,7 @@
         <p:spPr>
           <a:xfrm>
             <a:off x="1848240" y="5520240"/>
-            <a:ext cx="741600" cy="741600"/>
+            <a:ext cx="741240" cy="741240"/>
           </a:xfrm>
           <a:prstGeom prst="rect">
             <a:avLst/>
@@ -11064,7 +11064,7 @@
         <p:spPr>
           <a:xfrm>
             <a:off x="1728000" y="1717920"/>
-            <a:ext cx="741600" cy="741600"/>
+            <a:ext cx="741240" cy="741240"/>
           </a:xfrm>
           <a:prstGeom prst="rect">
             <a:avLst/>
@@ -11087,7 +11087,7 @@
         <p:spPr>
           <a:xfrm>
             <a:off x="1776240" y="4152240"/>
-            <a:ext cx="741600" cy="741600"/>
+            <a:ext cx="741240" cy="741240"/>
           </a:xfrm>
           <a:prstGeom prst="rect">
             <a:avLst/>
@@ -11105,8 +11105,8 @@
         </p:nvSpPr>
         <p:spPr>
           <a:xfrm>
-            <a:off x="1728000" y="2533680"/>
-            <a:ext cx="635760" cy="344160"/>
+            <a:off x="1910880" y="2533680"/>
+            <a:ext cx="832320" cy="343800"/>
           </a:xfrm>
           <a:prstGeom prst="rect">
             <a:avLst/>
@@ -11142,7 +11142,7 @@
               </a:rPr>
               <a:t>Bets</a:t>
             </a:r>
-            <a:endParaRPr b="0" lang="en-GB" sz="1800" spc="-1" strike="noStrike">
+            <a:endParaRPr b="0" lang="en-US" sz="1800" spc="-1" strike="noStrike">
               <a:latin typeface="Arial"/>
             </a:endParaRPr>
           </a:p>
@@ -11157,7 +11157,7 @@
         <p:spPr>
           <a:xfrm>
             <a:off x="1872000" y="4909680"/>
-            <a:ext cx="1356480" cy="344160"/>
+            <a:ext cx="1419840" cy="343800"/>
           </a:xfrm>
           <a:prstGeom prst="rect">
             <a:avLst/>
@@ -11193,7 +11193,7 @@
               </a:rPr>
               <a:t>betting_ods</a:t>
             </a:r>
-            <a:endParaRPr b="0" lang="en-GB" sz="1800" spc="-1" strike="noStrike">
+            <a:endParaRPr b="0" lang="en-US" sz="1800" spc="-1" strike="noStrike">
               <a:latin typeface="Arial"/>
             </a:endParaRPr>
           </a:p>
@@ -11208,7 +11208,7 @@
         <p:spPr>
           <a:xfrm>
             <a:off x="1906200" y="6349680"/>
-            <a:ext cx="2368440" cy="344160"/>
+            <a:ext cx="2757240" cy="343800"/>
           </a:xfrm>
           <a:prstGeom prst="rect">
             <a:avLst/>
@@ -11242,9 +11242,9 @@
                 <a:latin typeface="Arial"/>
                 <a:ea typeface="DejaVu Sans"/>
               </a:rPr>
-              <a:t>df_full_premierleague</a:t>
+              <a:t>Premiere league games</a:t>
             </a:r>
-            <a:endParaRPr b="0" lang="en-GB" sz="1800" spc="-1" strike="noStrike">
+            <a:endParaRPr b="0" lang="en-US" sz="1800" spc="-1" strike="noStrike">
               <a:latin typeface="Arial"/>
             </a:endParaRPr>
           </a:p>
@@ -11263,7 +11263,7 @@
         <p:spPr>
           <a:xfrm>
             <a:off x="1776240" y="3024000"/>
-            <a:ext cx="741600" cy="741600"/>
+            <a:ext cx="741240" cy="741240"/>
           </a:xfrm>
           <a:prstGeom prst="rect">
             <a:avLst/>
@@ -11282,7 +11282,7 @@
         <p:spPr>
           <a:xfrm>
             <a:off x="1881360" y="3805920"/>
-            <a:ext cx="1067040" cy="344160"/>
+            <a:ext cx="1227600" cy="343800"/>
           </a:xfrm>
           <a:prstGeom prst="rect">
             <a:avLst/>
@@ -11318,7 +11318,7 @@
               </a:rPr>
               <a:t>transfers</a:t>
             </a:r>
-            <a:endParaRPr b="0" lang="en-GB" sz="1800" spc="-1" strike="noStrike">
+            <a:endParaRPr b="0" lang="en-US" sz="1800" spc="-1" strike="noStrike">
               <a:latin typeface="Arial"/>
             </a:endParaRPr>
           </a:p>
@@ -11337,7 +11337,7 @@
         <p:spPr>
           <a:xfrm>
             <a:off x="3942720" y="3744000"/>
-            <a:ext cx="447120" cy="447120"/>
+            <a:ext cx="446760" cy="446760"/>
           </a:xfrm>
           <a:prstGeom prst="rect">
             <a:avLst/>
@@ -11356,7 +11356,7 @@
         <p:spPr>
           <a:xfrm>
             <a:off x="3456000" y="4320000"/>
-            <a:ext cx="1937160" cy="487800"/>
+            <a:ext cx="1936800" cy="487440"/>
           </a:xfrm>
           <a:prstGeom prst="rect">
             <a:avLst/>
@@ -11403,7 +11403,7 @@
               </a:rPr>
               <a:t>postgres schema</a:t>
             </a:r>
-            <a:endParaRPr b="0" lang="en-GB" sz="1400" spc="-1" strike="noStrike">
+            <a:endParaRPr b="0" lang="en-US" sz="1400" spc="-1" strike="noStrike">
               <a:latin typeface="Arial"/>
             </a:endParaRPr>
           </a:p>
@@ -11418,7 +11418,7 @@
         <p:spPr>
           <a:xfrm>
             <a:off x="5544000" y="3744000"/>
-            <a:ext cx="1797840" cy="429840"/>
+            <a:ext cx="1797480" cy="429480"/>
           </a:xfrm>
           <a:prstGeom prst="rect">
             <a:avLst/>
@@ -11458,7 +11458,7 @@
               </a:rPr>
               <a:t>Ontop mappings</a:t>
             </a:r>
-            <a:endParaRPr b="0" lang="en-GB" sz="1800" spc="-1" strike="noStrike">
+            <a:endParaRPr b="0" lang="en-US" sz="1800" spc="-1" strike="noStrike">
               <a:latin typeface="Arial"/>
             </a:endParaRPr>
           </a:p>
@@ -11589,7 +11589,7 @@
         <p:spPr>
           <a:xfrm>
             <a:off x="4878720" y="6048000"/>
-            <a:ext cx="735120" cy="735120"/>
+            <a:ext cx="734760" cy="734760"/>
           </a:xfrm>
           <a:prstGeom prst="rect">
             <a:avLst/>
@@ -11608,7 +11608,7 @@
         <p:spPr>
           <a:xfrm>
             <a:off x="1152000" y="1584000"/>
-            <a:ext cx="4101840" cy="5181840"/>
+            <a:ext cx="4101480" cy="5181480"/>
           </a:xfrm>
           <a:prstGeom prst="rect">
             <a:avLst/>
@@ -11636,7 +11636,7 @@
         <p:spPr>
           <a:xfrm>
             <a:off x="8925120" y="6408000"/>
-            <a:ext cx="2269440" cy="345240"/>
+            <a:ext cx="2269080" cy="344880"/>
           </a:xfrm>
           <a:prstGeom prst="rect">
             <a:avLst/>
@@ -11672,7 +11672,7 @@
               </a:rPr>
               <a:t>https://github.com/GreenfishK/SAIKS</a:t>
             </a:r>
-            <a:endParaRPr b="0" lang="en-GB" sz="1000" spc="-1" strike="noStrike">
+            <a:endParaRPr b="0" lang="en-US" sz="1000" spc="-1" strike="noStrike">
               <a:latin typeface="Arial"/>
             </a:endParaRPr>
           </a:p>
@@ -11691,7 +11691,7 @@
         <p:spPr>
           <a:xfrm>
             <a:off x="8209080" y="6264000"/>
-            <a:ext cx="537480" cy="537480"/>
+            <a:ext cx="537120" cy="537120"/>
           </a:xfrm>
           <a:prstGeom prst="rect">
             <a:avLst/>
@@ -11714,7 +11714,7 @@
         <p:spPr>
           <a:xfrm>
             <a:off x="4752000" y="3744000"/>
-            <a:ext cx="475920" cy="490680"/>
+            <a:ext cx="475560" cy="490320"/>
           </a:xfrm>
           <a:prstGeom prst="rect">
             <a:avLst/>
@@ -11765,7 +11765,7 @@
         <p:spPr>
           <a:xfrm>
             <a:off x="10584000" y="3713040"/>
-            <a:ext cx="684000" cy="678960"/>
+            <a:ext cx="683640" cy="678600"/>
           </a:xfrm>
           <a:prstGeom prst="rect">
             <a:avLst/>
@@ -11861,14 +11861,14 @@
       </p:sp>
       <p:sp>
         <p:nvSpPr>
-          <p:cNvPr id="273" name="TextShape 26"/>
-          <p:cNvSpPr txBox="1"/>
+          <p:cNvPr id="273" name="CustomShape 26"/>
+          <p:cNvSpPr/>
           <p:nvPr/>
         </p:nvSpPr>
         <p:spPr>
           <a:xfrm>
             <a:off x="10008000" y="4389840"/>
-            <a:ext cx="1690920" cy="689760"/>
+            <a:ext cx="1690560" cy="689400"/>
           </a:xfrm>
           <a:prstGeom prst="rect">
             <a:avLst/>
@@ -11878,284 +11878,43 @@
             <a:noFill/>
           </a:ln>
         </p:spPr>
+        <p:style>
+          <a:lnRef idx="0"/>
+          <a:fillRef idx="0"/>
+          <a:effectRef idx="0"/>
+          <a:fontRef idx="minor"/>
+        </p:style>
         <p:txBody>
           <a:bodyPr lIns="90000" rIns="90000" tIns="45000" bIns="45000">
             <a:noAutofit/>
           </a:bodyPr>
           <a:p>
+            <a:pPr>
+              <a:lnSpc>
+                <a:spcPct val="100000"/>
+              </a:lnSpc>
+            </a:pPr>
             <a:r>
               <a:rPr b="0" lang="en-GB" sz="1400" spc="-1" strike="noStrike">
                 <a:latin typeface="Arial"/>
               </a:rPr>
-              <a:t>O</a:t>
-            </a:r>
-            <a:r>
-              <a:rPr b="0" lang="en-GB" sz="1400" spc="-1" strike="noStrike">
-                <a:latin typeface="Arial"/>
-              </a:rPr>
-              <a:t>v</a:t>
-            </a:r>
-            <a:r>
-              <a:rPr b="0" lang="en-GB" sz="1400" spc="-1" strike="noStrike">
-                <a:latin typeface="Arial"/>
-              </a:rPr>
-              <a:t>e</a:t>
-            </a:r>
-            <a:r>
-              <a:rPr b="0" lang="en-GB" sz="1400" spc="-1" strike="noStrike">
-                <a:latin typeface="Arial"/>
-              </a:rPr>
-              <a:t>r</a:t>
-            </a:r>
-            <a:r>
-              <a:rPr b="0" lang="en-GB" sz="1400" spc="-1" strike="noStrike">
-                <a:latin typeface="Arial"/>
-              </a:rPr>
-              <a:t> </a:t>
-            </a:r>
-            <a:r>
-              <a:rPr b="0" lang="en-GB" sz="1400" spc="-1" strike="noStrike">
-                <a:latin typeface="Arial"/>
-              </a:rPr>
-              <a:t>6</a:t>
-            </a:r>
-            <a:r>
-              <a:rPr b="0" lang="en-GB" sz="1400" spc="-1" strike="noStrike">
-                <a:latin typeface="Arial"/>
-              </a:rPr>
-              <a:t>0</a:t>
-            </a:r>
-            <a:r>
-              <a:rPr b="0" lang="en-GB" sz="1400" spc="-1" strike="noStrike">
-                <a:latin typeface="Arial"/>
-              </a:rPr>
-              <a:t>.</a:t>
-            </a:r>
-            <a:r>
-              <a:rPr b="0" lang="en-GB" sz="1400" spc="-1" strike="noStrike">
-                <a:latin typeface="Arial"/>
-              </a:rPr>
-              <a:t>0</a:t>
-            </a:r>
-            <a:r>
-              <a:rPr b="0" lang="en-GB" sz="1400" spc="-1" strike="noStrike">
-                <a:latin typeface="Arial"/>
-              </a:rPr>
-              <a:t>0</a:t>
-            </a:r>
-            <a:r>
-              <a:rPr b="0" lang="en-GB" sz="1400" spc="-1" strike="noStrike">
-                <a:latin typeface="Arial"/>
-              </a:rPr>
-              <a:t>0</a:t>
-            </a:r>
-            <a:r>
-              <a:rPr b="0" lang="en-GB" sz="1400" spc="-1" strike="noStrike">
-                <a:latin typeface="Arial"/>
-              </a:rPr>
-              <a:t> </a:t>
-            </a:r>
-            <a:r>
-              <a:rPr b="0" lang="en-GB" sz="1400" spc="-1" strike="noStrike">
-                <a:latin typeface="Arial"/>
-              </a:rPr>
-              <a:t>t</a:t>
-            </a:r>
-            <a:r>
-              <a:rPr b="0" lang="en-GB" sz="1400" spc="-1" strike="noStrike">
-                <a:latin typeface="Arial"/>
-              </a:rPr>
-              <a:t>r</a:t>
-            </a:r>
-            <a:r>
-              <a:rPr b="0" lang="en-GB" sz="1400" spc="-1" strike="noStrike">
-                <a:latin typeface="Arial"/>
-              </a:rPr>
-              <a:t>i</a:t>
-            </a:r>
-            <a:r>
-              <a:rPr b="0" lang="en-GB" sz="1400" spc="-1" strike="noStrike">
-                <a:latin typeface="Arial"/>
-              </a:rPr>
-              <a:t>p</a:t>
-            </a:r>
-            <a:r>
-              <a:rPr b="0" lang="en-GB" sz="1400" spc="-1" strike="noStrike">
-                <a:latin typeface="Arial"/>
-              </a:rPr>
-              <a:t>l</a:t>
-            </a:r>
-            <a:r>
-              <a:rPr b="0" lang="en-GB" sz="1400" spc="-1" strike="noStrike">
-                <a:latin typeface="Arial"/>
-              </a:rPr>
-              <a:t>e</a:t>
-            </a:r>
-            <a:r>
-              <a:rPr b="0" lang="en-GB" sz="1400" spc="-1" strike="noStrike">
-                <a:latin typeface="Arial"/>
-              </a:rPr>
-              <a:t>s</a:t>
+              <a:t>Over 60.000 triples</a:t>
             </a:r>
             <a:br/>
             <a:r>
               <a:rPr b="0" lang="en-GB" sz="1400" spc="-1" strike="noStrike">
                 <a:latin typeface="Arial"/>
               </a:rPr>
-              <a:t>i</a:t>
-            </a:r>
-            <a:r>
-              <a:rPr b="0" lang="en-GB" sz="1400" spc="-1" strike="noStrike">
-                <a:latin typeface="Arial"/>
-              </a:rPr>
-              <a:t>n</a:t>
-            </a:r>
-            <a:r>
-              <a:rPr b="0" lang="en-GB" sz="1400" spc="-1" strike="noStrike">
-                <a:latin typeface="Arial"/>
-              </a:rPr>
-              <a:t>c</a:t>
-            </a:r>
-            <a:r>
-              <a:rPr b="0" lang="en-GB" sz="1400" spc="-1" strike="noStrike">
-                <a:latin typeface="Arial"/>
-              </a:rPr>
-              <a:t>l</a:t>
-            </a:r>
-            <a:r>
-              <a:rPr b="0" lang="en-GB" sz="1400" spc="-1" strike="noStrike">
-                <a:latin typeface="Arial"/>
-              </a:rPr>
-              <a:t>u</a:t>
-            </a:r>
-            <a:r>
-              <a:rPr b="0" lang="en-GB" sz="1400" spc="-1" strike="noStrike">
-                <a:latin typeface="Arial"/>
-              </a:rPr>
-              <a:t>d</a:t>
-            </a:r>
-            <a:r>
-              <a:rPr b="0" lang="en-GB" sz="1400" spc="-1" strike="noStrike">
-                <a:latin typeface="Arial"/>
-              </a:rPr>
-              <a:t>i</a:t>
-            </a:r>
-            <a:r>
-              <a:rPr b="0" lang="en-GB" sz="1400" spc="-1" strike="noStrike">
-                <a:latin typeface="Arial"/>
-              </a:rPr>
-              <a:t>n</a:t>
-            </a:r>
-            <a:r>
-              <a:rPr b="0" lang="en-GB" sz="1400" spc="-1" strike="noStrike">
-                <a:latin typeface="Arial"/>
-              </a:rPr>
-              <a:t>g</a:t>
-            </a:r>
-            <a:r>
-              <a:rPr b="0" lang="en-GB" sz="1400" spc="-1" strike="noStrike">
-                <a:latin typeface="Arial"/>
-              </a:rPr>
-              <a:t> </a:t>
+              <a:t>including </a:t>
             </a:r>
             <a:br/>
             <a:r>
               <a:rPr b="0" lang="en-GB" sz="1400" spc="-1" strike="noStrike">
                 <a:latin typeface="Arial"/>
               </a:rPr>
-              <a:t>i</a:t>
+              <a:t>inferred triples</a:t>
             </a:r>
-            <a:r>
-              <a:rPr b="0" lang="en-GB" sz="1400" spc="-1" strike="noStrike">
-                <a:latin typeface="Arial"/>
-              </a:rPr>
-              <a:t>n</a:t>
-            </a:r>
-            <a:r>
-              <a:rPr b="0" lang="en-GB" sz="1400" spc="-1" strike="noStrike">
-                <a:latin typeface="Arial"/>
-              </a:rPr>
-              <a:t>f</a:t>
-            </a:r>
-            <a:r>
-              <a:rPr b="0" lang="en-GB" sz="1400" spc="-1" strike="noStrike">
-                <a:latin typeface="Arial"/>
-              </a:rPr>
-              <a:t>e</a:t>
-            </a:r>
-            <a:r>
-              <a:rPr b="0" lang="en-GB" sz="1400" spc="-1" strike="noStrike">
-                <a:latin typeface="Arial"/>
-              </a:rPr>
-              <a:t>r</a:t>
-            </a:r>
-            <a:r>
-              <a:rPr b="0" lang="en-GB" sz="1400" spc="-1" strike="noStrike">
-                <a:latin typeface="Arial"/>
-              </a:rPr>
-              <a:t>r</a:t>
-            </a:r>
-            <a:r>
-              <a:rPr b="0" lang="en-GB" sz="1400" spc="-1" strike="noStrike">
-                <a:latin typeface="Arial"/>
-              </a:rPr>
-              <a:t>e</a:t>
-            </a:r>
-            <a:r>
-              <a:rPr b="0" lang="en-GB" sz="1400" spc="-1" strike="noStrike">
-                <a:latin typeface="Arial"/>
-              </a:rPr>
-              <a:t>d</a:t>
-            </a:r>
-            <a:r>
-              <a:rPr b="0" lang="en-GB" sz="1400" spc="-1" strike="noStrike">
-                <a:latin typeface="Arial"/>
-              </a:rPr>
-              <a:t> </a:t>
-            </a:r>
-            <a:r>
-              <a:rPr b="0" lang="en-GB" sz="1400" spc="-1" strike="noStrike">
-                <a:latin typeface="Arial"/>
-              </a:rPr>
-              <a:t>t</a:t>
-            </a:r>
-            <a:r>
-              <a:rPr b="0" lang="en-GB" sz="1400" spc="-1" strike="noStrike">
-                <a:latin typeface="Arial"/>
-              </a:rPr>
-              <a:t>r</a:t>
-            </a:r>
-            <a:r>
-              <a:rPr b="0" lang="en-GB" sz="1400" spc="-1" strike="noStrike">
-                <a:latin typeface="Arial"/>
-              </a:rPr>
-              <a:t>i</a:t>
-            </a:r>
-            <a:r>
-              <a:rPr b="0" lang="en-GB" sz="1400" spc="-1" strike="noStrike">
-                <a:latin typeface="Arial"/>
-              </a:rPr>
-              <a:t>p</a:t>
-            </a:r>
-            <a:r>
-              <a:rPr b="0" lang="en-GB" sz="1400" spc="-1" strike="noStrike">
-                <a:latin typeface="Arial"/>
-              </a:rPr>
-              <a:t>l</a:t>
-            </a:r>
-            <a:r>
-              <a:rPr b="0" lang="en-GB" sz="1400" spc="-1" strike="noStrike">
-                <a:latin typeface="Arial"/>
-              </a:rPr>
-              <a:t>e</a:t>
-            </a:r>
-            <a:r>
-              <a:rPr b="0" lang="en-GB" sz="1400" spc="-1" strike="noStrike">
-                <a:latin typeface="Arial"/>
-              </a:rPr>
-              <a:t>s</a:t>
-            </a:r>
-            <a:endParaRPr b="0" lang="en-GB" sz="1400" spc="-1" strike="noStrike">
+            <a:endParaRPr b="0" lang="en-US" sz="1400" spc="-1" strike="noStrike">
               <a:latin typeface="Arial"/>
             </a:endParaRPr>
           </a:p>
@@ -12204,7 +11963,7 @@
         <p:spPr>
           <a:xfrm>
             <a:off x="2088000" y="959400"/>
-            <a:ext cx="8782200" cy="5896800"/>
+            <a:ext cx="8781840" cy="5896440"/>
           </a:xfrm>
           <a:prstGeom prst="rect">
             <a:avLst/>
@@ -12223,7 +11982,7 @@
         <p:spPr>
           <a:xfrm>
             <a:off x="1143000" y="1285920"/>
-            <a:ext cx="9903240" cy="1140120"/>
+            <a:ext cx="9902880" cy="1139760"/>
           </a:xfrm>
           <a:prstGeom prst="rect">
             <a:avLst/>
@@ -12263,7 +12022,7 @@
               <a:t>Football ontology in GraphDB</a:t>
             </a:r>
             <a:br/>
-            <a:endParaRPr b="0" lang="en-GB" sz="3600" spc="-1" strike="noStrike">
+            <a:endParaRPr b="0" lang="en-US" sz="3600" spc="-1" strike="noStrike">
               <a:latin typeface="Arial"/>
             </a:endParaRPr>
           </a:p>
@@ -12308,7 +12067,7 @@
         <p:spPr>
           <a:xfrm>
             <a:off x="1143000" y="1285920"/>
-            <a:ext cx="9903240" cy="1140120"/>
+            <a:ext cx="9902880" cy="1139760"/>
           </a:xfrm>
           <a:prstGeom prst="rect">
             <a:avLst/>
@@ -12344,7 +12103,7 @@
               </a:rPr>
               <a:t>SHACL(1)</a:t>
             </a:r>
-            <a:endParaRPr b="0" lang="en-GB" sz="3600" spc="-1" strike="noStrike">
+            <a:endParaRPr b="0" lang="en-US" sz="3600" spc="-1" strike="noStrike">
               <a:latin typeface="Arial"/>
             </a:endParaRPr>
           </a:p>
@@ -12359,7 +12118,7 @@
         <p:spPr>
           <a:xfrm>
             <a:off x="738720" y="2179800"/>
-            <a:ext cx="10307160" cy="3943440"/>
+            <a:ext cx="10306800" cy="3943080"/>
           </a:xfrm>
           <a:prstGeom prst="rect">
             <a:avLst/>
@@ -12380,7 +12139,7 @@
             <a:noAutofit/>
           </a:bodyPr>
           <a:p>
-            <a:pPr marL="571680" indent="-340200">
+            <a:pPr marL="571680" indent="-339840">
               <a:lnSpc>
                 <a:spcPct val="100000"/>
               </a:lnSpc>
@@ -12403,12 +12162,12 @@
               </a:rPr>
               <a:t>Tip Constraint</a:t>
             </a:r>
-            <a:endParaRPr b="0" lang="en-GB" sz="2400" spc="-1" strike="noStrike">
-              <a:latin typeface="Arial"/>
-            </a:endParaRPr>
-          </a:p>
-          <a:p>
-            <a:pPr lvl="1" marL="1028880" indent="-340200">
+            <a:endParaRPr b="0" lang="en-US" sz="2400" spc="-1" strike="noStrike">
+              <a:latin typeface="Arial"/>
+            </a:endParaRPr>
+          </a:p>
+          <a:p>
+            <a:pPr lvl="1" marL="1028880" indent="-339840">
               <a:lnSpc>
                 <a:spcPct val="100000"/>
               </a:lnSpc>
@@ -12451,12 +12210,12 @@
               </a:rPr>
               <a:t> String pattern “A|H|D”</a:t>
             </a:r>
-            <a:endParaRPr b="0" lang="en-GB" sz="2000" spc="-1" strike="noStrike">
-              <a:latin typeface="Arial"/>
-            </a:endParaRPr>
-          </a:p>
-          <a:p>
-            <a:pPr lvl="1" marL="1028880" indent="-340200">
+            <a:endParaRPr b="0" lang="en-US" sz="2000" spc="-1" strike="noStrike">
+              <a:latin typeface="Arial"/>
+            </a:endParaRPr>
+          </a:p>
+          <a:p>
+            <a:pPr lvl="1" marL="1028880" indent="-339840">
               <a:lnSpc>
                 <a:spcPct val="100000"/>
               </a:lnSpc>
@@ -12499,12 +12258,12 @@
               </a:rPr>
               <a:t> String pattern “.*”</a:t>
             </a:r>
-            <a:endParaRPr b="0" lang="en-GB" sz="2000" spc="-1" strike="noStrike">
-              <a:latin typeface="Arial"/>
-            </a:endParaRPr>
-          </a:p>
-          <a:p>
-            <a:pPr marL="571680" indent="-340200">
+            <a:endParaRPr b="0" lang="en-US" sz="2000" spc="-1" strike="noStrike">
+              <a:latin typeface="Arial"/>
+            </a:endParaRPr>
+          </a:p>
+          <a:p>
+            <a:pPr marL="571680" indent="-339840">
               <a:lnSpc>
                 <a:spcPct val="100000"/>
               </a:lnSpc>
@@ -12527,12 +12286,12 @@
               </a:rPr>
               <a:t>Quotes Constraint (for all quotes)</a:t>
             </a:r>
-            <a:endParaRPr b="0" lang="en-GB" sz="2400" spc="-1" strike="noStrike">
-              <a:latin typeface="Arial"/>
-            </a:endParaRPr>
-          </a:p>
-          <a:p>
-            <a:pPr lvl="1" marL="1028880" indent="-340200">
+            <a:endParaRPr b="0" lang="en-US" sz="2400" spc="-1" strike="noStrike">
+              <a:latin typeface="Arial"/>
+            </a:endParaRPr>
+          </a:p>
+          <a:p>
+            <a:pPr lvl="1" marL="1028880" indent="-339840">
               <a:lnSpc>
                 <a:spcPct val="100000"/>
               </a:lnSpc>
@@ -12555,12 +12314,12 @@
               </a:rPr>
               <a:t>minExclusive 1</a:t>
             </a:r>
-            <a:endParaRPr b="0" lang="en-GB" sz="2000" spc="-1" strike="noStrike">
-              <a:latin typeface="Arial"/>
-            </a:endParaRPr>
-          </a:p>
-          <a:p>
-            <a:pPr marL="571680" indent="-340200">
+            <a:endParaRPr b="0" lang="en-US" sz="2000" spc="-1" strike="noStrike">
+              <a:latin typeface="Arial"/>
+            </a:endParaRPr>
+          </a:p>
+          <a:p>
+            <a:pPr marL="571680" indent="-339840">
               <a:lnSpc>
                 <a:spcPct val="100000"/>
               </a:lnSpc>
@@ -12583,12 +12342,12 @@
               </a:rPr>
               <a:t>Password Constraint</a:t>
             </a:r>
-            <a:endParaRPr b="0" lang="en-GB" sz="2400" spc="-1" strike="noStrike">
-              <a:latin typeface="Arial"/>
-            </a:endParaRPr>
-          </a:p>
-          <a:p>
-            <a:pPr lvl="1" marL="1028880" indent="-340200">
+            <a:endParaRPr b="0" lang="en-US" sz="2400" spc="-1" strike="noStrike">
+              <a:latin typeface="Arial"/>
+            </a:endParaRPr>
+          </a:p>
+          <a:p>
+            <a:pPr lvl="1" marL="1028880" indent="-339840">
               <a:lnSpc>
                 <a:spcPct val="100000"/>
               </a:lnSpc>
@@ -12611,12 +12370,12 @@
               </a:rPr>
               <a:t>Exactly 1</a:t>
             </a:r>
-            <a:endParaRPr b="0" lang="en-GB" sz="2000" spc="-1" strike="noStrike">
-              <a:latin typeface="Arial"/>
-            </a:endParaRPr>
-          </a:p>
-          <a:p>
-            <a:pPr lvl="1" marL="1028880" indent="-340200">
+            <a:endParaRPr b="0" lang="en-US" sz="2000" spc="-1" strike="noStrike">
+              <a:latin typeface="Arial"/>
+            </a:endParaRPr>
+          </a:p>
+          <a:p>
+            <a:pPr lvl="1" marL="1028880" indent="-339840">
               <a:lnSpc>
                 <a:spcPct val="100000"/>
               </a:lnSpc>
@@ -12639,7 +12398,7 @@
               </a:rPr>
               <a:t>minLength 8</a:t>
             </a:r>
-            <a:endParaRPr b="0" lang="en-GB" sz="2000" spc="-1" strike="noStrike">
+            <a:endParaRPr b="0" lang="en-US" sz="2000" spc="-1" strike="noStrike">
               <a:latin typeface="Arial"/>
             </a:endParaRPr>
           </a:p>
@@ -12655,7 +12414,7 @@
                 <a:tab algn="l" pos="0"/>
               </a:tabLst>
             </a:pPr>
-            <a:endParaRPr b="0" lang="en-GB" sz="2000" spc="-1" strike="noStrike">
+            <a:endParaRPr b="0" lang="en-US" sz="2000" spc="-1" strike="noStrike">
               <a:latin typeface="Arial"/>
             </a:endParaRPr>
           </a:p>
@@ -12700,7 +12459,7 @@
         <p:spPr>
           <a:xfrm>
             <a:off x="1143000" y="1285920"/>
-            <a:ext cx="9903240" cy="1140120"/>
+            <a:ext cx="9902880" cy="1139760"/>
           </a:xfrm>
           <a:prstGeom prst="rect">
             <a:avLst/>
@@ -12736,7 +12495,7 @@
               </a:rPr>
               <a:t>SHACL(2)</a:t>
             </a:r>
-            <a:endParaRPr b="0" lang="en-GB" sz="3600" spc="-1" strike="noStrike">
+            <a:endParaRPr b="0" lang="en-US" sz="3600" spc="-1" strike="noStrike">
               <a:latin typeface="Arial"/>
             </a:endParaRPr>
           </a:p>
@@ -12751,7 +12510,7 @@
         <p:spPr>
           <a:xfrm>
             <a:off x="1143000" y="2571840"/>
-            <a:ext cx="9903240" cy="3551400"/>
+            <a:ext cx="9902880" cy="3551040"/>
           </a:xfrm>
           <a:prstGeom prst="rect">
             <a:avLst/>
@@ -12772,7 +12531,7 @@
             <a:noAutofit/>
           </a:bodyPr>
           <a:p>
-            <a:pPr marL="571680" indent="-340200">
+            <a:pPr marL="571680" indent="-339840">
               <a:lnSpc>
                 <a:spcPct val="100000"/>
               </a:lnSpc>
@@ -12795,12 +12554,12 @@
               </a:rPr>
               <a:t>Nation Constraint</a:t>
             </a:r>
-            <a:endParaRPr b="0" lang="en-GB" sz="2400" spc="-1" strike="noStrike">
-              <a:latin typeface="Arial"/>
-            </a:endParaRPr>
-          </a:p>
-          <a:p>
-            <a:pPr lvl="1" marL="1028880" indent="-340200">
+            <a:endParaRPr b="0" lang="en-US" sz="2400" spc="-1" strike="noStrike">
+              <a:latin typeface="Arial"/>
+            </a:endParaRPr>
+          </a:p>
+          <a:p>
+            <a:pPr lvl="1" marL="1028880" indent="-339840">
               <a:lnSpc>
                 <a:spcPct val="100000"/>
               </a:lnSpc>
@@ -12823,12 +12582,12 @@
               </a:rPr>
               <a:t>Exactly 1 Address</a:t>
             </a:r>
-            <a:endParaRPr b="0" lang="en-GB" sz="2000" spc="-1" strike="noStrike">
-              <a:latin typeface="Arial"/>
-            </a:endParaRPr>
-          </a:p>
-          <a:p>
-            <a:pPr lvl="1" marL="1028880" indent="-340200">
+            <a:endParaRPr b="0" lang="en-US" sz="2000" spc="-1" strike="noStrike">
+              <a:latin typeface="Arial"/>
+            </a:endParaRPr>
+          </a:p>
+          <a:p>
+            <a:pPr lvl="1" marL="1028880" indent="-339840">
               <a:lnSpc>
                 <a:spcPct val="100000"/>
               </a:lnSpc>
@@ -12851,12 +12610,12 @@
               </a:rPr>
               <a:t>Must be a String or an Address Class</a:t>
             </a:r>
-            <a:endParaRPr b="0" lang="en-GB" sz="2000" spc="-1" strike="noStrike">
-              <a:latin typeface="Arial"/>
-            </a:endParaRPr>
-          </a:p>
-          <a:p>
-            <a:pPr marL="571680" indent="-340200">
+            <a:endParaRPr b="0" lang="en-US" sz="2000" spc="-1" strike="noStrike">
+              <a:latin typeface="Arial"/>
+            </a:endParaRPr>
+          </a:p>
+          <a:p>
+            <a:pPr marL="571680" indent="-339840">
               <a:lnSpc>
                 <a:spcPct val="100000"/>
               </a:lnSpc>
@@ -12879,12 +12638,12 @@
               </a:rPr>
               <a:t>Association Contract Constraint</a:t>
             </a:r>
-            <a:endParaRPr b="0" lang="en-GB" sz="2400" spc="-1" strike="noStrike">
-              <a:latin typeface="Arial"/>
-            </a:endParaRPr>
-          </a:p>
-          <a:p>
-            <a:pPr lvl="1" marL="1028880" indent="-340200">
+            <a:endParaRPr b="0" lang="en-US" sz="2400" spc="-1" strike="noStrike">
+              <a:latin typeface="Arial"/>
+            </a:endParaRPr>
+          </a:p>
+          <a:p>
+            <a:pPr lvl="1" marL="1028880" indent="-339840">
               <a:lnSpc>
                 <a:spcPct val="100000"/>
               </a:lnSpc>
@@ -12907,12 +12666,12 @@
               </a:rPr>
               <a:t>Exactly 1 Role</a:t>
             </a:r>
-            <a:endParaRPr b="0" lang="en-GB" sz="2000" spc="-1" strike="noStrike">
-              <a:latin typeface="Arial"/>
-            </a:endParaRPr>
-          </a:p>
-          <a:p>
-            <a:pPr lvl="1" marL="1028880" indent="-340200">
+            <a:endParaRPr b="0" lang="en-US" sz="2000" spc="-1" strike="noStrike">
+              <a:latin typeface="Arial"/>
+            </a:endParaRPr>
+          </a:p>
+          <a:p>
+            <a:pPr lvl="1" marL="1028880" indent="-339840">
               <a:lnSpc>
                 <a:spcPct val="100000"/>
               </a:lnSpc>
@@ -12935,12 +12694,12 @@
               </a:rPr>
               <a:t>Min 1 Season</a:t>
             </a:r>
-            <a:endParaRPr b="0" lang="en-GB" sz="2000" spc="-1" strike="noStrike">
-              <a:latin typeface="Arial"/>
-            </a:endParaRPr>
-          </a:p>
-          <a:p>
-            <a:pPr lvl="1" marL="1028880" indent="-340200">
+            <a:endParaRPr b="0" lang="en-US" sz="2000" spc="-1" strike="noStrike">
+              <a:latin typeface="Arial"/>
+            </a:endParaRPr>
+          </a:p>
+          <a:p>
+            <a:pPr lvl="1" marL="1028880" indent="-339840">
               <a:lnSpc>
                 <a:spcPct val="100000"/>
               </a:lnSpc>
@@ -12963,12 +12722,12 @@
               </a:rPr>
               <a:t>Exactly 1 Association</a:t>
             </a:r>
-            <a:endParaRPr b="0" lang="en-GB" sz="2000" spc="-1" strike="noStrike">
-              <a:latin typeface="Arial"/>
-            </a:endParaRPr>
-          </a:p>
-          <a:p>
-            <a:pPr lvl="1" marL="1028880" indent="-340200">
+            <a:endParaRPr b="0" lang="en-US" sz="2000" spc="-1" strike="noStrike">
+              <a:latin typeface="Arial"/>
+            </a:endParaRPr>
+          </a:p>
+          <a:p>
+            <a:pPr lvl="1" marL="1028880" indent="-339840">
               <a:lnSpc>
                 <a:spcPct val="100000"/>
               </a:lnSpc>
@@ -12991,12 +12750,12 @@
               </a:rPr>
               <a:t>Exactly 1 FootballAssociate</a:t>
             </a:r>
-            <a:endParaRPr b="0" lang="en-GB" sz="2000" spc="-1" strike="noStrike">
-              <a:latin typeface="Arial"/>
-            </a:endParaRPr>
-          </a:p>
-          <a:p>
-            <a:pPr marL="457200" indent="-225720">
+            <a:endParaRPr b="0" lang="en-US" sz="2000" spc="-1" strike="noStrike">
+              <a:latin typeface="Arial"/>
+            </a:endParaRPr>
+          </a:p>
+          <a:p>
+            <a:pPr marL="457200" indent="-225360">
               <a:lnSpc>
                 <a:spcPct val="100000"/>
               </a:lnSpc>
@@ -13007,7 +12766,7 @@
                 <a:tab algn="l" pos="0"/>
               </a:tabLst>
             </a:pPr>
-            <a:endParaRPr b="0" lang="en-GB" sz="2000" spc="-1" strike="noStrike">
+            <a:endParaRPr b="0" lang="en-US" sz="2000" spc="-1" strike="noStrike">
               <a:latin typeface="Arial"/>
             </a:endParaRPr>
           </a:p>
@@ -13052,7 +12811,7 @@
         <p:spPr>
           <a:xfrm>
             <a:off x="1143000" y="1285920"/>
-            <a:ext cx="9903240" cy="678960"/>
+            <a:ext cx="9902880" cy="678600"/>
           </a:xfrm>
           <a:prstGeom prst="rect">
             <a:avLst/>
@@ -13088,7 +12847,7 @@
               </a:rPr>
               <a:t>Oops! (Before and after)</a:t>
             </a:r>
-            <a:endParaRPr b="0" lang="en-GB" sz="3600" spc="-1" strike="noStrike">
+            <a:endParaRPr b="0" lang="en-US" sz="3600" spc="-1" strike="noStrike">
               <a:latin typeface="Arial"/>
             </a:endParaRPr>
           </a:p>
@@ -13107,7 +12866,7 @@
         <p:spPr>
           <a:xfrm>
             <a:off x="502200" y="2112120"/>
-            <a:ext cx="5105520" cy="4533480"/>
+            <a:ext cx="5105160" cy="4533120"/>
           </a:xfrm>
           <a:prstGeom prst="rect">
             <a:avLst/>
@@ -13130,7 +12889,7 @@
         <p:spPr>
           <a:xfrm>
             <a:off x="5981400" y="1973880"/>
-            <a:ext cx="5105520" cy="4742280"/>
+            <a:ext cx="5105160" cy="4741920"/>
           </a:xfrm>
           <a:prstGeom prst="rect">
             <a:avLst/>
@@ -13179,7 +12938,7 @@
         <p:spPr>
           <a:xfrm>
             <a:off x="1143000" y="1285920"/>
-            <a:ext cx="9903240" cy="1140120"/>
+            <a:ext cx="9902880" cy="1139760"/>
           </a:xfrm>
           <a:prstGeom prst="rect">
             <a:avLst/>
@@ -13215,7 +12974,7 @@
               </a:rPr>
               <a:t>Ontology Alignment – Our experience</a:t>
             </a:r>
-            <a:endParaRPr b="0" lang="en-GB" sz="3600" spc="-1" strike="noStrike">
+            <a:endParaRPr b="0" lang="en-US" sz="3600" spc="-1" strike="noStrike">
               <a:latin typeface="Arial"/>
             </a:endParaRPr>
           </a:p>
@@ -13230,7 +12989,7 @@
         <p:spPr>
           <a:xfrm>
             <a:off x="1143000" y="2571840"/>
-            <a:ext cx="9903240" cy="3551400"/>
+            <a:ext cx="9902880" cy="3551040"/>
           </a:xfrm>
           <a:prstGeom prst="rect">
             <a:avLst/>
@@ -13251,7 +13010,7 @@
             <a:noAutofit/>
           </a:bodyPr>
           <a:p>
-            <a:pPr marL="457200" indent="-225720">
+            <a:pPr marL="457200" indent="-225360">
               <a:lnSpc>
                 <a:spcPct val="100000"/>
               </a:lnSpc>
@@ -13272,12 +13031,12 @@
               </a:rPr>
               <a:t>* Two different ontologies found.</a:t>
             </a:r>
-            <a:endParaRPr b="0" lang="en-GB" sz="2400" spc="-1" strike="noStrike">
-              <a:latin typeface="Arial"/>
-            </a:endParaRPr>
-          </a:p>
-          <a:p>
-            <a:pPr marL="457200" indent="-225720">
+            <a:endParaRPr b="0" lang="en-US" sz="2400" spc="-1" strike="noStrike">
+              <a:latin typeface="Arial"/>
+            </a:endParaRPr>
+          </a:p>
+          <a:p>
+            <a:pPr marL="457200" indent="-225360">
               <a:lnSpc>
                 <a:spcPct val="100000"/>
               </a:lnSpc>
@@ -13308,12 +13067,12 @@
               </a:rPr>
               <a:t>- Different complexities</a:t>
             </a:r>
-            <a:endParaRPr b="0" lang="en-GB" sz="1600" spc="-1" strike="noStrike">
-              <a:latin typeface="Arial"/>
-            </a:endParaRPr>
-          </a:p>
-          <a:p>
-            <a:pPr marL="457200" indent="-225720">
+            <a:endParaRPr b="0" lang="en-US" sz="1600" spc="-1" strike="noStrike">
+              <a:latin typeface="Arial"/>
+            </a:endParaRPr>
+          </a:p>
+          <a:p>
+            <a:pPr marL="457200" indent="-225360">
               <a:lnSpc>
                 <a:spcPct val="100000"/>
               </a:lnSpc>
@@ -13344,12 +13103,12 @@
               </a:rPr>
               <a:t>- No betting concepts in the second ontology</a:t>
             </a:r>
-            <a:endParaRPr b="0" lang="en-GB" sz="1600" spc="-1" strike="noStrike">
-              <a:latin typeface="Arial"/>
-            </a:endParaRPr>
-          </a:p>
-          <a:p>
-            <a:pPr marL="457200" indent="-225720">
+            <a:endParaRPr b="0" lang="en-US" sz="1600" spc="-1" strike="noStrike">
+              <a:latin typeface="Arial"/>
+            </a:endParaRPr>
+          </a:p>
+          <a:p>
+            <a:pPr marL="457200" indent="-225360">
               <a:lnSpc>
                 <a:spcPct val="100000"/>
               </a:lnSpc>
@@ -13370,12 +13129,12 @@
               </a:rPr>
               <a:t>* Used Logmap and AgreementMaker</a:t>
             </a:r>
-            <a:endParaRPr b="0" lang="en-GB" sz="2400" spc="-1" strike="noStrike">
-              <a:latin typeface="Arial"/>
-            </a:endParaRPr>
-          </a:p>
-          <a:p>
-            <a:pPr marL="457200" indent="-225720">
+            <a:endParaRPr b="0" lang="en-US" sz="2400" spc="-1" strike="noStrike">
+              <a:latin typeface="Arial"/>
+            </a:endParaRPr>
+          </a:p>
+          <a:p>
+            <a:pPr marL="457200" indent="-225360">
               <a:lnSpc>
                 <a:spcPct val="100000"/>
               </a:lnSpc>
@@ -13406,12 +13165,12 @@
               </a:rPr>
               <a:t>- Only Logmap was able to deliver a result for only one of the two ontologies</a:t>
             </a:r>
-            <a:endParaRPr b="0" lang="en-GB" sz="1600" spc="-1" strike="noStrike">
-              <a:latin typeface="Arial"/>
-            </a:endParaRPr>
-          </a:p>
-          <a:p>
-            <a:pPr marL="457200" indent="-225720">
+            <a:endParaRPr b="0" lang="en-US" sz="1600" spc="-1" strike="noStrike">
+              <a:latin typeface="Arial"/>
+            </a:endParaRPr>
+          </a:p>
+          <a:p>
+            <a:pPr marL="457200" indent="-225360">
               <a:lnSpc>
                 <a:spcPct val="100000"/>
               </a:lnSpc>
@@ -13442,12 +13201,12 @@
               </a:rPr>
               <a:t>- One similar class found</a:t>
             </a:r>
-            <a:endParaRPr b="0" lang="en-GB" sz="1600" spc="-1" strike="noStrike">
-              <a:latin typeface="Arial"/>
-            </a:endParaRPr>
-          </a:p>
-          <a:p>
-            <a:pPr marL="457200" indent="-225720">
+            <a:endParaRPr b="0" lang="en-US" sz="1600" spc="-1" strike="noStrike">
+              <a:latin typeface="Arial"/>
+            </a:endParaRPr>
+          </a:p>
+          <a:p>
+            <a:pPr marL="457200" indent="-225360">
               <a:lnSpc>
                 <a:spcPct val="100000"/>
               </a:lnSpc>
@@ -13468,12 +13227,12 @@
               </a:rPr>
               <a:t>* Matched classes do not have the same semantics</a:t>
             </a:r>
-            <a:endParaRPr b="0" lang="en-GB" sz="2400" spc="-1" strike="noStrike">
-              <a:latin typeface="Arial"/>
-            </a:endParaRPr>
-          </a:p>
-          <a:p>
-            <a:pPr marL="457200" indent="-225720">
+            <a:endParaRPr b="0" lang="en-US" sz="2400" spc="-1" strike="noStrike">
+              <a:latin typeface="Arial"/>
+            </a:endParaRPr>
+          </a:p>
+          <a:p>
+            <a:pPr marL="457200" indent="-225360">
               <a:lnSpc>
                 <a:spcPct val="100000"/>
               </a:lnSpc>
@@ -13504,12 +13263,12 @@
               </a:rPr>
               <a:t>- Our Person class also includes legal bodies while the other does not</a:t>
             </a:r>
-            <a:endParaRPr b="0" lang="en-GB" sz="1600" spc="-1" strike="noStrike">
-              <a:latin typeface="Arial"/>
-            </a:endParaRPr>
-          </a:p>
-          <a:p>
-            <a:pPr marL="457200" indent="-225720">
+            <a:endParaRPr b="0" lang="en-US" sz="1600" spc="-1" strike="noStrike">
+              <a:latin typeface="Arial"/>
+            </a:endParaRPr>
+          </a:p>
+          <a:p>
+            <a:pPr marL="457200" indent="-225360">
               <a:lnSpc>
                 <a:spcPct val="100000"/>
               </a:lnSpc>
@@ -13520,12 +13279,12 @@
                 <a:tab algn="l" pos="0"/>
               </a:tabLst>
             </a:pPr>
-            <a:endParaRPr b="0" lang="en-GB" sz="1600" spc="-1" strike="noStrike">
-              <a:latin typeface="Arial"/>
-            </a:endParaRPr>
-          </a:p>
-          <a:p>
-            <a:pPr marL="457200" indent="-225720">
+            <a:endParaRPr b="0" lang="en-US" sz="1600" spc="-1" strike="noStrike">
+              <a:latin typeface="Arial"/>
+            </a:endParaRPr>
+          </a:p>
+          <a:p>
+            <a:pPr marL="457200" indent="-225360">
               <a:lnSpc>
                 <a:spcPct val="100000"/>
               </a:lnSpc>
@@ -13546,7 +13305,7 @@
               </a:rPr>
               <a:t> </a:t>
             </a:r>
-            <a:endParaRPr b="0" lang="en-GB" sz="1400" spc="-1" strike="noStrike">
+            <a:endParaRPr b="0" lang="en-US" sz="1400" spc="-1" strike="noStrike">
               <a:latin typeface="Arial"/>
             </a:endParaRPr>
           </a:p>
